--- a/SPSKC_CSR.pptx
+++ b/SPSKC_CSR.pptx
@@ -3305,334 +3305,6 @@
       <dsp:cNvGrpSpPr/>
     </dsp:nvGrpSpPr>
     <dsp:grpSpPr/>
-    <dsp:sp modelId="{AC944DED-EBB6-488E-BF26-669AE3A7F6BE}">
-      <dsp:nvSpPr>
-        <dsp:cNvPr id="0" name=""/>
-        <dsp:cNvSpPr/>
-      </dsp:nvSpPr>
-      <dsp:spPr>
-        <a:xfrm>
-          <a:off x="-134034" y="0"/>
-          <a:ext cx="10783669" cy="4530725"/>
-        </a:xfrm>
-        <a:prstGeom prst="diamond">
-          <a:avLst/>
-        </a:prstGeom>
-        <a:solidFill>
-          <a:srgbClr val="ECECEC">
-            <a:alpha val="0"/>
-          </a:srgbClr>
-        </a:solidFill>
-        <a:ln>
-          <a:noFill/>
-        </a:ln>
-        <a:effectLst/>
-      </dsp:spPr>
-      <dsp:style>
-        <a:lnRef idx="0">
-          <a:scrgbClr r="0" g="0" b="0"/>
-        </a:lnRef>
-        <a:fillRef idx="1">
-          <a:scrgbClr r="0" g="0" b="0"/>
-        </a:fillRef>
-        <a:effectRef idx="0">
-          <a:scrgbClr r="0" g="0" b="0"/>
-        </a:effectRef>
-        <a:fontRef idx="minor"/>
-      </dsp:style>
-    </dsp:sp>
-    <dsp:sp modelId="{A938AC64-1965-4837-94E0-32948ED8DF0E}">
-      <dsp:nvSpPr>
-        <dsp:cNvPr id="0" name=""/>
-        <dsp:cNvSpPr/>
-      </dsp:nvSpPr>
-      <dsp:spPr>
-        <a:xfrm>
-          <a:off x="1108197" y="147993"/>
-          <a:ext cx="3540008" cy="2024449"/>
-        </a:xfrm>
-        <a:prstGeom prst="roundRect">
-          <a:avLst/>
-        </a:prstGeom>
-        <a:solidFill>
-          <a:schemeClr val="accent1">
-            <a:hueOff val="0"/>
-            <a:satOff val="0"/>
-            <a:lumOff val="0"/>
-            <a:alphaOff val="0"/>
-          </a:schemeClr>
-        </a:solidFill>
-        <a:ln w="12700" cap="flat" cmpd="sng" algn="ctr">
-          <a:solidFill>
-            <a:schemeClr val="lt1">
-              <a:hueOff val="0"/>
-              <a:satOff val="0"/>
-              <a:lumOff val="0"/>
-              <a:alphaOff val="0"/>
-            </a:schemeClr>
-          </a:solidFill>
-          <a:prstDash val="solid"/>
-          <a:miter lim="800000"/>
-        </a:ln>
-        <a:effectLst/>
-      </dsp:spPr>
-      <dsp:style>
-        <a:lnRef idx="2">
-          <a:scrgbClr r="0" g="0" b="0"/>
-        </a:lnRef>
-        <a:fillRef idx="1">
-          <a:scrgbClr r="0" g="0" b="0"/>
-        </a:fillRef>
-        <a:effectRef idx="0">
-          <a:scrgbClr r="0" g="0" b="0"/>
-        </a:effectRef>
-        <a:fontRef idx="minor">
-          <a:schemeClr val="lt1"/>
-        </a:fontRef>
-      </dsp:style>
-      <dsp:txBody>
-        <a:bodyPr spcFirstLastPara="0" vert="horz" wrap="square" lIns="106680" tIns="106680" rIns="106680" bIns="106680" numCol="1" spcCol="1270" anchor="ctr" anchorCtr="0">
-          <a:noAutofit/>
-        </a:bodyPr>
-        <a:lstStyle/>
-        <a:p>
-          <a:pPr lvl="0" algn="ctr" defTabSz="1244600" rtl="0">
-            <a:lnSpc>
-              <a:spcPct val="90000"/>
-            </a:lnSpc>
-            <a:spcBef>
-              <a:spcPct val="0"/>
-            </a:spcBef>
-            <a:spcAft>
-              <a:spcPct val="35000"/>
-            </a:spcAft>
-          </a:pPr>
-          <a:r>
-            <a:rPr lang="en-US" sz="2800" kern="1200" dirty="0"/>
-            <a:t>Who? Developers </a:t>
-          </a:r>
-        </a:p>
-        <a:p>
-          <a:pPr lvl="0" algn="ctr" defTabSz="1244600" rtl="0">
-            <a:lnSpc>
-              <a:spcPct val="90000"/>
-            </a:lnSpc>
-            <a:spcBef>
-              <a:spcPct val="0"/>
-            </a:spcBef>
-            <a:spcAft>
-              <a:spcPct val="35000"/>
-            </a:spcAft>
-          </a:pPr>
-          <a:r>
-            <a:rPr lang="en-US" sz="2800" kern="1200" dirty="0"/>
-            <a:t>(including Citizen Developers)</a:t>
-          </a:r>
-        </a:p>
-      </dsp:txBody>
-      <dsp:txXfrm>
-        <a:off x="1207022" y="246818"/>
-        <a:ext cx="3342358" cy="1826799"/>
-      </dsp:txXfrm>
-    </dsp:sp>
-    <dsp:sp modelId="{9345D29A-389E-42F7-82F5-13738ADA8976}">
-      <dsp:nvSpPr>
-        <dsp:cNvPr id="0" name=""/>
-        <dsp:cNvSpPr/>
-      </dsp:nvSpPr>
-      <dsp:spPr>
-        <a:xfrm>
-          <a:off x="5875504" y="210818"/>
-          <a:ext cx="3589625" cy="1987078"/>
-        </a:xfrm>
-        <a:prstGeom prst="roundRect">
-          <a:avLst/>
-        </a:prstGeom>
-        <a:solidFill>
-          <a:schemeClr val="accent1">
-            <a:hueOff val="0"/>
-            <a:satOff val="0"/>
-            <a:lumOff val="0"/>
-            <a:alphaOff val="0"/>
-          </a:schemeClr>
-        </a:solidFill>
-        <a:ln w="12700" cap="flat" cmpd="sng" algn="ctr">
-          <a:solidFill>
-            <a:schemeClr val="lt1">
-              <a:hueOff val="0"/>
-              <a:satOff val="0"/>
-              <a:lumOff val="0"/>
-              <a:alphaOff val="0"/>
-            </a:schemeClr>
-          </a:solidFill>
-          <a:prstDash val="solid"/>
-          <a:miter lim="800000"/>
-        </a:ln>
-        <a:effectLst/>
-      </dsp:spPr>
-      <dsp:style>
-        <a:lnRef idx="2">
-          <a:scrgbClr r="0" g="0" b="0"/>
-        </a:lnRef>
-        <a:fillRef idx="1">
-          <a:scrgbClr r="0" g="0" b="0"/>
-        </a:fillRef>
-        <a:effectRef idx="0">
-          <a:scrgbClr r="0" g="0" b="0"/>
-        </a:effectRef>
-        <a:fontRef idx="minor">
-          <a:schemeClr val="lt1"/>
-        </a:fontRef>
-      </dsp:style>
-      <dsp:txBody>
-        <a:bodyPr spcFirstLastPara="0" vert="horz" wrap="square" lIns="106680" tIns="106680" rIns="106680" bIns="106680" numCol="1" spcCol="1270" anchor="ctr" anchorCtr="0">
-          <a:noAutofit/>
-        </a:bodyPr>
-        <a:lstStyle/>
-        <a:p>
-          <a:pPr lvl="0" algn="ctr" defTabSz="1244600" rtl="0">
-            <a:lnSpc>
-              <a:spcPct val="90000"/>
-            </a:lnSpc>
-            <a:spcBef>
-              <a:spcPct val="0"/>
-            </a:spcBef>
-            <a:spcAft>
-              <a:spcPct val="35000"/>
-            </a:spcAft>
-          </a:pPr>
-          <a:r>
-            <a:rPr lang="en-US" sz="2800" kern="1200" dirty="0"/>
-            <a:t>Show practical examples of CSR to customize forms (and possibly Views)</a:t>
-          </a:r>
-        </a:p>
-      </dsp:txBody>
-      <dsp:txXfrm>
-        <a:off x="5972505" y="307819"/>
-        <a:ext cx="3395623" cy="1793076"/>
-      </dsp:txXfrm>
-    </dsp:sp>
-    <dsp:sp modelId="{26309244-D78B-4147-92EB-687CA5A90E3A}">
-      <dsp:nvSpPr>
-        <dsp:cNvPr id="0" name=""/>
-        <dsp:cNvSpPr/>
-      </dsp:nvSpPr>
-      <dsp:spPr>
-        <a:xfrm>
-          <a:off x="3344552" y="2512884"/>
-          <a:ext cx="3521225" cy="1983438"/>
-        </a:xfrm>
-        <a:prstGeom prst="roundRect">
-          <a:avLst/>
-        </a:prstGeom>
-        <a:solidFill>
-          <a:schemeClr val="accent1">
-            <a:hueOff val="0"/>
-            <a:satOff val="0"/>
-            <a:lumOff val="0"/>
-            <a:alphaOff val="0"/>
-          </a:schemeClr>
-        </a:solidFill>
-        <a:ln w="12700" cap="flat" cmpd="sng" algn="ctr">
-          <a:solidFill>
-            <a:schemeClr val="lt1">
-              <a:hueOff val="0"/>
-              <a:satOff val="0"/>
-              <a:lumOff val="0"/>
-              <a:alphaOff val="0"/>
-            </a:schemeClr>
-          </a:solidFill>
-          <a:prstDash val="solid"/>
-          <a:miter lim="800000"/>
-        </a:ln>
-        <a:effectLst/>
-      </dsp:spPr>
-      <dsp:style>
-        <a:lnRef idx="2">
-          <a:scrgbClr r="0" g="0" b="0"/>
-        </a:lnRef>
-        <a:fillRef idx="1">
-          <a:scrgbClr r="0" g="0" b="0"/>
-        </a:fillRef>
-        <a:effectRef idx="0">
-          <a:scrgbClr r="0" g="0" b="0"/>
-        </a:effectRef>
-        <a:fontRef idx="minor">
-          <a:schemeClr val="lt1"/>
-        </a:fontRef>
-      </dsp:style>
-      <dsp:txBody>
-        <a:bodyPr spcFirstLastPara="0" vert="horz" wrap="square" lIns="106680" tIns="106680" rIns="106680" bIns="106680" numCol="1" spcCol="1270" anchor="ctr" anchorCtr="0">
-          <a:noAutofit/>
-        </a:bodyPr>
-        <a:lstStyle/>
-        <a:p>
-          <a:pPr lvl="0" algn="ctr" defTabSz="1244600" rtl="0">
-            <a:lnSpc>
-              <a:spcPct val="90000"/>
-            </a:lnSpc>
-            <a:spcBef>
-              <a:spcPct val="0"/>
-            </a:spcBef>
-            <a:spcAft>
-              <a:spcPct val="35000"/>
-            </a:spcAft>
-          </a:pPr>
-          <a:r>
-            <a:rPr lang="en-US" sz="2800" kern="1200" dirty="0"/>
-            <a:t>Talk about gotchas MDS, dep</a:t>
-          </a:r>
-          <a:r>
-            <a:rPr lang="en-US" sz="2800" b="1" kern="1200" dirty="0"/>
-            <a:t>lo</a:t>
-          </a:r>
-          <a:r>
-            <a:rPr lang="en-US" sz="2800" kern="1200" dirty="0"/>
-            <a:t>yment, JSLink limitations</a:t>
-          </a:r>
-        </a:p>
-      </dsp:txBody>
-      <dsp:txXfrm>
-        <a:off x="3441375" y="2609707"/>
-        <a:ext cx="3327579" cy="1789792"/>
-      </dsp:txXfrm>
-    </dsp:sp>
-    <dsp:sp modelId="{EEEB16C2-02E3-4B32-9461-82D301FB9452}">
-      <dsp:nvSpPr>
-        <dsp:cNvPr id="0" name=""/>
-        <dsp:cNvSpPr/>
-      </dsp:nvSpPr>
-      <dsp:spPr>
-        <a:xfrm>
-          <a:off x="9560282" y="4445168"/>
-          <a:ext cx="45711" cy="45711"/>
-        </a:xfrm>
-        <a:prstGeom prst="actionButtonBlank">
-          <a:avLst/>
-        </a:prstGeom>
-        <a:noFill/>
-        <a:ln w="12700" cap="flat" cmpd="sng" algn="ctr">
-          <a:noFill/>
-          <a:prstDash val="solid"/>
-          <a:miter lim="800000"/>
-        </a:ln>
-        <a:effectLst/>
-      </dsp:spPr>
-      <dsp:style>
-        <a:lnRef idx="2">
-          <a:scrgbClr r="0" g="0" b="0"/>
-        </a:lnRef>
-        <a:fillRef idx="1">
-          <a:scrgbClr r="0" g="0" b="0"/>
-        </a:fillRef>
-        <a:effectRef idx="0">
-          <a:scrgbClr r="0" g="0" b="0"/>
-        </a:effectRef>
-        <a:fontRef idx="minor">
-          <a:schemeClr val="lt1"/>
-        </a:fontRef>
-      </dsp:style>
-    </dsp:sp>
   </dsp:spTree>
 </dsp:drawing>
 </file>
@@ -3645,422 +3317,6 @@
       <dsp:cNvGrpSpPr/>
     </dsp:nvGrpSpPr>
     <dsp:grpSpPr/>
-    <dsp:sp modelId="{49121172-462D-4D7B-B892-B91EF6B7757D}">
-      <dsp:nvSpPr>
-        <dsp:cNvPr id="0" name=""/>
-        <dsp:cNvSpPr/>
-      </dsp:nvSpPr>
-      <dsp:spPr>
-        <a:xfrm>
-          <a:off x="0" y="0"/>
-          <a:ext cx="10537209" cy="1287269"/>
-        </a:xfrm>
-        <a:prstGeom prst="roundRect">
-          <a:avLst/>
-        </a:prstGeom>
-        <a:solidFill>
-          <a:srgbClr val="2E74B4"/>
-        </a:solidFill>
-        <a:ln w="12700" cap="flat" cmpd="sng" algn="ctr">
-          <a:solidFill>
-            <a:schemeClr val="lt1">
-              <a:hueOff val="0"/>
-              <a:satOff val="0"/>
-              <a:lumOff val="0"/>
-              <a:alphaOff val="0"/>
-            </a:schemeClr>
-          </a:solidFill>
-          <a:prstDash val="solid"/>
-          <a:miter lim="800000"/>
-        </a:ln>
-        <a:effectLst/>
-      </dsp:spPr>
-      <dsp:style>
-        <a:lnRef idx="2">
-          <a:scrgbClr r="0" g="0" b="0"/>
-        </a:lnRef>
-        <a:fillRef idx="1">
-          <a:scrgbClr r="0" g="0" b="0"/>
-        </a:fillRef>
-        <a:effectRef idx="0">
-          <a:scrgbClr r="0" g="0" b="0"/>
-        </a:effectRef>
-        <a:fontRef idx="minor">
-          <a:schemeClr val="lt1"/>
-        </a:fontRef>
-      </dsp:style>
-      <dsp:txBody>
-        <a:bodyPr spcFirstLastPara="0" vert="horz" wrap="square" lIns="121920" tIns="121920" rIns="121920" bIns="121920" numCol="1" spcCol="1270" anchor="ctr" anchorCtr="0">
-          <a:noAutofit/>
-        </a:bodyPr>
-        <a:lstStyle/>
-        <a:p>
-          <a:pPr lvl="0" algn="l" defTabSz="1422400" rtl="0">
-            <a:lnSpc>
-              <a:spcPct val="90000"/>
-            </a:lnSpc>
-            <a:spcBef>
-              <a:spcPct val="0"/>
-            </a:spcBef>
-            <a:spcAft>
-              <a:spcPct val="35000"/>
-            </a:spcAft>
-          </a:pPr>
-          <a:r>
-            <a:rPr lang="en-US" sz="3200" kern="1200" dirty="0"/>
-            <a:t>A mechanism to inject JavaScript into various pages</a:t>
-          </a:r>
-        </a:p>
-      </dsp:txBody>
-      <dsp:txXfrm>
-        <a:off x="62839" y="62839"/>
-        <a:ext cx="10411531" cy="1161591"/>
-      </dsp:txXfrm>
-    </dsp:sp>
-    <dsp:sp modelId="{D72AC7AB-600E-41F0-A1F1-04EC62A14A47}">
-      <dsp:nvSpPr>
-        <dsp:cNvPr id="0" name=""/>
-        <dsp:cNvSpPr/>
-      </dsp:nvSpPr>
-      <dsp:spPr>
-        <a:xfrm>
-          <a:off x="0" y="1377422"/>
-          <a:ext cx="10537209" cy="1287269"/>
-        </a:xfrm>
-        <a:prstGeom prst="roundRect">
-          <a:avLst/>
-        </a:prstGeom>
-        <a:solidFill>
-          <a:srgbClr val="BB5611"/>
-        </a:solidFill>
-        <a:ln w="12700" cap="flat" cmpd="sng" algn="ctr">
-          <a:solidFill>
-            <a:schemeClr val="lt1">
-              <a:hueOff val="0"/>
-              <a:satOff val="0"/>
-              <a:lumOff val="0"/>
-              <a:alphaOff val="0"/>
-            </a:schemeClr>
-          </a:solidFill>
-          <a:prstDash val="solid"/>
-          <a:miter lim="800000"/>
-        </a:ln>
-        <a:effectLst/>
-      </dsp:spPr>
-      <dsp:style>
-        <a:lnRef idx="2">
-          <a:scrgbClr r="0" g="0" b="0"/>
-        </a:lnRef>
-        <a:fillRef idx="1">
-          <a:scrgbClr r="0" g="0" b="0"/>
-        </a:fillRef>
-        <a:effectRef idx="0">
-          <a:scrgbClr r="0" g="0" b="0"/>
-        </a:effectRef>
-        <a:fontRef idx="minor">
-          <a:schemeClr val="lt1"/>
-        </a:fontRef>
-      </dsp:style>
-      <dsp:txBody>
-        <a:bodyPr spcFirstLastPara="0" vert="horz" wrap="square" lIns="121920" tIns="121920" rIns="121920" bIns="121920" numCol="1" spcCol="1270" anchor="ctr" anchorCtr="0">
-          <a:noAutofit/>
-        </a:bodyPr>
-        <a:lstStyle/>
-        <a:p>
-          <a:pPr lvl="0" algn="l" defTabSz="1422400" rtl="0">
-            <a:lnSpc>
-              <a:spcPct val="90000"/>
-            </a:lnSpc>
-            <a:spcBef>
-              <a:spcPct val="0"/>
-            </a:spcBef>
-            <a:spcAft>
-              <a:spcPct val="35000"/>
-            </a:spcAft>
-          </a:pPr>
-          <a:r>
-            <a:rPr lang="en-US" sz="3200" kern="1200" dirty="0"/>
-            <a:t>A property that can be set on various SharePoint objects</a:t>
-          </a:r>
-        </a:p>
-        <a:p>
-          <a:pPr lvl="0" algn="l" defTabSz="1422400" rtl="0">
-            <a:lnSpc>
-              <a:spcPct val="90000"/>
-            </a:lnSpc>
-            <a:spcBef>
-              <a:spcPct val="0"/>
-            </a:spcBef>
-            <a:spcAft>
-              <a:spcPct val="35000"/>
-            </a:spcAft>
-          </a:pPr>
-          <a:r>
-            <a:rPr lang="en-US" sz="500" kern="1200" dirty="0"/>
-            <a:t>      </a:t>
-          </a:r>
-          <a:r>
-            <a:rPr lang="en-US" sz="2000" kern="1200" dirty="0"/>
-            <a:t>- Form, Field, Content Type, View, List View Web Part (XLSTListViewWebPart)</a:t>
-          </a:r>
-          <a:endParaRPr lang="en-US" sz="500" kern="1200" dirty="0"/>
-        </a:p>
-      </dsp:txBody>
-      <dsp:txXfrm>
-        <a:off x="62839" y="1440261"/>
-        <a:ext cx="10411531" cy="1161591"/>
-      </dsp:txXfrm>
-    </dsp:sp>
-    <dsp:sp modelId="{9F78F9A8-91DB-4B53-9C97-66189ADC155B}">
-      <dsp:nvSpPr>
-        <dsp:cNvPr id="0" name=""/>
-        <dsp:cNvSpPr/>
-      </dsp:nvSpPr>
-      <dsp:spPr>
-        <a:xfrm>
-          <a:off x="0" y="2587637"/>
-          <a:ext cx="10537209" cy="62019"/>
-        </a:xfrm>
-        <a:prstGeom prst="rect">
-          <a:avLst/>
-        </a:prstGeom>
-        <a:noFill/>
-        <a:ln>
-          <a:noFill/>
-        </a:ln>
-        <a:effectLst/>
-      </dsp:spPr>
-      <dsp:style>
-        <a:lnRef idx="0">
-          <a:scrgbClr r="0" g="0" b="0"/>
-        </a:lnRef>
-        <a:fillRef idx="0">
-          <a:scrgbClr r="0" g="0" b="0"/>
-        </a:fillRef>
-        <a:effectRef idx="0">
-          <a:scrgbClr r="0" g="0" b="0"/>
-        </a:effectRef>
-        <a:fontRef idx="minor"/>
-      </dsp:style>
-      <dsp:txBody>
-        <a:bodyPr spcFirstLastPara="0" vert="horz" wrap="square" lIns="334556" tIns="6350" rIns="35560" bIns="6350" numCol="1" spcCol="1270" anchor="t" anchorCtr="0">
-          <a:noAutofit/>
-        </a:bodyPr>
-        <a:lstStyle/>
-        <a:p>
-          <a:pPr marL="57150" lvl="1" indent="-57150" algn="l" defTabSz="177800" rtl="0">
-            <a:lnSpc>
-              <a:spcPct val="90000"/>
-            </a:lnSpc>
-            <a:spcBef>
-              <a:spcPct val="0"/>
-            </a:spcBef>
-            <a:spcAft>
-              <a:spcPct val="20000"/>
-            </a:spcAft>
-            <a:buChar char="••"/>
-          </a:pPr>
-          <a:endParaRPr lang="en-US" sz="400" kern="1200" dirty="0"/>
-        </a:p>
-      </dsp:txBody>
-      <dsp:txXfrm>
-        <a:off x="0" y="2587637"/>
-        <a:ext cx="10537209" cy="62019"/>
-      </dsp:txXfrm>
-    </dsp:sp>
-    <dsp:sp modelId="{1A186D14-F1CB-4CF9-8AD8-6C09CA5E9B12}">
-      <dsp:nvSpPr>
-        <dsp:cNvPr id="0" name=""/>
-        <dsp:cNvSpPr/>
-      </dsp:nvSpPr>
-      <dsp:spPr>
-        <a:xfrm>
-          <a:off x="0" y="2713988"/>
-          <a:ext cx="10537209" cy="1287269"/>
-        </a:xfrm>
-        <a:prstGeom prst="roundRect">
-          <a:avLst/>
-        </a:prstGeom>
-        <a:solidFill>
-          <a:srgbClr val="4F7B31"/>
-        </a:solidFill>
-        <a:ln w="12700" cap="flat" cmpd="sng" algn="ctr">
-          <a:solidFill>
-            <a:schemeClr val="lt1">
-              <a:hueOff val="0"/>
-              <a:satOff val="0"/>
-              <a:lumOff val="0"/>
-              <a:alphaOff val="0"/>
-            </a:schemeClr>
-          </a:solidFill>
-          <a:prstDash val="solid"/>
-          <a:miter lim="800000"/>
-        </a:ln>
-        <a:effectLst/>
-      </dsp:spPr>
-      <dsp:style>
-        <a:lnRef idx="2">
-          <a:scrgbClr r="0" g="0" b="0"/>
-        </a:lnRef>
-        <a:fillRef idx="1">
-          <a:scrgbClr r="0" g="0" b="0"/>
-        </a:fillRef>
-        <a:effectRef idx="0">
-          <a:scrgbClr r="0" g="0" b="0"/>
-        </a:effectRef>
-        <a:fontRef idx="minor">
-          <a:schemeClr val="lt1"/>
-        </a:fontRef>
-      </dsp:style>
-      <dsp:txBody>
-        <a:bodyPr spcFirstLastPara="0" vert="horz" wrap="square" lIns="121920" tIns="121920" rIns="121920" bIns="121920" numCol="1" spcCol="1270" anchor="ctr" anchorCtr="0">
-          <a:noAutofit/>
-        </a:bodyPr>
-        <a:lstStyle/>
-        <a:p>
-          <a:pPr lvl="0" algn="l" defTabSz="1422400" rtl="0">
-            <a:lnSpc>
-              <a:spcPct val="90000"/>
-            </a:lnSpc>
-            <a:spcBef>
-              <a:spcPct val="0"/>
-            </a:spcBef>
-            <a:spcAft>
-              <a:spcPts val="600"/>
-            </a:spcAft>
-          </a:pPr>
-          <a:r>
-            <a:rPr lang="en-US" sz="3200" kern="1200" dirty="0"/>
-            <a:t>CSR depends on a mechanism to inject JavaScript</a:t>
-          </a:r>
-        </a:p>
-        <a:p>
-          <a:pPr lvl="0" algn="l" defTabSz="1422400" rtl="0">
-            <a:lnSpc>
-              <a:spcPct val="90000"/>
-            </a:lnSpc>
-            <a:spcBef>
-              <a:spcPct val="0"/>
-            </a:spcBef>
-            <a:spcAft>
-              <a:spcPts val="0"/>
-            </a:spcAft>
-          </a:pPr>
-          <a:r>
-            <a:rPr lang="en-US" sz="1800" kern="1200" dirty="0"/>
-            <a:t>      - It does </a:t>
-          </a:r>
-          <a:r>
-            <a:rPr lang="en-US" sz="1800" b="1" u="sng" kern="1200" dirty="0"/>
-            <a:t>NOT</a:t>
-          </a:r>
-          <a:r>
-            <a:rPr lang="en-US" sz="1800" kern="1200" dirty="0"/>
-            <a:t> depend on JSLink</a:t>
-          </a:r>
-        </a:p>
-        <a:p>
-          <a:pPr lvl="0" algn="l" defTabSz="1422400" rtl="0">
-            <a:lnSpc>
-              <a:spcPct val="90000"/>
-            </a:lnSpc>
-            <a:spcBef>
-              <a:spcPct val="0"/>
-            </a:spcBef>
-            <a:spcAft>
-              <a:spcPts val="0"/>
-            </a:spcAft>
-          </a:pPr>
-          <a:r>
-            <a:rPr lang="en-US" sz="1800" kern="1200" dirty="0"/>
-            <a:t>      - There are other </a:t>
-          </a:r>
-          <a:r>
-            <a:rPr lang="en-US" sz="1800" kern="1200" dirty="0" smtClean="0"/>
-            <a:t>alternatives (Custom Actions, CEWP, etc.)</a:t>
-          </a:r>
-          <a:endParaRPr lang="en-US" sz="1800" kern="1200" dirty="0"/>
-        </a:p>
-        <a:p>
-          <a:pPr lvl="0" algn="l" defTabSz="1422400" rtl="0">
-            <a:lnSpc>
-              <a:spcPct val="90000"/>
-            </a:lnSpc>
-            <a:spcBef>
-              <a:spcPct val="0"/>
-            </a:spcBef>
-            <a:spcAft>
-              <a:spcPts val="0"/>
-            </a:spcAft>
-          </a:pPr>
-          <a:r>
-            <a:rPr lang="en-US" sz="1800" kern="1200" dirty="0"/>
-            <a:t>      - In some cases, JSLink works quite well with CSR, in others it does not play well with CSR at all</a:t>
-          </a:r>
-        </a:p>
-      </dsp:txBody>
-      <dsp:txXfrm>
-        <a:off x="62839" y="2776827"/>
-        <a:ext cx="10411531" cy="1161591"/>
-      </dsp:txXfrm>
-    </dsp:sp>
-    <dsp:sp modelId="{728BF77C-9C68-40F1-BB96-F8B36C52BBC6}">
-      <dsp:nvSpPr>
-        <dsp:cNvPr id="0" name=""/>
-        <dsp:cNvSpPr/>
-      </dsp:nvSpPr>
-      <dsp:spPr>
-        <a:xfrm>
-          <a:off x="0" y="3936926"/>
-          <a:ext cx="10537209" cy="62019"/>
-        </a:xfrm>
-        <a:prstGeom prst="rect">
-          <a:avLst/>
-        </a:prstGeom>
-        <a:noFill/>
-        <a:ln>
-          <a:noFill/>
-        </a:ln>
-        <a:effectLst/>
-      </dsp:spPr>
-      <dsp:style>
-        <a:lnRef idx="0">
-          <a:scrgbClr r="0" g="0" b="0"/>
-        </a:lnRef>
-        <a:fillRef idx="0">
-          <a:scrgbClr r="0" g="0" b="0"/>
-        </a:fillRef>
-        <a:effectRef idx="0">
-          <a:scrgbClr r="0" g="0" b="0"/>
-        </a:effectRef>
-        <a:fontRef idx="minor"/>
-      </dsp:style>
-      <dsp:txBody>
-        <a:bodyPr spcFirstLastPara="0" vert="horz" wrap="square" lIns="334556" tIns="6350" rIns="35560" bIns="6350" numCol="1" spcCol="1270" anchor="t" anchorCtr="0">
-          <a:noAutofit/>
-        </a:bodyPr>
-        <a:lstStyle/>
-        <a:p>
-          <a:pPr marL="57150" lvl="1" indent="-57150" algn="l" defTabSz="177800" rtl="0">
-            <a:lnSpc>
-              <a:spcPct val="90000"/>
-            </a:lnSpc>
-            <a:spcBef>
-              <a:spcPct val="0"/>
-            </a:spcBef>
-            <a:spcAft>
-              <a:spcPct val="20000"/>
-            </a:spcAft>
-            <a:buChar char="••"/>
-          </a:pPr>
-          <a:endParaRPr lang="en-US" sz="400" kern="1200" dirty="0"/>
-        </a:p>
-      </dsp:txBody>
-      <dsp:txXfrm>
-        <a:off x="0" y="3936926"/>
-        <a:ext cx="10537209" cy="62019"/>
-      </dsp:txXfrm>
-    </dsp:sp>
   </dsp:spTree>
 </dsp:drawing>
 </file>
@@ -4073,245 +3329,6 @@
       <dsp:cNvGrpSpPr/>
     </dsp:nvGrpSpPr>
     <dsp:grpSpPr/>
-    <dsp:sp modelId="{4F694A87-5DD4-43B4-B523-06D5ED9AEA4B}">
-      <dsp:nvSpPr>
-        <dsp:cNvPr id="0" name=""/>
-        <dsp:cNvSpPr/>
-      </dsp:nvSpPr>
-      <dsp:spPr>
-        <a:xfrm>
-          <a:off x="0" y="1775"/>
-          <a:ext cx="10515600" cy="1989922"/>
-        </a:xfrm>
-        <a:prstGeom prst="roundRect">
-          <a:avLst/>
-        </a:prstGeom>
-        <a:solidFill>
-          <a:srgbClr val="2A6BA6"/>
-        </a:solidFill>
-        <a:ln w="12700" cap="flat" cmpd="sng" algn="ctr">
-          <a:solidFill>
-            <a:schemeClr val="lt1">
-              <a:hueOff val="0"/>
-              <a:satOff val="0"/>
-              <a:lumOff val="0"/>
-              <a:alphaOff val="0"/>
-            </a:schemeClr>
-          </a:solidFill>
-          <a:prstDash val="solid"/>
-          <a:miter lim="800000"/>
-        </a:ln>
-        <a:effectLst/>
-      </dsp:spPr>
-      <dsp:style>
-        <a:lnRef idx="2">
-          <a:scrgbClr r="0" g="0" b="0"/>
-        </a:lnRef>
-        <a:fillRef idx="1">
-          <a:scrgbClr r="0" g="0" b="0"/>
-        </a:fillRef>
-        <a:effectRef idx="0">
-          <a:scrgbClr r="0" g="0" b="0"/>
-        </a:effectRef>
-        <a:fontRef idx="minor">
-          <a:schemeClr val="lt1"/>
-        </a:fontRef>
-      </dsp:style>
-      <dsp:txBody>
-        <a:bodyPr spcFirstLastPara="0" vert="horz" wrap="square" lIns="137160" tIns="137160" rIns="137160" bIns="137160" numCol="1" spcCol="1270" anchor="ctr" anchorCtr="0">
-          <a:noAutofit/>
-        </a:bodyPr>
-        <a:lstStyle/>
-        <a:p>
-          <a:pPr lvl="0" algn="l" defTabSz="1600200" rtl="0">
-            <a:lnSpc>
-              <a:spcPct val="90000"/>
-            </a:lnSpc>
-            <a:spcBef>
-              <a:spcPct val="0"/>
-            </a:spcBef>
-            <a:spcAft>
-              <a:spcPct val="35000"/>
-            </a:spcAft>
-          </a:pPr>
-          <a:r>
-            <a:rPr lang="en-US" sz="3600" kern="1200" dirty="0"/>
-            <a:t>In general, it just means pushing much of the presentation logic from the server (XSLT) to the client (JavaScript)</a:t>
-          </a:r>
-        </a:p>
-      </dsp:txBody>
-      <dsp:txXfrm>
-        <a:off x="97140" y="98915"/>
-        <a:ext cx="10321320" cy="1795642"/>
-      </dsp:txXfrm>
-    </dsp:sp>
-    <dsp:sp modelId="{D29B4909-0F47-468C-84E0-A467C5F3E634}">
-      <dsp:nvSpPr>
-        <dsp:cNvPr id="0" name=""/>
-        <dsp:cNvSpPr/>
-      </dsp:nvSpPr>
-      <dsp:spPr>
-        <a:xfrm>
-          <a:off x="0" y="2005099"/>
-          <a:ext cx="10515600" cy="1989922"/>
-        </a:xfrm>
-        <a:prstGeom prst="roundRect">
-          <a:avLst/>
-        </a:prstGeom>
-        <a:solidFill>
-          <a:srgbClr val="4A742E"/>
-        </a:solidFill>
-        <a:ln w="12700" cap="flat" cmpd="sng" algn="ctr">
-          <a:solidFill>
-            <a:schemeClr val="lt1">
-              <a:hueOff val="0"/>
-              <a:satOff val="0"/>
-              <a:lumOff val="0"/>
-              <a:alphaOff val="0"/>
-            </a:schemeClr>
-          </a:solidFill>
-          <a:prstDash val="solid"/>
-          <a:miter lim="800000"/>
-        </a:ln>
-        <a:effectLst/>
-      </dsp:spPr>
-      <dsp:style>
-        <a:lnRef idx="2">
-          <a:scrgbClr r="0" g="0" b="0"/>
-        </a:lnRef>
-        <a:fillRef idx="1">
-          <a:scrgbClr r="0" g="0" b="0"/>
-        </a:fillRef>
-        <a:effectRef idx="0">
-          <a:scrgbClr r="0" g="0" b="0"/>
-        </a:effectRef>
-        <a:fontRef idx="minor">
-          <a:schemeClr val="lt1"/>
-        </a:fontRef>
-      </dsp:style>
-      <dsp:txBody>
-        <a:bodyPr spcFirstLastPara="0" vert="horz" wrap="square" lIns="91440" tIns="91440" rIns="91440" bIns="91440" numCol="1" spcCol="1270" anchor="ctr" anchorCtr="0">
-          <a:noAutofit/>
-        </a:bodyPr>
-        <a:lstStyle/>
-        <a:p>
-          <a:pPr lvl="0" algn="l" defTabSz="1066800" rtl="0">
-            <a:lnSpc>
-              <a:spcPct val="90000"/>
-            </a:lnSpc>
-            <a:spcBef>
-              <a:spcPct val="0"/>
-            </a:spcBef>
-            <a:spcAft>
-              <a:spcPct val="35000"/>
-            </a:spcAft>
-          </a:pPr>
-          <a:r>
-            <a:rPr lang="en-US" sz="2400" kern="1200" dirty="0"/>
-            <a:t>In SharePoint, it is a framework for overriding the built-in presentation logic of new, edit, and display forms, views, and search results using HTML, CSS, and JavaScript</a:t>
-          </a:r>
-        </a:p>
-        <a:p>
-          <a:pPr lvl="0" algn="l" defTabSz="1066800" rtl="0">
-            <a:lnSpc>
-              <a:spcPct val="90000"/>
-            </a:lnSpc>
-            <a:spcBef>
-              <a:spcPct val="0"/>
-            </a:spcBef>
-            <a:spcAft>
-              <a:spcPts val="0"/>
-            </a:spcAft>
-          </a:pPr>
-          <a:r>
-            <a:rPr lang="en-US" sz="1800" kern="1200" dirty="0"/>
-            <a:t>    - </a:t>
-          </a:r>
-          <a:r>
-            <a:rPr lang="en-US" sz="2000" kern="1200" dirty="0"/>
-            <a:t>Depends on a mechanism for injecting JavaScript into one or more SharePoint    </a:t>
-          </a:r>
-        </a:p>
-        <a:p>
-          <a:pPr lvl="0" algn="l" defTabSz="1066800" rtl="0">
-            <a:lnSpc>
-              <a:spcPct val="90000"/>
-            </a:lnSpc>
-            <a:spcBef>
-              <a:spcPct val="0"/>
-            </a:spcBef>
-            <a:spcAft>
-              <a:spcPts val="0"/>
-            </a:spcAft>
-          </a:pPr>
-          <a:r>
-            <a:rPr lang="en-US" sz="2000" kern="1200" dirty="0"/>
-            <a:t>      pages</a:t>
-          </a:r>
-        </a:p>
-      </dsp:txBody>
-      <dsp:txXfrm>
-        <a:off x="97140" y="2102239"/>
-        <a:ext cx="10321320" cy="1795642"/>
-      </dsp:txXfrm>
-    </dsp:sp>
-    <dsp:sp modelId="{F37F4947-6993-4131-8E52-6FEFE9332518}">
-      <dsp:nvSpPr>
-        <dsp:cNvPr id="0" name=""/>
-        <dsp:cNvSpPr/>
-      </dsp:nvSpPr>
-      <dsp:spPr>
-        <a:xfrm>
-          <a:off x="0" y="3995022"/>
-          <a:ext cx="10515600" cy="77058"/>
-        </a:xfrm>
-        <a:prstGeom prst="rect">
-          <a:avLst/>
-        </a:prstGeom>
-        <a:noFill/>
-        <a:ln>
-          <a:noFill/>
-        </a:ln>
-        <a:effectLst/>
-      </dsp:spPr>
-      <dsp:style>
-        <a:lnRef idx="0">
-          <a:scrgbClr r="0" g="0" b="0"/>
-        </a:lnRef>
-        <a:fillRef idx="0">
-          <a:scrgbClr r="0" g="0" b="0"/>
-        </a:fillRef>
-        <a:effectRef idx="0">
-          <a:scrgbClr r="0" g="0" b="0"/>
-        </a:effectRef>
-        <a:fontRef idx="minor"/>
-      </dsp:style>
-      <dsp:txBody>
-        <a:bodyPr spcFirstLastPara="0" vert="horz" wrap="square" lIns="333870" tIns="6350" rIns="35560" bIns="6350" numCol="1" spcCol="1270" anchor="t" anchorCtr="0">
-          <a:noAutofit/>
-        </a:bodyPr>
-        <a:lstStyle/>
-        <a:p>
-          <a:pPr marL="57150" lvl="1" indent="-57150" algn="l" defTabSz="177800" rtl="0">
-            <a:lnSpc>
-              <a:spcPct val="90000"/>
-            </a:lnSpc>
-            <a:spcBef>
-              <a:spcPct val="0"/>
-            </a:spcBef>
-            <a:spcAft>
-              <a:spcPct val="20000"/>
-            </a:spcAft>
-            <a:buChar char="••"/>
-          </a:pPr>
-          <a:endParaRPr lang="en-US" sz="400" kern="1200" dirty="0"/>
-        </a:p>
-      </dsp:txBody>
-      <dsp:txXfrm>
-        <a:off x="0" y="3995022"/>
-        <a:ext cx="10515600" cy="77058"/>
-      </dsp:txXfrm>
-    </dsp:sp>
   </dsp:spTree>
 </dsp:drawing>
 </file>
@@ -19460,7 +18477,7 @@
         </p:spPr>
         <p:txBody>
           <a:bodyPr>
-            <a:normAutofit fontScale="92500" lnSpcReduction="10000"/>
+            <a:normAutofit/>
           </a:bodyPr>
           <a:lstStyle/>
           <a:p>
@@ -20057,16 +19074,19 @@
                 <a:ea typeface="Calibri" panose="020F0502020204030204" pitchFamily="34" charset="0"/>
                 <a:cs typeface="Times New Roman" panose="02020603050405020304" pitchFamily="18" charset="0"/>
               </a:rPr>
-              <a:t>        });</a:t>
-            </a:r>
-            <a:endParaRPr lang="en-US" sz="1100" dirty="0">
-              <a:solidFill>
-                <a:prstClr val="black"/>
-              </a:solidFill>
-              <a:latin typeface="Calibri" panose="020F0502020204030204" pitchFamily="34" charset="0"/>
-              <a:ea typeface="Calibri" panose="020F0502020204030204" pitchFamily="34" charset="0"/>
-              <a:cs typeface="Times New Roman" panose="02020603050405020304" pitchFamily="18" charset="0"/>
-            </a:endParaRPr>
+              <a:t>        </a:t>
+            </a:r>
+            <a:r>
+              <a:rPr lang="en-US" sz="1100" dirty="0" smtClean="0">
+                <a:solidFill>
+                  <a:srgbClr val="000000"/>
+                </a:solidFill>
+                <a:latin typeface="Consolas" panose="020B0609020204030204" pitchFamily="49" charset="0"/>
+                <a:ea typeface="Calibri" panose="020F0502020204030204" pitchFamily="34" charset="0"/>
+                <a:cs typeface="Times New Roman" panose="02020603050405020304" pitchFamily="18" charset="0"/>
+              </a:rPr>
+              <a:t>});</a:t>
+            </a:r>
           </a:p>
           <a:p>
             <a:pPr marL="0" lvl="0" indent="0">
@@ -20079,336 +19099,16 @@
               <a:buNone/>
             </a:pPr>
             <a:r>
-              <a:rPr lang="en-US" sz="1100" dirty="0">
-                <a:solidFill>
-                  <a:srgbClr val="000000"/>
-                </a:solidFill>
-                <a:latin typeface="Consolas" panose="020B0609020204030204" pitchFamily="49" charset="0"/>
+              <a:rPr lang="en-US" sz="1100" dirty="0" smtClean="0">
+                <a:solidFill>
+                  <a:prstClr val="black"/>
+                </a:solidFill>
+                <a:latin typeface="Calibri" panose="020F0502020204030204" pitchFamily="34" charset="0"/>
                 <a:ea typeface="Calibri" panose="020F0502020204030204" pitchFamily="34" charset="0"/>
                 <a:cs typeface="Times New Roman" panose="02020603050405020304" pitchFamily="18" charset="0"/>
               </a:rPr>
-              <a:t> </a:t>
-            </a:r>
-            <a:endParaRPr lang="en-US" sz="1100" dirty="0">
-              <a:solidFill>
-                <a:prstClr val="black"/>
-              </a:solidFill>
-              <a:latin typeface="Calibri" panose="020F0502020204030204" pitchFamily="34" charset="0"/>
-              <a:ea typeface="Calibri" panose="020F0502020204030204" pitchFamily="34" charset="0"/>
-              <a:cs typeface="Times New Roman" panose="02020603050405020304" pitchFamily="18" charset="0"/>
-            </a:endParaRPr>
-          </a:p>
-          <a:p>
-            <a:pPr marL="0" lvl="0" indent="0">
-              <a:lnSpc>
-                <a:spcPct val="107000"/>
-              </a:lnSpc>
-              <a:spcBef>
-                <a:spcPts val="0"/>
-              </a:spcBef>
-              <a:buNone/>
-            </a:pPr>
-            <a:r>
-              <a:rPr lang="en-US" sz="1100" dirty="0">
-                <a:solidFill>
-                  <a:srgbClr val="008000"/>
-                </a:solidFill>
-                <a:latin typeface="Consolas" panose="020B0609020204030204" pitchFamily="49" charset="0"/>
-                <a:ea typeface="Calibri" panose="020F0502020204030204" pitchFamily="34" charset="0"/>
-                <a:cs typeface="Times New Roman" panose="02020603050405020304" pitchFamily="18" charset="0"/>
-              </a:rPr>
-              <a:t>        // create a custom validator with an object literal</a:t>
-            </a:r>
-            <a:endParaRPr lang="en-US" sz="1100" dirty="0">
-              <a:solidFill>
-                <a:prstClr val="black"/>
-              </a:solidFill>
-              <a:latin typeface="Calibri" panose="020F0502020204030204" pitchFamily="34" charset="0"/>
-              <a:ea typeface="Calibri" panose="020F0502020204030204" pitchFamily="34" charset="0"/>
-              <a:cs typeface="Times New Roman" panose="02020603050405020304" pitchFamily="18" charset="0"/>
-            </a:endParaRPr>
-          </a:p>
-          <a:p>
-            <a:pPr marL="0" lvl="0" indent="0">
-              <a:lnSpc>
-                <a:spcPct val="107000"/>
-              </a:lnSpc>
-              <a:spcBef>
-                <a:spcPts val="0"/>
-              </a:spcBef>
-              <a:buNone/>
-            </a:pPr>
-            <a:r>
-              <a:rPr lang="en-US" sz="1100" dirty="0">
-                <a:solidFill>
-                  <a:srgbClr val="000000"/>
-                </a:solidFill>
-                <a:latin typeface="Consolas" panose="020B0609020204030204" pitchFamily="49" charset="0"/>
-                <a:ea typeface="Calibri" panose="020F0502020204030204" pitchFamily="34" charset="0"/>
-                <a:cs typeface="Times New Roman" panose="02020603050405020304" pitchFamily="18" charset="0"/>
-              </a:rPr>
-              <a:t>        fieldValidators.RegisterValidator({</a:t>
-            </a:r>
-            <a:endParaRPr lang="en-US" sz="1100" dirty="0">
-              <a:solidFill>
-                <a:prstClr val="black"/>
-              </a:solidFill>
-              <a:latin typeface="Calibri" panose="020F0502020204030204" pitchFamily="34" charset="0"/>
-              <a:ea typeface="Calibri" panose="020F0502020204030204" pitchFamily="34" charset="0"/>
-              <a:cs typeface="Times New Roman" panose="02020603050405020304" pitchFamily="18" charset="0"/>
-            </a:endParaRPr>
-          </a:p>
-          <a:p>
-            <a:pPr marL="0" lvl="0" indent="0">
-              <a:lnSpc>
-                <a:spcPct val="107000"/>
-              </a:lnSpc>
-              <a:spcBef>
-                <a:spcPts val="0"/>
-              </a:spcBef>
-              <a:buNone/>
-            </a:pPr>
-            <a:r>
-              <a:rPr lang="en-US" sz="1100" dirty="0">
-                <a:solidFill>
-                  <a:srgbClr val="000000"/>
-                </a:solidFill>
-                <a:latin typeface="Consolas" panose="020B0609020204030204" pitchFamily="49" charset="0"/>
-                <a:ea typeface="Calibri" panose="020F0502020204030204" pitchFamily="34" charset="0"/>
-                <a:cs typeface="Times New Roman" panose="02020603050405020304" pitchFamily="18" charset="0"/>
-              </a:rPr>
-              <a:t>            Validate: </a:t>
-            </a:r>
-            <a:r>
-              <a:rPr lang="en-US" sz="1100" dirty="0">
-                <a:solidFill>
-                  <a:srgbClr val="0000FF"/>
-                </a:solidFill>
-                <a:latin typeface="Consolas" panose="020B0609020204030204" pitchFamily="49" charset="0"/>
-                <a:ea typeface="Calibri" panose="020F0502020204030204" pitchFamily="34" charset="0"/>
-                <a:cs typeface="Times New Roman" panose="02020603050405020304" pitchFamily="18" charset="0"/>
-              </a:rPr>
-              <a:t>function</a:t>
-            </a:r>
-            <a:r>
-              <a:rPr lang="en-US" sz="1100" dirty="0">
-                <a:solidFill>
-                  <a:srgbClr val="000000"/>
-                </a:solidFill>
-                <a:latin typeface="Consolas" panose="020B0609020204030204" pitchFamily="49" charset="0"/>
-                <a:ea typeface="Calibri" panose="020F0502020204030204" pitchFamily="34" charset="0"/>
-                <a:cs typeface="Times New Roman" panose="02020603050405020304" pitchFamily="18" charset="0"/>
-              </a:rPr>
-              <a:t> (value) {  </a:t>
-            </a:r>
-            <a:r>
-              <a:rPr lang="en-US" sz="1100" dirty="0">
-                <a:solidFill>
-                  <a:srgbClr val="008000"/>
-                </a:solidFill>
-                <a:latin typeface="Consolas" panose="020B0609020204030204" pitchFamily="49" charset="0"/>
-                <a:ea typeface="Calibri" panose="020F0502020204030204" pitchFamily="34" charset="0"/>
-                <a:cs typeface="Times New Roman" panose="02020603050405020304" pitchFamily="18" charset="0"/>
-              </a:rPr>
-              <a:t>// do some validation</a:t>
-            </a:r>
-            <a:endParaRPr lang="en-US" sz="1100" dirty="0">
-              <a:solidFill>
-                <a:prstClr val="black"/>
-              </a:solidFill>
-              <a:latin typeface="Calibri" panose="020F0502020204030204" pitchFamily="34" charset="0"/>
-              <a:ea typeface="Calibri" panose="020F0502020204030204" pitchFamily="34" charset="0"/>
-              <a:cs typeface="Times New Roman" panose="02020603050405020304" pitchFamily="18" charset="0"/>
-            </a:endParaRPr>
-          </a:p>
-          <a:p>
-            <a:pPr marL="0" lvl="0" indent="0">
-              <a:lnSpc>
-                <a:spcPct val="107000"/>
-              </a:lnSpc>
-              <a:spcBef>
-                <a:spcPts val="0"/>
-              </a:spcBef>
-              <a:buNone/>
-            </a:pPr>
-            <a:r>
-              <a:rPr lang="en-US" sz="1100" dirty="0">
-                <a:solidFill>
-                  <a:srgbClr val="000000"/>
-                </a:solidFill>
-                <a:latin typeface="Consolas" panose="020B0609020204030204" pitchFamily="49" charset="0"/>
-                <a:ea typeface="Calibri" panose="020F0502020204030204" pitchFamily="34" charset="0"/>
-                <a:cs typeface="Times New Roman" panose="02020603050405020304" pitchFamily="18" charset="0"/>
-              </a:rPr>
-              <a:t>                </a:t>
-            </a:r>
-            <a:r>
-              <a:rPr lang="en-US" sz="1100" dirty="0">
-                <a:solidFill>
-                  <a:srgbClr val="0000FF"/>
-                </a:solidFill>
-                <a:latin typeface="Consolas" panose="020B0609020204030204" pitchFamily="49" charset="0"/>
-                <a:ea typeface="Calibri" panose="020F0502020204030204" pitchFamily="34" charset="0"/>
-                <a:cs typeface="Times New Roman" panose="02020603050405020304" pitchFamily="18" charset="0"/>
-              </a:rPr>
-              <a:t>return</a:t>
-            </a:r>
-            <a:r>
-              <a:rPr lang="en-US" sz="1100" dirty="0">
-                <a:solidFill>
-                  <a:srgbClr val="000000"/>
-                </a:solidFill>
-                <a:latin typeface="Consolas" panose="020B0609020204030204" pitchFamily="49" charset="0"/>
-                <a:ea typeface="Calibri" panose="020F0502020204030204" pitchFamily="34" charset="0"/>
-                <a:cs typeface="Times New Roman" panose="02020603050405020304" pitchFamily="18" charset="0"/>
-              </a:rPr>
               <a:t> </a:t>
             </a:r>
-            <a:r>
-              <a:rPr lang="en-US" sz="1100" dirty="0">
-                <a:solidFill>
-                  <a:srgbClr val="0000FF"/>
-                </a:solidFill>
-                <a:latin typeface="Consolas" panose="020B0609020204030204" pitchFamily="49" charset="0"/>
-                <a:ea typeface="Calibri" panose="020F0502020204030204" pitchFamily="34" charset="0"/>
-                <a:cs typeface="Times New Roman" panose="02020603050405020304" pitchFamily="18" charset="0"/>
-              </a:rPr>
-              <a:t>new</a:t>
-            </a:r>
-            <a:r>
-              <a:rPr lang="en-US" sz="1100" dirty="0">
-                <a:solidFill>
-                  <a:srgbClr val="000000"/>
-                </a:solidFill>
-                <a:latin typeface="Consolas" panose="020B0609020204030204" pitchFamily="49" charset="0"/>
-                <a:ea typeface="Calibri" panose="020F0502020204030204" pitchFamily="34" charset="0"/>
-                <a:cs typeface="Times New Roman" panose="02020603050405020304" pitchFamily="18" charset="0"/>
-              </a:rPr>
-              <a:t> SPClientForms.ClientValidation.ValidationResult(</a:t>
-            </a:r>
-            <a:r>
-              <a:rPr lang="en-US" sz="1100" dirty="0">
-                <a:solidFill>
-                  <a:srgbClr val="0000FF"/>
-                </a:solidFill>
-                <a:latin typeface="Consolas" panose="020B0609020204030204" pitchFamily="49" charset="0"/>
-                <a:ea typeface="Calibri" panose="020F0502020204030204" pitchFamily="34" charset="0"/>
-                <a:cs typeface="Times New Roman" panose="02020603050405020304" pitchFamily="18" charset="0"/>
-              </a:rPr>
-              <a:t>false</a:t>
-            </a:r>
-            <a:r>
-              <a:rPr lang="en-US" sz="1100" dirty="0">
-                <a:solidFill>
-                  <a:srgbClr val="000000"/>
-                </a:solidFill>
-                <a:latin typeface="Consolas" panose="020B0609020204030204" pitchFamily="49" charset="0"/>
-                <a:ea typeface="Calibri" panose="020F0502020204030204" pitchFamily="34" charset="0"/>
-                <a:cs typeface="Times New Roman" panose="02020603050405020304" pitchFamily="18" charset="0"/>
-              </a:rPr>
-              <a:t>, </a:t>
-            </a:r>
-            <a:r>
-              <a:rPr lang="en-US" sz="1100" dirty="0">
-                <a:solidFill>
-                  <a:srgbClr val="A31515"/>
-                </a:solidFill>
-                <a:latin typeface="Consolas" panose="020B0609020204030204" pitchFamily="49" charset="0"/>
-                <a:ea typeface="Calibri" panose="020F0502020204030204" pitchFamily="34" charset="0"/>
-                <a:cs typeface="Times New Roman" panose="02020603050405020304" pitchFamily="18" charset="0"/>
-              </a:rPr>
-              <a:t>''</a:t>
-            </a:r>
-            <a:r>
-              <a:rPr lang="en-US" sz="1100" dirty="0">
-                <a:solidFill>
-                  <a:srgbClr val="000000"/>
-                </a:solidFill>
-                <a:latin typeface="Consolas" panose="020B0609020204030204" pitchFamily="49" charset="0"/>
-                <a:ea typeface="Calibri" panose="020F0502020204030204" pitchFamily="34" charset="0"/>
-                <a:cs typeface="Times New Roman" panose="02020603050405020304" pitchFamily="18" charset="0"/>
-              </a:rPr>
-              <a:t>);</a:t>
-            </a:r>
-            <a:endParaRPr lang="en-US" sz="1100" dirty="0">
-              <a:solidFill>
-                <a:prstClr val="black"/>
-              </a:solidFill>
-              <a:latin typeface="Calibri" panose="020F0502020204030204" pitchFamily="34" charset="0"/>
-              <a:ea typeface="Calibri" panose="020F0502020204030204" pitchFamily="34" charset="0"/>
-              <a:cs typeface="Times New Roman" panose="02020603050405020304" pitchFamily="18" charset="0"/>
-            </a:endParaRPr>
-          </a:p>
-          <a:p>
-            <a:pPr marL="0" lvl="0" indent="0">
-              <a:lnSpc>
-                <a:spcPct val="107000"/>
-              </a:lnSpc>
-              <a:spcBef>
-                <a:spcPts val="0"/>
-              </a:spcBef>
-              <a:buNone/>
-            </a:pPr>
-            <a:r>
-              <a:rPr lang="en-US" sz="1100" dirty="0">
-                <a:solidFill>
-                  <a:srgbClr val="000000"/>
-                </a:solidFill>
-                <a:latin typeface="Consolas" panose="020B0609020204030204" pitchFamily="49" charset="0"/>
-                <a:ea typeface="Calibri" panose="020F0502020204030204" pitchFamily="34" charset="0"/>
-                <a:cs typeface="Times New Roman" panose="02020603050405020304" pitchFamily="18" charset="0"/>
-              </a:rPr>
-              <a:t>            }</a:t>
-            </a:r>
-            <a:endParaRPr lang="en-US" sz="1100" dirty="0">
-              <a:solidFill>
-                <a:prstClr val="black"/>
-              </a:solidFill>
-              <a:latin typeface="Calibri" panose="020F0502020204030204" pitchFamily="34" charset="0"/>
-              <a:ea typeface="Calibri" panose="020F0502020204030204" pitchFamily="34" charset="0"/>
-              <a:cs typeface="Times New Roman" panose="02020603050405020304" pitchFamily="18" charset="0"/>
-            </a:endParaRPr>
-          </a:p>
-          <a:p>
-            <a:pPr marL="0" lvl="0" indent="0">
-              <a:lnSpc>
-                <a:spcPct val="107000"/>
-              </a:lnSpc>
-              <a:spcBef>
-                <a:spcPts val="0"/>
-              </a:spcBef>
-              <a:buNone/>
-            </a:pPr>
-            <a:r>
-              <a:rPr lang="en-US" sz="1100" dirty="0">
-                <a:solidFill>
-                  <a:srgbClr val="000000"/>
-                </a:solidFill>
-                <a:latin typeface="Consolas" panose="020B0609020204030204" pitchFamily="49" charset="0"/>
-                <a:ea typeface="Calibri" panose="020F0502020204030204" pitchFamily="34" charset="0"/>
-                <a:cs typeface="Times New Roman" panose="02020603050405020304" pitchFamily="18" charset="0"/>
-              </a:rPr>
-              <a:t>        });</a:t>
-            </a:r>
-            <a:endParaRPr lang="en-US" sz="1100" dirty="0">
-              <a:solidFill>
-                <a:prstClr val="black"/>
-              </a:solidFill>
-              <a:latin typeface="Calibri" panose="020F0502020204030204" pitchFamily="34" charset="0"/>
-              <a:ea typeface="Calibri" panose="020F0502020204030204" pitchFamily="34" charset="0"/>
-              <a:cs typeface="Times New Roman" panose="02020603050405020304" pitchFamily="18" charset="0"/>
-            </a:endParaRPr>
-          </a:p>
-          <a:p>
-            <a:pPr marL="0" lvl="0" indent="0">
-              <a:lnSpc>
-                <a:spcPct val="107000"/>
-              </a:lnSpc>
-              <a:spcBef>
-                <a:spcPts val="0"/>
-              </a:spcBef>
-              <a:buNone/>
-            </a:pPr>
             <a:r>
               <a:rPr lang="en-US" sz="1100" dirty="0">
                 <a:solidFill>
@@ -26027,6 +24727,15 @@
 </file>
 
 <file path=customXml/item1.xml><?xml version="1.0" encoding="utf-8"?>
+<?mso-contentType ?>
+<FormTemplates xmlns="http://schemas.microsoft.com/sharepoint/v3/contenttype/forms">
+  <Display>DocumentLibraryForm</Display>
+  <Edit>DocumentLibraryForm</Edit>
+  <New>DocumentLibraryForm</New>
+</FormTemplates>
+</file>
+
+<file path=customXml/item2.xml><?xml version="1.0" encoding="utf-8"?>
 <ct:contentTypeSchema xmlns:ct="http://schemas.microsoft.com/office/2006/metadata/contentType" xmlns:ma="http://schemas.microsoft.com/office/2006/metadata/properties/metaAttributes" ct:_="" ma:_="" ma:contentTypeName="Unknown Document Type" ma:contentTypeID="0x010104" ma:contentTypeVersion="0" ma:contentTypeDescription="" ma:contentTypeScope="" ma:versionID="05d83ceaa0bbd2e3bc716e6e66bd857a">
   <xsd:schema xmlns:xsd="http://www.w3.org/2001/XMLSchema" xmlns:xs="http://www.w3.org/2001/XMLSchema" xmlns:p="http://schemas.microsoft.com/office/2006/metadata/properties" targetNamespace="http://schemas.microsoft.com/office/2006/metadata/properties" ma:root="true" ma:fieldsID="b3d69fe45253d5ff147bb69036b756a7">
     <xsd:element name="properties">
@@ -26140,15 +24849,6 @@
 </ct:contentTypeSchema>
 </file>
 
-<file path=customXml/item2.xml><?xml version="1.0" encoding="utf-8"?>
-<?mso-contentType ?>
-<FormTemplates xmlns="http://schemas.microsoft.com/sharepoint/v3/contenttype/forms">
-  <Display>DocumentLibraryForm</Display>
-  <Edit>DocumentLibraryForm</Edit>
-  <New>DocumentLibraryForm</New>
-</FormTemplates>
-</file>
-
 <file path=customXml/item3.xml><?xml version="1.0" encoding="utf-8"?>
 <p:properties xmlns:p="http://schemas.microsoft.com/office/2006/metadata/properties" xmlns:xsi="http://www.w3.org/2001/XMLSchema-instance" xmlns:pc="http://schemas.microsoft.com/office/infopath/2007/PartnerControls">
   <documentManagement/>
@@ -26156,6 +24856,14 @@
 </file>
 
 <file path=customXml/itemProps1.xml><?xml version="1.0" encoding="utf-8"?>
+<ds:datastoreItem xmlns:ds="http://schemas.openxmlformats.org/officeDocument/2006/customXml" ds:itemID="{BD3838D6-D387-47DB-98DE-E6AD820770DE}">
+  <ds:schemaRefs>
+    <ds:schemaRef ds:uri="http://schemas.microsoft.com/sharepoint/v3/contenttype/forms"/>
+  </ds:schemaRefs>
+</ds:datastoreItem>
+</file>
+
+<file path=customXml/itemProps2.xml><?xml version="1.0" encoding="utf-8"?>
 <ds:datastoreItem xmlns:ds="http://schemas.openxmlformats.org/officeDocument/2006/customXml" ds:itemID="{25DF74AC-AFCB-44E7-907E-698D70C63A06}">
   <ds:schemaRefs>
     <ds:schemaRef ds:uri="http://schemas.microsoft.com/office/2006/metadata/contentType"/>
@@ -26167,14 +24875,6 @@
     <ds:schemaRef ds:uri="http://purl.org/dc/terms/"/>
     <ds:schemaRef ds:uri="http://schemas.microsoft.com/internal/obd"/>
     <ds:schemaRef ds:uri="http://schemas.microsoft.com/office/infopath/2007/PartnerControls"/>
-  </ds:schemaRefs>
-</ds:datastoreItem>
-</file>
-
-<file path=customXml/itemProps2.xml><?xml version="1.0" encoding="utf-8"?>
-<ds:datastoreItem xmlns:ds="http://schemas.openxmlformats.org/officeDocument/2006/customXml" ds:itemID="{BD3838D6-D387-47DB-98DE-E6AD820770DE}">
-  <ds:schemaRefs>
-    <ds:schemaRef ds:uri="http://schemas.microsoft.com/sharepoint/v3/contenttype/forms"/>
   </ds:schemaRefs>
 </ds:datastoreItem>
 </file>

--- a/SPSKC_CSR.pptx
+++ b/SPSKC_CSR.pptx
@@ -7,28 +7,29 @@
     <p:sldMasterId id="2147483675" r:id="rId6"/>
   </p:sldMasterIdLst>
   <p:notesMasterIdLst>
-    <p:notesMasterId r:id="rId26"/>
+    <p:notesMasterId r:id="rId27"/>
   </p:notesMasterIdLst>
   <p:sldIdLst>
     <p:sldId id="299" r:id="rId7"/>
-    <p:sldId id="257" r:id="rId8"/>
-    <p:sldId id="266" r:id="rId9"/>
-    <p:sldId id="300" r:id="rId10"/>
-    <p:sldId id="301" r:id="rId11"/>
-    <p:sldId id="302" r:id="rId12"/>
-    <p:sldId id="303" r:id="rId13"/>
-    <p:sldId id="304" r:id="rId14"/>
-    <p:sldId id="305" r:id="rId15"/>
-    <p:sldId id="306" r:id="rId16"/>
-    <p:sldId id="307" r:id="rId17"/>
-    <p:sldId id="310" r:id="rId18"/>
-    <p:sldId id="309" r:id="rId19"/>
-    <p:sldId id="308" r:id="rId20"/>
-    <p:sldId id="311" r:id="rId21"/>
-    <p:sldId id="312" r:id="rId22"/>
-    <p:sldId id="314" r:id="rId23"/>
-    <p:sldId id="313" r:id="rId24"/>
-    <p:sldId id="315" r:id="rId25"/>
+    <p:sldId id="316" r:id="rId8"/>
+    <p:sldId id="257" r:id="rId9"/>
+    <p:sldId id="266" r:id="rId10"/>
+    <p:sldId id="300" r:id="rId11"/>
+    <p:sldId id="301" r:id="rId12"/>
+    <p:sldId id="302" r:id="rId13"/>
+    <p:sldId id="303" r:id="rId14"/>
+    <p:sldId id="304" r:id="rId15"/>
+    <p:sldId id="305" r:id="rId16"/>
+    <p:sldId id="306" r:id="rId17"/>
+    <p:sldId id="307" r:id="rId18"/>
+    <p:sldId id="310" r:id="rId19"/>
+    <p:sldId id="309" r:id="rId20"/>
+    <p:sldId id="308" r:id="rId21"/>
+    <p:sldId id="311" r:id="rId22"/>
+    <p:sldId id="312" r:id="rId23"/>
+    <p:sldId id="314" r:id="rId24"/>
+    <p:sldId id="313" r:id="rId25"/>
+    <p:sldId id="315" r:id="rId26"/>
   </p:sldIdLst>
   <p:sldSz cx="12192000" cy="6858000"/>
   <p:notesSz cx="6858000" cy="9144000"/>
@@ -3305,6 +3306,334 @@
       <dsp:cNvGrpSpPr/>
     </dsp:nvGrpSpPr>
     <dsp:grpSpPr/>
+    <dsp:sp modelId="{AC944DED-EBB6-488E-BF26-669AE3A7F6BE}">
+      <dsp:nvSpPr>
+        <dsp:cNvPr id="0" name=""/>
+        <dsp:cNvSpPr/>
+      </dsp:nvSpPr>
+      <dsp:spPr>
+        <a:xfrm>
+          <a:off x="-134034" y="0"/>
+          <a:ext cx="10783669" cy="4530725"/>
+        </a:xfrm>
+        <a:prstGeom prst="diamond">
+          <a:avLst/>
+        </a:prstGeom>
+        <a:solidFill>
+          <a:srgbClr val="ECECEC">
+            <a:alpha val="0"/>
+          </a:srgbClr>
+        </a:solidFill>
+        <a:ln>
+          <a:noFill/>
+        </a:ln>
+        <a:effectLst/>
+      </dsp:spPr>
+      <dsp:style>
+        <a:lnRef idx="0">
+          <a:scrgbClr r="0" g="0" b="0"/>
+        </a:lnRef>
+        <a:fillRef idx="1">
+          <a:scrgbClr r="0" g="0" b="0"/>
+        </a:fillRef>
+        <a:effectRef idx="0">
+          <a:scrgbClr r="0" g="0" b="0"/>
+        </a:effectRef>
+        <a:fontRef idx="minor"/>
+      </dsp:style>
+    </dsp:sp>
+    <dsp:sp modelId="{A938AC64-1965-4837-94E0-32948ED8DF0E}">
+      <dsp:nvSpPr>
+        <dsp:cNvPr id="0" name=""/>
+        <dsp:cNvSpPr/>
+      </dsp:nvSpPr>
+      <dsp:spPr>
+        <a:xfrm>
+          <a:off x="1108197" y="147993"/>
+          <a:ext cx="3540008" cy="2024449"/>
+        </a:xfrm>
+        <a:prstGeom prst="roundRect">
+          <a:avLst/>
+        </a:prstGeom>
+        <a:solidFill>
+          <a:schemeClr val="accent1">
+            <a:hueOff val="0"/>
+            <a:satOff val="0"/>
+            <a:lumOff val="0"/>
+            <a:alphaOff val="0"/>
+          </a:schemeClr>
+        </a:solidFill>
+        <a:ln w="12700" cap="flat" cmpd="sng" algn="ctr">
+          <a:solidFill>
+            <a:schemeClr val="lt1">
+              <a:hueOff val="0"/>
+              <a:satOff val="0"/>
+              <a:lumOff val="0"/>
+              <a:alphaOff val="0"/>
+            </a:schemeClr>
+          </a:solidFill>
+          <a:prstDash val="solid"/>
+          <a:miter lim="800000"/>
+        </a:ln>
+        <a:effectLst/>
+      </dsp:spPr>
+      <dsp:style>
+        <a:lnRef idx="2">
+          <a:scrgbClr r="0" g="0" b="0"/>
+        </a:lnRef>
+        <a:fillRef idx="1">
+          <a:scrgbClr r="0" g="0" b="0"/>
+        </a:fillRef>
+        <a:effectRef idx="0">
+          <a:scrgbClr r="0" g="0" b="0"/>
+        </a:effectRef>
+        <a:fontRef idx="minor">
+          <a:schemeClr val="lt1"/>
+        </a:fontRef>
+      </dsp:style>
+      <dsp:txBody>
+        <a:bodyPr spcFirstLastPara="0" vert="horz" wrap="square" lIns="106680" tIns="106680" rIns="106680" bIns="106680" numCol="1" spcCol="1270" anchor="ctr" anchorCtr="0">
+          <a:noAutofit/>
+        </a:bodyPr>
+        <a:lstStyle/>
+        <a:p>
+          <a:pPr lvl="0" algn="ctr" defTabSz="1244600" rtl="0">
+            <a:lnSpc>
+              <a:spcPct val="90000"/>
+            </a:lnSpc>
+            <a:spcBef>
+              <a:spcPct val="0"/>
+            </a:spcBef>
+            <a:spcAft>
+              <a:spcPct val="35000"/>
+            </a:spcAft>
+          </a:pPr>
+          <a:r>
+            <a:rPr lang="en-US" sz="2800" kern="1200" dirty="0"/>
+            <a:t>Who? Developers </a:t>
+          </a:r>
+        </a:p>
+        <a:p>
+          <a:pPr lvl="0" algn="ctr" defTabSz="1244600" rtl="0">
+            <a:lnSpc>
+              <a:spcPct val="90000"/>
+            </a:lnSpc>
+            <a:spcBef>
+              <a:spcPct val="0"/>
+            </a:spcBef>
+            <a:spcAft>
+              <a:spcPct val="35000"/>
+            </a:spcAft>
+          </a:pPr>
+          <a:r>
+            <a:rPr lang="en-US" sz="2800" kern="1200" dirty="0"/>
+            <a:t>(including Citizen Developers)</a:t>
+          </a:r>
+        </a:p>
+      </dsp:txBody>
+      <dsp:txXfrm>
+        <a:off x="1207022" y="246818"/>
+        <a:ext cx="3342358" cy="1826799"/>
+      </dsp:txXfrm>
+    </dsp:sp>
+    <dsp:sp modelId="{9345D29A-389E-42F7-82F5-13738ADA8976}">
+      <dsp:nvSpPr>
+        <dsp:cNvPr id="0" name=""/>
+        <dsp:cNvSpPr/>
+      </dsp:nvSpPr>
+      <dsp:spPr>
+        <a:xfrm>
+          <a:off x="5875504" y="210818"/>
+          <a:ext cx="3589625" cy="1987078"/>
+        </a:xfrm>
+        <a:prstGeom prst="roundRect">
+          <a:avLst/>
+        </a:prstGeom>
+        <a:solidFill>
+          <a:schemeClr val="accent1">
+            <a:hueOff val="0"/>
+            <a:satOff val="0"/>
+            <a:lumOff val="0"/>
+            <a:alphaOff val="0"/>
+          </a:schemeClr>
+        </a:solidFill>
+        <a:ln w="12700" cap="flat" cmpd="sng" algn="ctr">
+          <a:solidFill>
+            <a:schemeClr val="lt1">
+              <a:hueOff val="0"/>
+              <a:satOff val="0"/>
+              <a:lumOff val="0"/>
+              <a:alphaOff val="0"/>
+            </a:schemeClr>
+          </a:solidFill>
+          <a:prstDash val="solid"/>
+          <a:miter lim="800000"/>
+        </a:ln>
+        <a:effectLst/>
+      </dsp:spPr>
+      <dsp:style>
+        <a:lnRef idx="2">
+          <a:scrgbClr r="0" g="0" b="0"/>
+        </a:lnRef>
+        <a:fillRef idx="1">
+          <a:scrgbClr r="0" g="0" b="0"/>
+        </a:fillRef>
+        <a:effectRef idx="0">
+          <a:scrgbClr r="0" g="0" b="0"/>
+        </a:effectRef>
+        <a:fontRef idx="minor">
+          <a:schemeClr val="lt1"/>
+        </a:fontRef>
+      </dsp:style>
+      <dsp:txBody>
+        <a:bodyPr spcFirstLastPara="0" vert="horz" wrap="square" lIns="106680" tIns="106680" rIns="106680" bIns="106680" numCol="1" spcCol="1270" anchor="ctr" anchorCtr="0">
+          <a:noAutofit/>
+        </a:bodyPr>
+        <a:lstStyle/>
+        <a:p>
+          <a:pPr lvl="0" algn="ctr" defTabSz="1244600" rtl="0">
+            <a:lnSpc>
+              <a:spcPct val="90000"/>
+            </a:lnSpc>
+            <a:spcBef>
+              <a:spcPct val="0"/>
+            </a:spcBef>
+            <a:spcAft>
+              <a:spcPct val="35000"/>
+            </a:spcAft>
+          </a:pPr>
+          <a:r>
+            <a:rPr lang="en-US" sz="2800" kern="1200" dirty="0"/>
+            <a:t>Show practical examples of CSR to customize forms (and possibly Views)</a:t>
+          </a:r>
+        </a:p>
+      </dsp:txBody>
+      <dsp:txXfrm>
+        <a:off x="5972505" y="307819"/>
+        <a:ext cx="3395623" cy="1793076"/>
+      </dsp:txXfrm>
+    </dsp:sp>
+    <dsp:sp modelId="{26309244-D78B-4147-92EB-687CA5A90E3A}">
+      <dsp:nvSpPr>
+        <dsp:cNvPr id="0" name=""/>
+        <dsp:cNvSpPr/>
+      </dsp:nvSpPr>
+      <dsp:spPr>
+        <a:xfrm>
+          <a:off x="3344552" y="2512884"/>
+          <a:ext cx="3521225" cy="1983438"/>
+        </a:xfrm>
+        <a:prstGeom prst="roundRect">
+          <a:avLst/>
+        </a:prstGeom>
+        <a:solidFill>
+          <a:schemeClr val="accent1">
+            <a:hueOff val="0"/>
+            <a:satOff val="0"/>
+            <a:lumOff val="0"/>
+            <a:alphaOff val="0"/>
+          </a:schemeClr>
+        </a:solidFill>
+        <a:ln w="12700" cap="flat" cmpd="sng" algn="ctr">
+          <a:solidFill>
+            <a:schemeClr val="lt1">
+              <a:hueOff val="0"/>
+              <a:satOff val="0"/>
+              <a:lumOff val="0"/>
+              <a:alphaOff val="0"/>
+            </a:schemeClr>
+          </a:solidFill>
+          <a:prstDash val="solid"/>
+          <a:miter lim="800000"/>
+        </a:ln>
+        <a:effectLst/>
+      </dsp:spPr>
+      <dsp:style>
+        <a:lnRef idx="2">
+          <a:scrgbClr r="0" g="0" b="0"/>
+        </a:lnRef>
+        <a:fillRef idx="1">
+          <a:scrgbClr r="0" g="0" b="0"/>
+        </a:fillRef>
+        <a:effectRef idx="0">
+          <a:scrgbClr r="0" g="0" b="0"/>
+        </a:effectRef>
+        <a:fontRef idx="minor">
+          <a:schemeClr val="lt1"/>
+        </a:fontRef>
+      </dsp:style>
+      <dsp:txBody>
+        <a:bodyPr spcFirstLastPara="0" vert="horz" wrap="square" lIns="106680" tIns="106680" rIns="106680" bIns="106680" numCol="1" spcCol="1270" anchor="ctr" anchorCtr="0">
+          <a:noAutofit/>
+        </a:bodyPr>
+        <a:lstStyle/>
+        <a:p>
+          <a:pPr lvl="0" algn="ctr" defTabSz="1244600" rtl="0">
+            <a:lnSpc>
+              <a:spcPct val="90000"/>
+            </a:lnSpc>
+            <a:spcBef>
+              <a:spcPct val="0"/>
+            </a:spcBef>
+            <a:spcAft>
+              <a:spcPct val="35000"/>
+            </a:spcAft>
+          </a:pPr>
+          <a:r>
+            <a:rPr lang="en-US" sz="2800" kern="1200" dirty="0"/>
+            <a:t>Talk about gotchas MDS, dep</a:t>
+          </a:r>
+          <a:r>
+            <a:rPr lang="en-US" sz="2800" b="1" kern="1200" dirty="0"/>
+            <a:t>lo</a:t>
+          </a:r>
+          <a:r>
+            <a:rPr lang="en-US" sz="2800" kern="1200" dirty="0"/>
+            <a:t>yment, JSLink limitations</a:t>
+          </a:r>
+        </a:p>
+      </dsp:txBody>
+      <dsp:txXfrm>
+        <a:off x="3441375" y="2609707"/>
+        <a:ext cx="3327579" cy="1789792"/>
+      </dsp:txXfrm>
+    </dsp:sp>
+    <dsp:sp modelId="{EEEB16C2-02E3-4B32-9461-82D301FB9452}">
+      <dsp:nvSpPr>
+        <dsp:cNvPr id="0" name=""/>
+        <dsp:cNvSpPr/>
+      </dsp:nvSpPr>
+      <dsp:spPr>
+        <a:xfrm>
+          <a:off x="9560282" y="4445168"/>
+          <a:ext cx="45711" cy="45711"/>
+        </a:xfrm>
+        <a:prstGeom prst="actionButtonBlank">
+          <a:avLst/>
+        </a:prstGeom>
+        <a:noFill/>
+        <a:ln w="12700" cap="flat" cmpd="sng" algn="ctr">
+          <a:noFill/>
+          <a:prstDash val="solid"/>
+          <a:miter lim="800000"/>
+        </a:ln>
+        <a:effectLst/>
+      </dsp:spPr>
+      <dsp:style>
+        <a:lnRef idx="2">
+          <a:scrgbClr r="0" g="0" b="0"/>
+        </a:lnRef>
+        <a:fillRef idx="1">
+          <a:scrgbClr r="0" g="0" b="0"/>
+        </a:fillRef>
+        <a:effectRef idx="0">
+          <a:scrgbClr r="0" g="0" b="0"/>
+        </a:effectRef>
+        <a:fontRef idx="minor">
+          <a:schemeClr val="lt1"/>
+        </a:fontRef>
+      </dsp:style>
+    </dsp:sp>
   </dsp:spTree>
 </dsp:drawing>
 </file>
@@ -7070,7 +7399,7 @@
           <a:p>
             <a:fld id="{90103BBB-E53D-4293-9149-0B0062B986F7}" type="datetimeFigureOut">
               <a:rPr lang="en-US" smtClean="0"/>
-              <a:t>9/15/2017</a:t>
+              <a:t>9/16/2017</a:t>
             </a:fld>
             <a:endParaRPr lang="en-US" dirty="0"/>
           </a:p>
@@ -7402,7 +7731,7 @@
           <a:p>
             <a:fld id="{ABA80AED-40DB-4B7F-848A-C822D44E74EF}" type="slidenum">
               <a:rPr lang="en-US" smtClean="0"/>
-              <a:t>8</a:t>
+              <a:t>9</a:t>
             </a:fld>
             <a:endParaRPr lang="en-US" dirty="0"/>
           </a:p>
@@ -7564,7 +7893,7 @@
           <a:p>
             <a:fld id="{83B5B94A-D4C6-4252-9821-CF0A721D5EBA}" type="datetimeFigureOut">
               <a:rPr lang="en-US" smtClean="0"/>
-              <a:t>9/15/2017</a:t>
+              <a:t>9/16/2017</a:t>
             </a:fld>
             <a:endParaRPr lang="en-US" dirty="0"/>
           </a:p>
@@ -7739,7 +8068,7 @@
           <a:p>
             <a:fld id="{83B5B94A-D4C6-4252-9821-CF0A721D5EBA}" type="datetimeFigureOut">
               <a:rPr lang="en-US" smtClean="0"/>
-              <a:t>9/15/2017</a:t>
+              <a:t>9/16/2017</a:t>
             </a:fld>
             <a:endParaRPr lang="en-US" dirty="0"/>
           </a:p>
@@ -7917,7 +8246,7 @@
           <a:p>
             <a:fld id="{83B5B94A-D4C6-4252-9821-CF0A721D5EBA}" type="datetimeFigureOut">
               <a:rPr lang="en-US" smtClean="0"/>
-              <a:t>9/15/2017</a:t>
+              <a:t>9/16/2017</a:t>
             </a:fld>
             <a:endParaRPr lang="en-US" dirty="0"/>
           </a:p>
@@ -8116,7 +8445,7 @@
           <a:p>
             <a:fld id="{63FEFF52-9460-4099-90BA-627469BA87D4}" type="datetimeFigureOut">
               <a:rPr lang="en-US" smtClean="0"/>
-              <a:t>9/15/2017</a:t>
+              <a:t>9/16/2017</a:t>
             </a:fld>
             <a:endParaRPr lang="en-US"/>
           </a:p>
@@ -8286,7 +8615,7 @@
           <a:p>
             <a:fld id="{63FEFF52-9460-4099-90BA-627469BA87D4}" type="datetimeFigureOut">
               <a:rPr lang="en-US" smtClean="0"/>
-              <a:t>9/15/2017</a:t>
+              <a:t>9/16/2017</a:t>
             </a:fld>
             <a:endParaRPr lang="en-US"/>
           </a:p>
@@ -8539,7 +8868,7 @@
           <a:p>
             <a:fld id="{63FEFF52-9460-4099-90BA-627469BA87D4}" type="datetimeFigureOut">
               <a:rPr lang="en-US" smtClean="0"/>
-              <a:t>9/15/2017</a:t>
+              <a:t>9/16/2017</a:t>
             </a:fld>
             <a:endParaRPr lang="en-US"/>
           </a:p>
@@ -8771,7 +9100,7 @@
           <a:p>
             <a:fld id="{63FEFF52-9460-4099-90BA-627469BA87D4}" type="datetimeFigureOut">
               <a:rPr lang="en-US" smtClean="0"/>
-              <a:t>9/15/2017</a:t>
+              <a:t>9/16/2017</a:t>
             </a:fld>
             <a:endParaRPr lang="en-US"/>
           </a:p>
@@ -9138,7 +9467,7 @@
           <a:p>
             <a:fld id="{63FEFF52-9460-4099-90BA-627469BA87D4}" type="datetimeFigureOut">
               <a:rPr lang="en-US" smtClean="0"/>
-              <a:t>9/15/2017</a:t>
+              <a:t>9/16/2017</a:t>
             </a:fld>
             <a:endParaRPr lang="en-US"/>
           </a:p>
@@ -9256,7 +9585,7 @@
           <a:p>
             <a:fld id="{63FEFF52-9460-4099-90BA-627469BA87D4}" type="datetimeFigureOut">
               <a:rPr lang="en-US" smtClean="0"/>
-              <a:t>9/15/2017</a:t>
+              <a:t>9/16/2017</a:t>
             </a:fld>
             <a:endParaRPr lang="en-US"/>
           </a:p>
@@ -9351,7 +9680,7 @@
           <a:p>
             <a:fld id="{63FEFF52-9460-4099-90BA-627469BA87D4}" type="datetimeFigureOut">
               <a:rPr lang="en-US" smtClean="0"/>
-              <a:t>9/15/2017</a:t>
+              <a:t>9/16/2017</a:t>
             </a:fld>
             <a:endParaRPr lang="en-US"/>
           </a:p>
@@ -9628,7 +9957,7 @@
           <a:p>
             <a:fld id="{63FEFF52-9460-4099-90BA-627469BA87D4}" type="datetimeFigureOut">
               <a:rPr lang="en-US" smtClean="0"/>
-              <a:t>9/15/2017</a:t>
+              <a:t>9/16/2017</a:t>
             </a:fld>
             <a:endParaRPr lang="en-US"/>
           </a:p>
@@ -9796,7 +10125,7 @@
           <a:p>
             <a:fld id="{83B5B94A-D4C6-4252-9821-CF0A721D5EBA}" type="datetimeFigureOut">
               <a:rPr lang="en-US" smtClean="0"/>
-              <a:t>9/15/2017</a:t>
+              <a:t>9/16/2017</a:t>
             </a:fld>
             <a:endParaRPr lang="en-US" dirty="0"/>
           </a:p>
@@ -10056,7 +10385,7 @@
           <a:p>
             <a:fld id="{63FEFF52-9460-4099-90BA-627469BA87D4}" type="datetimeFigureOut">
               <a:rPr lang="en-US" smtClean="0"/>
-              <a:t>9/15/2017</a:t>
+              <a:t>9/16/2017</a:t>
             </a:fld>
             <a:endParaRPr lang="en-US"/>
           </a:p>
@@ -10226,7 +10555,7 @@
           <a:p>
             <a:fld id="{63FEFF52-9460-4099-90BA-627469BA87D4}" type="datetimeFigureOut">
               <a:rPr lang="en-US" smtClean="0"/>
-              <a:t>9/15/2017</a:t>
+              <a:t>9/16/2017</a:t>
             </a:fld>
             <a:endParaRPr lang="en-US"/>
           </a:p>
@@ -10406,7 +10735,7 @@
           <a:p>
             <a:fld id="{63FEFF52-9460-4099-90BA-627469BA87D4}" type="datetimeFigureOut">
               <a:rPr lang="en-US" smtClean="0"/>
-              <a:t>9/15/2017</a:t>
+              <a:t>9/16/2017</a:t>
             </a:fld>
             <a:endParaRPr lang="en-US"/>
           </a:p>
@@ -12480,7 +12809,7 @@
           <a:p>
             <a:fld id="{83B5B94A-D4C6-4252-9821-CF0A721D5EBA}" type="datetimeFigureOut">
               <a:rPr lang="en-US" smtClean="0"/>
-              <a:t>9/15/2017</a:t>
+              <a:t>9/16/2017</a:t>
             </a:fld>
             <a:endParaRPr lang="en-US" dirty="0"/>
           </a:p>
@@ -14051,7 +14380,7 @@
           <a:p>
             <a:fld id="{83B5B94A-D4C6-4252-9821-CF0A721D5EBA}" type="datetimeFigureOut">
               <a:rPr lang="en-US" smtClean="0"/>
-              <a:t>9/15/2017</a:t>
+              <a:t>9/16/2017</a:t>
             </a:fld>
             <a:endParaRPr lang="en-US" dirty="0"/>
           </a:p>
@@ -14415,7 +14744,7 @@
           <a:p>
             <a:fld id="{83B5B94A-D4C6-4252-9821-CF0A721D5EBA}" type="datetimeFigureOut">
               <a:rPr lang="en-US" smtClean="0"/>
-              <a:t>9/15/2017</a:t>
+              <a:t>9/16/2017</a:t>
             </a:fld>
             <a:endParaRPr lang="en-US" dirty="0"/>
           </a:p>
@@ -14532,7 +14861,7 @@
           <a:p>
             <a:fld id="{83B5B94A-D4C6-4252-9821-CF0A721D5EBA}" type="datetimeFigureOut">
               <a:rPr lang="en-US" smtClean="0"/>
-              <a:t>9/15/2017</a:t>
+              <a:t>9/16/2017</a:t>
             </a:fld>
             <a:endParaRPr lang="en-US" dirty="0"/>
           </a:p>
@@ -14627,7 +14956,7 @@
           <a:p>
             <a:fld id="{83B5B94A-D4C6-4252-9821-CF0A721D5EBA}" type="datetimeFigureOut">
               <a:rPr lang="en-US" smtClean="0"/>
-              <a:t>9/15/2017</a:t>
+              <a:t>9/16/2017</a:t>
             </a:fld>
             <a:endParaRPr lang="en-US" dirty="0"/>
           </a:p>
@@ -14902,7 +15231,7 @@
           <a:p>
             <a:fld id="{83B5B94A-D4C6-4252-9821-CF0A721D5EBA}" type="datetimeFigureOut">
               <a:rPr lang="en-US" smtClean="0"/>
-              <a:t>9/15/2017</a:t>
+              <a:t>9/16/2017</a:t>
             </a:fld>
             <a:endParaRPr lang="en-US" dirty="0"/>
           </a:p>
@@ -15154,7 +15483,7 @@
           <a:p>
             <a:fld id="{83B5B94A-D4C6-4252-9821-CF0A721D5EBA}" type="datetimeFigureOut">
               <a:rPr lang="en-US" smtClean="0"/>
-              <a:t>9/15/2017</a:t>
+              <a:t>9/16/2017</a:t>
             </a:fld>
             <a:endParaRPr lang="en-US" dirty="0"/>
           </a:p>
@@ -15374,7 +15703,7 @@
           <a:p>
             <a:fld id="{83B5B94A-D4C6-4252-9821-CF0A721D5EBA}" type="datetimeFigureOut">
               <a:rPr lang="en-US" smtClean="0"/>
-              <a:t>9/15/2017</a:t>
+              <a:t>9/16/2017</a:t>
             </a:fld>
             <a:endParaRPr lang="en-US" dirty="0"/>
           </a:p>
@@ -15951,7 +16280,7 @@
           <a:p>
             <a:fld id="{63FEFF52-9460-4099-90BA-627469BA87D4}" type="datetimeFigureOut">
               <a:rPr lang="en-US" smtClean="0"/>
-              <a:t>9/15/2017</a:t>
+              <a:t>9/16/2017</a:t>
             </a:fld>
             <a:endParaRPr lang="en-US"/>
           </a:p>
@@ -17274,7 +17603,7 @@
           <a:p>
             <a:r>
               <a:rPr lang="en-US" dirty="0"/>
-              <a:t>Demo #2 – Cascading Lookups</a:t>
+              <a:t>Demo #1 – CSR Spy</a:t>
             </a:r>
           </a:p>
         </p:txBody>
@@ -17291,96 +17620,90 @@
         </p:nvSpPr>
         <p:spPr>
           <a:xfrm>
-            <a:off x="838200" y="2139524"/>
+            <a:off x="838200" y="2506662"/>
             <a:ext cx="10515600" cy="4351338"/>
           </a:xfrm>
         </p:spPr>
         <p:txBody>
           <a:bodyPr>
-            <a:normAutofit lnSpcReduction="10000"/>
+            <a:normAutofit/>
           </a:bodyPr>
           <a:lstStyle/>
           <a:p>
             <a:pPr lvl="0"/>
             <a:r>
-              <a:rPr lang="en-US" sz="4400" dirty="0">
+              <a:rPr lang="en-US" sz="3600" dirty="0">
                 <a:solidFill>
                   <a:prstClr val="black"/>
                 </a:solidFill>
                 <a:latin typeface="Segoe UI Light" panose="020B0502040204020203" pitchFamily="34" charset="0"/>
                 <a:cs typeface="Segoe UI Light" panose="020B0502040204020203" pitchFamily="34" charset="0"/>
               </a:rPr>
-              <a:t>Modifying fields without overriding rendering</a:t>
+              <a:t>Show the basic structure of CSR for a field</a:t>
             </a:r>
           </a:p>
           <a:p>
             <a:pPr lvl="0"/>
             <a:r>
-              <a:rPr lang="en-US" sz="4400" dirty="0">
+              <a:rPr lang="en-US" sz="3600" dirty="0">
                 <a:solidFill>
                   <a:prstClr val="black"/>
                 </a:solidFill>
                 <a:latin typeface="Segoe UI Light" panose="020B0502040204020203" pitchFamily="34" charset="0"/>
                 <a:cs typeface="Segoe UI Light" panose="020B0502040204020203" pitchFamily="34" charset="0"/>
               </a:rPr>
-              <a:t>registerInitCallback </a:t>
-            </a:r>
-            <a:r>
-              <a:rPr lang="en-US" sz="4400" dirty="0" smtClean="0">
+              <a:t>Briefly look at form context</a:t>
+            </a:r>
+          </a:p>
+          <a:p>
+            <a:pPr lvl="0"/>
+            <a:r>
+              <a:rPr lang="en-US" sz="3600" dirty="0">
                 <a:solidFill>
                   <a:prstClr val="black"/>
                 </a:solidFill>
                 <a:latin typeface="Segoe UI Light" panose="020B0502040204020203" pitchFamily="34" charset="0"/>
                 <a:cs typeface="Segoe UI Light" panose="020B0502040204020203" pitchFamily="34" charset="0"/>
               </a:rPr>
-              <a:t>(there can be only </a:t>
-            </a:r>
-            <a:r>
-              <a:rPr lang="en-US" sz="4400" dirty="0">
+              <a:t>Show how to look at some OOB rendering to see how MS does it</a:t>
+            </a:r>
+          </a:p>
+          <a:p>
+            <a:pPr lvl="0"/>
+            <a:r>
+              <a:rPr lang="en-US" sz="3600" dirty="0">
                 <a:solidFill>
                   <a:prstClr val="black"/>
                 </a:solidFill>
                 <a:latin typeface="Segoe UI Light" panose="020B0502040204020203" pitchFamily="34" charset="0"/>
                 <a:cs typeface="Segoe UI Light" panose="020B0502040204020203" pitchFamily="34" charset="0"/>
               </a:rPr>
-              <a:t>one)</a:t>
-            </a:r>
-          </a:p>
-          <a:p>
-            <a:pPr lvl="0"/>
-            <a:r>
-              <a:rPr lang="en-US" sz="4400" dirty="0">
+              <a:t>window[ctx.FormUniqueId + "FormCtx"].</a:t>
+            </a:r>
+            <a:r>
+              <a:rPr lang="en-US" sz="3600" dirty="0" smtClean="0">
                 <a:solidFill>
                   <a:prstClr val="black"/>
                 </a:solidFill>
                 <a:latin typeface="Segoe UI Light" panose="020B0502040204020203" pitchFamily="34" charset="0"/>
                 <a:cs typeface="Segoe UI Light" panose="020B0502040204020203" pitchFamily="34" charset="0"/>
               </a:rPr>
-              <a:t>Setting jsLink on multiple fields</a:t>
-            </a:r>
-          </a:p>
-          <a:p>
-            <a:pPr lvl="0"/>
-            <a:r>
-              <a:rPr lang="en-US" sz="4400" dirty="0">
-                <a:solidFill>
-                  <a:prstClr val="black"/>
-                </a:solidFill>
-                <a:latin typeface="Segoe UI Light" panose="020B0502040204020203" pitchFamily="34" charset="0"/>
-                <a:cs typeface="Segoe UI Light" panose="020B0502040204020203" pitchFamily="34" charset="0"/>
-              </a:rPr>
-              <a:t>OnPostRender  vs. registerInitCallback when working with multiple fields (and gotcha’s)</a:t>
-            </a:r>
-          </a:p>
-          <a:p>
-            <a:endParaRPr lang="en-US" dirty="0"/>
+              <a:t>ListSchema</a:t>
+            </a:r>
+            <a:endParaRPr lang="en-US" sz="3600" dirty="0">
+              <a:solidFill>
+                <a:prstClr val="black"/>
+              </a:solidFill>
+              <a:latin typeface="Segoe UI Light" panose="020B0502040204020203" pitchFamily="34" charset="0"/>
+              <a:cs typeface="Segoe UI Light" panose="020B0502040204020203" pitchFamily="34" charset="0"/>
+            </a:endParaRPr>
           </a:p>
         </p:txBody>
       </p:sp>
     </p:spTree>
     <p:extLst>
       <p:ext uri="{BB962C8B-B14F-4D97-AF65-F5344CB8AC3E}">
-        <p14:creationId xmlns:p14="http://schemas.microsoft.com/office/powerpoint/2010/main" val="2084927990"/>
+        <p14:creationId xmlns:p14="http://schemas.microsoft.com/office/powerpoint/2010/main" val="3599726420"/>
       </p:ext>
     </p:extLst>
   </p:cSld>
@@ -17426,20 +17749,13 @@
         </p:nvSpPr>
         <p:spPr/>
         <p:txBody>
-          <a:bodyPr>
-            <a:normAutofit/>
-          </a:bodyPr>
+          <a:bodyPr/>
           <a:lstStyle/>
           <a:p>
             <a:r>
               <a:rPr lang="en-US" dirty="0"/>
-              <a:t>Register Methods Other than </a:t>
-            </a:r>
-            <a:r>
-              <a:rPr lang="en-US" dirty="0" smtClean="0"/>
-              <a:t>Overrides</a:t>
-            </a:r>
-            <a:endParaRPr lang="en-US" dirty="0"/>
+              <a:t>Demo #2 – Cascading Lookups</a:t>
+            </a:r>
           </a:p>
         </p:txBody>
       </p:sp>
@@ -17455,7 +17771,7 @@
         </p:nvSpPr>
         <p:spPr>
           <a:xfrm>
-            <a:off x="838200" y="2037166"/>
+            <a:off x="838200" y="2139524"/>
             <a:ext cx="10515600" cy="4351338"/>
           </a:xfrm>
         </p:spPr>
@@ -17465,767 +17781,78 @@
           </a:bodyPr>
           <a:lstStyle/>
           <a:p>
-            <a:pPr marL="0" lvl="0" indent="0">
-              <a:lnSpc>
-                <a:spcPct val="107000"/>
-              </a:lnSpc>
-              <a:spcBef>
-                <a:spcPts val="0"/>
-              </a:spcBef>
-              <a:buNone/>
-            </a:pPr>
-            <a:r>
-              <a:rPr lang="en-US" sz="1500" dirty="0">
-                <a:solidFill>
-                  <a:srgbClr val="000000"/>
-                </a:solidFill>
-                <a:latin typeface="Consolas" panose="020B0609020204030204" pitchFamily="49" charset="0"/>
-                <a:ea typeface="Calibri" panose="020F0502020204030204" pitchFamily="34" charset="0"/>
-                <a:cs typeface="Times New Roman" panose="02020603050405020304" pitchFamily="18" charset="0"/>
-              </a:rPr>
-              <a:t> </a:t>
-            </a:r>
-            <a:r>
-              <a:rPr lang="en-US" sz="1500" dirty="0" smtClean="0">
-                <a:solidFill>
-                  <a:srgbClr val="000000"/>
-                </a:solidFill>
-                <a:latin typeface="Consolas" panose="020B0609020204030204" pitchFamily="49" charset="0"/>
-                <a:ea typeface="Calibri" panose="020F0502020204030204" pitchFamily="34" charset="0"/>
-                <a:cs typeface="Times New Roman" panose="02020603050405020304" pitchFamily="18" charset="0"/>
-              </a:rPr>
-              <a:t>   </a:t>
-            </a:r>
-            <a:r>
-              <a:rPr lang="en-US" sz="1500" dirty="0" smtClean="0">
-                <a:solidFill>
-                  <a:srgbClr val="0000FF"/>
-                </a:solidFill>
-                <a:latin typeface="Consolas" panose="020B0609020204030204" pitchFamily="49" charset="0"/>
-                <a:ea typeface="Calibri" panose="020F0502020204030204" pitchFamily="34" charset="0"/>
-                <a:cs typeface="Times New Roman" panose="02020603050405020304" pitchFamily="18" charset="0"/>
-              </a:rPr>
-              <a:t>var</a:t>
-            </a:r>
-            <a:r>
-              <a:rPr lang="en-US" sz="1500" dirty="0" smtClean="0">
-                <a:solidFill>
-                  <a:srgbClr val="000000"/>
-                </a:solidFill>
-                <a:latin typeface="Consolas" panose="020B0609020204030204" pitchFamily="49" charset="0"/>
-                <a:ea typeface="Calibri" panose="020F0502020204030204" pitchFamily="34" charset="0"/>
-                <a:cs typeface="Times New Roman" panose="02020603050405020304" pitchFamily="18" charset="0"/>
-              </a:rPr>
-              <a:t> </a:t>
-            </a:r>
-            <a:r>
-              <a:rPr lang="en-US" sz="1500" dirty="0">
-                <a:solidFill>
-                  <a:srgbClr val="000000"/>
-                </a:solidFill>
-                <a:latin typeface="Consolas" panose="020B0609020204030204" pitchFamily="49" charset="0"/>
-                <a:ea typeface="Calibri" panose="020F0502020204030204" pitchFamily="34" charset="0"/>
-                <a:cs typeface="Times New Roman" panose="02020603050405020304" pitchFamily="18" charset="0"/>
-              </a:rPr>
-              <a:t>render = </a:t>
-            </a:r>
-            <a:r>
-              <a:rPr lang="en-US" sz="1500" dirty="0">
-                <a:solidFill>
-                  <a:srgbClr val="0000FF"/>
-                </a:solidFill>
-                <a:latin typeface="Consolas" panose="020B0609020204030204" pitchFamily="49" charset="0"/>
-                <a:ea typeface="Calibri" panose="020F0502020204030204" pitchFamily="34" charset="0"/>
-                <a:cs typeface="Times New Roman" panose="02020603050405020304" pitchFamily="18" charset="0"/>
-              </a:rPr>
-              <a:t>function</a:t>
-            </a:r>
-            <a:r>
-              <a:rPr lang="en-US" sz="1500" dirty="0">
-                <a:solidFill>
-                  <a:srgbClr val="000000"/>
-                </a:solidFill>
-                <a:latin typeface="Consolas" panose="020B0609020204030204" pitchFamily="49" charset="0"/>
-                <a:ea typeface="Calibri" panose="020F0502020204030204" pitchFamily="34" charset="0"/>
-                <a:cs typeface="Times New Roman" panose="02020603050405020304" pitchFamily="18" charset="0"/>
-              </a:rPr>
-              <a:t> (ctx) {</a:t>
-            </a:r>
-            <a:endParaRPr lang="en-US" sz="2000" dirty="0">
-              <a:solidFill>
-                <a:prstClr val="black"/>
-              </a:solidFill>
-              <a:latin typeface="Calibri" panose="020F0502020204030204" pitchFamily="34" charset="0"/>
-              <a:ea typeface="Calibri" panose="020F0502020204030204" pitchFamily="34" charset="0"/>
-              <a:cs typeface="Times New Roman" panose="02020603050405020304" pitchFamily="18" charset="0"/>
-            </a:endParaRPr>
-          </a:p>
-          <a:p>
-            <a:pPr marL="0" lvl="0" indent="0">
-              <a:lnSpc>
-                <a:spcPct val="107000"/>
-              </a:lnSpc>
-              <a:spcBef>
-                <a:spcPts val="0"/>
-              </a:spcBef>
-              <a:buNone/>
-            </a:pPr>
-            <a:r>
-              <a:rPr lang="en-US" sz="1500" dirty="0">
-                <a:solidFill>
-                  <a:srgbClr val="000000"/>
-                </a:solidFill>
-                <a:latin typeface="Consolas" panose="020B0609020204030204" pitchFamily="49" charset="0"/>
-                <a:ea typeface="Calibri" panose="020F0502020204030204" pitchFamily="34" charset="0"/>
-                <a:cs typeface="Times New Roman" panose="02020603050405020304" pitchFamily="18" charset="0"/>
-              </a:rPr>
-              <a:t>        </a:t>
-            </a:r>
-            <a:r>
-              <a:rPr lang="en-US" sz="1500" dirty="0">
-                <a:solidFill>
-                  <a:srgbClr val="0000FF"/>
-                </a:solidFill>
-                <a:latin typeface="Consolas" panose="020B0609020204030204" pitchFamily="49" charset="0"/>
-                <a:ea typeface="Calibri" panose="020F0502020204030204" pitchFamily="34" charset="0"/>
-                <a:cs typeface="Times New Roman" panose="02020603050405020304" pitchFamily="18" charset="0"/>
-              </a:rPr>
-              <a:t>var</a:t>
-            </a:r>
-            <a:r>
-              <a:rPr lang="en-US" sz="1500" dirty="0">
-                <a:solidFill>
-                  <a:srgbClr val="000000"/>
-                </a:solidFill>
-                <a:latin typeface="Consolas" panose="020B0609020204030204" pitchFamily="49" charset="0"/>
-                <a:ea typeface="Calibri" panose="020F0502020204030204" pitchFamily="34" charset="0"/>
-                <a:cs typeface="Times New Roman" panose="02020603050405020304" pitchFamily="18" charset="0"/>
-              </a:rPr>
-              <a:t> formCtx = SPClientTemplates.Utility.GetFormContextForCurrentField(ctx);</a:t>
-            </a:r>
-            <a:endParaRPr lang="en-US" sz="2000" dirty="0">
-              <a:solidFill>
-                <a:prstClr val="black"/>
-              </a:solidFill>
-              <a:latin typeface="Calibri" panose="020F0502020204030204" pitchFamily="34" charset="0"/>
-              <a:ea typeface="Calibri" panose="020F0502020204030204" pitchFamily="34" charset="0"/>
-              <a:cs typeface="Times New Roman" panose="02020603050405020304" pitchFamily="18" charset="0"/>
-            </a:endParaRPr>
-          </a:p>
-          <a:p>
-            <a:pPr marL="0" lvl="0" indent="0">
-              <a:lnSpc>
-                <a:spcPct val="107000"/>
-              </a:lnSpc>
-              <a:spcBef>
-                <a:spcPts val="0"/>
-              </a:spcBef>
-              <a:buNone/>
-            </a:pPr>
-            <a:r>
-              <a:rPr lang="en-US" sz="1500" dirty="0">
-                <a:solidFill>
-                  <a:srgbClr val="000000"/>
-                </a:solidFill>
-                <a:latin typeface="Consolas" panose="020B0609020204030204" pitchFamily="49" charset="0"/>
-                <a:ea typeface="Calibri" panose="020F0502020204030204" pitchFamily="34" charset="0"/>
-                <a:cs typeface="Times New Roman" panose="02020603050405020304" pitchFamily="18" charset="0"/>
-              </a:rPr>
-              <a:t> </a:t>
-            </a:r>
-            <a:endParaRPr lang="en-US" sz="2000" dirty="0">
-              <a:solidFill>
-                <a:prstClr val="black"/>
-              </a:solidFill>
-              <a:latin typeface="Calibri" panose="020F0502020204030204" pitchFamily="34" charset="0"/>
-              <a:ea typeface="Calibri" panose="020F0502020204030204" pitchFamily="34" charset="0"/>
-              <a:cs typeface="Times New Roman" panose="02020603050405020304" pitchFamily="18" charset="0"/>
-            </a:endParaRPr>
-          </a:p>
-          <a:p>
-            <a:pPr marL="0" lvl="0" indent="0">
-              <a:lnSpc>
-                <a:spcPct val="107000"/>
-              </a:lnSpc>
-              <a:spcBef>
-                <a:spcPts val="0"/>
-              </a:spcBef>
-              <a:buNone/>
-            </a:pPr>
-            <a:r>
-              <a:rPr lang="en-US" sz="1500" dirty="0">
-                <a:solidFill>
-                  <a:srgbClr val="000000"/>
-                </a:solidFill>
-                <a:latin typeface="Consolas" panose="020B0609020204030204" pitchFamily="49" charset="0"/>
-                <a:ea typeface="Calibri" panose="020F0502020204030204" pitchFamily="34" charset="0"/>
-                <a:cs typeface="Times New Roman" panose="02020603050405020304" pitchFamily="18" charset="0"/>
-              </a:rPr>
-              <a:t>        formCtx.registerInitCallback(formCtx.fieldName, </a:t>
-            </a:r>
-            <a:r>
-              <a:rPr lang="en-US" sz="1500" dirty="0">
-                <a:solidFill>
-                  <a:srgbClr val="0000FF"/>
-                </a:solidFill>
-                <a:latin typeface="Consolas" panose="020B0609020204030204" pitchFamily="49" charset="0"/>
-                <a:ea typeface="Calibri" panose="020F0502020204030204" pitchFamily="34" charset="0"/>
-                <a:cs typeface="Times New Roman" panose="02020603050405020304" pitchFamily="18" charset="0"/>
-              </a:rPr>
-              <a:t>function</a:t>
-            </a:r>
-            <a:r>
-              <a:rPr lang="en-US" sz="1500" dirty="0">
-                <a:solidFill>
-                  <a:srgbClr val="000000"/>
-                </a:solidFill>
-                <a:latin typeface="Consolas" panose="020B0609020204030204" pitchFamily="49" charset="0"/>
-                <a:ea typeface="Calibri" panose="020F0502020204030204" pitchFamily="34" charset="0"/>
-                <a:cs typeface="Times New Roman" panose="02020603050405020304" pitchFamily="18" charset="0"/>
-              </a:rPr>
-              <a:t> () {</a:t>
-            </a:r>
-            <a:endParaRPr lang="en-US" sz="2000" dirty="0">
-              <a:solidFill>
-                <a:prstClr val="black"/>
-              </a:solidFill>
-              <a:latin typeface="Calibri" panose="020F0502020204030204" pitchFamily="34" charset="0"/>
-              <a:ea typeface="Calibri" panose="020F0502020204030204" pitchFamily="34" charset="0"/>
-              <a:cs typeface="Times New Roman" panose="02020603050405020304" pitchFamily="18" charset="0"/>
-            </a:endParaRPr>
-          </a:p>
-          <a:p>
-            <a:pPr marL="0" lvl="0" indent="0">
-              <a:lnSpc>
-                <a:spcPct val="107000"/>
-              </a:lnSpc>
-              <a:spcBef>
-                <a:spcPts val="0"/>
-              </a:spcBef>
-              <a:buNone/>
-            </a:pPr>
-            <a:r>
-              <a:rPr lang="en-US" sz="1500" dirty="0">
-                <a:solidFill>
-                  <a:srgbClr val="000000"/>
-                </a:solidFill>
-                <a:latin typeface="Consolas" panose="020B0609020204030204" pitchFamily="49" charset="0"/>
-                <a:ea typeface="Calibri" panose="020F0502020204030204" pitchFamily="34" charset="0"/>
-                <a:cs typeface="Times New Roman" panose="02020603050405020304" pitchFamily="18" charset="0"/>
-              </a:rPr>
-              <a:t>            </a:t>
-            </a:r>
-            <a:r>
-              <a:rPr lang="en-US" sz="1500" dirty="0">
-                <a:solidFill>
-                  <a:srgbClr val="008000"/>
-                </a:solidFill>
-                <a:latin typeface="Consolas" panose="020B0609020204030204" pitchFamily="49" charset="0"/>
-                <a:ea typeface="Calibri" panose="020F0502020204030204" pitchFamily="34" charset="0"/>
-                <a:cs typeface="Times New Roman" panose="02020603050405020304" pitchFamily="18" charset="0"/>
-              </a:rPr>
-              <a:t>// single function, called once after all fields have been rendered</a:t>
-            </a:r>
-            <a:endParaRPr lang="en-US" sz="2000" dirty="0">
-              <a:solidFill>
-                <a:prstClr val="black"/>
-              </a:solidFill>
-              <a:latin typeface="Calibri" panose="020F0502020204030204" pitchFamily="34" charset="0"/>
-              <a:ea typeface="Calibri" panose="020F0502020204030204" pitchFamily="34" charset="0"/>
-              <a:cs typeface="Times New Roman" panose="02020603050405020304" pitchFamily="18" charset="0"/>
-            </a:endParaRPr>
-          </a:p>
-          <a:p>
-            <a:pPr marL="0" lvl="0" indent="0">
-              <a:lnSpc>
-                <a:spcPct val="107000"/>
-              </a:lnSpc>
-              <a:spcBef>
-                <a:spcPts val="0"/>
-              </a:spcBef>
-              <a:buNone/>
-            </a:pPr>
-            <a:r>
-              <a:rPr lang="en-US" sz="1500" dirty="0">
-                <a:solidFill>
-                  <a:srgbClr val="000000"/>
-                </a:solidFill>
-                <a:latin typeface="Consolas" panose="020B0609020204030204" pitchFamily="49" charset="0"/>
-                <a:ea typeface="Calibri" panose="020F0502020204030204" pitchFamily="34" charset="0"/>
-                <a:cs typeface="Times New Roman" panose="02020603050405020304" pitchFamily="18" charset="0"/>
-              </a:rPr>
-              <a:t>        });</a:t>
-            </a:r>
-            <a:endParaRPr lang="en-US" sz="2000" dirty="0">
-              <a:solidFill>
-                <a:prstClr val="black"/>
-              </a:solidFill>
-              <a:latin typeface="Calibri" panose="020F0502020204030204" pitchFamily="34" charset="0"/>
-              <a:ea typeface="Calibri" panose="020F0502020204030204" pitchFamily="34" charset="0"/>
-              <a:cs typeface="Times New Roman" panose="02020603050405020304" pitchFamily="18" charset="0"/>
-            </a:endParaRPr>
-          </a:p>
-          <a:p>
-            <a:pPr marL="0" lvl="0" indent="0">
-              <a:lnSpc>
-                <a:spcPct val="107000"/>
-              </a:lnSpc>
-              <a:spcBef>
-                <a:spcPts val="0"/>
-              </a:spcBef>
-              <a:buNone/>
-            </a:pPr>
-            <a:r>
-              <a:rPr lang="en-US" sz="1500" dirty="0">
-                <a:solidFill>
-                  <a:srgbClr val="000000"/>
-                </a:solidFill>
-                <a:latin typeface="Consolas" panose="020B0609020204030204" pitchFamily="49" charset="0"/>
-                <a:ea typeface="Calibri" panose="020F0502020204030204" pitchFamily="34" charset="0"/>
-                <a:cs typeface="Times New Roman" panose="02020603050405020304" pitchFamily="18" charset="0"/>
-              </a:rPr>
-              <a:t> </a:t>
-            </a:r>
-            <a:endParaRPr lang="en-US" sz="2000" dirty="0">
-              <a:solidFill>
-                <a:prstClr val="black"/>
-              </a:solidFill>
-              <a:latin typeface="Calibri" panose="020F0502020204030204" pitchFamily="34" charset="0"/>
-              <a:ea typeface="Calibri" panose="020F0502020204030204" pitchFamily="34" charset="0"/>
-              <a:cs typeface="Times New Roman" panose="02020603050405020304" pitchFamily="18" charset="0"/>
-            </a:endParaRPr>
-          </a:p>
-          <a:p>
-            <a:pPr marL="0" lvl="0" indent="0">
-              <a:lnSpc>
-                <a:spcPct val="107000"/>
-              </a:lnSpc>
-              <a:spcBef>
-                <a:spcPts val="0"/>
-              </a:spcBef>
-              <a:buNone/>
-            </a:pPr>
-            <a:r>
-              <a:rPr lang="en-US" sz="1500" dirty="0">
-                <a:solidFill>
-                  <a:srgbClr val="000000"/>
-                </a:solidFill>
-                <a:latin typeface="Consolas" panose="020B0609020204030204" pitchFamily="49" charset="0"/>
-                <a:ea typeface="Calibri" panose="020F0502020204030204" pitchFamily="34" charset="0"/>
-                <a:cs typeface="Times New Roman" panose="02020603050405020304" pitchFamily="18" charset="0"/>
-              </a:rPr>
-              <a:t>        formCtx.registerFocusCallback(formCtx.fieldName, </a:t>
-            </a:r>
-            <a:r>
-              <a:rPr lang="en-US" sz="1500" dirty="0">
-                <a:solidFill>
-                  <a:srgbClr val="0000FF"/>
-                </a:solidFill>
-                <a:latin typeface="Consolas" panose="020B0609020204030204" pitchFamily="49" charset="0"/>
-                <a:ea typeface="Calibri" panose="020F0502020204030204" pitchFamily="34" charset="0"/>
-                <a:cs typeface="Times New Roman" panose="02020603050405020304" pitchFamily="18" charset="0"/>
-              </a:rPr>
-              <a:t>function</a:t>
-            </a:r>
-            <a:r>
-              <a:rPr lang="en-US" sz="1500" dirty="0">
-                <a:solidFill>
-                  <a:srgbClr val="000000"/>
-                </a:solidFill>
-                <a:latin typeface="Consolas" panose="020B0609020204030204" pitchFamily="49" charset="0"/>
-                <a:ea typeface="Calibri" panose="020F0502020204030204" pitchFamily="34" charset="0"/>
-                <a:cs typeface="Times New Roman" panose="02020603050405020304" pitchFamily="18" charset="0"/>
-              </a:rPr>
-              <a:t> () {</a:t>
-            </a:r>
-            <a:endParaRPr lang="en-US" sz="2000" dirty="0">
-              <a:solidFill>
-                <a:prstClr val="black"/>
-              </a:solidFill>
-              <a:latin typeface="Calibri" panose="020F0502020204030204" pitchFamily="34" charset="0"/>
-              <a:ea typeface="Calibri" panose="020F0502020204030204" pitchFamily="34" charset="0"/>
-              <a:cs typeface="Times New Roman" panose="02020603050405020304" pitchFamily="18" charset="0"/>
-            </a:endParaRPr>
-          </a:p>
-          <a:p>
-            <a:pPr marL="0" lvl="0" indent="0">
-              <a:lnSpc>
-                <a:spcPct val="107000"/>
-              </a:lnSpc>
-              <a:spcBef>
-                <a:spcPts val="0"/>
-              </a:spcBef>
-              <a:buNone/>
-            </a:pPr>
-            <a:r>
-              <a:rPr lang="en-US" sz="1500" dirty="0">
-                <a:solidFill>
-                  <a:srgbClr val="000000"/>
-                </a:solidFill>
-                <a:latin typeface="Consolas" panose="020B0609020204030204" pitchFamily="49" charset="0"/>
-                <a:ea typeface="Calibri" panose="020F0502020204030204" pitchFamily="34" charset="0"/>
-                <a:cs typeface="Times New Roman" panose="02020603050405020304" pitchFamily="18" charset="0"/>
-              </a:rPr>
-              <a:t>            </a:t>
-            </a:r>
-            <a:r>
-              <a:rPr lang="en-US" sz="1500" dirty="0">
-                <a:solidFill>
-                  <a:srgbClr val="008000"/>
-                </a:solidFill>
-                <a:latin typeface="Consolas" panose="020B0609020204030204" pitchFamily="49" charset="0"/>
-                <a:ea typeface="Calibri" panose="020F0502020204030204" pitchFamily="34" charset="0"/>
-                <a:cs typeface="Times New Roman" panose="02020603050405020304" pitchFamily="18" charset="0"/>
-              </a:rPr>
-              <a:t>// single function, called each time your field receives input focused</a:t>
-            </a:r>
-            <a:endParaRPr lang="en-US" sz="2000" dirty="0">
-              <a:solidFill>
-                <a:prstClr val="black"/>
-              </a:solidFill>
-              <a:latin typeface="Calibri" panose="020F0502020204030204" pitchFamily="34" charset="0"/>
-              <a:ea typeface="Calibri" panose="020F0502020204030204" pitchFamily="34" charset="0"/>
-              <a:cs typeface="Times New Roman" panose="02020603050405020304" pitchFamily="18" charset="0"/>
-            </a:endParaRPr>
-          </a:p>
-          <a:p>
-            <a:pPr marL="0" lvl="0" indent="0">
-              <a:lnSpc>
-                <a:spcPct val="107000"/>
-              </a:lnSpc>
-              <a:spcBef>
-                <a:spcPts val="0"/>
-              </a:spcBef>
-              <a:buNone/>
-            </a:pPr>
-            <a:r>
-              <a:rPr lang="en-US" sz="1500" dirty="0">
-                <a:solidFill>
-                  <a:srgbClr val="000000"/>
-                </a:solidFill>
-                <a:latin typeface="Consolas" panose="020B0609020204030204" pitchFamily="49" charset="0"/>
-                <a:ea typeface="Calibri" panose="020F0502020204030204" pitchFamily="34" charset="0"/>
-                <a:cs typeface="Times New Roman" panose="02020603050405020304" pitchFamily="18" charset="0"/>
-              </a:rPr>
-              <a:t>        });</a:t>
-            </a:r>
-            <a:endParaRPr lang="en-US" sz="2000" dirty="0">
-              <a:solidFill>
-                <a:prstClr val="black"/>
-              </a:solidFill>
-              <a:latin typeface="Calibri" panose="020F0502020204030204" pitchFamily="34" charset="0"/>
-              <a:ea typeface="Calibri" panose="020F0502020204030204" pitchFamily="34" charset="0"/>
-              <a:cs typeface="Times New Roman" panose="02020603050405020304" pitchFamily="18" charset="0"/>
-            </a:endParaRPr>
-          </a:p>
-          <a:p>
-            <a:pPr marL="0" lvl="0" indent="0">
-              <a:lnSpc>
-                <a:spcPct val="107000"/>
-              </a:lnSpc>
-              <a:spcBef>
-                <a:spcPts val="0"/>
-              </a:spcBef>
-              <a:buNone/>
-            </a:pPr>
-            <a:r>
-              <a:rPr lang="en-US" sz="1500" dirty="0">
-                <a:solidFill>
-                  <a:srgbClr val="000000"/>
-                </a:solidFill>
-                <a:latin typeface="Consolas" panose="020B0609020204030204" pitchFamily="49" charset="0"/>
-                <a:ea typeface="Calibri" panose="020F0502020204030204" pitchFamily="34" charset="0"/>
-                <a:cs typeface="Times New Roman" panose="02020603050405020304" pitchFamily="18" charset="0"/>
-              </a:rPr>
-              <a:t> </a:t>
-            </a:r>
-            <a:endParaRPr lang="en-US" sz="2000" dirty="0">
-              <a:solidFill>
-                <a:prstClr val="black"/>
-              </a:solidFill>
-              <a:latin typeface="Calibri" panose="020F0502020204030204" pitchFamily="34" charset="0"/>
-              <a:ea typeface="Calibri" panose="020F0502020204030204" pitchFamily="34" charset="0"/>
-              <a:cs typeface="Times New Roman" panose="02020603050405020304" pitchFamily="18" charset="0"/>
-            </a:endParaRPr>
-          </a:p>
-          <a:p>
-            <a:pPr marL="0" lvl="0" indent="0">
-              <a:lnSpc>
-                <a:spcPct val="107000"/>
-              </a:lnSpc>
-              <a:spcBef>
-                <a:spcPts val="0"/>
-              </a:spcBef>
-              <a:buNone/>
-            </a:pPr>
-            <a:r>
-              <a:rPr lang="en-US" sz="1500" dirty="0">
-                <a:solidFill>
-                  <a:srgbClr val="000000"/>
-                </a:solidFill>
-                <a:latin typeface="Consolas" panose="020B0609020204030204" pitchFamily="49" charset="0"/>
-                <a:ea typeface="Calibri" panose="020F0502020204030204" pitchFamily="34" charset="0"/>
-                <a:cs typeface="Times New Roman" panose="02020603050405020304" pitchFamily="18" charset="0"/>
-              </a:rPr>
-              <a:t>        formCtx.registerGetValueCallback(formCtx.fieldName, </a:t>
-            </a:r>
-            <a:r>
-              <a:rPr lang="en-US" sz="1500" dirty="0">
-                <a:solidFill>
-                  <a:srgbClr val="0000FF"/>
-                </a:solidFill>
-                <a:latin typeface="Consolas" panose="020B0609020204030204" pitchFamily="49" charset="0"/>
-                <a:ea typeface="Calibri" panose="020F0502020204030204" pitchFamily="34" charset="0"/>
-                <a:cs typeface="Times New Roman" panose="02020603050405020304" pitchFamily="18" charset="0"/>
-              </a:rPr>
-              <a:t>function</a:t>
-            </a:r>
-            <a:r>
-              <a:rPr lang="en-US" sz="1500" dirty="0">
-                <a:solidFill>
-                  <a:srgbClr val="000000"/>
-                </a:solidFill>
-                <a:latin typeface="Consolas" panose="020B0609020204030204" pitchFamily="49" charset="0"/>
-                <a:ea typeface="Calibri" panose="020F0502020204030204" pitchFamily="34" charset="0"/>
-                <a:cs typeface="Times New Roman" panose="02020603050405020304" pitchFamily="18" charset="0"/>
-              </a:rPr>
-              <a:t> () {</a:t>
-            </a:r>
-            <a:endParaRPr lang="en-US" sz="2000" dirty="0">
-              <a:solidFill>
-                <a:prstClr val="black"/>
-              </a:solidFill>
-              <a:latin typeface="Calibri" panose="020F0502020204030204" pitchFamily="34" charset="0"/>
-              <a:ea typeface="Calibri" panose="020F0502020204030204" pitchFamily="34" charset="0"/>
-              <a:cs typeface="Times New Roman" panose="02020603050405020304" pitchFamily="18" charset="0"/>
-            </a:endParaRPr>
-          </a:p>
-          <a:p>
-            <a:pPr marL="0" lvl="0" indent="0">
-              <a:lnSpc>
-                <a:spcPct val="107000"/>
-              </a:lnSpc>
-              <a:spcBef>
-                <a:spcPts val="0"/>
-              </a:spcBef>
-              <a:buNone/>
-            </a:pPr>
-            <a:r>
-              <a:rPr lang="en-US" sz="1500" dirty="0">
-                <a:solidFill>
-                  <a:srgbClr val="000000"/>
-                </a:solidFill>
-                <a:latin typeface="Consolas" panose="020B0609020204030204" pitchFamily="49" charset="0"/>
-                <a:ea typeface="Calibri" panose="020F0502020204030204" pitchFamily="34" charset="0"/>
-                <a:cs typeface="Times New Roman" panose="02020603050405020304" pitchFamily="18" charset="0"/>
-              </a:rPr>
-              <a:t>            </a:t>
-            </a:r>
-            <a:r>
-              <a:rPr lang="en-US" sz="1500" dirty="0">
-                <a:solidFill>
-                  <a:srgbClr val="008000"/>
-                </a:solidFill>
-                <a:latin typeface="Consolas" panose="020B0609020204030204" pitchFamily="49" charset="0"/>
-                <a:ea typeface="Calibri" panose="020F0502020204030204" pitchFamily="34" charset="0"/>
-                <a:cs typeface="Times New Roman" panose="02020603050405020304" pitchFamily="18" charset="0"/>
-              </a:rPr>
-              <a:t>// single function, called before validation and save at least!</a:t>
-            </a:r>
-            <a:endParaRPr lang="en-US" sz="2000" dirty="0">
-              <a:solidFill>
-                <a:prstClr val="black"/>
-              </a:solidFill>
-              <a:latin typeface="Calibri" panose="020F0502020204030204" pitchFamily="34" charset="0"/>
-              <a:ea typeface="Calibri" panose="020F0502020204030204" pitchFamily="34" charset="0"/>
-              <a:cs typeface="Times New Roman" panose="02020603050405020304" pitchFamily="18" charset="0"/>
-            </a:endParaRPr>
-          </a:p>
-          <a:p>
-            <a:pPr marL="0" lvl="0" indent="0">
-              <a:lnSpc>
-                <a:spcPct val="107000"/>
-              </a:lnSpc>
-              <a:spcBef>
-                <a:spcPts val="0"/>
-              </a:spcBef>
-              <a:buNone/>
-            </a:pPr>
-            <a:r>
-              <a:rPr lang="en-US" sz="1500" dirty="0">
-                <a:solidFill>
-                  <a:srgbClr val="000000"/>
-                </a:solidFill>
-                <a:latin typeface="Consolas" panose="020B0609020204030204" pitchFamily="49" charset="0"/>
-                <a:ea typeface="Calibri" panose="020F0502020204030204" pitchFamily="34" charset="0"/>
-                <a:cs typeface="Times New Roman" panose="02020603050405020304" pitchFamily="18" charset="0"/>
-              </a:rPr>
-              <a:t>        });</a:t>
-            </a:r>
-          </a:p>
-          <a:p>
-            <a:pPr marL="0" lvl="0" indent="0">
-              <a:lnSpc>
-                <a:spcPct val="107000"/>
-              </a:lnSpc>
-              <a:spcBef>
-                <a:spcPts val="0"/>
-              </a:spcBef>
-              <a:buNone/>
-            </a:pPr>
-            <a:endParaRPr lang="en-US" sz="1500" dirty="0">
-              <a:solidFill>
-                <a:srgbClr val="000000"/>
-              </a:solidFill>
-              <a:latin typeface="Consolas" panose="020B0609020204030204" pitchFamily="49" charset="0"/>
-              <a:ea typeface="Calibri" panose="020F0502020204030204" pitchFamily="34" charset="0"/>
-              <a:cs typeface="Times New Roman" panose="02020603050405020304" pitchFamily="18" charset="0"/>
-            </a:endParaRPr>
-          </a:p>
-          <a:p>
-            <a:pPr marL="0" lvl="0" indent="0">
-              <a:lnSpc>
-                <a:spcPct val="107000"/>
-              </a:lnSpc>
-              <a:spcBef>
-                <a:spcPts val="0"/>
-              </a:spcBef>
-              <a:buNone/>
-            </a:pPr>
-            <a:r>
-              <a:rPr lang="en-US" sz="1500" dirty="0">
-                <a:solidFill>
-                  <a:srgbClr val="000000"/>
-                </a:solidFill>
-                <a:latin typeface="Consolas" panose="020B0609020204030204" pitchFamily="49" charset="0"/>
-                <a:ea typeface="Calibri" panose="020F0502020204030204" pitchFamily="34" charset="0"/>
-                <a:cs typeface="Times New Roman" panose="02020603050405020304" pitchFamily="18" charset="0"/>
-              </a:rPr>
-              <a:t>        formCtx.registerHasValueChangedCallback(formCtx.fieldName, </a:t>
-            </a:r>
-            <a:r>
-              <a:rPr lang="en-US" sz="1500" dirty="0">
-                <a:solidFill>
-                  <a:srgbClr val="0000FF"/>
-                </a:solidFill>
-                <a:latin typeface="Consolas" panose="020B0609020204030204" pitchFamily="49" charset="0"/>
-                <a:ea typeface="Calibri" panose="020F0502020204030204" pitchFamily="34" charset="0"/>
-                <a:cs typeface="Times New Roman" panose="02020603050405020304" pitchFamily="18" charset="0"/>
-              </a:rPr>
-              <a:t>function</a:t>
-            </a:r>
-            <a:r>
-              <a:rPr lang="en-US" sz="1500" dirty="0">
-                <a:solidFill>
-                  <a:srgbClr val="000000"/>
-                </a:solidFill>
-                <a:latin typeface="Consolas" panose="020B0609020204030204" pitchFamily="49" charset="0"/>
-                <a:ea typeface="Calibri" panose="020F0502020204030204" pitchFamily="34" charset="0"/>
-                <a:cs typeface="Times New Roman" panose="02020603050405020304" pitchFamily="18" charset="0"/>
-              </a:rPr>
-              <a:t> () {</a:t>
-            </a:r>
-            <a:endParaRPr lang="en-US" sz="2000" dirty="0">
-              <a:solidFill>
-                <a:prstClr val="black"/>
-              </a:solidFill>
-              <a:latin typeface="Calibri" panose="020F0502020204030204" pitchFamily="34" charset="0"/>
-              <a:ea typeface="Calibri" panose="020F0502020204030204" pitchFamily="34" charset="0"/>
-              <a:cs typeface="Times New Roman" panose="02020603050405020304" pitchFamily="18" charset="0"/>
-            </a:endParaRPr>
-          </a:p>
-          <a:p>
-            <a:pPr marL="0" lvl="0" indent="0">
-              <a:lnSpc>
-                <a:spcPct val="107000"/>
-              </a:lnSpc>
-              <a:spcBef>
-                <a:spcPts val="0"/>
-              </a:spcBef>
-              <a:buNone/>
-            </a:pPr>
-            <a:r>
-              <a:rPr lang="en-US" sz="1500" dirty="0">
-                <a:solidFill>
-                  <a:srgbClr val="000000"/>
-                </a:solidFill>
-                <a:latin typeface="Consolas" panose="020B0609020204030204" pitchFamily="49" charset="0"/>
-                <a:ea typeface="Calibri" panose="020F0502020204030204" pitchFamily="34" charset="0"/>
-                <a:cs typeface="Times New Roman" panose="02020603050405020304" pitchFamily="18" charset="0"/>
-              </a:rPr>
-              <a:t>            </a:t>
-            </a:r>
-            <a:r>
-              <a:rPr lang="en-US" sz="1500" dirty="0">
-                <a:solidFill>
-                  <a:srgbClr val="008000"/>
-                </a:solidFill>
-                <a:latin typeface="Consolas" panose="020B0609020204030204" pitchFamily="49" charset="0"/>
-                <a:ea typeface="Calibri" panose="020F0502020204030204" pitchFamily="34" charset="0"/>
-                <a:cs typeface="Times New Roman" panose="02020603050405020304" pitchFamily="18" charset="0"/>
-              </a:rPr>
-              <a:t>// single function, called before save i assume!</a:t>
-            </a:r>
-            <a:endParaRPr lang="en-US" sz="2000" dirty="0">
-              <a:solidFill>
-                <a:prstClr val="black"/>
-              </a:solidFill>
-              <a:latin typeface="Calibri" panose="020F0502020204030204" pitchFamily="34" charset="0"/>
-              <a:ea typeface="Calibri" panose="020F0502020204030204" pitchFamily="34" charset="0"/>
-              <a:cs typeface="Times New Roman" panose="02020603050405020304" pitchFamily="18" charset="0"/>
-            </a:endParaRPr>
-          </a:p>
-          <a:p>
-            <a:pPr marL="0" lvl="0" indent="0">
-              <a:lnSpc>
-                <a:spcPct val="107000"/>
-              </a:lnSpc>
-              <a:spcBef>
-                <a:spcPts val="0"/>
-              </a:spcBef>
-              <a:buNone/>
-            </a:pPr>
-            <a:r>
-              <a:rPr lang="en-US" sz="1500" dirty="0">
-                <a:solidFill>
-                  <a:srgbClr val="000000"/>
-                </a:solidFill>
-                <a:latin typeface="Consolas" panose="020B0609020204030204" pitchFamily="49" charset="0"/>
-                <a:ea typeface="Calibri" panose="020F0502020204030204" pitchFamily="34" charset="0"/>
-                <a:cs typeface="Times New Roman" panose="02020603050405020304" pitchFamily="18" charset="0"/>
-              </a:rPr>
-              <a:t>        });</a:t>
-            </a:r>
-            <a:endParaRPr lang="en-US" sz="2000" dirty="0">
-              <a:solidFill>
-                <a:prstClr val="black"/>
-              </a:solidFill>
-              <a:latin typeface="Calibri" panose="020F0502020204030204" pitchFamily="34" charset="0"/>
-              <a:ea typeface="Calibri" panose="020F0502020204030204" pitchFamily="34" charset="0"/>
-              <a:cs typeface="Times New Roman" panose="02020603050405020304" pitchFamily="18" charset="0"/>
-            </a:endParaRPr>
-          </a:p>
-          <a:p>
-            <a:pPr marL="0" lvl="0" indent="0">
-              <a:lnSpc>
-                <a:spcPct val="107000"/>
-              </a:lnSpc>
-              <a:spcBef>
-                <a:spcPts val="0"/>
-              </a:spcBef>
-              <a:buNone/>
-            </a:pPr>
-            <a:r>
-              <a:rPr lang="en-US" sz="1500" dirty="0">
-                <a:solidFill>
-                  <a:srgbClr val="000000"/>
-                </a:solidFill>
-                <a:latin typeface="Consolas" panose="020B0609020204030204" pitchFamily="49" charset="0"/>
-                <a:ea typeface="Calibri" panose="020F0502020204030204" pitchFamily="34" charset="0"/>
-                <a:cs typeface="Times New Roman" panose="02020603050405020304" pitchFamily="18" charset="0"/>
-              </a:rPr>
-              <a:t>    }</a:t>
-            </a:r>
+            <a:pPr lvl="0"/>
+            <a:r>
+              <a:rPr lang="en-US" sz="4400" dirty="0">
+                <a:solidFill>
+                  <a:prstClr val="black"/>
+                </a:solidFill>
+                <a:latin typeface="Segoe UI Light" panose="020B0502040204020203" pitchFamily="34" charset="0"/>
+                <a:cs typeface="Segoe UI Light" panose="020B0502040204020203" pitchFamily="34" charset="0"/>
+              </a:rPr>
+              <a:t>Modifying fields without overriding rendering</a:t>
+            </a:r>
+          </a:p>
+          <a:p>
+            <a:pPr lvl="0"/>
+            <a:r>
+              <a:rPr lang="en-US" sz="4400" dirty="0">
+                <a:solidFill>
+                  <a:prstClr val="black"/>
+                </a:solidFill>
+                <a:latin typeface="Segoe UI Light" panose="020B0502040204020203" pitchFamily="34" charset="0"/>
+                <a:cs typeface="Segoe UI Light" panose="020B0502040204020203" pitchFamily="34" charset="0"/>
+              </a:rPr>
+              <a:t>registerInitCallback </a:t>
+            </a:r>
+            <a:r>
+              <a:rPr lang="en-US" sz="4400" dirty="0" smtClean="0">
+                <a:solidFill>
+                  <a:prstClr val="black"/>
+                </a:solidFill>
+                <a:latin typeface="Segoe UI Light" panose="020B0502040204020203" pitchFamily="34" charset="0"/>
+                <a:cs typeface="Segoe UI Light" panose="020B0502040204020203" pitchFamily="34" charset="0"/>
+              </a:rPr>
+              <a:t>(there can be only </a:t>
+            </a:r>
+            <a:r>
+              <a:rPr lang="en-US" sz="4400" dirty="0">
+                <a:solidFill>
+                  <a:prstClr val="black"/>
+                </a:solidFill>
+                <a:latin typeface="Segoe UI Light" panose="020B0502040204020203" pitchFamily="34" charset="0"/>
+                <a:cs typeface="Segoe UI Light" panose="020B0502040204020203" pitchFamily="34" charset="0"/>
+              </a:rPr>
+              <a:t>one)</a:t>
+            </a:r>
+          </a:p>
+          <a:p>
+            <a:pPr lvl="0"/>
+            <a:r>
+              <a:rPr lang="en-US" sz="4400" dirty="0">
+                <a:solidFill>
+                  <a:prstClr val="black"/>
+                </a:solidFill>
+                <a:latin typeface="Segoe UI Light" panose="020B0502040204020203" pitchFamily="34" charset="0"/>
+                <a:cs typeface="Segoe UI Light" panose="020B0502040204020203" pitchFamily="34" charset="0"/>
+              </a:rPr>
+              <a:t>Setting jsLink on multiple fields</a:t>
+            </a:r>
+          </a:p>
+          <a:p>
+            <a:pPr lvl="0"/>
+            <a:r>
+              <a:rPr lang="en-US" sz="4400" dirty="0">
+                <a:solidFill>
+                  <a:prstClr val="black"/>
+                </a:solidFill>
+                <a:latin typeface="Segoe UI Light" panose="020B0502040204020203" pitchFamily="34" charset="0"/>
+                <a:cs typeface="Segoe UI Light" panose="020B0502040204020203" pitchFamily="34" charset="0"/>
+              </a:rPr>
+              <a:t>OnPostRender  vs. registerInitCallback when working with multiple fields (and gotcha’s)</a:t>
+            </a:r>
+          </a:p>
+          <a:p>
             <a:endParaRPr lang="en-US" dirty="0"/>
           </a:p>
         </p:txBody>
@@ -18233,7 +17860,7 @@
     </p:spTree>
     <p:extLst>
       <p:ext uri="{BB962C8B-B14F-4D97-AF65-F5344CB8AC3E}">
-        <p14:creationId xmlns:p14="http://schemas.microsoft.com/office/powerpoint/2010/main" val="2333120037"/>
+        <p14:creationId xmlns:p14="http://schemas.microsoft.com/office/powerpoint/2010/main" val="2084927990"/>
       </p:ext>
     </p:extLst>
   </p:cSld>
@@ -18280,29 +17907,17 @@
         <p:spPr/>
         <p:txBody>
           <a:bodyPr>
-            <a:normAutofit fontScale="90000"/>
+            <a:normAutofit/>
           </a:bodyPr>
           <a:lstStyle/>
           <a:p>
             <a:r>
               <a:rPr lang="en-US" dirty="0"/>
-              <a:t>Demo </a:t>
+              <a:t>Register Methods Other than </a:t>
             </a:r>
             <a:r>
               <a:rPr lang="en-US" dirty="0" smtClean="0"/>
-              <a:t>#3 </a:t>
-            </a:r>
-            <a:r>
-              <a:rPr lang="en-US" dirty="0"/>
-              <a:t>– </a:t>
-            </a:r>
-            <a:r>
-              <a:rPr lang="en-US" dirty="0" smtClean="0"/>
-              <a:t>Complete Example </a:t>
-            </a:r>
-            <a:r>
-              <a:rPr lang="en-US" dirty="0" err="1" smtClean="0"/>
-              <a:t>SatisfactionCSR</a:t>
+              <a:t>Overrides</a:t>
             </a:r>
             <a:endParaRPr lang="en-US" dirty="0"/>
           </a:p>
@@ -18320,90 +17935,785 @@
         </p:nvSpPr>
         <p:spPr>
           <a:xfrm>
-            <a:off x="838200" y="2139524"/>
+            <a:off x="838200" y="2037166"/>
             <a:ext cx="10515600" cy="4351338"/>
           </a:xfrm>
         </p:spPr>
         <p:txBody>
           <a:bodyPr>
-            <a:normAutofit/>
+            <a:normAutofit lnSpcReduction="10000"/>
           </a:bodyPr>
           <a:lstStyle/>
           <a:p>
-            <a:pPr lvl="0"/>
-            <a:r>
-              <a:rPr lang="en-US" sz="4800" dirty="0">
-                <a:solidFill>
-                  <a:prstClr val="black"/>
-                </a:solidFill>
-                <a:latin typeface="Segoe UI Light" panose="020B0502040204020203" pitchFamily="34" charset="0"/>
-                <a:cs typeface="Segoe UI Light" panose="020B0502040204020203" pitchFamily="34" charset="0"/>
-              </a:rPr>
-              <a:t>Demonstrate CSR for fields on display forms and views</a:t>
-            </a:r>
-          </a:p>
-          <a:p>
-            <a:pPr lvl="0"/>
-            <a:r>
-              <a:rPr lang="en-US" sz="4800" dirty="0">
-                <a:solidFill>
-                  <a:prstClr val="black"/>
-                </a:solidFill>
-                <a:latin typeface="Segoe UI Light" panose="020B0502040204020203" pitchFamily="34" charset="0"/>
-                <a:cs typeface="Segoe UI Light" panose="020B0502040204020203" pitchFamily="34" charset="0"/>
-              </a:rPr>
-              <a:t>registerGetValueCallback</a:t>
-            </a:r>
-          </a:p>
-          <a:p>
-            <a:pPr lvl="0"/>
-            <a:r>
-              <a:rPr lang="en-US" sz="4800" dirty="0" smtClean="0">
-                <a:solidFill>
-                  <a:prstClr val="black"/>
-                </a:solidFill>
-                <a:latin typeface="Segoe UI Light" panose="020B0502040204020203" pitchFamily="34" charset="0"/>
-                <a:cs typeface="Segoe UI Light" panose="020B0502040204020203" pitchFamily="34" charset="0"/>
-              </a:rPr>
-              <a:t>Validation</a:t>
-            </a:r>
-            <a:endParaRPr lang="en-US" sz="4800" dirty="0">
+            <a:pPr marL="0" lvl="0" indent="0">
+              <a:lnSpc>
+                <a:spcPct val="107000"/>
+              </a:lnSpc>
+              <a:spcBef>
+                <a:spcPts val="0"/>
+              </a:spcBef>
+              <a:buNone/>
+            </a:pPr>
+            <a:r>
+              <a:rPr lang="en-US" sz="1500" dirty="0">
+                <a:solidFill>
+                  <a:srgbClr val="000000"/>
+                </a:solidFill>
+                <a:latin typeface="Consolas" panose="020B0609020204030204" pitchFamily="49" charset="0"/>
+                <a:ea typeface="Calibri" panose="020F0502020204030204" pitchFamily="34" charset="0"/>
+                <a:cs typeface="Times New Roman" panose="02020603050405020304" pitchFamily="18" charset="0"/>
+              </a:rPr>
+              <a:t> </a:t>
+            </a:r>
+            <a:r>
+              <a:rPr lang="en-US" sz="1500" dirty="0" smtClean="0">
+                <a:solidFill>
+                  <a:srgbClr val="000000"/>
+                </a:solidFill>
+                <a:latin typeface="Consolas" panose="020B0609020204030204" pitchFamily="49" charset="0"/>
+                <a:ea typeface="Calibri" panose="020F0502020204030204" pitchFamily="34" charset="0"/>
+                <a:cs typeface="Times New Roman" panose="02020603050405020304" pitchFamily="18" charset="0"/>
+              </a:rPr>
+              <a:t>   </a:t>
+            </a:r>
+            <a:r>
+              <a:rPr lang="en-US" sz="1500" dirty="0" smtClean="0">
+                <a:solidFill>
+                  <a:srgbClr val="0000FF"/>
+                </a:solidFill>
+                <a:latin typeface="Consolas" panose="020B0609020204030204" pitchFamily="49" charset="0"/>
+                <a:ea typeface="Calibri" panose="020F0502020204030204" pitchFamily="34" charset="0"/>
+                <a:cs typeface="Times New Roman" panose="02020603050405020304" pitchFamily="18" charset="0"/>
+              </a:rPr>
+              <a:t>var</a:t>
+            </a:r>
+            <a:r>
+              <a:rPr lang="en-US" sz="1500" dirty="0" smtClean="0">
+                <a:solidFill>
+                  <a:srgbClr val="000000"/>
+                </a:solidFill>
+                <a:latin typeface="Consolas" panose="020B0609020204030204" pitchFamily="49" charset="0"/>
+                <a:ea typeface="Calibri" panose="020F0502020204030204" pitchFamily="34" charset="0"/>
+                <a:cs typeface="Times New Roman" panose="02020603050405020304" pitchFamily="18" charset="0"/>
+              </a:rPr>
+              <a:t> </a:t>
+            </a:r>
+            <a:r>
+              <a:rPr lang="en-US" sz="1500" dirty="0">
+                <a:solidFill>
+                  <a:srgbClr val="000000"/>
+                </a:solidFill>
+                <a:latin typeface="Consolas" panose="020B0609020204030204" pitchFamily="49" charset="0"/>
+                <a:ea typeface="Calibri" panose="020F0502020204030204" pitchFamily="34" charset="0"/>
+                <a:cs typeface="Times New Roman" panose="02020603050405020304" pitchFamily="18" charset="0"/>
+              </a:rPr>
+              <a:t>render = </a:t>
+            </a:r>
+            <a:r>
+              <a:rPr lang="en-US" sz="1500" dirty="0">
+                <a:solidFill>
+                  <a:srgbClr val="0000FF"/>
+                </a:solidFill>
+                <a:latin typeface="Consolas" panose="020B0609020204030204" pitchFamily="49" charset="0"/>
+                <a:ea typeface="Calibri" panose="020F0502020204030204" pitchFamily="34" charset="0"/>
+                <a:cs typeface="Times New Roman" panose="02020603050405020304" pitchFamily="18" charset="0"/>
+              </a:rPr>
+              <a:t>function</a:t>
+            </a:r>
+            <a:r>
+              <a:rPr lang="en-US" sz="1500" dirty="0">
+                <a:solidFill>
+                  <a:srgbClr val="000000"/>
+                </a:solidFill>
+                <a:latin typeface="Consolas" panose="020B0609020204030204" pitchFamily="49" charset="0"/>
+                <a:ea typeface="Calibri" panose="020F0502020204030204" pitchFamily="34" charset="0"/>
+                <a:cs typeface="Times New Roman" panose="02020603050405020304" pitchFamily="18" charset="0"/>
+              </a:rPr>
+              <a:t> (ctx) {</a:t>
+            </a:r>
+            <a:endParaRPr lang="en-US" sz="2000" dirty="0">
               <a:solidFill>
                 <a:prstClr val="black"/>
               </a:solidFill>
-              <a:latin typeface="Segoe UI Light" panose="020B0502040204020203" pitchFamily="34" charset="0"/>
-              <a:cs typeface="Segoe UI Light" panose="020B0502040204020203" pitchFamily="34" charset="0"/>
+              <a:latin typeface="Calibri" panose="020F0502020204030204" pitchFamily="34" charset="0"/>
+              <a:ea typeface="Calibri" panose="020F0502020204030204" pitchFamily="34" charset="0"/>
+              <a:cs typeface="Times New Roman" panose="02020603050405020304" pitchFamily="18" charset="0"/>
             </a:endParaRPr>
           </a:p>
           <a:p>
-            <a:pPr lvl="0"/>
-            <a:r>
-              <a:rPr lang="en-US" sz="4800" dirty="0" smtClean="0">
-                <a:solidFill>
-                  <a:prstClr val="black"/>
-                </a:solidFill>
-                <a:latin typeface="Segoe UI Light" panose="020B0502040204020203" pitchFamily="34" charset="0"/>
-                <a:cs typeface="Segoe UI Light" panose="020B0502040204020203" pitchFamily="34" charset="0"/>
-              </a:rPr>
-              <a:t>Injecting CSS</a:t>
-            </a:r>
-            <a:endParaRPr lang="en-US" sz="4800" dirty="0">
+            <a:pPr marL="0" lvl="0" indent="0">
+              <a:lnSpc>
+                <a:spcPct val="107000"/>
+              </a:lnSpc>
+              <a:spcBef>
+                <a:spcPts val="0"/>
+              </a:spcBef>
+              <a:buNone/>
+            </a:pPr>
+            <a:r>
+              <a:rPr lang="en-US" sz="1500" dirty="0">
+                <a:solidFill>
+                  <a:srgbClr val="000000"/>
+                </a:solidFill>
+                <a:latin typeface="Consolas" panose="020B0609020204030204" pitchFamily="49" charset="0"/>
+                <a:ea typeface="Calibri" panose="020F0502020204030204" pitchFamily="34" charset="0"/>
+                <a:cs typeface="Times New Roman" panose="02020603050405020304" pitchFamily="18" charset="0"/>
+              </a:rPr>
+              <a:t>        </a:t>
+            </a:r>
+            <a:r>
+              <a:rPr lang="en-US" sz="1500" dirty="0">
+                <a:solidFill>
+                  <a:srgbClr val="0000FF"/>
+                </a:solidFill>
+                <a:latin typeface="Consolas" panose="020B0609020204030204" pitchFamily="49" charset="0"/>
+                <a:ea typeface="Calibri" panose="020F0502020204030204" pitchFamily="34" charset="0"/>
+                <a:cs typeface="Times New Roman" panose="02020603050405020304" pitchFamily="18" charset="0"/>
+              </a:rPr>
+              <a:t>var</a:t>
+            </a:r>
+            <a:r>
+              <a:rPr lang="en-US" sz="1500" dirty="0">
+                <a:solidFill>
+                  <a:srgbClr val="000000"/>
+                </a:solidFill>
+                <a:latin typeface="Consolas" panose="020B0609020204030204" pitchFamily="49" charset="0"/>
+                <a:ea typeface="Calibri" panose="020F0502020204030204" pitchFamily="34" charset="0"/>
+                <a:cs typeface="Times New Roman" panose="02020603050405020304" pitchFamily="18" charset="0"/>
+              </a:rPr>
+              <a:t> formCtx = SPClientTemplates.Utility.GetFormContextForCurrentField(ctx);</a:t>
+            </a:r>
+            <a:endParaRPr lang="en-US" sz="2000" dirty="0">
               <a:solidFill>
                 <a:prstClr val="black"/>
               </a:solidFill>
-              <a:latin typeface="Segoe UI Light" panose="020B0502040204020203" pitchFamily="34" charset="0"/>
-              <a:cs typeface="Segoe UI Light" panose="020B0502040204020203" pitchFamily="34" charset="0"/>
+              <a:latin typeface="Calibri" panose="020F0502020204030204" pitchFamily="34" charset="0"/>
+              <a:ea typeface="Calibri" panose="020F0502020204030204" pitchFamily="34" charset="0"/>
+              <a:cs typeface="Times New Roman" panose="02020603050405020304" pitchFamily="18" charset="0"/>
             </a:endParaRPr>
           </a:p>
           <a:p>
-            <a:endParaRPr lang="en-US" sz="4800" dirty="0"/>
+            <a:pPr marL="0" lvl="0" indent="0">
+              <a:lnSpc>
+                <a:spcPct val="107000"/>
+              </a:lnSpc>
+              <a:spcBef>
+                <a:spcPts val="0"/>
+              </a:spcBef>
+              <a:buNone/>
+            </a:pPr>
+            <a:r>
+              <a:rPr lang="en-US" sz="1500" dirty="0">
+                <a:solidFill>
+                  <a:srgbClr val="000000"/>
+                </a:solidFill>
+                <a:latin typeface="Consolas" panose="020B0609020204030204" pitchFamily="49" charset="0"/>
+                <a:ea typeface="Calibri" panose="020F0502020204030204" pitchFamily="34" charset="0"/>
+                <a:cs typeface="Times New Roman" panose="02020603050405020304" pitchFamily="18" charset="0"/>
+              </a:rPr>
+              <a:t> </a:t>
+            </a:r>
+            <a:endParaRPr lang="en-US" sz="2000" dirty="0">
+              <a:solidFill>
+                <a:prstClr val="black"/>
+              </a:solidFill>
+              <a:latin typeface="Calibri" panose="020F0502020204030204" pitchFamily="34" charset="0"/>
+              <a:ea typeface="Calibri" panose="020F0502020204030204" pitchFamily="34" charset="0"/>
+              <a:cs typeface="Times New Roman" panose="02020603050405020304" pitchFamily="18" charset="0"/>
+            </a:endParaRPr>
+          </a:p>
+          <a:p>
+            <a:pPr marL="0" lvl="0" indent="0">
+              <a:lnSpc>
+                <a:spcPct val="107000"/>
+              </a:lnSpc>
+              <a:spcBef>
+                <a:spcPts val="0"/>
+              </a:spcBef>
+              <a:buNone/>
+            </a:pPr>
+            <a:r>
+              <a:rPr lang="en-US" sz="1500" dirty="0">
+                <a:solidFill>
+                  <a:srgbClr val="000000"/>
+                </a:solidFill>
+                <a:latin typeface="Consolas" panose="020B0609020204030204" pitchFamily="49" charset="0"/>
+                <a:ea typeface="Calibri" panose="020F0502020204030204" pitchFamily="34" charset="0"/>
+                <a:cs typeface="Times New Roman" panose="02020603050405020304" pitchFamily="18" charset="0"/>
+              </a:rPr>
+              <a:t>        formCtx.registerInitCallback(formCtx.fieldName, </a:t>
+            </a:r>
+            <a:r>
+              <a:rPr lang="en-US" sz="1500" dirty="0">
+                <a:solidFill>
+                  <a:srgbClr val="0000FF"/>
+                </a:solidFill>
+                <a:latin typeface="Consolas" panose="020B0609020204030204" pitchFamily="49" charset="0"/>
+                <a:ea typeface="Calibri" panose="020F0502020204030204" pitchFamily="34" charset="0"/>
+                <a:cs typeface="Times New Roman" panose="02020603050405020304" pitchFamily="18" charset="0"/>
+              </a:rPr>
+              <a:t>function</a:t>
+            </a:r>
+            <a:r>
+              <a:rPr lang="en-US" sz="1500" dirty="0">
+                <a:solidFill>
+                  <a:srgbClr val="000000"/>
+                </a:solidFill>
+                <a:latin typeface="Consolas" panose="020B0609020204030204" pitchFamily="49" charset="0"/>
+                <a:ea typeface="Calibri" panose="020F0502020204030204" pitchFamily="34" charset="0"/>
+                <a:cs typeface="Times New Roman" panose="02020603050405020304" pitchFamily="18" charset="0"/>
+              </a:rPr>
+              <a:t> () {</a:t>
+            </a:r>
+            <a:endParaRPr lang="en-US" sz="2000" dirty="0">
+              <a:solidFill>
+                <a:prstClr val="black"/>
+              </a:solidFill>
+              <a:latin typeface="Calibri" panose="020F0502020204030204" pitchFamily="34" charset="0"/>
+              <a:ea typeface="Calibri" panose="020F0502020204030204" pitchFamily="34" charset="0"/>
+              <a:cs typeface="Times New Roman" panose="02020603050405020304" pitchFamily="18" charset="0"/>
+            </a:endParaRPr>
+          </a:p>
+          <a:p>
+            <a:pPr marL="0" lvl="0" indent="0">
+              <a:lnSpc>
+                <a:spcPct val="107000"/>
+              </a:lnSpc>
+              <a:spcBef>
+                <a:spcPts val="0"/>
+              </a:spcBef>
+              <a:buNone/>
+            </a:pPr>
+            <a:r>
+              <a:rPr lang="en-US" sz="1500" dirty="0">
+                <a:solidFill>
+                  <a:srgbClr val="000000"/>
+                </a:solidFill>
+                <a:latin typeface="Consolas" panose="020B0609020204030204" pitchFamily="49" charset="0"/>
+                <a:ea typeface="Calibri" panose="020F0502020204030204" pitchFamily="34" charset="0"/>
+                <a:cs typeface="Times New Roman" panose="02020603050405020304" pitchFamily="18" charset="0"/>
+              </a:rPr>
+              <a:t>            </a:t>
+            </a:r>
+            <a:r>
+              <a:rPr lang="en-US" sz="1500" dirty="0">
+                <a:solidFill>
+                  <a:srgbClr val="008000"/>
+                </a:solidFill>
+                <a:latin typeface="Consolas" panose="020B0609020204030204" pitchFamily="49" charset="0"/>
+                <a:ea typeface="Calibri" panose="020F0502020204030204" pitchFamily="34" charset="0"/>
+                <a:cs typeface="Times New Roman" panose="02020603050405020304" pitchFamily="18" charset="0"/>
+              </a:rPr>
+              <a:t>// single function, called once after all fields have been rendered</a:t>
+            </a:r>
+            <a:endParaRPr lang="en-US" sz="2000" dirty="0">
+              <a:solidFill>
+                <a:prstClr val="black"/>
+              </a:solidFill>
+              <a:latin typeface="Calibri" panose="020F0502020204030204" pitchFamily="34" charset="0"/>
+              <a:ea typeface="Calibri" panose="020F0502020204030204" pitchFamily="34" charset="0"/>
+              <a:cs typeface="Times New Roman" panose="02020603050405020304" pitchFamily="18" charset="0"/>
+            </a:endParaRPr>
+          </a:p>
+          <a:p>
+            <a:pPr marL="0" lvl="0" indent="0">
+              <a:lnSpc>
+                <a:spcPct val="107000"/>
+              </a:lnSpc>
+              <a:spcBef>
+                <a:spcPts val="0"/>
+              </a:spcBef>
+              <a:buNone/>
+            </a:pPr>
+            <a:r>
+              <a:rPr lang="en-US" sz="1500" dirty="0">
+                <a:solidFill>
+                  <a:srgbClr val="000000"/>
+                </a:solidFill>
+                <a:latin typeface="Consolas" panose="020B0609020204030204" pitchFamily="49" charset="0"/>
+                <a:ea typeface="Calibri" panose="020F0502020204030204" pitchFamily="34" charset="0"/>
+                <a:cs typeface="Times New Roman" panose="02020603050405020304" pitchFamily="18" charset="0"/>
+              </a:rPr>
+              <a:t>        });</a:t>
+            </a:r>
+            <a:endParaRPr lang="en-US" sz="2000" dirty="0">
+              <a:solidFill>
+                <a:prstClr val="black"/>
+              </a:solidFill>
+              <a:latin typeface="Calibri" panose="020F0502020204030204" pitchFamily="34" charset="0"/>
+              <a:ea typeface="Calibri" panose="020F0502020204030204" pitchFamily="34" charset="0"/>
+              <a:cs typeface="Times New Roman" panose="02020603050405020304" pitchFamily="18" charset="0"/>
+            </a:endParaRPr>
+          </a:p>
+          <a:p>
+            <a:pPr marL="0" lvl="0" indent="0">
+              <a:lnSpc>
+                <a:spcPct val="107000"/>
+              </a:lnSpc>
+              <a:spcBef>
+                <a:spcPts val="0"/>
+              </a:spcBef>
+              <a:buNone/>
+            </a:pPr>
+            <a:r>
+              <a:rPr lang="en-US" sz="1500" dirty="0">
+                <a:solidFill>
+                  <a:srgbClr val="000000"/>
+                </a:solidFill>
+                <a:latin typeface="Consolas" panose="020B0609020204030204" pitchFamily="49" charset="0"/>
+                <a:ea typeface="Calibri" panose="020F0502020204030204" pitchFamily="34" charset="0"/>
+                <a:cs typeface="Times New Roman" panose="02020603050405020304" pitchFamily="18" charset="0"/>
+              </a:rPr>
+              <a:t> </a:t>
+            </a:r>
+            <a:endParaRPr lang="en-US" sz="2000" dirty="0">
+              <a:solidFill>
+                <a:prstClr val="black"/>
+              </a:solidFill>
+              <a:latin typeface="Calibri" panose="020F0502020204030204" pitchFamily="34" charset="0"/>
+              <a:ea typeface="Calibri" panose="020F0502020204030204" pitchFamily="34" charset="0"/>
+              <a:cs typeface="Times New Roman" panose="02020603050405020304" pitchFamily="18" charset="0"/>
+            </a:endParaRPr>
+          </a:p>
+          <a:p>
+            <a:pPr marL="0" lvl="0" indent="0">
+              <a:lnSpc>
+                <a:spcPct val="107000"/>
+              </a:lnSpc>
+              <a:spcBef>
+                <a:spcPts val="0"/>
+              </a:spcBef>
+              <a:buNone/>
+            </a:pPr>
+            <a:r>
+              <a:rPr lang="en-US" sz="1500" dirty="0">
+                <a:solidFill>
+                  <a:srgbClr val="000000"/>
+                </a:solidFill>
+                <a:latin typeface="Consolas" panose="020B0609020204030204" pitchFamily="49" charset="0"/>
+                <a:ea typeface="Calibri" panose="020F0502020204030204" pitchFamily="34" charset="0"/>
+                <a:cs typeface="Times New Roman" panose="02020603050405020304" pitchFamily="18" charset="0"/>
+              </a:rPr>
+              <a:t>        formCtx.registerFocusCallback(formCtx.fieldName, </a:t>
+            </a:r>
+            <a:r>
+              <a:rPr lang="en-US" sz="1500" dirty="0">
+                <a:solidFill>
+                  <a:srgbClr val="0000FF"/>
+                </a:solidFill>
+                <a:latin typeface="Consolas" panose="020B0609020204030204" pitchFamily="49" charset="0"/>
+                <a:ea typeface="Calibri" panose="020F0502020204030204" pitchFamily="34" charset="0"/>
+                <a:cs typeface="Times New Roman" panose="02020603050405020304" pitchFamily="18" charset="0"/>
+              </a:rPr>
+              <a:t>function</a:t>
+            </a:r>
+            <a:r>
+              <a:rPr lang="en-US" sz="1500" dirty="0">
+                <a:solidFill>
+                  <a:srgbClr val="000000"/>
+                </a:solidFill>
+                <a:latin typeface="Consolas" panose="020B0609020204030204" pitchFamily="49" charset="0"/>
+                <a:ea typeface="Calibri" panose="020F0502020204030204" pitchFamily="34" charset="0"/>
+                <a:cs typeface="Times New Roman" panose="02020603050405020304" pitchFamily="18" charset="0"/>
+              </a:rPr>
+              <a:t> () {</a:t>
+            </a:r>
+            <a:endParaRPr lang="en-US" sz="2000" dirty="0">
+              <a:solidFill>
+                <a:prstClr val="black"/>
+              </a:solidFill>
+              <a:latin typeface="Calibri" panose="020F0502020204030204" pitchFamily="34" charset="0"/>
+              <a:ea typeface="Calibri" panose="020F0502020204030204" pitchFamily="34" charset="0"/>
+              <a:cs typeface="Times New Roman" panose="02020603050405020304" pitchFamily="18" charset="0"/>
+            </a:endParaRPr>
+          </a:p>
+          <a:p>
+            <a:pPr marL="0" lvl="0" indent="0">
+              <a:lnSpc>
+                <a:spcPct val="107000"/>
+              </a:lnSpc>
+              <a:spcBef>
+                <a:spcPts val="0"/>
+              </a:spcBef>
+              <a:buNone/>
+            </a:pPr>
+            <a:r>
+              <a:rPr lang="en-US" sz="1500" dirty="0">
+                <a:solidFill>
+                  <a:srgbClr val="000000"/>
+                </a:solidFill>
+                <a:latin typeface="Consolas" panose="020B0609020204030204" pitchFamily="49" charset="0"/>
+                <a:ea typeface="Calibri" panose="020F0502020204030204" pitchFamily="34" charset="0"/>
+                <a:cs typeface="Times New Roman" panose="02020603050405020304" pitchFamily="18" charset="0"/>
+              </a:rPr>
+              <a:t>            </a:t>
+            </a:r>
+            <a:r>
+              <a:rPr lang="en-US" sz="1500" dirty="0">
+                <a:solidFill>
+                  <a:srgbClr val="008000"/>
+                </a:solidFill>
+                <a:latin typeface="Consolas" panose="020B0609020204030204" pitchFamily="49" charset="0"/>
+                <a:ea typeface="Calibri" panose="020F0502020204030204" pitchFamily="34" charset="0"/>
+                <a:cs typeface="Times New Roman" panose="02020603050405020304" pitchFamily="18" charset="0"/>
+              </a:rPr>
+              <a:t>// single function, called each time your field receives input focused</a:t>
+            </a:r>
+            <a:endParaRPr lang="en-US" sz="2000" dirty="0">
+              <a:solidFill>
+                <a:prstClr val="black"/>
+              </a:solidFill>
+              <a:latin typeface="Calibri" panose="020F0502020204030204" pitchFamily="34" charset="0"/>
+              <a:ea typeface="Calibri" panose="020F0502020204030204" pitchFamily="34" charset="0"/>
+              <a:cs typeface="Times New Roman" panose="02020603050405020304" pitchFamily="18" charset="0"/>
+            </a:endParaRPr>
+          </a:p>
+          <a:p>
+            <a:pPr marL="0" lvl="0" indent="0">
+              <a:lnSpc>
+                <a:spcPct val="107000"/>
+              </a:lnSpc>
+              <a:spcBef>
+                <a:spcPts val="0"/>
+              </a:spcBef>
+              <a:buNone/>
+            </a:pPr>
+            <a:r>
+              <a:rPr lang="en-US" sz="1500" dirty="0">
+                <a:solidFill>
+                  <a:srgbClr val="000000"/>
+                </a:solidFill>
+                <a:latin typeface="Consolas" panose="020B0609020204030204" pitchFamily="49" charset="0"/>
+                <a:ea typeface="Calibri" panose="020F0502020204030204" pitchFamily="34" charset="0"/>
+                <a:cs typeface="Times New Roman" panose="02020603050405020304" pitchFamily="18" charset="0"/>
+              </a:rPr>
+              <a:t>        });</a:t>
+            </a:r>
+            <a:endParaRPr lang="en-US" sz="2000" dirty="0">
+              <a:solidFill>
+                <a:prstClr val="black"/>
+              </a:solidFill>
+              <a:latin typeface="Calibri" panose="020F0502020204030204" pitchFamily="34" charset="0"/>
+              <a:ea typeface="Calibri" panose="020F0502020204030204" pitchFamily="34" charset="0"/>
+              <a:cs typeface="Times New Roman" panose="02020603050405020304" pitchFamily="18" charset="0"/>
+            </a:endParaRPr>
+          </a:p>
+          <a:p>
+            <a:pPr marL="0" lvl="0" indent="0">
+              <a:lnSpc>
+                <a:spcPct val="107000"/>
+              </a:lnSpc>
+              <a:spcBef>
+                <a:spcPts val="0"/>
+              </a:spcBef>
+              <a:buNone/>
+            </a:pPr>
+            <a:r>
+              <a:rPr lang="en-US" sz="1500" dirty="0">
+                <a:solidFill>
+                  <a:srgbClr val="000000"/>
+                </a:solidFill>
+                <a:latin typeface="Consolas" panose="020B0609020204030204" pitchFamily="49" charset="0"/>
+                <a:ea typeface="Calibri" panose="020F0502020204030204" pitchFamily="34" charset="0"/>
+                <a:cs typeface="Times New Roman" panose="02020603050405020304" pitchFamily="18" charset="0"/>
+              </a:rPr>
+              <a:t> </a:t>
+            </a:r>
+            <a:endParaRPr lang="en-US" sz="2000" dirty="0">
+              <a:solidFill>
+                <a:prstClr val="black"/>
+              </a:solidFill>
+              <a:latin typeface="Calibri" panose="020F0502020204030204" pitchFamily="34" charset="0"/>
+              <a:ea typeface="Calibri" panose="020F0502020204030204" pitchFamily="34" charset="0"/>
+              <a:cs typeface="Times New Roman" panose="02020603050405020304" pitchFamily="18" charset="0"/>
+            </a:endParaRPr>
+          </a:p>
+          <a:p>
+            <a:pPr marL="0" lvl="0" indent="0">
+              <a:lnSpc>
+                <a:spcPct val="107000"/>
+              </a:lnSpc>
+              <a:spcBef>
+                <a:spcPts val="0"/>
+              </a:spcBef>
+              <a:buNone/>
+            </a:pPr>
+            <a:r>
+              <a:rPr lang="en-US" sz="1500" dirty="0">
+                <a:solidFill>
+                  <a:srgbClr val="000000"/>
+                </a:solidFill>
+                <a:latin typeface="Consolas" panose="020B0609020204030204" pitchFamily="49" charset="0"/>
+                <a:ea typeface="Calibri" panose="020F0502020204030204" pitchFamily="34" charset="0"/>
+                <a:cs typeface="Times New Roman" panose="02020603050405020304" pitchFamily="18" charset="0"/>
+              </a:rPr>
+              <a:t>        formCtx.registerGetValueCallback(formCtx.fieldName, </a:t>
+            </a:r>
+            <a:r>
+              <a:rPr lang="en-US" sz="1500" dirty="0">
+                <a:solidFill>
+                  <a:srgbClr val="0000FF"/>
+                </a:solidFill>
+                <a:latin typeface="Consolas" panose="020B0609020204030204" pitchFamily="49" charset="0"/>
+                <a:ea typeface="Calibri" panose="020F0502020204030204" pitchFamily="34" charset="0"/>
+                <a:cs typeface="Times New Roman" panose="02020603050405020304" pitchFamily="18" charset="0"/>
+              </a:rPr>
+              <a:t>function</a:t>
+            </a:r>
+            <a:r>
+              <a:rPr lang="en-US" sz="1500" dirty="0">
+                <a:solidFill>
+                  <a:srgbClr val="000000"/>
+                </a:solidFill>
+                <a:latin typeface="Consolas" panose="020B0609020204030204" pitchFamily="49" charset="0"/>
+                <a:ea typeface="Calibri" panose="020F0502020204030204" pitchFamily="34" charset="0"/>
+                <a:cs typeface="Times New Roman" panose="02020603050405020304" pitchFamily="18" charset="0"/>
+              </a:rPr>
+              <a:t> () {</a:t>
+            </a:r>
+            <a:endParaRPr lang="en-US" sz="2000" dirty="0">
+              <a:solidFill>
+                <a:prstClr val="black"/>
+              </a:solidFill>
+              <a:latin typeface="Calibri" panose="020F0502020204030204" pitchFamily="34" charset="0"/>
+              <a:ea typeface="Calibri" panose="020F0502020204030204" pitchFamily="34" charset="0"/>
+              <a:cs typeface="Times New Roman" panose="02020603050405020304" pitchFamily="18" charset="0"/>
+            </a:endParaRPr>
+          </a:p>
+          <a:p>
+            <a:pPr marL="0" lvl="0" indent="0">
+              <a:lnSpc>
+                <a:spcPct val="107000"/>
+              </a:lnSpc>
+              <a:spcBef>
+                <a:spcPts val="0"/>
+              </a:spcBef>
+              <a:buNone/>
+            </a:pPr>
+            <a:r>
+              <a:rPr lang="en-US" sz="1500" dirty="0">
+                <a:solidFill>
+                  <a:srgbClr val="000000"/>
+                </a:solidFill>
+                <a:latin typeface="Consolas" panose="020B0609020204030204" pitchFamily="49" charset="0"/>
+                <a:ea typeface="Calibri" panose="020F0502020204030204" pitchFamily="34" charset="0"/>
+                <a:cs typeface="Times New Roman" panose="02020603050405020304" pitchFamily="18" charset="0"/>
+              </a:rPr>
+              <a:t>            </a:t>
+            </a:r>
+            <a:r>
+              <a:rPr lang="en-US" sz="1500" dirty="0">
+                <a:solidFill>
+                  <a:srgbClr val="008000"/>
+                </a:solidFill>
+                <a:latin typeface="Consolas" panose="020B0609020204030204" pitchFamily="49" charset="0"/>
+                <a:ea typeface="Calibri" panose="020F0502020204030204" pitchFamily="34" charset="0"/>
+                <a:cs typeface="Times New Roman" panose="02020603050405020304" pitchFamily="18" charset="0"/>
+              </a:rPr>
+              <a:t>// single function, called before validation and save at least!</a:t>
+            </a:r>
+            <a:endParaRPr lang="en-US" sz="2000" dirty="0">
+              <a:solidFill>
+                <a:prstClr val="black"/>
+              </a:solidFill>
+              <a:latin typeface="Calibri" panose="020F0502020204030204" pitchFamily="34" charset="0"/>
+              <a:ea typeface="Calibri" panose="020F0502020204030204" pitchFamily="34" charset="0"/>
+              <a:cs typeface="Times New Roman" panose="02020603050405020304" pitchFamily="18" charset="0"/>
+            </a:endParaRPr>
+          </a:p>
+          <a:p>
+            <a:pPr marL="0" lvl="0" indent="0">
+              <a:lnSpc>
+                <a:spcPct val="107000"/>
+              </a:lnSpc>
+              <a:spcBef>
+                <a:spcPts val="0"/>
+              </a:spcBef>
+              <a:buNone/>
+            </a:pPr>
+            <a:r>
+              <a:rPr lang="en-US" sz="1500" dirty="0">
+                <a:solidFill>
+                  <a:srgbClr val="000000"/>
+                </a:solidFill>
+                <a:latin typeface="Consolas" panose="020B0609020204030204" pitchFamily="49" charset="0"/>
+                <a:ea typeface="Calibri" panose="020F0502020204030204" pitchFamily="34" charset="0"/>
+                <a:cs typeface="Times New Roman" panose="02020603050405020304" pitchFamily="18" charset="0"/>
+              </a:rPr>
+              <a:t>        });</a:t>
+            </a:r>
+          </a:p>
+          <a:p>
+            <a:pPr marL="0" lvl="0" indent="0">
+              <a:lnSpc>
+                <a:spcPct val="107000"/>
+              </a:lnSpc>
+              <a:spcBef>
+                <a:spcPts val="0"/>
+              </a:spcBef>
+              <a:buNone/>
+            </a:pPr>
+            <a:endParaRPr lang="en-US" sz="1500" dirty="0">
+              <a:solidFill>
+                <a:srgbClr val="000000"/>
+              </a:solidFill>
+              <a:latin typeface="Consolas" panose="020B0609020204030204" pitchFamily="49" charset="0"/>
+              <a:ea typeface="Calibri" panose="020F0502020204030204" pitchFamily="34" charset="0"/>
+              <a:cs typeface="Times New Roman" panose="02020603050405020304" pitchFamily="18" charset="0"/>
+            </a:endParaRPr>
+          </a:p>
+          <a:p>
+            <a:pPr marL="0" lvl="0" indent="0">
+              <a:lnSpc>
+                <a:spcPct val="107000"/>
+              </a:lnSpc>
+              <a:spcBef>
+                <a:spcPts val="0"/>
+              </a:spcBef>
+              <a:buNone/>
+            </a:pPr>
+            <a:r>
+              <a:rPr lang="en-US" sz="1500" dirty="0">
+                <a:solidFill>
+                  <a:srgbClr val="000000"/>
+                </a:solidFill>
+                <a:latin typeface="Consolas" panose="020B0609020204030204" pitchFamily="49" charset="0"/>
+                <a:ea typeface="Calibri" panose="020F0502020204030204" pitchFamily="34" charset="0"/>
+                <a:cs typeface="Times New Roman" panose="02020603050405020304" pitchFamily="18" charset="0"/>
+              </a:rPr>
+              <a:t>        formCtx.registerHasValueChangedCallback(formCtx.fieldName, </a:t>
+            </a:r>
+            <a:r>
+              <a:rPr lang="en-US" sz="1500" dirty="0">
+                <a:solidFill>
+                  <a:srgbClr val="0000FF"/>
+                </a:solidFill>
+                <a:latin typeface="Consolas" panose="020B0609020204030204" pitchFamily="49" charset="0"/>
+                <a:ea typeface="Calibri" panose="020F0502020204030204" pitchFamily="34" charset="0"/>
+                <a:cs typeface="Times New Roman" panose="02020603050405020304" pitchFamily="18" charset="0"/>
+              </a:rPr>
+              <a:t>function</a:t>
+            </a:r>
+            <a:r>
+              <a:rPr lang="en-US" sz="1500" dirty="0">
+                <a:solidFill>
+                  <a:srgbClr val="000000"/>
+                </a:solidFill>
+                <a:latin typeface="Consolas" panose="020B0609020204030204" pitchFamily="49" charset="0"/>
+                <a:ea typeface="Calibri" panose="020F0502020204030204" pitchFamily="34" charset="0"/>
+                <a:cs typeface="Times New Roman" panose="02020603050405020304" pitchFamily="18" charset="0"/>
+              </a:rPr>
+              <a:t> () {</a:t>
+            </a:r>
+            <a:endParaRPr lang="en-US" sz="2000" dirty="0">
+              <a:solidFill>
+                <a:prstClr val="black"/>
+              </a:solidFill>
+              <a:latin typeface="Calibri" panose="020F0502020204030204" pitchFamily="34" charset="0"/>
+              <a:ea typeface="Calibri" panose="020F0502020204030204" pitchFamily="34" charset="0"/>
+              <a:cs typeface="Times New Roman" panose="02020603050405020304" pitchFamily="18" charset="0"/>
+            </a:endParaRPr>
+          </a:p>
+          <a:p>
+            <a:pPr marL="0" lvl="0" indent="0">
+              <a:lnSpc>
+                <a:spcPct val="107000"/>
+              </a:lnSpc>
+              <a:spcBef>
+                <a:spcPts val="0"/>
+              </a:spcBef>
+              <a:buNone/>
+            </a:pPr>
+            <a:r>
+              <a:rPr lang="en-US" sz="1500" dirty="0">
+                <a:solidFill>
+                  <a:srgbClr val="000000"/>
+                </a:solidFill>
+                <a:latin typeface="Consolas" panose="020B0609020204030204" pitchFamily="49" charset="0"/>
+                <a:ea typeface="Calibri" panose="020F0502020204030204" pitchFamily="34" charset="0"/>
+                <a:cs typeface="Times New Roman" panose="02020603050405020304" pitchFamily="18" charset="0"/>
+              </a:rPr>
+              <a:t>            </a:t>
+            </a:r>
+            <a:r>
+              <a:rPr lang="en-US" sz="1500" dirty="0">
+                <a:solidFill>
+                  <a:srgbClr val="008000"/>
+                </a:solidFill>
+                <a:latin typeface="Consolas" panose="020B0609020204030204" pitchFamily="49" charset="0"/>
+                <a:ea typeface="Calibri" panose="020F0502020204030204" pitchFamily="34" charset="0"/>
+                <a:cs typeface="Times New Roman" panose="02020603050405020304" pitchFamily="18" charset="0"/>
+              </a:rPr>
+              <a:t>// single function, called before save i assume!</a:t>
+            </a:r>
+            <a:endParaRPr lang="en-US" sz="2000" dirty="0">
+              <a:solidFill>
+                <a:prstClr val="black"/>
+              </a:solidFill>
+              <a:latin typeface="Calibri" panose="020F0502020204030204" pitchFamily="34" charset="0"/>
+              <a:ea typeface="Calibri" panose="020F0502020204030204" pitchFamily="34" charset="0"/>
+              <a:cs typeface="Times New Roman" panose="02020603050405020304" pitchFamily="18" charset="0"/>
+            </a:endParaRPr>
+          </a:p>
+          <a:p>
+            <a:pPr marL="0" lvl="0" indent="0">
+              <a:lnSpc>
+                <a:spcPct val="107000"/>
+              </a:lnSpc>
+              <a:spcBef>
+                <a:spcPts val="0"/>
+              </a:spcBef>
+              <a:buNone/>
+            </a:pPr>
+            <a:r>
+              <a:rPr lang="en-US" sz="1500" dirty="0">
+                <a:solidFill>
+                  <a:srgbClr val="000000"/>
+                </a:solidFill>
+                <a:latin typeface="Consolas" panose="020B0609020204030204" pitchFamily="49" charset="0"/>
+                <a:ea typeface="Calibri" panose="020F0502020204030204" pitchFamily="34" charset="0"/>
+                <a:cs typeface="Times New Roman" panose="02020603050405020304" pitchFamily="18" charset="0"/>
+              </a:rPr>
+              <a:t>        });</a:t>
+            </a:r>
+            <a:endParaRPr lang="en-US" sz="2000" dirty="0">
+              <a:solidFill>
+                <a:prstClr val="black"/>
+              </a:solidFill>
+              <a:latin typeface="Calibri" panose="020F0502020204030204" pitchFamily="34" charset="0"/>
+              <a:ea typeface="Calibri" panose="020F0502020204030204" pitchFamily="34" charset="0"/>
+              <a:cs typeface="Times New Roman" panose="02020603050405020304" pitchFamily="18" charset="0"/>
+            </a:endParaRPr>
+          </a:p>
+          <a:p>
+            <a:pPr marL="0" lvl="0" indent="0">
+              <a:lnSpc>
+                <a:spcPct val="107000"/>
+              </a:lnSpc>
+              <a:spcBef>
+                <a:spcPts val="0"/>
+              </a:spcBef>
+              <a:buNone/>
+            </a:pPr>
+            <a:r>
+              <a:rPr lang="en-US" sz="1500" dirty="0">
+                <a:solidFill>
+                  <a:srgbClr val="000000"/>
+                </a:solidFill>
+                <a:latin typeface="Consolas" panose="020B0609020204030204" pitchFamily="49" charset="0"/>
+                <a:ea typeface="Calibri" panose="020F0502020204030204" pitchFamily="34" charset="0"/>
+                <a:cs typeface="Times New Roman" panose="02020603050405020304" pitchFamily="18" charset="0"/>
+              </a:rPr>
+              <a:t>    }</a:t>
+            </a:r>
+            <a:endParaRPr lang="en-US" dirty="0"/>
           </a:p>
         </p:txBody>
       </p:sp>
     </p:spTree>
     <p:extLst>
       <p:ext uri="{BB962C8B-B14F-4D97-AF65-F5344CB8AC3E}">
-        <p14:creationId xmlns:p14="http://schemas.microsoft.com/office/powerpoint/2010/main" val="3315072428"/>
+        <p14:creationId xmlns:p14="http://schemas.microsoft.com/office/powerpoint/2010/main" val="2333120037"/>
       </p:ext>
     </p:extLst>
   </p:cSld>
@@ -18449,13 +18759,32 @@
         </p:nvSpPr>
         <p:spPr/>
         <p:txBody>
-          <a:bodyPr/>
+          <a:bodyPr>
+            <a:normAutofit fontScale="90000"/>
+          </a:bodyPr>
           <a:lstStyle/>
           <a:p>
             <a:r>
               <a:rPr lang="en-US" dirty="0"/>
-              <a:t>Register Validation Handlers</a:t>
-            </a:r>
+              <a:t>Demo </a:t>
+            </a:r>
+            <a:r>
+              <a:rPr lang="en-US" dirty="0" smtClean="0"/>
+              <a:t>#3 </a:t>
+            </a:r>
+            <a:r>
+              <a:rPr lang="en-US" dirty="0"/>
+              <a:t>– </a:t>
+            </a:r>
+            <a:r>
+              <a:rPr lang="en-US" dirty="0" smtClean="0"/>
+              <a:t>Complete Example </a:t>
+            </a:r>
+            <a:r>
+              <a:rPr lang="en-US" dirty="0" err="1" smtClean="0"/>
+              <a:t>SatisfactionCSR</a:t>
+            </a:r>
+            <a:endParaRPr lang="en-US" dirty="0"/>
           </a:p>
         </p:txBody>
       </p:sp>
@@ -18471,8 +18800,8 @@
         </p:nvSpPr>
         <p:spPr>
           <a:xfrm>
-            <a:off x="838200" y="1825624"/>
-            <a:ext cx="10515600" cy="5032375"/>
+            <a:off x="838200" y="2139524"/>
+            <a:ext cx="10515600" cy="4351338"/>
           </a:xfrm>
         </p:spPr>
         <p:txBody>
@@ -18481,1230 +18810,80 @@
           </a:bodyPr>
           <a:lstStyle/>
           <a:p>
-            <a:pPr marL="0" lvl="0" indent="0">
-              <a:lnSpc>
-                <a:spcPct val="107000"/>
-              </a:lnSpc>
-              <a:spcBef>
-                <a:spcPts val="0"/>
-              </a:spcBef>
-              <a:buNone/>
-            </a:pPr>
-            <a:r>
-              <a:rPr lang="en-US" sz="1100" dirty="0">
-                <a:solidFill>
-                  <a:srgbClr val="000000"/>
-                </a:solidFill>
-                <a:latin typeface="Consolas" panose="020B0609020204030204" pitchFamily="49" charset="0"/>
-                <a:ea typeface="Calibri" panose="020F0502020204030204" pitchFamily="34" charset="0"/>
-                <a:cs typeface="Times New Roman" panose="02020603050405020304" pitchFamily="18" charset="0"/>
-              </a:rPr>
-              <a:t> </a:t>
-            </a:r>
-            <a:r>
-              <a:rPr lang="en-US" sz="1100" dirty="0" smtClean="0">
-                <a:solidFill>
-                  <a:srgbClr val="000000"/>
-                </a:solidFill>
-                <a:latin typeface="Consolas" panose="020B0609020204030204" pitchFamily="49" charset="0"/>
-                <a:ea typeface="Calibri" panose="020F0502020204030204" pitchFamily="34" charset="0"/>
-                <a:cs typeface="Times New Roman" panose="02020603050405020304" pitchFamily="18" charset="0"/>
-              </a:rPr>
-              <a:t>   </a:t>
-            </a:r>
-            <a:r>
-              <a:rPr lang="en-US" sz="1100" dirty="0" smtClean="0">
-                <a:solidFill>
-                  <a:srgbClr val="0000FF"/>
-                </a:solidFill>
-                <a:latin typeface="Consolas" panose="020B0609020204030204" pitchFamily="49" charset="0"/>
-                <a:ea typeface="Calibri" panose="020F0502020204030204" pitchFamily="34" charset="0"/>
-                <a:cs typeface="Times New Roman" panose="02020603050405020304" pitchFamily="18" charset="0"/>
-              </a:rPr>
-              <a:t>var</a:t>
-            </a:r>
-            <a:r>
-              <a:rPr lang="en-US" sz="1100" dirty="0" smtClean="0">
-                <a:solidFill>
-                  <a:srgbClr val="000000"/>
-                </a:solidFill>
-                <a:latin typeface="Consolas" panose="020B0609020204030204" pitchFamily="49" charset="0"/>
-                <a:ea typeface="Calibri" panose="020F0502020204030204" pitchFamily="34" charset="0"/>
-                <a:cs typeface="Times New Roman" panose="02020603050405020304" pitchFamily="18" charset="0"/>
-              </a:rPr>
-              <a:t> </a:t>
-            </a:r>
-            <a:r>
-              <a:rPr lang="en-US" sz="1100" dirty="0">
-                <a:solidFill>
-                  <a:srgbClr val="000000"/>
-                </a:solidFill>
-                <a:latin typeface="Consolas" panose="020B0609020204030204" pitchFamily="49" charset="0"/>
-                <a:ea typeface="Calibri" panose="020F0502020204030204" pitchFamily="34" charset="0"/>
-                <a:cs typeface="Times New Roman" panose="02020603050405020304" pitchFamily="18" charset="0"/>
-              </a:rPr>
-              <a:t>render = </a:t>
-            </a:r>
-            <a:r>
-              <a:rPr lang="en-US" sz="1100" dirty="0">
-                <a:solidFill>
-                  <a:srgbClr val="0000FF"/>
-                </a:solidFill>
-                <a:latin typeface="Consolas" panose="020B0609020204030204" pitchFamily="49" charset="0"/>
-                <a:ea typeface="Calibri" panose="020F0502020204030204" pitchFamily="34" charset="0"/>
-                <a:cs typeface="Times New Roman" panose="02020603050405020304" pitchFamily="18" charset="0"/>
-              </a:rPr>
-              <a:t>function</a:t>
-            </a:r>
-            <a:r>
-              <a:rPr lang="en-US" sz="1100" dirty="0">
-                <a:solidFill>
-                  <a:srgbClr val="000000"/>
-                </a:solidFill>
-                <a:latin typeface="Consolas" panose="020B0609020204030204" pitchFamily="49" charset="0"/>
-                <a:ea typeface="Calibri" panose="020F0502020204030204" pitchFamily="34" charset="0"/>
-                <a:cs typeface="Times New Roman" panose="02020603050405020304" pitchFamily="18" charset="0"/>
-              </a:rPr>
-              <a:t> (ctx) {</a:t>
-            </a:r>
-            <a:endParaRPr lang="en-US" sz="1100" dirty="0">
+            <a:pPr lvl="0"/>
+            <a:r>
+              <a:rPr lang="en-US" sz="4800" dirty="0">
+                <a:solidFill>
+                  <a:prstClr val="black"/>
+                </a:solidFill>
+                <a:latin typeface="Segoe UI Light" panose="020B0502040204020203" pitchFamily="34" charset="0"/>
+                <a:cs typeface="Segoe UI Light" panose="020B0502040204020203" pitchFamily="34" charset="0"/>
+              </a:rPr>
+              <a:t>Demonstrate CSR for fields on display forms and views</a:t>
+            </a:r>
+          </a:p>
+          <a:p>
+            <a:pPr lvl="0"/>
+            <a:r>
+              <a:rPr lang="en-US" sz="4800" dirty="0">
+                <a:solidFill>
+                  <a:prstClr val="black"/>
+                </a:solidFill>
+                <a:latin typeface="Segoe UI Light" panose="020B0502040204020203" pitchFamily="34" charset="0"/>
+                <a:cs typeface="Segoe UI Light" panose="020B0502040204020203" pitchFamily="34" charset="0"/>
+              </a:rPr>
+              <a:t>registerGetValueCallback</a:t>
+            </a:r>
+          </a:p>
+          <a:p>
+            <a:pPr lvl="0"/>
+            <a:r>
+              <a:rPr lang="en-US" sz="4800" dirty="0" smtClean="0">
+                <a:solidFill>
+                  <a:prstClr val="black"/>
+                </a:solidFill>
+                <a:latin typeface="Segoe UI Light" panose="020B0502040204020203" pitchFamily="34" charset="0"/>
+                <a:cs typeface="Segoe UI Light" panose="020B0502040204020203" pitchFamily="34" charset="0"/>
+              </a:rPr>
+              <a:t>Validation</a:t>
+            </a:r>
+            <a:endParaRPr lang="en-US" sz="4800" dirty="0">
               <a:solidFill>
                 <a:prstClr val="black"/>
               </a:solidFill>
-              <a:latin typeface="Calibri" panose="020F0502020204030204" pitchFamily="34" charset="0"/>
-              <a:ea typeface="Calibri" panose="020F0502020204030204" pitchFamily="34" charset="0"/>
-              <a:cs typeface="Times New Roman" panose="02020603050405020304" pitchFamily="18" charset="0"/>
+              <a:latin typeface="Segoe UI Light" panose="020B0502040204020203" pitchFamily="34" charset="0"/>
+              <a:cs typeface="Segoe UI Light" panose="020B0502040204020203" pitchFamily="34" charset="0"/>
             </a:endParaRPr>
           </a:p>
           <a:p>
-            <a:pPr marL="0" lvl="0" indent="0">
-              <a:lnSpc>
-                <a:spcPct val="107000"/>
-              </a:lnSpc>
-              <a:spcBef>
-                <a:spcPts val="0"/>
-              </a:spcBef>
-              <a:buNone/>
-            </a:pPr>
-            <a:r>
-              <a:rPr lang="en-US" sz="1100" dirty="0">
-                <a:solidFill>
-                  <a:srgbClr val="000000"/>
-                </a:solidFill>
-                <a:latin typeface="Consolas" panose="020B0609020204030204" pitchFamily="49" charset="0"/>
-                <a:ea typeface="Calibri" panose="020F0502020204030204" pitchFamily="34" charset="0"/>
-                <a:cs typeface="Times New Roman" panose="02020603050405020304" pitchFamily="18" charset="0"/>
-              </a:rPr>
-              <a:t>        </a:t>
-            </a:r>
-            <a:r>
-              <a:rPr lang="en-US" sz="1100" dirty="0">
-                <a:solidFill>
-                  <a:srgbClr val="0000FF"/>
-                </a:solidFill>
-                <a:latin typeface="Consolas" panose="020B0609020204030204" pitchFamily="49" charset="0"/>
-                <a:ea typeface="Calibri" panose="020F0502020204030204" pitchFamily="34" charset="0"/>
-                <a:cs typeface="Times New Roman" panose="02020603050405020304" pitchFamily="18" charset="0"/>
-              </a:rPr>
-              <a:t>var</a:t>
-            </a:r>
-            <a:r>
-              <a:rPr lang="en-US" sz="1100" dirty="0">
-                <a:solidFill>
-                  <a:srgbClr val="000000"/>
-                </a:solidFill>
-                <a:latin typeface="Consolas" panose="020B0609020204030204" pitchFamily="49" charset="0"/>
-                <a:ea typeface="Calibri" panose="020F0502020204030204" pitchFamily="34" charset="0"/>
-                <a:cs typeface="Times New Roman" panose="02020603050405020304" pitchFamily="18" charset="0"/>
-              </a:rPr>
-              <a:t> formCtx = SPClientTemplates.Utility.GetFormContextForCurrentField(ctx);</a:t>
-            </a:r>
-            <a:endParaRPr lang="en-US" sz="1100" dirty="0">
+            <a:pPr lvl="0"/>
+            <a:r>
+              <a:rPr lang="en-US" sz="4800" dirty="0" smtClean="0">
+                <a:solidFill>
+                  <a:prstClr val="black"/>
+                </a:solidFill>
+                <a:latin typeface="Segoe UI Light" panose="020B0502040204020203" pitchFamily="34" charset="0"/>
+                <a:cs typeface="Segoe UI Light" panose="020B0502040204020203" pitchFamily="34" charset="0"/>
+              </a:rPr>
+              <a:t>Injecting CSS</a:t>
+            </a:r>
+            <a:endParaRPr lang="en-US" sz="4800" dirty="0">
               <a:solidFill>
                 <a:prstClr val="black"/>
               </a:solidFill>
-              <a:latin typeface="Calibri" panose="020F0502020204030204" pitchFamily="34" charset="0"/>
-              <a:ea typeface="Calibri" panose="020F0502020204030204" pitchFamily="34" charset="0"/>
-              <a:cs typeface="Times New Roman" panose="02020603050405020304" pitchFamily="18" charset="0"/>
+              <a:latin typeface="Segoe UI Light" panose="020B0502040204020203" pitchFamily="34" charset="0"/>
+              <a:cs typeface="Segoe UI Light" panose="020B0502040204020203" pitchFamily="34" charset="0"/>
             </a:endParaRPr>
           </a:p>
           <a:p>
-            <a:pPr marL="0" lvl="0" indent="0">
-              <a:lnSpc>
-                <a:spcPct val="107000"/>
-              </a:lnSpc>
-              <a:spcBef>
-                <a:spcPts val="0"/>
-              </a:spcBef>
-              <a:buNone/>
-            </a:pPr>
-            <a:r>
-              <a:rPr lang="en-US" sz="1100" dirty="0">
-                <a:solidFill>
-                  <a:srgbClr val="000000"/>
-                </a:solidFill>
-                <a:latin typeface="Consolas" panose="020B0609020204030204" pitchFamily="49" charset="0"/>
-                <a:ea typeface="Calibri" panose="020F0502020204030204" pitchFamily="34" charset="0"/>
-                <a:cs typeface="Times New Roman" panose="02020603050405020304" pitchFamily="18" charset="0"/>
-              </a:rPr>
-              <a:t> </a:t>
-            </a:r>
-            <a:endParaRPr lang="en-US" sz="1100" dirty="0">
-              <a:solidFill>
-                <a:prstClr val="black"/>
-              </a:solidFill>
-              <a:latin typeface="Calibri" panose="020F0502020204030204" pitchFamily="34" charset="0"/>
-              <a:ea typeface="Calibri" panose="020F0502020204030204" pitchFamily="34" charset="0"/>
-              <a:cs typeface="Times New Roman" panose="02020603050405020304" pitchFamily="18" charset="0"/>
-            </a:endParaRPr>
-          </a:p>
-          <a:p>
-            <a:pPr marL="0" lvl="0" indent="0">
-              <a:lnSpc>
-                <a:spcPct val="107000"/>
-              </a:lnSpc>
-              <a:spcBef>
-                <a:spcPts val="0"/>
-              </a:spcBef>
-              <a:buNone/>
-            </a:pPr>
-            <a:r>
-              <a:rPr lang="en-US" sz="1100" dirty="0">
-                <a:solidFill>
-                  <a:srgbClr val="000000"/>
-                </a:solidFill>
-                <a:latin typeface="Consolas" panose="020B0609020204030204" pitchFamily="49" charset="0"/>
-                <a:ea typeface="Calibri" panose="020F0502020204030204" pitchFamily="34" charset="0"/>
-                <a:cs typeface="Times New Roman" panose="02020603050405020304" pitchFamily="18" charset="0"/>
-              </a:rPr>
-              <a:t>        </a:t>
-            </a:r>
-            <a:r>
-              <a:rPr lang="en-US" sz="1100" dirty="0">
-                <a:solidFill>
-                  <a:srgbClr val="008000"/>
-                </a:solidFill>
-                <a:latin typeface="Consolas" panose="020B0609020204030204" pitchFamily="49" charset="0"/>
-                <a:ea typeface="Calibri" panose="020F0502020204030204" pitchFamily="34" charset="0"/>
-                <a:cs typeface="Times New Roman" panose="02020603050405020304" pitchFamily="18" charset="0"/>
-              </a:rPr>
-              <a:t>// create a validator set</a:t>
-            </a:r>
-            <a:endParaRPr lang="en-US" sz="1100" dirty="0">
-              <a:solidFill>
-                <a:prstClr val="black"/>
-              </a:solidFill>
-              <a:latin typeface="Calibri" panose="020F0502020204030204" pitchFamily="34" charset="0"/>
-              <a:ea typeface="Calibri" panose="020F0502020204030204" pitchFamily="34" charset="0"/>
-              <a:cs typeface="Times New Roman" panose="02020603050405020304" pitchFamily="18" charset="0"/>
-            </a:endParaRPr>
-          </a:p>
-          <a:p>
-            <a:pPr marL="0" lvl="0" indent="0">
-              <a:lnSpc>
-                <a:spcPct val="107000"/>
-              </a:lnSpc>
-              <a:spcBef>
-                <a:spcPts val="0"/>
-              </a:spcBef>
-              <a:buNone/>
-            </a:pPr>
-            <a:r>
-              <a:rPr lang="en-US" sz="1100" dirty="0">
-                <a:solidFill>
-                  <a:srgbClr val="000000"/>
-                </a:solidFill>
-                <a:latin typeface="Consolas" panose="020B0609020204030204" pitchFamily="49" charset="0"/>
-                <a:ea typeface="Calibri" panose="020F0502020204030204" pitchFamily="34" charset="0"/>
-                <a:cs typeface="Times New Roman" panose="02020603050405020304" pitchFamily="18" charset="0"/>
-              </a:rPr>
-              <a:t>        </a:t>
-            </a:r>
-            <a:r>
-              <a:rPr lang="en-US" sz="1100" dirty="0">
-                <a:solidFill>
-                  <a:srgbClr val="0000FF"/>
-                </a:solidFill>
-                <a:latin typeface="Consolas" panose="020B0609020204030204" pitchFamily="49" charset="0"/>
-                <a:ea typeface="Calibri" panose="020F0502020204030204" pitchFamily="34" charset="0"/>
-                <a:cs typeface="Times New Roman" panose="02020603050405020304" pitchFamily="18" charset="0"/>
-              </a:rPr>
-              <a:t>var</a:t>
-            </a:r>
-            <a:r>
-              <a:rPr lang="en-US" sz="1100" dirty="0">
-                <a:solidFill>
-                  <a:srgbClr val="000000"/>
-                </a:solidFill>
-                <a:latin typeface="Consolas" panose="020B0609020204030204" pitchFamily="49" charset="0"/>
-                <a:ea typeface="Calibri" panose="020F0502020204030204" pitchFamily="34" charset="0"/>
-                <a:cs typeface="Times New Roman" panose="02020603050405020304" pitchFamily="18" charset="0"/>
-              </a:rPr>
-              <a:t> fieldValidators = </a:t>
-            </a:r>
-            <a:r>
-              <a:rPr lang="en-US" sz="1100" dirty="0">
-                <a:solidFill>
-                  <a:srgbClr val="0000FF"/>
-                </a:solidFill>
-                <a:latin typeface="Consolas" panose="020B0609020204030204" pitchFamily="49" charset="0"/>
-                <a:ea typeface="Calibri" panose="020F0502020204030204" pitchFamily="34" charset="0"/>
-                <a:cs typeface="Times New Roman" panose="02020603050405020304" pitchFamily="18" charset="0"/>
-              </a:rPr>
-              <a:t>new</a:t>
-            </a:r>
-            <a:r>
-              <a:rPr lang="en-US" sz="1100" dirty="0">
-                <a:solidFill>
-                  <a:srgbClr val="000000"/>
-                </a:solidFill>
-                <a:latin typeface="Consolas" panose="020B0609020204030204" pitchFamily="49" charset="0"/>
-                <a:ea typeface="Calibri" panose="020F0502020204030204" pitchFamily="34" charset="0"/>
-                <a:cs typeface="Times New Roman" panose="02020603050405020304" pitchFamily="18" charset="0"/>
-              </a:rPr>
-              <a:t> SPClientForms.ClientValidation.ValidatorSet();</a:t>
-            </a:r>
-          </a:p>
-          <a:p>
-            <a:pPr marL="0" lvl="0" indent="0">
-              <a:lnSpc>
-                <a:spcPct val="107000"/>
-              </a:lnSpc>
-              <a:spcBef>
-                <a:spcPts val="0"/>
-              </a:spcBef>
-              <a:buNone/>
-            </a:pPr>
-            <a:endParaRPr lang="en-US" sz="1100" dirty="0">
-              <a:solidFill>
-                <a:prstClr val="black"/>
-              </a:solidFill>
-              <a:latin typeface="Calibri" panose="020F0502020204030204" pitchFamily="34" charset="0"/>
-              <a:ea typeface="Calibri" panose="020F0502020204030204" pitchFamily="34" charset="0"/>
-              <a:cs typeface="Times New Roman" panose="02020603050405020304" pitchFamily="18" charset="0"/>
-            </a:endParaRPr>
-          </a:p>
-          <a:p>
-            <a:pPr marL="0" lvl="0" indent="0">
-              <a:lnSpc>
-                <a:spcPct val="107000"/>
-              </a:lnSpc>
-              <a:spcBef>
-                <a:spcPts val="0"/>
-              </a:spcBef>
-              <a:buNone/>
-            </a:pPr>
-            <a:r>
-              <a:rPr lang="en-US" sz="1100" dirty="0">
-                <a:solidFill>
-                  <a:srgbClr val="000000"/>
-                </a:solidFill>
-                <a:latin typeface="Consolas" panose="020B0609020204030204" pitchFamily="49" charset="0"/>
-                <a:ea typeface="Calibri" panose="020F0502020204030204" pitchFamily="34" charset="0"/>
-                <a:cs typeface="Times New Roman" panose="02020603050405020304" pitchFamily="18" charset="0"/>
-              </a:rPr>
-              <a:t>         </a:t>
-            </a:r>
-            <a:r>
-              <a:rPr lang="en-US" sz="1100" dirty="0">
-                <a:solidFill>
-                  <a:srgbClr val="008000"/>
-                </a:solidFill>
-                <a:latin typeface="Consolas" panose="020B0609020204030204" pitchFamily="49" charset="0"/>
-                <a:ea typeface="Calibri" panose="020F0502020204030204" pitchFamily="34" charset="0"/>
-                <a:cs typeface="Times New Roman" panose="02020603050405020304" pitchFamily="18" charset="0"/>
-              </a:rPr>
-              <a:t>// create a custom validator with an object literal</a:t>
-            </a:r>
-            <a:endParaRPr lang="en-US" sz="1100" dirty="0">
-              <a:solidFill>
-                <a:prstClr val="black"/>
-              </a:solidFill>
-              <a:latin typeface="Calibri" panose="020F0502020204030204" pitchFamily="34" charset="0"/>
-              <a:ea typeface="Calibri" panose="020F0502020204030204" pitchFamily="34" charset="0"/>
-              <a:cs typeface="Times New Roman" panose="02020603050405020304" pitchFamily="18" charset="0"/>
-            </a:endParaRPr>
-          </a:p>
-          <a:p>
-            <a:pPr marL="0" lvl="0" indent="0">
-              <a:lnSpc>
-                <a:spcPct val="107000"/>
-              </a:lnSpc>
-              <a:spcBef>
-                <a:spcPts val="0"/>
-              </a:spcBef>
-              <a:buNone/>
-            </a:pPr>
-            <a:r>
-              <a:rPr lang="en-US" sz="1100" dirty="0">
-                <a:solidFill>
-                  <a:srgbClr val="000000"/>
-                </a:solidFill>
-                <a:latin typeface="Consolas" panose="020B0609020204030204" pitchFamily="49" charset="0"/>
-                <a:ea typeface="Calibri" panose="020F0502020204030204" pitchFamily="34" charset="0"/>
-                <a:cs typeface="Times New Roman" panose="02020603050405020304" pitchFamily="18" charset="0"/>
-              </a:rPr>
-              <a:t>        fieldValidators.RegisterValidator({</a:t>
-            </a:r>
-            <a:endParaRPr lang="en-US" sz="1100" dirty="0">
-              <a:solidFill>
-                <a:prstClr val="black"/>
-              </a:solidFill>
-              <a:latin typeface="Calibri" panose="020F0502020204030204" pitchFamily="34" charset="0"/>
-              <a:ea typeface="Calibri" panose="020F0502020204030204" pitchFamily="34" charset="0"/>
-              <a:cs typeface="Times New Roman" panose="02020603050405020304" pitchFamily="18" charset="0"/>
-            </a:endParaRPr>
-          </a:p>
-          <a:p>
-            <a:pPr marL="0" lvl="0" indent="0">
-              <a:lnSpc>
-                <a:spcPct val="107000"/>
-              </a:lnSpc>
-              <a:spcBef>
-                <a:spcPts val="0"/>
-              </a:spcBef>
-              <a:buNone/>
-            </a:pPr>
-            <a:r>
-              <a:rPr lang="en-US" sz="1100" dirty="0">
-                <a:solidFill>
-                  <a:srgbClr val="000000"/>
-                </a:solidFill>
-                <a:latin typeface="Consolas" panose="020B0609020204030204" pitchFamily="49" charset="0"/>
-                <a:ea typeface="Calibri" panose="020F0502020204030204" pitchFamily="34" charset="0"/>
-                <a:cs typeface="Times New Roman" panose="02020603050405020304" pitchFamily="18" charset="0"/>
-              </a:rPr>
-              <a:t>            Validate: </a:t>
-            </a:r>
-            <a:r>
-              <a:rPr lang="en-US" sz="1100" dirty="0">
-                <a:solidFill>
-                  <a:srgbClr val="0000FF"/>
-                </a:solidFill>
-                <a:latin typeface="Consolas" panose="020B0609020204030204" pitchFamily="49" charset="0"/>
-                <a:ea typeface="Calibri" panose="020F0502020204030204" pitchFamily="34" charset="0"/>
-                <a:cs typeface="Times New Roman" panose="02020603050405020304" pitchFamily="18" charset="0"/>
-              </a:rPr>
-              <a:t>function</a:t>
-            </a:r>
-            <a:r>
-              <a:rPr lang="en-US" sz="1100" dirty="0">
-                <a:solidFill>
-                  <a:srgbClr val="000000"/>
-                </a:solidFill>
-                <a:latin typeface="Consolas" panose="020B0609020204030204" pitchFamily="49" charset="0"/>
-                <a:ea typeface="Calibri" panose="020F0502020204030204" pitchFamily="34" charset="0"/>
-                <a:cs typeface="Times New Roman" panose="02020603050405020304" pitchFamily="18" charset="0"/>
-              </a:rPr>
-              <a:t> (value) {</a:t>
-            </a:r>
-            <a:endParaRPr lang="en-US" sz="1100" dirty="0">
-              <a:solidFill>
-                <a:prstClr val="black"/>
-              </a:solidFill>
-              <a:latin typeface="Calibri" panose="020F0502020204030204" pitchFamily="34" charset="0"/>
-              <a:ea typeface="Calibri" panose="020F0502020204030204" pitchFamily="34" charset="0"/>
-              <a:cs typeface="Times New Roman" panose="02020603050405020304" pitchFamily="18" charset="0"/>
-            </a:endParaRPr>
-          </a:p>
-          <a:p>
-            <a:pPr marL="0" lvl="0" indent="0">
-              <a:lnSpc>
-                <a:spcPct val="107000"/>
-              </a:lnSpc>
-              <a:spcBef>
-                <a:spcPts val="0"/>
-              </a:spcBef>
-              <a:buNone/>
-            </a:pPr>
-            <a:r>
-              <a:rPr lang="en-US" sz="1100" dirty="0">
-                <a:solidFill>
-                  <a:srgbClr val="000000"/>
-                </a:solidFill>
-                <a:latin typeface="Consolas" panose="020B0609020204030204" pitchFamily="49" charset="0"/>
-                <a:ea typeface="Calibri" panose="020F0502020204030204" pitchFamily="34" charset="0"/>
-                <a:cs typeface="Times New Roman" panose="02020603050405020304" pitchFamily="18" charset="0"/>
-              </a:rPr>
-              <a:t>                </a:t>
-            </a:r>
-            <a:r>
-              <a:rPr lang="en-US" sz="1100" dirty="0">
-                <a:solidFill>
-                  <a:srgbClr val="0000FF"/>
-                </a:solidFill>
-                <a:latin typeface="Consolas" panose="020B0609020204030204" pitchFamily="49" charset="0"/>
-                <a:ea typeface="Calibri" panose="020F0502020204030204" pitchFamily="34" charset="0"/>
-                <a:cs typeface="Times New Roman" panose="02020603050405020304" pitchFamily="18" charset="0"/>
-              </a:rPr>
-              <a:t>return</a:t>
-            </a:r>
-            <a:r>
-              <a:rPr lang="en-US" sz="1100" dirty="0">
-                <a:solidFill>
-                  <a:srgbClr val="000000"/>
-                </a:solidFill>
-                <a:latin typeface="Consolas" panose="020B0609020204030204" pitchFamily="49" charset="0"/>
-                <a:ea typeface="Calibri" panose="020F0502020204030204" pitchFamily="34" charset="0"/>
-                <a:cs typeface="Times New Roman" panose="02020603050405020304" pitchFamily="18" charset="0"/>
-              </a:rPr>
-              <a:t> </a:t>
-            </a:r>
-            <a:r>
-              <a:rPr lang="en-US" sz="1100" dirty="0">
-                <a:solidFill>
-                  <a:srgbClr val="0000FF"/>
-                </a:solidFill>
-                <a:latin typeface="Consolas" panose="020B0609020204030204" pitchFamily="49" charset="0"/>
-                <a:ea typeface="Calibri" panose="020F0502020204030204" pitchFamily="34" charset="0"/>
-                <a:cs typeface="Times New Roman" panose="02020603050405020304" pitchFamily="18" charset="0"/>
-              </a:rPr>
-              <a:t>new</a:t>
-            </a:r>
-            <a:r>
-              <a:rPr lang="en-US" sz="1100" dirty="0">
-                <a:solidFill>
-                  <a:srgbClr val="000000"/>
-                </a:solidFill>
-                <a:latin typeface="Consolas" panose="020B0609020204030204" pitchFamily="49" charset="0"/>
-                <a:ea typeface="Calibri" panose="020F0502020204030204" pitchFamily="34" charset="0"/>
-                <a:cs typeface="Times New Roman" panose="02020603050405020304" pitchFamily="18" charset="0"/>
-              </a:rPr>
-              <a:t> SPClientForms.ClientValidation.ValidationResult(</a:t>
-            </a:r>
-            <a:r>
-              <a:rPr lang="en-US" sz="1100" dirty="0">
-                <a:solidFill>
-                  <a:srgbClr val="0000FF"/>
-                </a:solidFill>
-                <a:latin typeface="Consolas" panose="020B0609020204030204" pitchFamily="49" charset="0"/>
-                <a:ea typeface="Calibri" panose="020F0502020204030204" pitchFamily="34" charset="0"/>
-                <a:cs typeface="Times New Roman" panose="02020603050405020304" pitchFamily="18" charset="0"/>
-              </a:rPr>
-              <a:t>false</a:t>
-            </a:r>
-            <a:r>
-              <a:rPr lang="en-US" sz="1100" dirty="0">
-                <a:solidFill>
-                  <a:srgbClr val="000000"/>
-                </a:solidFill>
-                <a:latin typeface="Consolas" panose="020B0609020204030204" pitchFamily="49" charset="0"/>
-                <a:ea typeface="Calibri" panose="020F0502020204030204" pitchFamily="34" charset="0"/>
-                <a:cs typeface="Times New Roman" panose="02020603050405020304" pitchFamily="18" charset="0"/>
-              </a:rPr>
-              <a:t>, </a:t>
-            </a:r>
-            <a:r>
-              <a:rPr lang="en-US" sz="1100" dirty="0">
-                <a:solidFill>
-                  <a:srgbClr val="A31515"/>
-                </a:solidFill>
-                <a:latin typeface="Consolas" panose="020B0609020204030204" pitchFamily="49" charset="0"/>
-                <a:ea typeface="Calibri" panose="020F0502020204030204" pitchFamily="34" charset="0"/>
-                <a:cs typeface="Times New Roman" panose="02020603050405020304" pitchFamily="18" charset="0"/>
-              </a:rPr>
-              <a:t>''</a:t>
-            </a:r>
-            <a:r>
-              <a:rPr lang="en-US" sz="1100" dirty="0">
-                <a:solidFill>
-                  <a:srgbClr val="000000"/>
-                </a:solidFill>
-                <a:latin typeface="Consolas" panose="020B0609020204030204" pitchFamily="49" charset="0"/>
-                <a:ea typeface="Calibri" panose="020F0502020204030204" pitchFamily="34" charset="0"/>
-                <a:cs typeface="Times New Roman" panose="02020603050405020304" pitchFamily="18" charset="0"/>
-              </a:rPr>
-              <a:t>);</a:t>
-            </a:r>
-            <a:endParaRPr lang="en-US" sz="1100" dirty="0">
-              <a:solidFill>
-                <a:prstClr val="black"/>
-              </a:solidFill>
-              <a:latin typeface="Calibri" panose="020F0502020204030204" pitchFamily="34" charset="0"/>
-              <a:ea typeface="Calibri" panose="020F0502020204030204" pitchFamily="34" charset="0"/>
-              <a:cs typeface="Times New Roman" panose="02020603050405020304" pitchFamily="18" charset="0"/>
-            </a:endParaRPr>
-          </a:p>
-          <a:p>
-            <a:pPr marL="0" lvl="0" indent="0">
-              <a:lnSpc>
-                <a:spcPct val="107000"/>
-              </a:lnSpc>
-              <a:spcBef>
-                <a:spcPts val="0"/>
-              </a:spcBef>
-              <a:buNone/>
-            </a:pPr>
-            <a:r>
-              <a:rPr lang="en-US" sz="1100" dirty="0">
-                <a:solidFill>
-                  <a:srgbClr val="000000"/>
-                </a:solidFill>
-                <a:latin typeface="Consolas" panose="020B0609020204030204" pitchFamily="49" charset="0"/>
-                <a:ea typeface="Calibri" panose="020F0502020204030204" pitchFamily="34" charset="0"/>
-                <a:cs typeface="Times New Roman" panose="02020603050405020304" pitchFamily="18" charset="0"/>
-              </a:rPr>
-              <a:t>            }</a:t>
-            </a:r>
-            <a:endParaRPr lang="en-US" sz="1100" dirty="0">
-              <a:solidFill>
-                <a:prstClr val="black"/>
-              </a:solidFill>
-              <a:latin typeface="Calibri" panose="020F0502020204030204" pitchFamily="34" charset="0"/>
-              <a:ea typeface="Calibri" panose="020F0502020204030204" pitchFamily="34" charset="0"/>
-              <a:cs typeface="Times New Roman" panose="02020603050405020304" pitchFamily="18" charset="0"/>
-            </a:endParaRPr>
-          </a:p>
-          <a:p>
-            <a:pPr marL="0" lvl="0" indent="0">
-              <a:lnSpc>
-                <a:spcPct val="107000"/>
-              </a:lnSpc>
-              <a:spcBef>
-                <a:spcPts val="0"/>
-              </a:spcBef>
-              <a:buNone/>
-            </a:pPr>
-            <a:r>
-              <a:rPr lang="en-US" sz="1100" dirty="0">
-                <a:solidFill>
-                  <a:srgbClr val="000000"/>
-                </a:solidFill>
-                <a:latin typeface="Consolas" panose="020B0609020204030204" pitchFamily="49" charset="0"/>
-                <a:ea typeface="Calibri" panose="020F0502020204030204" pitchFamily="34" charset="0"/>
-                <a:cs typeface="Times New Roman" panose="02020603050405020304" pitchFamily="18" charset="0"/>
-              </a:rPr>
-              <a:t>        </a:t>
-            </a:r>
-            <a:r>
-              <a:rPr lang="en-US" sz="1100" dirty="0" smtClean="0">
-                <a:solidFill>
-                  <a:srgbClr val="000000"/>
-                </a:solidFill>
-                <a:latin typeface="Consolas" panose="020B0609020204030204" pitchFamily="49" charset="0"/>
-                <a:ea typeface="Calibri" panose="020F0502020204030204" pitchFamily="34" charset="0"/>
-                <a:cs typeface="Times New Roman" panose="02020603050405020304" pitchFamily="18" charset="0"/>
-              </a:rPr>
-              <a:t>});</a:t>
-            </a:r>
-          </a:p>
-          <a:p>
-            <a:pPr marL="0" lvl="0" indent="0">
-              <a:lnSpc>
-                <a:spcPct val="107000"/>
-              </a:lnSpc>
-              <a:spcBef>
-                <a:spcPts val="0"/>
-              </a:spcBef>
-              <a:buNone/>
-            </a:pPr>
-            <a:r>
-              <a:rPr lang="en-US" sz="1100" dirty="0" smtClean="0">
-                <a:solidFill>
-                  <a:prstClr val="black"/>
-                </a:solidFill>
-                <a:latin typeface="Calibri" panose="020F0502020204030204" pitchFamily="34" charset="0"/>
-                <a:ea typeface="Calibri" panose="020F0502020204030204" pitchFamily="34" charset="0"/>
-                <a:cs typeface="Times New Roman" panose="02020603050405020304" pitchFamily="18" charset="0"/>
-              </a:rPr>
-              <a:t> </a:t>
-            </a:r>
-            <a:r>
-              <a:rPr lang="en-US" sz="1100" dirty="0">
-                <a:solidFill>
-                  <a:srgbClr val="000000"/>
-                </a:solidFill>
-                <a:latin typeface="Consolas" panose="020B0609020204030204" pitchFamily="49" charset="0"/>
-                <a:ea typeface="Calibri" panose="020F0502020204030204" pitchFamily="34" charset="0"/>
-                <a:cs typeface="Times New Roman" panose="02020603050405020304" pitchFamily="18" charset="0"/>
-              </a:rPr>
-              <a:t> </a:t>
-            </a:r>
-            <a:endParaRPr lang="en-US" sz="1100" dirty="0">
-              <a:solidFill>
-                <a:prstClr val="black"/>
-              </a:solidFill>
-              <a:latin typeface="Calibri" panose="020F0502020204030204" pitchFamily="34" charset="0"/>
-              <a:ea typeface="Calibri" panose="020F0502020204030204" pitchFamily="34" charset="0"/>
-              <a:cs typeface="Times New Roman" panose="02020603050405020304" pitchFamily="18" charset="0"/>
-            </a:endParaRPr>
-          </a:p>
-          <a:p>
-            <a:pPr marL="0" lvl="0" indent="0">
-              <a:lnSpc>
-                <a:spcPct val="107000"/>
-              </a:lnSpc>
-              <a:spcBef>
-                <a:spcPts val="0"/>
-              </a:spcBef>
-              <a:buNone/>
-            </a:pPr>
-            <a:r>
-              <a:rPr lang="en-US" sz="1100" dirty="0">
-                <a:solidFill>
-                  <a:srgbClr val="000000"/>
-                </a:solidFill>
-                <a:latin typeface="Consolas" panose="020B0609020204030204" pitchFamily="49" charset="0"/>
-                <a:ea typeface="Calibri" panose="020F0502020204030204" pitchFamily="34" charset="0"/>
-                <a:cs typeface="Times New Roman" panose="02020603050405020304" pitchFamily="18" charset="0"/>
-              </a:rPr>
-              <a:t>        </a:t>
-            </a:r>
-            <a:r>
-              <a:rPr lang="en-US" sz="1100" dirty="0">
-                <a:solidFill>
-                  <a:srgbClr val="008000"/>
-                </a:solidFill>
-                <a:latin typeface="Consolas" panose="020B0609020204030204" pitchFamily="49" charset="0"/>
-                <a:ea typeface="Calibri" panose="020F0502020204030204" pitchFamily="34" charset="0"/>
-                <a:cs typeface="Times New Roman" panose="02020603050405020304" pitchFamily="18" charset="0"/>
-              </a:rPr>
-              <a:t>// if required, add a required field validator</a:t>
-            </a:r>
-            <a:endParaRPr lang="en-US" sz="1100" dirty="0">
-              <a:solidFill>
-                <a:prstClr val="black"/>
-              </a:solidFill>
-              <a:latin typeface="Calibri" panose="020F0502020204030204" pitchFamily="34" charset="0"/>
-              <a:ea typeface="Calibri" panose="020F0502020204030204" pitchFamily="34" charset="0"/>
-              <a:cs typeface="Times New Roman" panose="02020603050405020304" pitchFamily="18" charset="0"/>
-            </a:endParaRPr>
-          </a:p>
-          <a:p>
-            <a:pPr marL="0" lvl="0" indent="0">
-              <a:lnSpc>
-                <a:spcPct val="107000"/>
-              </a:lnSpc>
-              <a:spcBef>
-                <a:spcPts val="0"/>
-              </a:spcBef>
-              <a:buNone/>
-            </a:pPr>
-            <a:r>
-              <a:rPr lang="en-US" sz="1100" dirty="0">
-                <a:solidFill>
-                  <a:srgbClr val="000000"/>
-                </a:solidFill>
-                <a:latin typeface="Consolas" panose="020B0609020204030204" pitchFamily="49" charset="0"/>
-                <a:ea typeface="Calibri" panose="020F0502020204030204" pitchFamily="34" charset="0"/>
-                <a:cs typeface="Times New Roman" panose="02020603050405020304" pitchFamily="18" charset="0"/>
-              </a:rPr>
-              <a:t>        </a:t>
-            </a:r>
-            <a:r>
-              <a:rPr lang="en-US" sz="1100" dirty="0">
-                <a:solidFill>
-                  <a:srgbClr val="0000FF"/>
-                </a:solidFill>
-                <a:latin typeface="Consolas" panose="020B0609020204030204" pitchFamily="49" charset="0"/>
-                <a:ea typeface="Calibri" panose="020F0502020204030204" pitchFamily="34" charset="0"/>
-                <a:cs typeface="Times New Roman" panose="02020603050405020304" pitchFamily="18" charset="0"/>
-              </a:rPr>
-              <a:t>if</a:t>
-            </a:r>
-            <a:r>
-              <a:rPr lang="en-US" sz="1100" dirty="0">
-                <a:solidFill>
-                  <a:srgbClr val="000000"/>
-                </a:solidFill>
-                <a:latin typeface="Consolas" panose="020B0609020204030204" pitchFamily="49" charset="0"/>
-                <a:ea typeface="Calibri" panose="020F0502020204030204" pitchFamily="34" charset="0"/>
-                <a:cs typeface="Times New Roman" panose="02020603050405020304" pitchFamily="18" charset="0"/>
-              </a:rPr>
-              <a:t> (formCtx.fieldSchema.Required) {</a:t>
-            </a:r>
-            <a:endParaRPr lang="en-US" sz="1100" dirty="0">
-              <a:solidFill>
-                <a:prstClr val="black"/>
-              </a:solidFill>
-              <a:latin typeface="Calibri" panose="020F0502020204030204" pitchFamily="34" charset="0"/>
-              <a:ea typeface="Calibri" panose="020F0502020204030204" pitchFamily="34" charset="0"/>
-              <a:cs typeface="Times New Roman" panose="02020603050405020304" pitchFamily="18" charset="0"/>
-            </a:endParaRPr>
-          </a:p>
-          <a:p>
-            <a:pPr marL="0" lvl="0" indent="0">
-              <a:lnSpc>
-                <a:spcPct val="107000"/>
-              </a:lnSpc>
-              <a:spcBef>
-                <a:spcPts val="0"/>
-              </a:spcBef>
-              <a:buNone/>
-            </a:pPr>
-            <a:r>
-              <a:rPr lang="en-US" sz="1100" dirty="0">
-                <a:solidFill>
-                  <a:srgbClr val="000000"/>
-                </a:solidFill>
-                <a:latin typeface="Consolas" panose="020B0609020204030204" pitchFamily="49" charset="0"/>
-                <a:ea typeface="Calibri" panose="020F0502020204030204" pitchFamily="34" charset="0"/>
-                <a:cs typeface="Times New Roman" panose="02020603050405020304" pitchFamily="18" charset="0"/>
-              </a:rPr>
-              <a:t>            fieldValidators.RegisterValidator(</a:t>
-            </a:r>
-            <a:r>
-              <a:rPr lang="en-US" sz="1100" dirty="0">
-                <a:solidFill>
-                  <a:srgbClr val="0000FF"/>
-                </a:solidFill>
-                <a:latin typeface="Consolas" panose="020B0609020204030204" pitchFamily="49" charset="0"/>
-                <a:ea typeface="Calibri" panose="020F0502020204030204" pitchFamily="34" charset="0"/>
-                <a:cs typeface="Times New Roman" panose="02020603050405020304" pitchFamily="18" charset="0"/>
-              </a:rPr>
-              <a:t>new</a:t>
-            </a:r>
-            <a:r>
-              <a:rPr lang="en-US" sz="1100" dirty="0">
-                <a:solidFill>
-                  <a:srgbClr val="000000"/>
-                </a:solidFill>
-                <a:latin typeface="Consolas" panose="020B0609020204030204" pitchFamily="49" charset="0"/>
-                <a:ea typeface="Calibri" panose="020F0502020204030204" pitchFamily="34" charset="0"/>
-                <a:cs typeface="Times New Roman" panose="02020603050405020304" pitchFamily="18" charset="0"/>
-              </a:rPr>
-              <a:t> SPClientForms.ClientValidation.RequiredValidator());</a:t>
-            </a:r>
-            <a:endParaRPr lang="en-US" sz="1100" dirty="0">
-              <a:solidFill>
-                <a:prstClr val="black"/>
-              </a:solidFill>
-              <a:latin typeface="Calibri" panose="020F0502020204030204" pitchFamily="34" charset="0"/>
-              <a:ea typeface="Calibri" panose="020F0502020204030204" pitchFamily="34" charset="0"/>
-              <a:cs typeface="Times New Roman" panose="02020603050405020304" pitchFamily="18" charset="0"/>
-            </a:endParaRPr>
-          </a:p>
-          <a:p>
-            <a:pPr marL="0" lvl="0" indent="0">
-              <a:lnSpc>
-                <a:spcPct val="107000"/>
-              </a:lnSpc>
-              <a:spcBef>
-                <a:spcPts val="0"/>
-              </a:spcBef>
-              <a:buNone/>
-            </a:pPr>
-            <a:r>
-              <a:rPr lang="en-US" sz="1100" dirty="0">
-                <a:solidFill>
-                  <a:srgbClr val="000000"/>
-                </a:solidFill>
-                <a:latin typeface="Consolas" panose="020B0609020204030204" pitchFamily="49" charset="0"/>
-                <a:ea typeface="Calibri" panose="020F0502020204030204" pitchFamily="34" charset="0"/>
-                <a:cs typeface="Times New Roman" panose="02020603050405020304" pitchFamily="18" charset="0"/>
-              </a:rPr>
-              <a:t>        }</a:t>
-            </a:r>
-            <a:endParaRPr lang="en-US" sz="1100" dirty="0">
-              <a:solidFill>
-                <a:prstClr val="black"/>
-              </a:solidFill>
-              <a:latin typeface="Calibri" panose="020F0502020204030204" pitchFamily="34" charset="0"/>
-              <a:ea typeface="Calibri" panose="020F0502020204030204" pitchFamily="34" charset="0"/>
-              <a:cs typeface="Times New Roman" panose="02020603050405020304" pitchFamily="18" charset="0"/>
-            </a:endParaRPr>
-          </a:p>
-          <a:p>
-            <a:pPr marL="0" lvl="0" indent="0">
-              <a:lnSpc>
-                <a:spcPct val="107000"/>
-              </a:lnSpc>
-              <a:spcBef>
-                <a:spcPts val="0"/>
-              </a:spcBef>
-              <a:buNone/>
-            </a:pPr>
-            <a:r>
-              <a:rPr lang="en-US" sz="1100" dirty="0">
-                <a:solidFill>
-                  <a:srgbClr val="000000"/>
-                </a:solidFill>
-                <a:latin typeface="Consolas" panose="020B0609020204030204" pitchFamily="49" charset="0"/>
-                <a:ea typeface="Calibri" panose="020F0502020204030204" pitchFamily="34" charset="0"/>
-                <a:cs typeface="Times New Roman" panose="02020603050405020304" pitchFamily="18" charset="0"/>
-              </a:rPr>
-              <a:t> </a:t>
-            </a:r>
-            <a:endParaRPr lang="en-US" sz="1100" dirty="0">
-              <a:solidFill>
-                <a:prstClr val="black"/>
-              </a:solidFill>
-              <a:latin typeface="Calibri" panose="020F0502020204030204" pitchFamily="34" charset="0"/>
-              <a:ea typeface="Calibri" panose="020F0502020204030204" pitchFamily="34" charset="0"/>
-              <a:cs typeface="Times New Roman" panose="02020603050405020304" pitchFamily="18" charset="0"/>
-            </a:endParaRPr>
-          </a:p>
-          <a:p>
-            <a:pPr marL="0" lvl="0" indent="0">
-              <a:lnSpc>
-                <a:spcPct val="107000"/>
-              </a:lnSpc>
-              <a:spcBef>
-                <a:spcPts val="0"/>
-              </a:spcBef>
-              <a:buNone/>
-            </a:pPr>
-            <a:r>
-              <a:rPr lang="en-US" sz="1100" dirty="0">
-                <a:solidFill>
-                  <a:srgbClr val="000000"/>
-                </a:solidFill>
-                <a:latin typeface="Consolas" panose="020B0609020204030204" pitchFamily="49" charset="0"/>
-                <a:ea typeface="Calibri" panose="020F0502020204030204" pitchFamily="34" charset="0"/>
-                <a:cs typeface="Times New Roman" panose="02020603050405020304" pitchFamily="18" charset="0"/>
-              </a:rPr>
-              <a:t>        </a:t>
-            </a:r>
-            <a:r>
-              <a:rPr lang="en-US" sz="1100" dirty="0">
-                <a:solidFill>
-                  <a:srgbClr val="008000"/>
-                </a:solidFill>
-                <a:latin typeface="Consolas" panose="020B0609020204030204" pitchFamily="49" charset="0"/>
-                <a:ea typeface="Calibri" panose="020F0502020204030204" pitchFamily="34" charset="0"/>
-                <a:cs typeface="Times New Roman" panose="02020603050405020304" pitchFamily="18" charset="0"/>
-              </a:rPr>
-              <a:t>// register the validators</a:t>
-            </a:r>
-            <a:endParaRPr lang="en-US" sz="1100" dirty="0">
-              <a:solidFill>
-                <a:prstClr val="black"/>
-              </a:solidFill>
-              <a:latin typeface="Calibri" panose="020F0502020204030204" pitchFamily="34" charset="0"/>
-              <a:ea typeface="Calibri" panose="020F0502020204030204" pitchFamily="34" charset="0"/>
-              <a:cs typeface="Times New Roman" panose="02020603050405020304" pitchFamily="18" charset="0"/>
-            </a:endParaRPr>
-          </a:p>
-          <a:p>
-            <a:pPr marL="0" lvl="0" indent="0">
-              <a:lnSpc>
-                <a:spcPct val="107000"/>
-              </a:lnSpc>
-              <a:spcBef>
-                <a:spcPts val="0"/>
-              </a:spcBef>
-              <a:buNone/>
-            </a:pPr>
-            <a:r>
-              <a:rPr lang="en-US" sz="1100" dirty="0">
-                <a:solidFill>
-                  <a:srgbClr val="000000"/>
-                </a:solidFill>
-                <a:latin typeface="Consolas" panose="020B0609020204030204" pitchFamily="49" charset="0"/>
-                <a:ea typeface="Calibri" panose="020F0502020204030204" pitchFamily="34" charset="0"/>
-                <a:cs typeface="Times New Roman" panose="02020603050405020304" pitchFamily="18" charset="0"/>
-              </a:rPr>
-              <a:t>        formCtx.registerClientValidator(formCtx.fieldName, fieldValidators);</a:t>
-            </a:r>
-            <a:endParaRPr lang="en-US" sz="1100" dirty="0">
-              <a:solidFill>
-                <a:prstClr val="black"/>
-              </a:solidFill>
-              <a:latin typeface="Calibri" panose="020F0502020204030204" pitchFamily="34" charset="0"/>
-              <a:ea typeface="Calibri" panose="020F0502020204030204" pitchFamily="34" charset="0"/>
-              <a:cs typeface="Times New Roman" panose="02020603050405020304" pitchFamily="18" charset="0"/>
-            </a:endParaRPr>
-          </a:p>
-          <a:p>
-            <a:pPr marL="0" lvl="0" indent="0">
-              <a:lnSpc>
-                <a:spcPct val="107000"/>
-              </a:lnSpc>
-              <a:spcBef>
-                <a:spcPts val="0"/>
-              </a:spcBef>
-              <a:buNone/>
-            </a:pPr>
-            <a:r>
-              <a:rPr lang="en-US" sz="1100" dirty="0">
-                <a:solidFill>
-                  <a:srgbClr val="000000"/>
-                </a:solidFill>
-                <a:latin typeface="Consolas" panose="020B0609020204030204" pitchFamily="49" charset="0"/>
-                <a:ea typeface="Calibri" panose="020F0502020204030204" pitchFamily="34" charset="0"/>
-                <a:cs typeface="Times New Roman" panose="02020603050405020304" pitchFamily="18" charset="0"/>
-              </a:rPr>
-              <a:t> </a:t>
-            </a:r>
-            <a:endParaRPr lang="en-US" sz="1100" dirty="0">
-              <a:solidFill>
-                <a:prstClr val="black"/>
-              </a:solidFill>
-              <a:latin typeface="Calibri" panose="020F0502020204030204" pitchFamily="34" charset="0"/>
-              <a:ea typeface="Calibri" panose="020F0502020204030204" pitchFamily="34" charset="0"/>
-              <a:cs typeface="Times New Roman" panose="02020603050405020304" pitchFamily="18" charset="0"/>
-            </a:endParaRPr>
-          </a:p>
-          <a:p>
-            <a:pPr marL="0" lvl="0" indent="0">
-              <a:lnSpc>
-                <a:spcPct val="107000"/>
-              </a:lnSpc>
-              <a:spcBef>
-                <a:spcPts val="0"/>
-              </a:spcBef>
-              <a:buNone/>
-            </a:pPr>
-            <a:r>
-              <a:rPr lang="en-US" sz="1100" dirty="0">
-                <a:solidFill>
-                  <a:srgbClr val="000000"/>
-                </a:solidFill>
-                <a:latin typeface="Consolas" panose="020B0609020204030204" pitchFamily="49" charset="0"/>
-                <a:ea typeface="Calibri" panose="020F0502020204030204" pitchFamily="34" charset="0"/>
-                <a:cs typeface="Times New Roman" panose="02020603050405020304" pitchFamily="18" charset="0"/>
-              </a:rPr>
-              <a:t>        </a:t>
-            </a:r>
-            <a:r>
-              <a:rPr lang="en-US" sz="1100" dirty="0">
-                <a:solidFill>
-                  <a:srgbClr val="008000"/>
-                </a:solidFill>
-                <a:latin typeface="Consolas" panose="020B0609020204030204" pitchFamily="49" charset="0"/>
-                <a:ea typeface="Calibri" panose="020F0502020204030204" pitchFamily="34" charset="0"/>
-                <a:cs typeface="Times New Roman" panose="02020603050405020304" pitchFamily="18" charset="0"/>
-              </a:rPr>
-              <a:t>// register a callback method for the validators</a:t>
-            </a:r>
-            <a:endParaRPr lang="en-US" sz="1100" dirty="0">
-              <a:solidFill>
-                <a:prstClr val="black"/>
-              </a:solidFill>
-              <a:latin typeface="Calibri" panose="020F0502020204030204" pitchFamily="34" charset="0"/>
-              <a:ea typeface="Calibri" panose="020F0502020204030204" pitchFamily="34" charset="0"/>
-              <a:cs typeface="Times New Roman" panose="02020603050405020304" pitchFamily="18" charset="0"/>
-            </a:endParaRPr>
-          </a:p>
-          <a:p>
-            <a:pPr marL="0" lvl="0" indent="0">
-              <a:lnSpc>
-                <a:spcPct val="107000"/>
-              </a:lnSpc>
-              <a:spcBef>
-                <a:spcPts val="0"/>
-              </a:spcBef>
-              <a:buNone/>
-            </a:pPr>
-            <a:r>
-              <a:rPr lang="en-US" sz="1100" dirty="0">
-                <a:solidFill>
-                  <a:srgbClr val="000000"/>
-                </a:solidFill>
-                <a:latin typeface="Consolas" panose="020B0609020204030204" pitchFamily="49" charset="0"/>
-                <a:ea typeface="Calibri" panose="020F0502020204030204" pitchFamily="34" charset="0"/>
-                <a:cs typeface="Times New Roman" panose="02020603050405020304" pitchFamily="18" charset="0"/>
-              </a:rPr>
-              <a:t>        formCtx.registerValidationErrorCallback(formCtx.fieldName, </a:t>
-            </a:r>
-            <a:r>
-              <a:rPr lang="en-US" sz="1100" dirty="0">
-                <a:solidFill>
-                  <a:srgbClr val="0000FF"/>
-                </a:solidFill>
-                <a:latin typeface="Consolas" panose="020B0609020204030204" pitchFamily="49" charset="0"/>
-                <a:ea typeface="Calibri" panose="020F0502020204030204" pitchFamily="34" charset="0"/>
-                <a:cs typeface="Times New Roman" panose="02020603050405020304" pitchFamily="18" charset="0"/>
-              </a:rPr>
-              <a:t>function</a:t>
-            </a:r>
-            <a:r>
-              <a:rPr lang="en-US" sz="1100" dirty="0">
-                <a:solidFill>
-                  <a:srgbClr val="000000"/>
-                </a:solidFill>
-                <a:latin typeface="Consolas" panose="020B0609020204030204" pitchFamily="49" charset="0"/>
-                <a:ea typeface="Calibri" panose="020F0502020204030204" pitchFamily="34" charset="0"/>
-                <a:cs typeface="Times New Roman" panose="02020603050405020304" pitchFamily="18" charset="0"/>
-              </a:rPr>
-              <a:t> (error) {</a:t>
-            </a:r>
-            <a:endParaRPr lang="en-US" sz="1100" dirty="0">
-              <a:solidFill>
-                <a:prstClr val="black"/>
-              </a:solidFill>
-              <a:latin typeface="Calibri" panose="020F0502020204030204" pitchFamily="34" charset="0"/>
-              <a:ea typeface="Calibri" panose="020F0502020204030204" pitchFamily="34" charset="0"/>
-              <a:cs typeface="Times New Roman" panose="02020603050405020304" pitchFamily="18" charset="0"/>
-            </a:endParaRPr>
-          </a:p>
-          <a:p>
-            <a:pPr marL="0" lvl="0" indent="0">
-              <a:lnSpc>
-                <a:spcPct val="107000"/>
-              </a:lnSpc>
-              <a:spcBef>
-                <a:spcPts val="0"/>
-              </a:spcBef>
-              <a:buNone/>
-            </a:pPr>
-            <a:r>
-              <a:rPr lang="en-US" sz="1100" dirty="0">
-                <a:solidFill>
-                  <a:srgbClr val="000000"/>
-                </a:solidFill>
-                <a:latin typeface="Consolas" panose="020B0609020204030204" pitchFamily="49" charset="0"/>
-                <a:ea typeface="Calibri" panose="020F0502020204030204" pitchFamily="34" charset="0"/>
-                <a:cs typeface="Times New Roman" panose="02020603050405020304" pitchFamily="18" charset="0"/>
-              </a:rPr>
-              <a:t>            $(</a:t>
-            </a:r>
-            <a:r>
-              <a:rPr lang="en-US" sz="1100" dirty="0">
-                <a:solidFill>
-                  <a:srgbClr val="A31515"/>
-                </a:solidFill>
-                <a:latin typeface="Consolas" panose="020B0609020204030204" pitchFamily="49" charset="0"/>
-                <a:ea typeface="Calibri" panose="020F0502020204030204" pitchFamily="34" charset="0"/>
-                <a:cs typeface="Times New Roman" panose="02020603050405020304" pitchFamily="18" charset="0"/>
-              </a:rPr>
-              <a:t>'#'</a:t>
-            </a:r>
-            <a:r>
-              <a:rPr lang="en-US" sz="1100" dirty="0">
-                <a:solidFill>
-                  <a:srgbClr val="000000"/>
-                </a:solidFill>
-                <a:latin typeface="Consolas" panose="020B0609020204030204" pitchFamily="49" charset="0"/>
-                <a:ea typeface="Calibri" panose="020F0502020204030204" pitchFamily="34" charset="0"/>
-                <a:cs typeface="Times New Roman" panose="02020603050405020304" pitchFamily="18" charset="0"/>
-              </a:rPr>
-              <a:t> + formCtx.fieldName + </a:t>
-            </a:r>
-            <a:r>
-              <a:rPr lang="en-US" sz="1100" dirty="0">
-                <a:solidFill>
-                  <a:srgbClr val="A31515"/>
-                </a:solidFill>
-                <a:latin typeface="Consolas" panose="020B0609020204030204" pitchFamily="49" charset="0"/>
-                <a:ea typeface="Calibri" panose="020F0502020204030204" pitchFamily="34" charset="0"/>
-                <a:cs typeface="Times New Roman" panose="02020603050405020304" pitchFamily="18" charset="0"/>
-              </a:rPr>
-              <a:t>'EntityEditorError'</a:t>
-            </a:r>
-            <a:r>
-              <a:rPr lang="en-US" sz="1100" dirty="0">
-                <a:solidFill>
-                  <a:srgbClr val="000000"/>
-                </a:solidFill>
-                <a:latin typeface="Consolas" panose="020B0609020204030204" pitchFamily="49" charset="0"/>
-                <a:ea typeface="Calibri" panose="020F0502020204030204" pitchFamily="34" charset="0"/>
-                <a:cs typeface="Times New Roman" panose="02020603050405020304" pitchFamily="18" charset="0"/>
-              </a:rPr>
-              <a:t>).attr(</a:t>
-            </a:r>
-            <a:r>
-              <a:rPr lang="en-US" sz="1100" dirty="0">
-                <a:solidFill>
-                  <a:srgbClr val="A31515"/>
-                </a:solidFill>
-                <a:latin typeface="Consolas" panose="020B0609020204030204" pitchFamily="49" charset="0"/>
-                <a:ea typeface="Calibri" panose="020F0502020204030204" pitchFamily="34" charset="0"/>
-                <a:cs typeface="Times New Roman" panose="02020603050405020304" pitchFamily="18" charset="0"/>
-              </a:rPr>
-              <a:t>'role'</a:t>
-            </a:r>
-            <a:r>
-              <a:rPr lang="en-US" sz="1100" dirty="0">
-                <a:solidFill>
-                  <a:srgbClr val="000000"/>
-                </a:solidFill>
-                <a:latin typeface="Consolas" panose="020B0609020204030204" pitchFamily="49" charset="0"/>
-                <a:ea typeface="Calibri" panose="020F0502020204030204" pitchFamily="34" charset="0"/>
-                <a:cs typeface="Times New Roman" panose="02020603050405020304" pitchFamily="18" charset="0"/>
-              </a:rPr>
-              <a:t>, </a:t>
-            </a:r>
-            <a:r>
-              <a:rPr lang="en-US" sz="1100" dirty="0">
-                <a:solidFill>
-                  <a:srgbClr val="A31515"/>
-                </a:solidFill>
-                <a:latin typeface="Consolas" panose="020B0609020204030204" pitchFamily="49" charset="0"/>
-                <a:ea typeface="Calibri" panose="020F0502020204030204" pitchFamily="34" charset="0"/>
-                <a:cs typeface="Times New Roman" panose="02020603050405020304" pitchFamily="18" charset="0"/>
-              </a:rPr>
-              <a:t>'alert'</a:t>
-            </a:r>
-            <a:r>
-              <a:rPr lang="en-US" sz="1100" dirty="0">
-                <a:solidFill>
-                  <a:srgbClr val="000000"/>
-                </a:solidFill>
-                <a:latin typeface="Consolas" panose="020B0609020204030204" pitchFamily="49" charset="0"/>
-                <a:ea typeface="Calibri" panose="020F0502020204030204" pitchFamily="34" charset="0"/>
-                <a:cs typeface="Times New Roman" panose="02020603050405020304" pitchFamily="18" charset="0"/>
-              </a:rPr>
-              <a:t>).html(error.errorMessage);</a:t>
-            </a:r>
-            <a:endParaRPr lang="en-US" sz="1100" dirty="0">
-              <a:solidFill>
-                <a:prstClr val="black"/>
-              </a:solidFill>
-              <a:latin typeface="Calibri" panose="020F0502020204030204" pitchFamily="34" charset="0"/>
-              <a:ea typeface="Calibri" panose="020F0502020204030204" pitchFamily="34" charset="0"/>
-              <a:cs typeface="Times New Roman" panose="02020603050405020304" pitchFamily="18" charset="0"/>
-            </a:endParaRPr>
-          </a:p>
-          <a:p>
-            <a:pPr marL="0" lvl="0" indent="0">
-              <a:lnSpc>
-                <a:spcPct val="107000"/>
-              </a:lnSpc>
-              <a:spcBef>
-                <a:spcPts val="0"/>
-              </a:spcBef>
-              <a:buNone/>
-            </a:pPr>
-            <a:r>
-              <a:rPr lang="en-US" sz="1100" dirty="0">
-                <a:solidFill>
-                  <a:srgbClr val="000000"/>
-                </a:solidFill>
-                <a:latin typeface="Consolas" panose="020B0609020204030204" pitchFamily="49" charset="0"/>
-                <a:ea typeface="Calibri" panose="020F0502020204030204" pitchFamily="34" charset="0"/>
-                <a:cs typeface="Times New Roman" panose="02020603050405020304" pitchFamily="18" charset="0"/>
-              </a:rPr>
-              <a:t>        });</a:t>
-            </a:r>
-            <a:endParaRPr lang="en-US" sz="1100" dirty="0">
-              <a:solidFill>
-                <a:prstClr val="black"/>
-              </a:solidFill>
-              <a:latin typeface="Calibri" panose="020F0502020204030204" pitchFamily="34" charset="0"/>
-              <a:ea typeface="Calibri" panose="020F0502020204030204" pitchFamily="34" charset="0"/>
-              <a:cs typeface="Times New Roman" panose="02020603050405020304" pitchFamily="18" charset="0"/>
-            </a:endParaRPr>
-          </a:p>
-          <a:p>
-            <a:pPr marL="0" lvl="0" indent="0">
-              <a:lnSpc>
-                <a:spcPct val="107000"/>
-              </a:lnSpc>
-              <a:spcBef>
-                <a:spcPts val="0"/>
-              </a:spcBef>
-              <a:buNone/>
-            </a:pPr>
-            <a:r>
-              <a:rPr lang="en-US" sz="1100" dirty="0">
-                <a:solidFill>
-                  <a:srgbClr val="000000"/>
-                </a:solidFill>
-                <a:latin typeface="Consolas" panose="020B0609020204030204" pitchFamily="49" charset="0"/>
-                <a:ea typeface="Calibri" panose="020F0502020204030204" pitchFamily="34" charset="0"/>
-                <a:cs typeface="Times New Roman" panose="02020603050405020304" pitchFamily="18" charset="0"/>
-              </a:rPr>
-              <a:t>    }</a:t>
-            </a:r>
-            <a:endParaRPr lang="en-US" dirty="0"/>
+            <a:endParaRPr lang="en-US" sz="4800" dirty="0"/>
           </a:p>
         </p:txBody>
       </p:sp>
     </p:spTree>
     <p:extLst>
       <p:ext uri="{BB962C8B-B14F-4D97-AF65-F5344CB8AC3E}">
-        <p14:creationId xmlns:p14="http://schemas.microsoft.com/office/powerpoint/2010/main" val="2442675555"/>
+        <p14:creationId xmlns:p14="http://schemas.microsoft.com/office/powerpoint/2010/main" val="3315072428"/>
       </p:ext>
     </p:extLst>
   </p:cSld>
@@ -19755,15 +18934,7 @@
           <a:p>
             <a:r>
               <a:rPr lang="en-US" dirty="0"/>
-              <a:t>Demo </a:t>
-            </a:r>
-            <a:r>
-              <a:rPr lang="en-US" dirty="0" smtClean="0"/>
-              <a:t>#4 </a:t>
-            </a:r>
-            <a:r>
-              <a:rPr lang="en-US" dirty="0"/>
-              <a:t>- Tabbed Form</a:t>
+              <a:t>Register Validation Handlers</a:t>
             </a:r>
           </a:p>
         </p:txBody>
@@ -19780,92 +18951,1232 @@
         </p:nvSpPr>
         <p:spPr>
           <a:xfrm>
-            <a:off x="838200" y="2269177"/>
-            <a:ext cx="10515600" cy="4351338"/>
+            <a:off x="838200" y="1825624"/>
+            <a:ext cx="10515600" cy="5032375"/>
           </a:xfrm>
         </p:spPr>
         <p:txBody>
-          <a:bodyPr/>
+          <a:bodyPr>
+            <a:normAutofit/>
+          </a:bodyPr>
           <a:lstStyle/>
           <a:p>
-            <a:pPr lvl="0"/>
-            <a:r>
-              <a:rPr lang="en-US" dirty="0">
+            <a:pPr marL="0" lvl="0" indent="0">
+              <a:lnSpc>
+                <a:spcPct val="107000"/>
+              </a:lnSpc>
+              <a:spcBef>
+                <a:spcPts val="0"/>
+              </a:spcBef>
+              <a:buNone/>
+            </a:pPr>
+            <a:r>
+              <a:rPr lang="en-US" sz="1100" dirty="0">
+                <a:solidFill>
+                  <a:srgbClr val="000000"/>
+                </a:solidFill>
+                <a:latin typeface="Consolas" panose="020B0609020204030204" pitchFamily="49" charset="0"/>
+                <a:ea typeface="Calibri" panose="020F0502020204030204" pitchFamily="34" charset="0"/>
+                <a:cs typeface="Times New Roman" panose="02020603050405020304" pitchFamily="18" charset="0"/>
+              </a:rPr>
+              <a:t> </a:t>
+            </a:r>
+            <a:r>
+              <a:rPr lang="en-US" sz="1100" dirty="0" smtClean="0">
+                <a:solidFill>
+                  <a:srgbClr val="000000"/>
+                </a:solidFill>
+                <a:latin typeface="Consolas" panose="020B0609020204030204" pitchFamily="49" charset="0"/>
+                <a:ea typeface="Calibri" panose="020F0502020204030204" pitchFamily="34" charset="0"/>
+                <a:cs typeface="Times New Roman" panose="02020603050405020304" pitchFamily="18" charset="0"/>
+              </a:rPr>
+              <a:t>   </a:t>
+            </a:r>
+            <a:r>
+              <a:rPr lang="en-US" sz="1100" dirty="0" smtClean="0">
+                <a:solidFill>
+                  <a:srgbClr val="0000FF"/>
+                </a:solidFill>
+                <a:latin typeface="Consolas" panose="020B0609020204030204" pitchFamily="49" charset="0"/>
+                <a:ea typeface="Calibri" panose="020F0502020204030204" pitchFamily="34" charset="0"/>
+                <a:cs typeface="Times New Roman" panose="02020603050405020304" pitchFamily="18" charset="0"/>
+              </a:rPr>
+              <a:t>var</a:t>
+            </a:r>
+            <a:r>
+              <a:rPr lang="en-US" sz="1100" dirty="0" smtClean="0">
+                <a:solidFill>
+                  <a:srgbClr val="000000"/>
+                </a:solidFill>
+                <a:latin typeface="Consolas" panose="020B0609020204030204" pitchFamily="49" charset="0"/>
+                <a:ea typeface="Calibri" panose="020F0502020204030204" pitchFamily="34" charset="0"/>
+                <a:cs typeface="Times New Roman" panose="02020603050405020304" pitchFamily="18" charset="0"/>
+              </a:rPr>
+              <a:t> </a:t>
+            </a:r>
+            <a:r>
+              <a:rPr lang="en-US" sz="1100" dirty="0">
+                <a:solidFill>
+                  <a:srgbClr val="000000"/>
+                </a:solidFill>
+                <a:latin typeface="Consolas" panose="020B0609020204030204" pitchFamily="49" charset="0"/>
+                <a:ea typeface="Calibri" panose="020F0502020204030204" pitchFamily="34" charset="0"/>
+                <a:cs typeface="Times New Roman" panose="02020603050405020304" pitchFamily="18" charset="0"/>
+              </a:rPr>
+              <a:t>render = </a:t>
+            </a:r>
+            <a:r>
+              <a:rPr lang="en-US" sz="1100" dirty="0">
+                <a:solidFill>
+                  <a:srgbClr val="0000FF"/>
+                </a:solidFill>
+                <a:latin typeface="Consolas" panose="020B0609020204030204" pitchFamily="49" charset="0"/>
+                <a:ea typeface="Calibri" panose="020F0502020204030204" pitchFamily="34" charset="0"/>
+                <a:cs typeface="Times New Roman" panose="02020603050405020304" pitchFamily="18" charset="0"/>
+              </a:rPr>
+              <a:t>function</a:t>
+            </a:r>
+            <a:r>
+              <a:rPr lang="en-US" sz="1100" dirty="0">
+                <a:solidFill>
+                  <a:srgbClr val="000000"/>
+                </a:solidFill>
+                <a:latin typeface="Consolas" panose="020B0609020204030204" pitchFamily="49" charset="0"/>
+                <a:ea typeface="Calibri" panose="020F0502020204030204" pitchFamily="34" charset="0"/>
+                <a:cs typeface="Times New Roman" panose="02020603050405020304" pitchFamily="18" charset="0"/>
+              </a:rPr>
+              <a:t> (ctx) {</a:t>
+            </a:r>
+            <a:endParaRPr lang="en-US" sz="1100" dirty="0">
+              <a:solidFill>
+                <a:prstClr val="black"/>
+              </a:solidFill>
+              <a:latin typeface="Calibri" panose="020F0502020204030204" pitchFamily="34" charset="0"/>
+              <a:ea typeface="Calibri" panose="020F0502020204030204" pitchFamily="34" charset="0"/>
+              <a:cs typeface="Times New Roman" panose="02020603050405020304" pitchFamily="18" charset="0"/>
+            </a:endParaRPr>
+          </a:p>
+          <a:p>
+            <a:pPr marL="0" lvl="0" indent="0">
+              <a:lnSpc>
+                <a:spcPct val="107000"/>
+              </a:lnSpc>
+              <a:spcBef>
+                <a:spcPts val="0"/>
+              </a:spcBef>
+              <a:buNone/>
+            </a:pPr>
+            <a:r>
+              <a:rPr lang="en-US" sz="1100" dirty="0">
+                <a:solidFill>
+                  <a:srgbClr val="000000"/>
+                </a:solidFill>
+                <a:latin typeface="Consolas" panose="020B0609020204030204" pitchFamily="49" charset="0"/>
+                <a:ea typeface="Calibri" panose="020F0502020204030204" pitchFamily="34" charset="0"/>
+                <a:cs typeface="Times New Roman" panose="02020603050405020304" pitchFamily="18" charset="0"/>
+              </a:rPr>
+              <a:t>        </a:t>
+            </a:r>
+            <a:r>
+              <a:rPr lang="en-US" sz="1100" dirty="0">
+                <a:solidFill>
+                  <a:srgbClr val="0000FF"/>
+                </a:solidFill>
+                <a:latin typeface="Consolas" panose="020B0609020204030204" pitchFamily="49" charset="0"/>
+                <a:ea typeface="Calibri" panose="020F0502020204030204" pitchFamily="34" charset="0"/>
+                <a:cs typeface="Times New Roman" panose="02020603050405020304" pitchFamily="18" charset="0"/>
+              </a:rPr>
+              <a:t>var</a:t>
+            </a:r>
+            <a:r>
+              <a:rPr lang="en-US" sz="1100" dirty="0">
+                <a:solidFill>
+                  <a:srgbClr val="000000"/>
+                </a:solidFill>
+                <a:latin typeface="Consolas" panose="020B0609020204030204" pitchFamily="49" charset="0"/>
+                <a:ea typeface="Calibri" panose="020F0502020204030204" pitchFamily="34" charset="0"/>
+                <a:cs typeface="Times New Roman" panose="02020603050405020304" pitchFamily="18" charset="0"/>
+              </a:rPr>
+              <a:t> formCtx = SPClientTemplates.Utility.GetFormContextForCurrentField(ctx);</a:t>
+            </a:r>
+            <a:endParaRPr lang="en-US" sz="1100" dirty="0">
+              <a:solidFill>
+                <a:prstClr val="black"/>
+              </a:solidFill>
+              <a:latin typeface="Calibri" panose="020F0502020204030204" pitchFamily="34" charset="0"/>
+              <a:ea typeface="Calibri" panose="020F0502020204030204" pitchFamily="34" charset="0"/>
+              <a:cs typeface="Times New Roman" panose="02020603050405020304" pitchFamily="18" charset="0"/>
+            </a:endParaRPr>
+          </a:p>
+          <a:p>
+            <a:pPr marL="0" lvl="0" indent="0">
+              <a:lnSpc>
+                <a:spcPct val="107000"/>
+              </a:lnSpc>
+              <a:spcBef>
+                <a:spcPts val="0"/>
+              </a:spcBef>
+              <a:buNone/>
+            </a:pPr>
+            <a:r>
+              <a:rPr lang="en-US" sz="1100" dirty="0">
+                <a:solidFill>
+                  <a:srgbClr val="000000"/>
+                </a:solidFill>
+                <a:latin typeface="Consolas" panose="020B0609020204030204" pitchFamily="49" charset="0"/>
+                <a:ea typeface="Calibri" panose="020F0502020204030204" pitchFamily="34" charset="0"/>
+                <a:cs typeface="Times New Roman" panose="02020603050405020304" pitchFamily="18" charset="0"/>
+              </a:rPr>
+              <a:t> </a:t>
+            </a:r>
+            <a:endParaRPr lang="en-US" sz="1100" dirty="0">
+              <a:solidFill>
+                <a:prstClr val="black"/>
+              </a:solidFill>
+              <a:latin typeface="Calibri" panose="020F0502020204030204" pitchFamily="34" charset="0"/>
+              <a:ea typeface="Calibri" panose="020F0502020204030204" pitchFamily="34" charset="0"/>
+              <a:cs typeface="Times New Roman" panose="02020603050405020304" pitchFamily="18" charset="0"/>
+            </a:endParaRPr>
+          </a:p>
+          <a:p>
+            <a:pPr marL="0" lvl="0" indent="0">
+              <a:lnSpc>
+                <a:spcPct val="107000"/>
+              </a:lnSpc>
+              <a:spcBef>
+                <a:spcPts val="0"/>
+              </a:spcBef>
+              <a:buNone/>
+            </a:pPr>
+            <a:r>
+              <a:rPr lang="en-US" sz="1100" dirty="0">
+                <a:solidFill>
+                  <a:srgbClr val="000000"/>
+                </a:solidFill>
+                <a:latin typeface="Consolas" panose="020B0609020204030204" pitchFamily="49" charset="0"/>
+                <a:ea typeface="Calibri" panose="020F0502020204030204" pitchFamily="34" charset="0"/>
+                <a:cs typeface="Times New Roman" panose="02020603050405020304" pitchFamily="18" charset="0"/>
+              </a:rPr>
+              <a:t>        </a:t>
+            </a:r>
+            <a:r>
+              <a:rPr lang="en-US" sz="1100" dirty="0">
+                <a:solidFill>
+                  <a:srgbClr val="008000"/>
+                </a:solidFill>
+                <a:latin typeface="Consolas" panose="020B0609020204030204" pitchFamily="49" charset="0"/>
+                <a:ea typeface="Calibri" panose="020F0502020204030204" pitchFamily="34" charset="0"/>
+                <a:cs typeface="Times New Roman" panose="02020603050405020304" pitchFamily="18" charset="0"/>
+              </a:rPr>
+              <a:t>// create a validator set</a:t>
+            </a:r>
+            <a:endParaRPr lang="en-US" sz="1100" dirty="0">
+              <a:solidFill>
+                <a:prstClr val="black"/>
+              </a:solidFill>
+              <a:latin typeface="Calibri" panose="020F0502020204030204" pitchFamily="34" charset="0"/>
+              <a:ea typeface="Calibri" panose="020F0502020204030204" pitchFamily="34" charset="0"/>
+              <a:cs typeface="Times New Roman" panose="02020603050405020304" pitchFamily="18" charset="0"/>
+            </a:endParaRPr>
+          </a:p>
+          <a:p>
+            <a:pPr marL="0" lvl="0" indent="0">
+              <a:lnSpc>
+                <a:spcPct val="107000"/>
+              </a:lnSpc>
+              <a:spcBef>
+                <a:spcPts val="0"/>
+              </a:spcBef>
+              <a:buNone/>
+            </a:pPr>
+            <a:r>
+              <a:rPr lang="en-US" sz="1100" dirty="0">
+                <a:solidFill>
+                  <a:srgbClr val="000000"/>
+                </a:solidFill>
+                <a:latin typeface="Consolas" panose="020B0609020204030204" pitchFamily="49" charset="0"/>
+                <a:ea typeface="Calibri" panose="020F0502020204030204" pitchFamily="34" charset="0"/>
+                <a:cs typeface="Times New Roman" panose="02020603050405020304" pitchFamily="18" charset="0"/>
+              </a:rPr>
+              <a:t>        </a:t>
+            </a:r>
+            <a:r>
+              <a:rPr lang="en-US" sz="1100" dirty="0">
+                <a:solidFill>
+                  <a:srgbClr val="0000FF"/>
+                </a:solidFill>
+                <a:latin typeface="Consolas" panose="020B0609020204030204" pitchFamily="49" charset="0"/>
+                <a:ea typeface="Calibri" panose="020F0502020204030204" pitchFamily="34" charset="0"/>
+                <a:cs typeface="Times New Roman" panose="02020603050405020304" pitchFamily="18" charset="0"/>
+              </a:rPr>
+              <a:t>var</a:t>
+            </a:r>
+            <a:r>
+              <a:rPr lang="en-US" sz="1100" dirty="0">
+                <a:solidFill>
+                  <a:srgbClr val="000000"/>
+                </a:solidFill>
+                <a:latin typeface="Consolas" panose="020B0609020204030204" pitchFamily="49" charset="0"/>
+                <a:ea typeface="Calibri" panose="020F0502020204030204" pitchFamily="34" charset="0"/>
+                <a:cs typeface="Times New Roman" panose="02020603050405020304" pitchFamily="18" charset="0"/>
+              </a:rPr>
+              <a:t> fieldValidators = </a:t>
+            </a:r>
+            <a:r>
+              <a:rPr lang="en-US" sz="1100" dirty="0">
+                <a:solidFill>
+                  <a:srgbClr val="0000FF"/>
+                </a:solidFill>
+                <a:latin typeface="Consolas" panose="020B0609020204030204" pitchFamily="49" charset="0"/>
+                <a:ea typeface="Calibri" panose="020F0502020204030204" pitchFamily="34" charset="0"/>
+                <a:cs typeface="Times New Roman" panose="02020603050405020304" pitchFamily="18" charset="0"/>
+              </a:rPr>
+              <a:t>new</a:t>
+            </a:r>
+            <a:r>
+              <a:rPr lang="en-US" sz="1100" dirty="0">
+                <a:solidFill>
+                  <a:srgbClr val="000000"/>
+                </a:solidFill>
+                <a:latin typeface="Consolas" panose="020B0609020204030204" pitchFamily="49" charset="0"/>
+                <a:ea typeface="Calibri" panose="020F0502020204030204" pitchFamily="34" charset="0"/>
+                <a:cs typeface="Times New Roman" panose="02020603050405020304" pitchFamily="18" charset="0"/>
+              </a:rPr>
+              <a:t> SPClientForms.ClientValidation.ValidatorSet();</a:t>
+            </a:r>
+          </a:p>
+          <a:p>
+            <a:pPr marL="0" lvl="0" indent="0">
+              <a:lnSpc>
+                <a:spcPct val="107000"/>
+              </a:lnSpc>
+              <a:spcBef>
+                <a:spcPts val="0"/>
+              </a:spcBef>
+              <a:buNone/>
+            </a:pPr>
+            <a:endParaRPr lang="en-US" sz="1100" dirty="0">
+              <a:solidFill>
+                <a:prstClr val="black"/>
+              </a:solidFill>
+              <a:latin typeface="Calibri" panose="020F0502020204030204" pitchFamily="34" charset="0"/>
+              <a:ea typeface="Calibri" panose="020F0502020204030204" pitchFamily="34" charset="0"/>
+              <a:cs typeface="Times New Roman" panose="02020603050405020304" pitchFamily="18" charset="0"/>
+            </a:endParaRPr>
+          </a:p>
+          <a:p>
+            <a:pPr marL="0" lvl="0" indent="0">
+              <a:lnSpc>
+                <a:spcPct val="107000"/>
+              </a:lnSpc>
+              <a:spcBef>
+                <a:spcPts val="0"/>
+              </a:spcBef>
+              <a:buNone/>
+            </a:pPr>
+            <a:r>
+              <a:rPr lang="en-US" sz="1100" dirty="0">
+                <a:solidFill>
+                  <a:srgbClr val="000000"/>
+                </a:solidFill>
+                <a:latin typeface="Consolas" panose="020B0609020204030204" pitchFamily="49" charset="0"/>
+                <a:ea typeface="Calibri" panose="020F0502020204030204" pitchFamily="34" charset="0"/>
+                <a:cs typeface="Times New Roman" panose="02020603050405020304" pitchFamily="18" charset="0"/>
+              </a:rPr>
+              <a:t>         </a:t>
+            </a:r>
+            <a:r>
+              <a:rPr lang="en-US" sz="1100" dirty="0">
+                <a:solidFill>
+                  <a:srgbClr val="008000"/>
+                </a:solidFill>
+                <a:latin typeface="Consolas" panose="020B0609020204030204" pitchFamily="49" charset="0"/>
+                <a:ea typeface="Calibri" panose="020F0502020204030204" pitchFamily="34" charset="0"/>
+                <a:cs typeface="Times New Roman" panose="02020603050405020304" pitchFamily="18" charset="0"/>
+              </a:rPr>
+              <a:t>// create a custom validator with an object literal</a:t>
+            </a:r>
+            <a:endParaRPr lang="en-US" sz="1100" dirty="0">
+              <a:solidFill>
+                <a:prstClr val="black"/>
+              </a:solidFill>
+              <a:latin typeface="Calibri" panose="020F0502020204030204" pitchFamily="34" charset="0"/>
+              <a:ea typeface="Calibri" panose="020F0502020204030204" pitchFamily="34" charset="0"/>
+              <a:cs typeface="Times New Roman" panose="02020603050405020304" pitchFamily="18" charset="0"/>
+            </a:endParaRPr>
+          </a:p>
+          <a:p>
+            <a:pPr marL="0" lvl="0" indent="0">
+              <a:lnSpc>
+                <a:spcPct val="107000"/>
+              </a:lnSpc>
+              <a:spcBef>
+                <a:spcPts val="0"/>
+              </a:spcBef>
+              <a:buNone/>
+            </a:pPr>
+            <a:r>
+              <a:rPr lang="en-US" sz="1100" dirty="0">
+                <a:solidFill>
+                  <a:srgbClr val="000000"/>
+                </a:solidFill>
+                <a:latin typeface="Consolas" panose="020B0609020204030204" pitchFamily="49" charset="0"/>
+                <a:ea typeface="Calibri" panose="020F0502020204030204" pitchFamily="34" charset="0"/>
+                <a:cs typeface="Times New Roman" panose="02020603050405020304" pitchFamily="18" charset="0"/>
+              </a:rPr>
+              <a:t>        fieldValidators.RegisterValidator({</a:t>
+            </a:r>
+            <a:endParaRPr lang="en-US" sz="1100" dirty="0">
+              <a:solidFill>
+                <a:prstClr val="black"/>
+              </a:solidFill>
+              <a:latin typeface="Calibri" panose="020F0502020204030204" pitchFamily="34" charset="0"/>
+              <a:ea typeface="Calibri" panose="020F0502020204030204" pitchFamily="34" charset="0"/>
+              <a:cs typeface="Times New Roman" panose="02020603050405020304" pitchFamily="18" charset="0"/>
+            </a:endParaRPr>
+          </a:p>
+          <a:p>
+            <a:pPr marL="0" lvl="0" indent="0">
+              <a:lnSpc>
+                <a:spcPct val="107000"/>
+              </a:lnSpc>
+              <a:spcBef>
+                <a:spcPts val="0"/>
+              </a:spcBef>
+              <a:buNone/>
+            </a:pPr>
+            <a:r>
+              <a:rPr lang="en-US" sz="1100" dirty="0">
+                <a:solidFill>
+                  <a:srgbClr val="000000"/>
+                </a:solidFill>
+                <a:latin typeface="Consolas" panose="020B0609020204030204" pitchFamily="49" charset="0"/>
+                <a:ea typeface="Calibri" panose="020F0502020204030204" pitchFamily="34" charset="0"/>
+                <a:cs typeface="Times New Roman" panose="02020603050405020304" pitchFamily="18" charset="0"/>
+              </a:rPr>
+              <a:t>            Validate: </a:t>
+            </a:r>
+            <a:r>
+              <a:rPr lang="en-US" sz="1100" dirty="0">
+                <a:solidFill>
+                  <a:srgbClr val="0000FF"/>
+                </a:solidFill>
+                <a:latin typeface="Consolas" panose="020B0609020204030204" pitchFamily="49" charset="0"/>
+                <a:ea typeface="Calibri" panose="020F0502020204030204" pitchFamily="34" charset="0"/>
+                <a:cs typeface="Times New Roman" panose="02020603050405020304" pitchFamily="18" charset="0"/>
+              </a:rPr>
+              <a:t>function</a:t>
+            </a:r>
+            <a:r>
+              <a:rPr lang="en-US" sz="1100" dirty="0">
+                <a:solidFill>
+                  <a:srgbClr val="000000"/>
+                </a:solidFill>
+                <a:latin typeface="Consolas" panose="020B0609020204030204" pitchFamily="49" charset="0"/>
+                <a:ea typeface="Calibri" panose="020F0502020204030204" pitchFamily="34" charset="0"/>
+                <a:cs typeface="Times New Roman" panose="02020603050405020304" pitchFamily="18" charset="0"/>
+              </a:rPr>
+              <a:t> (value) {</a:t>
+            </a:r>
+            <a:endParaRPr lang="en-US" sz="1100" dirty="0">
+              <a:solidFill>
+                <a:prstClr val="black"/>
+              </a:solidFill>
+              <a:latin typeface="Calibri" panose="020F0502020204030204" pitchFamily="34" charset="0"/>
+              <a:ea typeface="Calibri" panose="020F0502020204030204" pitchFamily="34" charset="0"/>
+              <a:cs typeface="Times New Roman" panose="02020603050405020304" pitchFamily="18" charset="0"/>
+            </a:endParaRPr>
+          </a:p>
+          <a:p>
+            <a:pPr marL="0" lvl="0" indent="0">
+              <a:lnSpc>
+                <a:spcPct val="107000"/>
+              </a:lnSpc>
+              <a:spcBef>
+                <a:spcPts val="0"/>
+              </a:spcBef>
+              <a:buNone/>
+            </a:pPr>
+            <a:r>
+              <a:rPr lang="en-US" sz="1100" dirty="0">
+                <a:solidFill>
+                  <a:srgbClr val="000000"/>
+                </a:solidFill>
+                <a:latin typeface="Consolas" panose="020B0609020204030204" pitchFamily="49" charset="0"/>
+                <a:ea typeface="Calibri" panose="020F0502020204030204" pitchFamily="34" charset="0"/>
+                <a:cs typeface="Times New Roman" panose="02020603050405020304" pitchFamily="18" charset="0"/>
+              </a:rPr>
+              <a:t>                </a:t>
+            </a:r>
+            <a:r>
+              <a:rPr lang="en-US" sz="1100" dirty="0">
+                <a:solidFill>
+                  <a:srgbClr val="0000FF"/>
+                </a:solidFill>
+                <a:latin typeface="Consolas" panose="020B0609020204030204" pitchFamily="49" charset="0"/>
+                <a:ea typeface="Calibri" panose="020F0502020204030204" pitchFamily="34" charset="0"/>
+                <a:cs typeface="Times New Roman" panose="02020603050405020304" pitchFamily="18" charset="0"/>
+              </a:rPr>
+              <a:t>return</a:t>
+            </a:r>
+            <a:r>
+              <a:rPr lang="en-US" sz="1100" dirty="0">
+                <a:solidFill>
+                  <a:srgbClr val="000000"/>
+                </a:solidFill>
+                <a:latin typeface="Consolas" panose="020B0609020204030204" pitchFamily="49" charset="0"/>
+                <a:ea typeface="Calibri" panose="020F0502020204030204" pitchFamily="34" charset="0"/>
+                <a:cs typeface="Times New Roman" panose="02020603050405020304" pitchFamily="18" charset="0"/>
+              </a:rPr>
+              <a:t> </a:t>
+            </a:r>
+            <a:r>
+              <a:rPr lang="en-US" sz="1100" dirty="0">
+                <a:solidFill>
+                  <a:srgbClr val="0000FF"/>
+                </a:solidFill>
+                <a:latin typeface="Consolas" panose="020B0609020204030204" pitchFamily="49" charset="0"/>
+                <a:ea typeface="Calibri" panose="020F0502020204030204" pitchFamily="34" charset="0"/>
+                <a:cs typeface="Times New Roman" panose="02020603050405020304" pitchFamily="18" charset="0"/>
+              </a:rPr>
+              <a:t>new</a:t>
+            </a:r>
+            <a:r>
+              <a:rPr lang="en-US" sz="1100" dirty="0">
+                <a:solidFill>
+                  <a:srgbClr val="000000"/>
+                </a:solidFill>
+                <a:latin typeface="Consolas" panose="020B0609020204030204" pitchFamily="49" charset="0"/>
+                <a:ea typeface="Calibri" panose="020F0502020204030204" pitchFamily="34" charset="0"/>
+                <a:cs typeface="Times New Roman" panose="02020603050405020304" pitchFamily="18" charset="0"/>
+              </a:rPr>
+              <a:t> SPClientForms.ClientValidation.ValidationResult(</a:t>
+            </a:r>
+            <a:r>
+              <a:rPr lang="en-US" sz="1100" dirty="0">
+                <a:solidFill>
+                  <a:srgbClr val="0000FF"/>
+                </a:solidFill>
+                <a:latin typeface="Consolas" panose="020B0609020204030204" pitchFamily="49" charset="0"/>
+                <a:ea typeface="Calibri" panose="020F0502020204030204" pitchFamily="34" charset="0"/>
+                <a:cs typeface="Times New Roman" panose="02020603050405020304" pitchFamily="18" charset="0"/>
+              </a:rPr>
+              <a:t>false</a:t>
+            </a:r>
+            <a:r>
+              <a:rPr lang="en-US" sz="1100" dirty="0">
+                <a:solidFill>
+                  <a:srgbClr val="000000"/>
+                </a:solidFill>
+                <a:latin typeface="Consolas" panose="020B0609020204030204" pitchFamily="49" charset="0"/>
+                <a:ea typeface="Calibri" panose="020F0502020204030204" pitchFamily="34" charset="0"/>
+                <a:cs typeface="Times New Roman" panose="02020603050405020304" pitchFamily="18" charset="0"/>
+              </a:rPr>
+              <a:t>, </a:t>
+            </a:r>
+            <a:r>
+              <a:rPr lang="en-US" sz="1100" dirty="0">
+                <a:solidFill>
+                  <a:srgbClr val="A31515"/>
+                </a:solidFill>
+                <a:latin typeface="Consolas" panose="020B0609020204030204" pitchFamily="49" charset="0"/>
+                <a:ea typeface="Calibri" panose="020F0502020204030204" pitchFamily="34" charset="0"/>
+                <a:cs typeface="Times New Roman" panose="02020603050405020304" pitchFamily="18" charset="0"/>
+              </a:rPr>
+              <a:t>''</a:t>
+            </a:r>
+            <a:r>
+              <a:rPr lang="en-US" sz="1100" dirty="0">
+                <a:solidFill>
+                  <a:srgbClr val="000000"/>
+                </a:solidFill>
+                <a:latin typeface="Consolas" panose="020B0609020204030204" pitchFamily="49" charset="0"/>
+                <a:ea typeface="Calibri" panose="020F0502020204030204" pitchFamily="34" charset="0"/>
+                <a:cs typeface="Times New Roman" panose="02020603050405020304" pitchFamily="18" charset="0"/>
+              </a:rPr>
+              <a:t>);</a:t>
+            </a:r>
+            <a:endParaRPr lang="en-US" sz="1100" dirty="0">
+              <a:solidFill>
+                <a:prstClr val="black"/>
+              </a:solidFill>
+              <a:latin typeface="Calibri" panose="020F0502020204030204" pitchFamily="34" charset="0"/>
+              <a:ea typeface="Calibri" panose="020F0502020204030204" pitchFamily="34" charset="0"/>
+              <a:cs typeface="Times New Roman" panose="02020603050405020304" pitchFamily="18" charset="0"/>
+            </a:endParaRPr>
+          </a:p>
+          <a:p>
+            <a:pPr marL="0" lvl="0" indent="0">
+              <a:lnSpc>
+                <a:spcPct val="107000"/>
+              </a:lnSpc>
+              <a:spcBef>
+                <a:spcPts val="0"/>
+              </a:spcBef>
+              <a:buNone/>
+            </a:pPr>
+            <a:r>
+              <a:rPr lang="en-US" sz="1100" dirty="0">
+                <a:solidFill>
+                  <a:srgbClr val="000000"/>
+                </a:solidFill>
+                <a:latin typeface="Consolas" panose="020B0609020204030204" pitchFamily="49" charset="0"/>
+                <a:ea typeface="Calibri" panose="020F0502020204030204" pitchFamily="34" charset="0"/>
+                <a:cs typeface="Times New Roman" panose="02020603050405020304" pitchFamily="18" charset="0"/>
+              </a:rPr>
+              <a:t>            }</a:t>
+            </a:r>
+            <a:endParaRPr lang="en-US" sz="1100" dirty="0">
+              <a:solidFill>
+                <a:prstClr val="black"/>
+              </a:solidFill>
+              <a:latin typeface="Calibri" panose="020F0502020204030204" pitchFamily="34" charset="0"/>
+              <a:ea typeface="Calibri" panose="020F0502020204030204" pitchFamily="34" charset="0"/>
+              <a:cs typeface="Times New Roman" panose="02020603050405020304" pitchFamily="18" charset="0"/>
+            </a:endParaRPr>
+          </a:p>
+          <a:p>
+            <a:pPr marL="0" lvl="0" indent="0">
+              <a:lnSpc>
+                <a:spcPct val="107000"/>
+              </a:lnSpc>
+              <a:spcBef>
+                <a:spcPts val="0"/>
+              </a:spcBef>
+              <a:buNone/>
+            </a:pPr>
+            <a:r>
+              <a:rPr lang="en-US" sz="1100" dirty="0">
+                <a:solidFill>
+                  <a:srgbClr val="000000"/>
+                </a:solidFill>
+                <a:latin typeface="Consolas" panose="020B0609020204030204" pitchFamily="49" charset="0"/>
+                <a:ea typeface="Calibri" panose="020F0502020204030204" pitchFamily="34" charset="0"/>
+                <a:cs typeface="Times New Roman" panose="02020603050405020304" pitchFamily="18" charset="0"/>
+              </a:rPr>
+              <a:t>        </a:t>
+            </a:r>
+            <a:r>
+              <a:rPr lang="en-US" sz="1100" dirty="0" smtClean="0">
+                <a:solidFill>
+                  <a:srgbClr val="000000"/>
+                </a:solidFill>
+                <a:latin typeface="Consolas" panose="020B0609020204030204" pitchFamily="49" charset="0"/>
+                <a:ea typeface="Calibri" panose="020F0502020204030204" pitchFamily="34" charset="0"/>
+                <a:cs typeface="Times New Roman" panose="02020603050405020304" pitchFamily="18" charset="0"/>
+              </a:rPr>
+              <a:t>});</a:t>
+            </a:r>
+          </a:p>
+          <a:p>
+            <a:pPr marL="0" lvl="0" indent="0">
+              <a:lnSpc>
+                <a:spcPct val="107000"/>
+              </a:lnSpc>
+              <a:spcBef>
+                <a:spcPts val="0"/>
+              </a:spcBef>
+              <a:buNone/>
+            </a:pPr>
+            <a:r>
+              <a:rPr lang="en-US" sz="1100" dirty="0" smtClean="0">
                 <a:solidFill>
                   <a:prstClr val="black"/>
                 </a:solidFill>
-                <a:latin typeface="Segoe UI Light" panose="020B0502040204020203" pitchFamily="34" charset="0"/>
-                <a:cs typeface="Segoe UI Light" panose="020B0502040204020203" pitchFamily="34" charset="0"/>
-              </a:rPr>
-              <a:t>Note: JSLink on content types is quirky</a:t>
-            </a:r>
-          </a:p>
-          <a:p>
-            <a:pPr lvl="1"/>
-            <a:r>
-              <a:rPr lang="en-US" dirty="0">
-                <a:solidFill>
-                  <a:prstClr val="black"/>
-                </a:solidFill>
-                <a:latin typeface="Segoe UI Light" panose="020B0502040204020203" pitchFamily="34" charset="0"/>
-                <a:cs typeface="Segoe UI Light" panose="020B0502040204020203" pitchFamily="34" charset="0"/>
-              </a:rPr>
-              <a:t>They don’t get loaded on views, only on forms</a:t>
-            </a:r>
-          </a:p>
-          <a:p>
-            <a:pPr lvl="1"/>
-            <a:r>
-              <a:rPr lang="en-US" dirty="0">
-                <a:solidFill>
-                  <a:prstClr val="black"/>
-                </a:solidFill>
-                <a:latin typeface="Segoe UI Light" panose="020B0502040204020203" pitchFamily="34" charset="0"/>
-                <a:cs typeface="Segoe UI Light" panose="020B0502040204020203" pitchFamily="34" charset="0"/>
-              </a:rPr>
-              <a:t>If a content type is already in use on a list, the list content type does not get updated when you set the jsLink property of the site content type</a:t>
-            </a:r>
-          </a:p>
-          <a:p>
-            <a:pPr lvl="1"/>
-            <a:r>
-              <a:rPr lang="en-US" dirty="0">
-                <a:solidFill>
-                  <a:prstClr val="black"/>
-                </a:solidFill>
-                <a:latin typeface="Segoe UI Light" panose="020B0502040204020203" pitchFamily="34" charset="0"/>
-                <a:cs typeface="Segoe UI Light" panose="020B0502040204020203" pitchFamily="34" charset="0"/>
-              </a:rPr>
-              <a:t>You can update the jslink directly on each list content type that inherits</a:t>
-            </a:r>
-          </a:p>
-          <a:p>
-            <a:pPr lvl="0"/>
-            <a:r>
-              <a:rPr lang="en-US" dirty="0">
-                <a:solidFill>
-                  <a:prstClr val="black"/>
-                </a:solidFill>
-                <a:latin typeface="Segoe UI Light" panose="020B0502040204020203" pitchFamily="34" charset="0"/>
-                <a:cs typeface="Segoe UI Light" panose="020B0502040204020203" pitchFamily="34" charset="0"/>
-              </a:rPr>
-              <a:t>Use ctx.formUniqueId to find the web part div, then manipulate the DOM</a:t>
-            </a:r>
-          </a:p>
-          <a:p>
-            <a:pPr lvl="0"/>
-            <a:r>
-              <a:rPr lang="en-US" dirty="0">
-                <a:solidFill>
-                  <a:prstClr val="black"/>
-                </a:solidFill>
-                <a:latin typeface="Segoe UI Light" panose="020B0502040204020203" pitchFamily="34" charset="0"/>
-                <a:cs typeface="Segoe UI Light" panose="020B0502040204020203" pitchFamily="34" charset="0"/>
-              </a:rPr>
-              <a:t>Load CSS into the page inline</a:t>
-            </a:r>
-          </a:p>
-          <a:p>
+                <a:latin typeface="Calibri" panose="020F0502020204030204" pitchFamily="34" charset="0"/>
+                <a:ea typeface="Calibri" panose="020F0502020204030204" pitchFamily="34" charset="0"/>
+                <a:cs typeface="Times New Roman" panose="02020603050405020304" pitchFamily="18" charset="0"/>
+              </a:rPr>
+              <a:t> </a:t>
+            </a:r>
+            <a:r>
+              <a:rPr lang="en-US" sz="1100" dirty="0">
+                <a:solidFill>
+                  <a:srgbClr val="000000"/>
+                </a:solidFill>
+                <a:latin typeface="Consolas" panose="020B0609020204030204" pitchFamily="49" charset="0"/>
+                <a:ea typeface="Calibri" panose="020F0502020204030204" pitchFamily="34" charset="0"/>
+                <a:cs typeface="Times New Roman" panose="02020603050405020304" pitchFamily="18" charset="0"/>
+              </a:rPr>
+              <a:t> </a:t>
+            </a:r>
+            <a:endParaRPr lang="en-US" sz="1100" dirty="0">
+              <a:solidFill>
+                <a:prstClr val="black"/>
+              </a:solidFill>
+              <a:latin typeface="Calibri" panose="020F0502020204030204" pitchFamily="34" charset="0"/>
+              <a:ea typeface="Calibri" panose="020F0502020204030204" pitchFamily="34" charset="0"/>
+              <a:cs typeface="Times New Roman" panose="02020603050405020304" pitchFamily="18" charset="0"/>
+            </a:endParaRPr>
+          </a:p>
+          <a:p>
+            <a:pPr marL="0" lvl="0" indent="0">
+              <a:lnSpc>
+                <a:spcPct val="107000"/>
+              </a:lnSpc>
+              <a:spcBef>
+                <a:spcPts val="0"/>
+              </a:spcBef>
+              <a:buNone/>
+            </a:pPr>
+            <a:r>
+              <a:rPr lang="en-US" sz="1100" dirty="0">
+                <a:solidFill>
+                  <a:srgbClr val="000000"/>
+                </a:solidFill>
+                <a:latin typeface="Consolas" panose="020B0609020204030204" pitchFamily="49" charset="0"/>
+                <a:ea typeface="Calibri" panose="020F0502020204030204" pitchFamily="34" charset="0"/>
+                <a:cs typeface="Times New Roman" panose="02020603050405020304" pitchFamily="18" charset="0"/>
+              </a:rPr>
+              <a:t>        </a:t>
+            </a:r>
+            <a:r>
+              <a:rPr lang="en-US" sz="1100" dirty="0">
+                <a:solidFill>
+                  <a:srgbClr val="008000"/>
+                </a:solidFill>
+                <a:latin typeface="Consolas" panose="020B0609020204030204" pitchFamily="49" charset="0"/>
+                <a:ea typeface="Calibri" panose="020F0502020204030204" pitchFamily="34" charset="0"/>
+                <a:cs typeface="Times New Roman" panose="02020603050405020304" pitchFamily="18" charset="0"/>
+              </a:rPr>
+              <a:t>// if required, add a required field validator</a:t>
+            </a:r>
+            <a:endParaRPr lang="en-US" sz="1100" dirty="0">
+              <a:solidFill>
+                <a:prstClr val="black"/>
+              </a:solidFill>
+              <a:latin typeface="Calibri" panose="020F0502020204030204" pitchFamily="34" charset="0"/>
+              <a:ea typeface="Calibri" panose="020F0502020204030204" pitchFamily="34" charset="0"/>
+              <a:cs typeface="Times New Roman" panose="02020603050405020304" pitchFamily="18" charset="0"/>
+            </a:endParaRPr>
+          </a:p>
+          <a:p>
+            <a:pPr marL="0" lvl="0" indent="0">
+              <a:lnSpc>
+                <a:spcPct val="107000"/>
+              </a:lnSpc>
+              <a:spcBef>
+                <a:spcPts val="0"/>
+              </a:spcBef>
+              <a:buNone/>
+            </a:pPr>
+            <a:r>
+              <a:rPr lang="en-US" sz="1100" dirty="0">
+                <a:solidFill>
+                  <a:srgbClr val="000000"/>
+                </a:solidFill>
+                <a:latin typeface="Consolas" panose="020B0609020204030204" pitchFamily="49" charset="0"/>
+                <a:ea typeface="Calibri" panose="020F0502020204030204" pitchFamily="34" charset="0"/>
+                <a:cs typeface="Times New Roman" panose="02020603050405020304" pitchFamily="18" charset="0"/>
+              </a:rPr>
+              <a:t>        </a:t>
+            </a:r>
+            <a:r>
+              <a:rPr lang="en-US" sz="1100" dirty="0">
+                <a:solidFill>
+                  <a:srgbClr val="0000FF"/>
+                </a:solidFill>
+                <a:latin typeface="Consolas" panose="020B0609020204030204" pitchFamily="49" charset="0"/>
+                <a:ea typeface="Calibri" panose="020F0502020204030204" pitchFamily="34" charset="0"/>
+                <a:cs typeface="Times New Roman" panose="02020603050405020304" pitchFamily="18" charset="0"/>
+              </a:rPr>
+              <a:t>if</a:t>
+            </a:r>
+            <a:r>
+              <a:rPr lang="en-US" sz="1100" dirty="0">
+                <a:solidFill>
+                  <a:srgbClr val="000000"/>
+                </a:solidFill>
+                <a:latin typeface="Consolas" panose="020B0609020204030204" pitchFamily="49" charset="0"/>
+                <a:ea typeface="Calibri" panose="020F0502020204030204" pitchFamily="34" charset="0"/>
+                <a:cs typeface="Times New Roman" panose="02020603050405020304" pitchFamily="18" charset="0"/>
+              </a:rPr>
+              <a:t> (formCtx.fieldSchema.Required) {</a:t>
+            </a:r>
+            <a:endParaRPr lang="en-US" sz="1100" dirty="0">
+              <a:solidFill>
+                <a:prstClr val="black"/>
+              </a:solidFill>
+              <a:latin typeface="Calibri" panose="020F0502020204030204" pitchFamily="34" charset="0"/>
+              <a:ea typeface="Calibri" panose="020F0502020204030204" pitchFamily="34" charset="0"/>
+              <a:cs typeface="Times New Roman" panose="02020603050405020304" pitchFamily="18" charset="0"/>
+            </a:endParaRPr>
+          </a:p>
+          <a:p>
+            <a:pPr marL="0" lvl="0" indent="0">
+              <a:lnSpc>
+                <a:spcPct val="107000"/>
+              </a:lnSpc>
+              <a:spcBef>
+                <a:spcPts val="0"/>
+              </a:spcBef>
+              <a:buNone/>
+            </a:pPr>
+            <a:r>
+              <a:rPr lang="en-US" sz="1100" dirty="0">
+                <a:solidFill>
+                  <a:srgbClr val="000000"/>
+                </a:solidFill>
+                <a:latin typeface="Consolas" panose="020B0609020204030204" pitchFamily="49" charset="0"/>
+                <a:ea typeface="Calibri" panose="020F0502020204030204" pitchFamily="34" charset="0"/>
+                <a:cs typeface="Times New Roman" panose="02020603050405020304" pitchFamily="18" charset="0"/>
+              </a:rPr>
+              <a:t>            fieldValidators.RegisterValidator(</a:t>
+            </a:r>
+            <a:r>
+              <a:rPr lang="en-US" sz="1100" dirty="0">
+                <a:solidFill>
+                  <a:srgbClr val="0000FF"/>
+                </a:solidFill>
+                <a:latin typeface="Consolas" panose="020B0609020204030204" pitchFamily="49" charset="0"/>
+                <a:ea typeface="Calibri" panose="020F0502020204030204" pitchFamily="34" charset="0"/>
+                <a:cs typeface="Times New Roman" panose="02020603050405020304" pitchFamily="18" charset="0"/>
+              </a:rPr>
+              <a:t>new</a:t>
+            </a:r>
+            <a:r>
+              <a:rPr lang="en-US" sz="1100" dirty="0">
+                <a:solidFill>
+                  <a:srgbClr val="000000"/>
+                </a:solidFill>
+                <a:latin typeface="Consolas" panose="020B0609020204030204" pitchFamily="49" charset="0"/>
+                <a:ea typeface="Calibri" panose="020F0502020204030204" pitchFamily="34" charset="0"/>
+                <a:cs typeface="Times New Roman" panose="02020603050405020304" pitchFamily="18" charset="0"/>
+              </a:rPr>
+              <a:t> SPClientForms.ClientValidation.RequiredValidator());</a:t>
+            </a:r>
+            <a:endParaRPr lang="en-US" sz="1100" dirty="0">
+              <a:solidFill>
+                <a:prstClr val="black"/>
+              </a:solidFill>
+              <a:latin typeface="Calibri" panose="020F0502020204030204" pitchFamily="34" charset="0"/>
+              <a:ea typeface="Calibri" panose="020F0502020204030204" pitchFamily="34" charset="0"/>
+              <a:cs typeface="Times New Roman" panose="02020603050405020304" pitchFamily="18" charset="0"/>
+            </a:endParaRPr>
+          </a:p>
+          <a:p>
+            <a:pPr marL="0" lvl="0" indent="0">
+              <a:lnSpc>
+                <a:spcPct val="107000"/>
+              </a:lnSpc>
+              <a:spcBef>
+                <a:spcPts val="0"/>
+              </a:spcBef>
+              <a:buNone/>
+            </a:pPr>
+            <a:r>
+              <a:rPr lang="en-US" sz="1100" dirty="0">
+                <a:solidFill>
+                  <a:srgbClr val="000000"/>
+                </a:solidFill>
+                <a:latin typeface="Consolas" panose="020B0609020204030204" pitchFamily="49" charset="0"/>
+                <a:ea typeface="Calibri" panose="020F0502020204030204" pitchFamily="34" charset="0"/>
+                <a:cs typeface="Times New Roman" panose="02020603050405020304" pitchFamily="18" charset="0"/>
+              </a:rPr>
+              <a:t>        }</a:t>
+            </a:r>
+            <a:endParaRPr lang="en-US" sz="1100" dirty="0">
+              <a:solidFill>
+                <a:prstClr val="black"/>
+              </a:solidFill>
+              <a:latin typeface="Calibri" panose="020F0502020204030204" pitchFamily="34" charset="0"/>
+              <a:ea typeface="Calibri" panose="020F0502020204030204" pitchFamily="34" charset="0"/>
+              <a:cs typeface="Times New Roman" panose="02020603050405020304" pitchFamily="18" charset="0"/>
+            </a:endParaRPr>
+          </a:p>
+          <a:p>
+            <a:pPr marL="0" lvl="0" indent="0">
+              <a:lnSpc>
+                <a:spcPct val="107000"/>
+              </a:lnSpc>
+              <a:spcBef>
+                <a:spcPts val="0"/>
+              </a:spcBef>
+              <a:buNone/>
+            </a:pPr>
+            <a:r>
+              <a:rPr lang="en-US" sz="1100" dirty="0">
+                <a:solidFill>
+                  <a:srgbClr val="000000"/>
+                </a:solidFill>
+                <a:latin typeface="Consolas" panose="020B0609020204030204" pitchFamily="49" charset="0"/>
+                <a:ea typeface="Calibri" panose="020F0502020204030204" pitchFamily="34" charset="0"/>
+                <a:cs typeface="Times New Roman" panose="02020603050405020304" pitchFamily="18" charset="0"/>
+              </a:rPr>
+              <a:t> </a:t>
+            </a:r>
+            <a:endParaRPr lang="en-US" sz="1100" dirty="0">
+              <a:solidFill>
+                <a:prstClr val="black"/>
+              </a:solidFill>
+              <a:latin typeface="Calibri" panose="020F0502020204030204" pitchFamily="34" charset="0"/>
+              <a:ea typeface="Calibri" panose="020F0502020204030204" pitchFamily="34" charset="0"/>
+              <a:cs typeface="Times New Roman" panose="02020603050405020304" pitchFamily="18" charset="0"/>
+            </a:endParaRPr>
+          </a:p>
+          <a:p>
+            <a:pPr marL="0" lvl="0" indent="0">
+              <a:lnSpc>
+                <a:spcPct val="107000"/>
+              </a:lnSpc>
+              <a:spcBef>
+                <a:spcPts val="0"/>
+              </a:spcBef>
+              <a:buNone/>
+            </a:pPr>
+            <a:r>
+              <a:rPr lang="en-US" sz="1100" dirty="0">
+                <a:solidFill>
+                  <a:srgbClr val="000000"/>
+                </a:solidFill>
+                <a:latin typeface="Consolas" panose="020B0609020204030204" pitchFamily="49" charset="0"/>
+                <a:ea typeface="Calibri" panose="020F0502020204030204" pitchFamily="34" charset="0"/>
+                <a:cs typeface="Times New Roman" panose="02020603050405020304" pitchFamily="18" charset="0"/>
+              </a:rPr>
+              <a:t>        </a:t>
+            </a:r>
+            <a:r>
+              <a:rPr lang="en-US" sz="1100" dirty="0">
+                <a:solidFill>
+                  <a:srgbClr val="008000"/>
+                </a:solidFill>
+                <a:latin typeface="Consolas" panose="020B0609020204030204" pitchFamily="49" charset="0"/>
+                <a:ea typeface="Calibri" panose="020F0502020204030204" pitchFamily="34" charset="0"/>
+                <a:cs typeface="Times New Roman" panose="02020603050405020304" pitchFamily="18" charset="0"/>
+              </a:rPr>
+              <a:t>// register the validators</a:t>
+            </a:r>
+            <a:endParaRPr lang="en-US" sz="1100" dirty="0">
+              <a:solidFill>
+                <a:prstClr val="black"/>
+              </a:solidFill>
+              <a:latin typeface="Calibri" panose="020F0502020204030204" pitchFamily="34" charset="0"/>
+              <a:ea typeface="Calibri" panose="020F0502020204030204" pitchFamily="34" charset="0"/>
+              <a:cs typeface="Times New Roman" panose="02020603050405020304" pitchFamily="18" charset="0"/>
+            </a:endParaRPr>
+          </a:p>
+          <a:p>
+            <a:pPr marL="0" lvl="0" indent="0">
+              <a:lnSpc>
+                <a:spcPct val="107000"/>
+              </a:lnSpc>
+              <a:spcBef>
+                <a:spcPts val="0"/>
+              </a:spcBef>
+              <a:buNone/>
+            </a:pPr>
+            <a:r>
+              <a:rPr lang="en-US" sz="1100" dirty="0">
+                <a:solidFill>
+                  <a:srgbClr val="000000"/>
+                </a:solidFill>
+                <a:latin typeface="Consolas" panose="020B0609020204030204" pitchFamily="49" charset="0"/>
+                <a:ea typeface="Calibri" panose="020F0502020204030204" pitchFamily="34" charset="0"/>
+                <a:cs typeface="Times New Roman" panose="02020603050405020304" pitchFamily="18" charset="0"/>
+              </a:rPr>
+              <a:t>        formCtx.registerClientValidator(formCtx.fieldName, fieldValidators);</a:t>
+            </a:r>
+            <a:endParaRPr lang="en-US" sz="1100" dirty="0">
+              <a:solidFill>
+                <a:prstClr val="black"/>
+              </a:solidFill>
+              <a:latin typeface="Calibri" panose="020F0502020204030204" pitchFamily="34" charset="0"/>
+              <a:ea typeface="Calibri" panose="020F0502020204030204" pitchFamily="34" charset="0"/>
+              <a:cs typeface="Times New Roman" panose="02020603050405020304" pitchFamily="18" charset="0"/>
+            </a:endParaRPr>
+          </a:p>
+          <a:p>
+            <a:pPr marL="0" lvl="0" indent="0">
+              <a:lnSpc>
+                <a:spcPct val="107000"/>
+              </a:lnSpc>
+              <a:spcBef>
+                <a:spcPts val="0"/>
+              </a:spcBef>
+              <a:buNone/>
+            </a:pPr>
+            <a:r>
+              <a:rPr lang="en-US" sz="1100" dirty="0">
+                <a:solidFill>
+                  <a:srgbClr val="000000"/>
+                </a:solidFill>
+                <a:latin typeface="Consolas" panose="020B0609020204030204" pitchFamily="49" charset="0"/>
+                <a:ea typeface="Calibri" panose="020F0502020204030204" pitchFamily="34" charset="0"/>
+                <a:cs typeface="Times New Roman" panose="02020603050405020304" pitchFamily="18" charset="0"/>
+              </a:rPr>
+              <a:t> </a:t>
+            </a:r>
+            <a:endParaRPr lang="en-US" sz="1100" dirty="0">
+              <a:solidFill>
+                <a:prstClr val="black"/>
+              </a:solidFill>
+              <a:latin typeface="Calibri" panose="020F0502020204030204" pitchFamily="34" charset="0"/>
+              <a:ea typeface="Calibri" panose="020F0502020204030204" pitchFamily="34" charset="0"/>
+              <a:cs typeface="Times New Roman" panose="02020603050405020304" pitchFamily="18" charset="0"/>
+            </a:endParaRPr>
+          </a:p>
+          <a:p>
+            <a:pPr marL="0" lvl="0" indent="0">
+              <a:lnSpc>
+                <a:spcPct val="107000"/>
+              </a:lnSpc>
+              <a:spcBef>
+                <a:spcPts val="0"/>
+              </a:spcBef>
+              <a:buNone/>
+            </a:pPr>
+            <a:r>
+              <a:rPr lang="en-US" sz="1100" dirty="0">
+                <a:solidFill>
+                  <a:srgbClr val="000000"/>
+                </a:solidFill>
+                <a:latin typeface="Consolas" panose="020B0609020204030204" pitchFamily="49" charset="0"/>
+                <a:ea typeface="Calibri" panose="020F0502020204030204" pitchFamily="34" charset="0"/>
+                <a:cs typeface="Times New Roman" panose="02020603050405020304" pitchFamily="18" charset="0"/>
+              </a:rPr>
+              <a:t>        </a:t>
+            </a:r>
+            <a:r>
+              <a:rPr lang="en-US" sz="1100" dirty="0">
+                <a:solidFill>
+                  <a:srgbClr val="008000"/>
+                </a:solidFill>
+                <a:latin typeface="Consolas" panose="020B0609020204030204" pitchFamily="49" charset="0"/>
+                <a:ea typeface="Calibri" panose="020F0502020204030204" pitchFamily="34" charset="0"/>
+                <a:cs typeface="Times New Roman" panose="02020603050405020304" pitchFamily="18" charset="0"/>
+              </a:rPr>
+              <a:t>// register a callback method for the validators</a:t>
+            </a:r>
+            <a:endParaRPr lang="en-US" sz="1100" dirty="0">
+              <a:solidFill>
+                <a:prstClr val="black"/>
+              </a:solidFill>
+              <a:latin typeface="Calibri" panose="020F0502020204030204" pitchFamily="34" charset="0"/>
+              <a:ea typeface="Calibri" panose="020F0502020204030204" pitchFamily="34" charset="0"/>
+              <a:cs typeface="Times New Roman" panose="02020603050405020304" pitchFamily="18" charset="0"/>
+            </a:endParaRPr>
+          </a:p>
+          <a:p>
+            <a:pPr marL="0" lvl="0" indent="0">
+              <a:lnSpc>
+                <a:spcPct val="107000"/>
+              </a:lnSpc>
+              <a:spcBef>
+                <a:spcPts val="0"/>
+              </a:spcBef>
+              <a:buNone/>
+            </a:pPr>
+            <a:r>
+              <a:rPr lang="en-US" sz="1100" dirty="0">
+                <a:solidFill>
+                  <a:srgbClr val="000000"/>
+                </a:solidFill>
+                <a:latin typeface="Consolas" panose="020B0609020204030204" pitchFamily="49" charset="0"/>
+                <a:ea typeface="Calibri" panose="020F0502020204030204" pitchFamily="34" charset="0"/>
+                <a:cs typeface="Times New Roman" panose="02020603050405020304" pitchFamily="18" charset="0"/>
+              </a:rPr>
+              <a:t>        formCtx.registerValidationErrorCallback(formCtx.fieldName, </a:t>
+            </a:r>
+            <a:r>
+              <a:rPr lang="en-US" sz="1100" dirty="0">
+                <a:solidFill>
+                  <a:srgbClr val="0000FF"/>
+                </a:solidFill>
+                <a:latin typeface="Consolas" panose="020B0609020204030204" pitchFamily="49" charset="0"/>
+                <a:ea typeface="Calibri" panose="020F0502020204030204" pitchFamily="34" charset="0"/>
+                <a:cs typeface="Times New Roman" panose="02020603050405020304" pitchFamily="18" charset="0"/>
+              </a:rPr>
+              <a:t>function</a:t>
+            </a:r>
+            <a:r>
+              <a:rPr lang="en-US" sz="1100" dirty="0">
+                <a:solidFill>
+                  <a:srgbClr val="000000"/>
+                </a:solidFill>
+                <a:latin typeface="Consolas" panose="020B0609020204030204" pitchFamily="49" charset="0"/>
+                <a:ea typeface="Calibri" panose="020F0502020204030204" pitchFamily="34" charset="0"/>
+                <a:cs typeface="Times New Roman" panose="02020603050405020304" pitchFamily="18" charset="0"/>
+              </a:rPr>
+              <a:t> (error) {</a:t>
+            </a:r>
+            <a:endParaRPr lang="en-US" sz="1100" dirty="0">
+              <a:solidFill>
+                <a:prstClr val="black"/>
+              </a:solidFill>
+              <a:latin typeface="Calibri" panose="020F0502020204030204" pitchFamily="34" charset="0"/>
+              <a:ea typeface="Calibri" panose="020F0502020204030204" pitchFamily="34" charset="0"/>
+              <a:cs typeface="Times New Roman" panose="02020603050405020304" pitchFamily="18" charset="0"/>
+            </a:endParaRPr>
+          </a:p>
+          <a:p>
+            <a:pPr marL="0" lvl="0" indent="0">
+              <a:lnSpc>
+                <a:spcPct val="107000"/>
+              </a:lnSpc>
+              <a:spcBef>
+                <a:spcPts val="0"/>
+              </a:spcBef>
+              <a:buNone/>
+            </a:pPr>
+            <a:r>
+              <a:rPr lang="en-US" sz="1100" dirty="0">
+                <a:solidFill>
+                  <a:srgbClr val="000000"/>
+                </a:solidFill>
+                <a:latin typeface="Consolas" panose="020B0609020204030204" pitchFamily="49" charset="0"/>
+                <a:ea typeface="Calibri" panose="020F0502020204030204" pitchFamily="34" charset="0"/>
+                <a:cs typeface="Times New Roman" panose="02020603050405020304" pitchFamily="18" charset="0"/>
+              </a:rPr>
+              <a:t>            $(</a:t>
+            </a:r>
+            <a:r>
+              <a:rPr lang="en-US" sz="1100" dirty="0">
+                <a:solidFill>
+                  <a:srgbClr val="A31515"/>
+                </a:solidFill>
+                <a:latin typeface="Consolas" panose="020B0609020204030204" pitchFamily="49" charset="0"/>
+                <a:ea typeface="Calibri" panose="020F0502020204030204" pitchFamily="34" charset="0"/>
+                <a:cs typeface="Times New Roman" panose="02020603050405020304" pitchFamily="18" charset="0"/>
+              </a:rPr>
+              <a:t>'#'</a:t>
+            </a:r>
+            <a:r>
+              <a:rPr lang="en-US" sz="1100" dirty="0">
+                <a:solidFill>
+                  <a:srgbClr val="000000"/>
+                </a:solidFill>
+                <a:latin typeface="Consolas" panose="020B0609020204030204" pitchFamily="49" charset="0"/>
+                <a:ea typeface="Calibri" panose="020F0502020204030204" pitchFamily="34" charset="0"/>
+                <a:cs typeface="Times New Roman" panose="02020603050405020304" pitchFamily="18" charset="0"/>
+              </a:rPr>
+              <a:t> + formCtx.fieldName + </a:t>
+            </a:r>
+            <a:r>
+              <a:rPr lang="en-US" sz="1100" dirty="0">
+                <a:solidFill>
+                  <a:srgbClr val="A31515"/>
+                </a:solidFill>
+                <a:latin typeface="Consolas" panose="020B0609020204030204" pitchFamily="49" charset="0"/>
+                <a:ea typeface="Calibri" panose="020F0502020204030204" pitchFamily="34" charset="0"/>
+                <a:cs typeface="Times New Roman" panose="02020603050405020304" pitchFamily="18" charset="0"/>
+              </a:rPr>
+              <a:t>'EntityEditorError'</a:t>
+            </a:r>
+            <a:r>
+              <a:rPr lang="en-US" sz="1100" dirty="0">
+                <a:solidFill>
+                  <a:srgbClr val="000000"/>
+                </a:solidFill>
+                <a:latin typeface="Consolas" panose="020B0609020204030204" pitchFamily="49" charset="0"/>
+                <a:ea typeface="Calibri" panose="020F0502020204030204" pitchFamily="34" charset="0"/>
+                <a:cs typeface="Times New Roman" panose="02020603050405020304" pitchFamily="18" charset="0"/>
+              </a:rPr>
+              <a:t>).attr(</a:t>
+            </a:r>
+            <a:r>
+              <a:rPr lang="en-US" sz="1100" dirty="0">
+                <a:solidFill>
+                  <a:srgbClr val="A31515"/>
+                </a:solidFill>
+                <a:latin typeface="Consolas" panose="020B0609020204030204" pitchFamily="49" charset="0"/>
+                <a:ea typeface="Calibri" panose="020F0502020204030204" pitchFamily="34" charset="0"/>
+                <a:cs typeface="Times New Roman" panose="02020603050405020304" pitchFamily="18" charset="0"/>
+              </a:rPr>
+              <a:t>'role'</a:t>
+            </a:r>
+            <a:r>
+              <a:rPr lang="en-US" sz="1100" dirty="0">
+                <a:solidFill>
+                  <a:srgbClr val="000000"/>
+                </a:solidFill>
+                <a:latin typeface="Consolas" panose="020B0609020204030204" pitchFamily="49" charset="0"/>
+                <a:ea typeface="Calibri" panose="020F0502020204030204" pitchFamily="34" charset="0"/>
+                <a:cs typeface="Times New Roman" panose="02020603050405020304" pitchFamily="18" charset="0"/>
+              </a:rPr>
+              <a:t>, </a:t>
+            </a:r>
+            <a:r>
+              <a:rPr lang="en-US" sz="1100" dirty="0">
+                <a:solidFill>
+                  <a:srgbClr val="A31515"/>
+                </a:solidFill>
+                <a:latin typeface="Consolas" panose="020B0609020204030204" pitchFamily="49" charset="0"/>
+                <a:ea typeface="Calibri" panose="020F0502020204030204" pitchFamily="34" charset="0"/>
+                <a:cs typeface="Times New Roman" panose="02020603050405020304" pitchFamily="18" charset="0"/>
+              </a:rPr>
+              <a:t>'alert'</a:t>
+            </a:r>
+            <a:r>
+              <a:rPr lang="en-US" sz="1100" dirty="0">
+                <a:solidFill>
+                  <a:srgbClr val="000000"/>
+                </a:solidFill>
+                <a:latin typeface="Consolas" panose="020B0609020204030204" pitchFamily="49" charset="0"/>
+                <a:ea typeface="Calibri" panose="020F0502020204030204" pitchFamily="34" charset="0"/>
+                <a:cs typeface="Times New Roman" panose="02020603050405020304" pitchFamily="18" charset="0"/>
+              </a:rPr>
+              <a:t>).html(error.errorMessage);</a:t>
+            </a:r>
+            <a:endParaRPr lang="en-US" sz="1100" dirty="0">
+              <a:solidFill>
+                <a:prstClr val="black"/>
+              </a:solidFill>
+              <a:latin typeface="Calibri" panose="020F0502020204030204" pitchFamily="34" charset="0"/>
+              <a:ea typeface="Calibri" panose="020F0502020204030204" pitchFamily="34" charset="0"/>
+              <a:cs typeface="Times New Roman" panose="02020603050405020304" pitchFamily="18" charset="0"/>
+            </a:endParaRPr>
+          </a:p>
+          <a:p>
+            <a:pPr marL="0" lvl="0" indent="0">
+              <a:lnSpc>
+                <a:spcPct val="107000"/>
+              </a:lnSpc>
+              <a:spcBef>
+                <a:spcPts val="0"/>
+              </a:spcBef>
+              <a:buNone/>
+            </a:pPr>
+            <a:r>
+              <a:rPr lang="en-US" sz="1100" dirty="0">
+                <a:solidFill>
+                  <a:srgbClr val="000000"/>
+                </a:solidFill>
+                <a:latin typeface="Consolas" panose="020B0609020204030204" pitchFamily="49" charset="0"/>
+                <a:ea typeface="Calibri" panose="020F0502020204030204" pitchFamily="34" charset="0"/>
+                <a:cs typeface="Times New Roman" panose="02020603050405020304" pitchFamily="18" charset="0"/>
+              </a:rPr>
+              <a:t>        });</a:t>
+            </a:r>
+            <a:endParaRPr lang="en-US" sz="1100" dirty="0">
+              <a:solidFill>
+                <a:prstClr val="black"/>
+              </a:solidFill>
+              <a:latin typeface="Calibri" panose="020F0502020204030204" pitchFamily="34" charset="0"/>
+              <a:ea typeface="Calibri" panose="020F0502020204030204" pitchFamily="34" charset="0"/>
+              <a:cs typeface="Times New Roman" panose="02020603050405020304" pitchFamily="18" charset="0"/>
+            </a:endParaRPr>
+          </a:p>
+          <a:p>
+            <a:pPr marL="0" lvl="0" indent="0">
+              <a:lnSpc>
+                <a:spcPct val="107000"/>
+              </a:lnSpc>
+              <a:spcBef>
+                <a:spcPts val="0"/>
+              </a:spcBef>
+              <a:buNone/>
+            </a:pPr>
+            <a:r>
+              <a:rPr lang="en-US" sz="1100" dirty="0">
+                <a:solidFill>
+                  <a:srgbClr val="000000"/>
+                </a:solidFill>
+                <a:latin typeface="Consolas" panose="020B0609020204030204" pitchFamily="49" charset="0"/>
+                <a:ea typeface="Calibri" panose="020F0502020204030204" pitchFamily="34" charset="0"/>
+                <a:cs typeface="Times New Roman" panose="02020603050405020304" pitchFamily="18" charset="0"/>
+              </a:rPr>
+              <a:t>    }</a:t>
+            </a:r>
             <a:endParaRPr lang="en-US" dirty="0"/>
           </a:p>
         </p:txBody>
@@ -19873,7 +20184,7 @@
     </p:spTree>
     <p:extLst>
       <p:ext uri="{BB962C8B-B14F-4D97-AF65-F5344CB8AC3E}">
-        <p14:creationId xmlns:p14="http://schemas.microsoft.com/office/powerpoint/2010/main" val="1584852910"/>
+        <p14:creationId xmlns:p14="http://schemas.microsoft.com/office/powerpoint/2010/main" val="2442675555"/>
       </p:ext>
     </p:extLst>
   </p:cSld>
@@ -19924,7 +20235,15 @@
           <a:p>
             <a:r>
               <a:rPr lang="en-US" dirty="0"/>
-              <a:t>Demo #5 – Entity Editor</a:t>
+              <a:t>Demo </a:t>
+            </a:r>
+            <a:r>
+              <a:rPr lang="en-US" dirty="0" smtClean="0"/>
+              <a:t>#4 </a:t>
+            </a:r>
+            <a:r>
+              <a:rPr lang="en-US" dirty="0"/>
+              <a:t>- Tabbed Form</a:t>
             </a:r>
           </a:p>
         </p:txBody>
@@ -19941,77 +20260,100 @@
         </p:nvSpPr>
         <p:spPr>
           <a:xfrm>
-            <a:off x="838200" y="2692258"/>
+            <a:off x="838200" y="2269177"/>
             <a:ext cx="10515600" cy="4351338"/>
           </a:xfrm>
         </p:spPr>
         <p:txBody>
-          <a:bodyPr>
-            <a:normAutofit/>
-          </a:bodyPr>
+          <a:bodyPr/>
           <a:lstStyle/>
           <a:p>
             <a:pPr lvl="0"/>
             <a:r>
-              <a:rPr lang="en-US" sz="4800" dirty="0" smtClean="0">
+              <a:rPr lang="en-US" dirty="0">
                 <a:solidFill>
                   <a:prstClr val="black"/>
                 </a:solidFill>
                 <a:latin typeface="Segoe UI Light" panose="020B0502040204020203" pitchFamily="34" charset="0"/>
                 <a:cs typeface="Segoe UI Light" panose="020B0502040204020203" pitchFamily="34" charset="0"/>
               </a:rPr>
-              <a:t>Deferred </a:t>
-            </a:r>
-            <a:r>
-              <a:rPr lang="en-US" sz="4800" dirty="0">
+              <a:t>Note: JSLink on content types is quirky</a:t>
+            </a:r>
+          </a:p>
+          <a:p>
+            <a:pPr lvl="1"/>
+            <a:r>
+              <a:rPr lang="en-US" dirty="0">
                 <a:solidFill>
                   <a:prstClr val="black"/>
                 </a:solidFill>
                 <a:latin typeface="Segoe UI Light" panose="020B0502040204020203" pitchFamily="34" charset="0"/>
                 <a:cs typeface="Segoe UI Light" panose="020B0502040204020203" pitchFamily="34" charset="0"/>
               </a:rPr>
-              <a:t>event </a:t>
-            </a:r>
-            <a:r>
-              <a:rPr lang="en-US" sz="4800" dirty="0" smtClean="0">
+              <a:t>They don’t get loaded on views, only on forms</a:t>
+            </a:r>
+          </a:p>
+          <a:p>
+            <a:pPr lvl="1"/>
+            <a:r>
+              <a:rPr lang="en-US" dirty="0">
                 <a:solidFill>
                   <a:prstClr val="black"/>
                 </a:solidFill>
                 <a:latin typeface="Segoe UI Light" panose="020B0502040204020203" pitchFamily="34" charset="0"/>
                 <a:cs typeface="Segoe UI Light" panose="020B0502040204020203" pitchFamily="34" charset="0"/>
               </a:rPr>
-              <a:t>handlers</a:t>
-            </a:r>
-          </a:p>
-          <a:p>
-            <a:pPr lvl="0"/>
-            <a:r>
-              <a:rPr lang="en-US" sz="4800" dirty="0" smtClean="0">
+              <a:t>If a content type is already in use on a list, the list content type does not get updated when you set the jsLink property of the site content type</a:t>
+            </a:r>
+          </a:p>
+          <a:p>
+            <a:pPr lvl="1"/>
+            <a:r>
+              <a:rPr lang="en-US" dirty="0">
                 <a:solidFill>
                   <a:prstClr val="black"/>
                 </a:solidFill>
                 <a:latin typeface="Segoe UI Light" panose="020B0502040204020203" pitchFamily="34" charset="0"/>
                 <a:cs typeface="Segoe UI Light" panose="020B0502040204020203" pitchFamily="34" charset="0"/>
               </a:rPr>
-              <a:t>Validation requiring more than just the value</a:t>
-            </a:r>
-            <a:endParaRPr lang="en-US" sz="4800" dirty="0">
-              <a:solidFill>
-                <a:prstClr val="black"/>
-              </a:solidFill>
-              <a:latin typeface="Segoe UI Light" panose="020B0502040204020203" pitchFamily="34" charset="0"/>
-              <a:cs typeface="Segoe UI Light" panose="020B0502040204020203" pitchFamily="34" charset="0"/>
-            </a:endParaRPr>
-          </a:p>
-          <a:p>
-            <a:endParaRPr lang="en-US" sz="4800" dirty="0"/>
+              <a:t>You can update the jslink directly on each list content type that inherits</a:t>
+            </a:r>
+          </a:p>
+          <a:p>
+            <a:pPr lvl="0"/>
+            <a:r>
+              <a:rPr lang="en-US" dirty="0">
+                <a:solidFill>
+                  <a:prstClr val="black"/>
+                </a:solidFill>
+                <a:latin typeface="Segoe UI Light" panose="020B0502040204020203" pitchFamily="34" charset="0"/>
+                <a:cs typeface="Segoe UI Light" panose="020B0502040204020203" pitchFamily="34" charset="0"/>
+              </a:rPr>
+              <a:t>Use ctx.formUniqueId to find the web part div, then manipulate the DOM</a:t>
+            </a:r>
+          </a:p>
+          <a:p>
+            <a:pPr lvl="0"/>
+            <a:r>
+              <a:rPr lang="en-US" dirty="0">
+                <a:solidFill>
+                  <a:prstClr val="black"/>
+                </a:solidFill>
+                <a:latin typeface="Segoe UI Light" panose="020B0502040204020203" pitchFamily="34" charset="0"/>
+                <a:cs typeface="Segoe UI Light" panose="020B0502040204020203" pitchFamily="34" charset="0"/>
+              </a:rPr>
+              <a:t>Load CSS into the page inline</a:t>
+            </a:r>
+          </a:p>
+          <a:p>
+            <a:endParaRPr lang="en-US" dirty="0"/>
           </a:p>
         </p:txBody>
       </p:sp>
     </p:spTree>
     <p:extLst>
       <p:ext uri="{BB962C8B-B14F-4D97-AF65-F5344CB8AC3E}">
-        <p14:creationId xmlns:p14="http://schemas.microsoft.com/office/powerpoint/2010/main" val="426074477"/>
+        <p14:creationId xmlns:p14="http://schemas.microsoft.com/office/powerpoint/2010/main" val="1584852910"/>
       </p:ext>
     </p:extLst>
   </p:cSld>
@@ -20062,6 +20404,144 @@
           <a:p>
             <a:r>
               <a:rPr lang="en-US" dirty="0"/>
+              <a:t>Demo #5 – Entity Editor</a:t>
+            </a:r>
+          </a:p>
+        </p:txBody>
+      </p:sp>
+      <p:sp>
+        <p:nvSpPr>
+          <p:cNvPr id="3" name="Content Placeholder 2"/>
+          <p:cNvSpPr>
+            <a:spLocks noGrp="1"/>
+          </p:cNvSpPr>
+          <p:nvPr>
+            <p:ph idx="1"/>
+          </p:nvPr>
+        </p:nvSpPr>
+        <p:spPr>
+          <a:xfrm>
+            <a:off x="838200" y="2692258"/>
+            <a:ext cx="10515600" cy="4351338"/>
+          </a:xfrm>
+        </p:spPr>
+        <p:txBody>
+          <a:bodyPr>
+            <a:normAutofit/>
+          </a:bodyPr>
+          <a:lstStyle/>
+          <a:p>
+            <a:pPr lvl="0"/>
+            <a:r>
+              <a:rPr lang="en-US" sz="4800" dirty="0" smtClean="0">
+                <a:solidFill>
+                  <a:prstClr val="black"/>
+                </a:solidFill>
+                <a:latin typeface="Segoe UI Light" panose="020B0502040204020203" pitchFamily="34" charset="0"/>
+                <a:cs typeface="Segoe UI Light" panose="020B0502040204020203" pitchFamily="34" charset="0"/>
+              </a:rPr>
+              <a:t>Deferred </a:t>
+            </a:r>
+            <a:r>
+              <a:rPr lang="en-US" sz="4800" dirty="0">
+                <a:solidFill>
+                  <a:prstClr val="black"/>
+                </a:solidFill>
+                <a:latin typeface="Segoe UI Light" panose="020B0502040204020203" pitchFamily="34" charset="0"/>
+                <a:cs typeface="Segoe UI Light" panose="020B0502040204020203" pitchFamily="34" charset="0"/>
+              </a:rPr>
+              <a:t>event </a:t>
+            </a:r>
+            <a:r>
+              <a:rPr lang="en-US" sz="4800" dirty="0" smtClean="0">
+                <a:solidFill>
+                  <a:prstClr val="black"/>
+                </a:solidFill>
+                <a:latin typeface="Segoe UI Light" panose="020B0502040204020203" pitchFamily="34" charset="0"/>
+                <a:cs typeface="Segoe UI Light" panose="020B0502040204020203" pitchFamily="34" charset="0"/>
+              </a:rPr>
+              <a:t>handlers</a:t>
+            </a:r>
+          </a:p>
+          <a:p>
+            <a:pPr lvl="0"/>
+            <a:r>
+              <a:rPr lang="en-US" sz="4800" dirty="0" smtClean="0">
+                <a:solidFill>
+                  <a:prstClr val="black"/>
+                </a:solidFill>
+                <a:latin typeface="Segoe UI Light" panose="020B0502040204020203" pitchFamily="34" charset="0"/>
+                <a:cs typeface="Segoe UI Light" panose="020B0502040204020203" pitchFamily="34" charset="0"/>
+              </a:rPr>
+              <a:t>Validation requiring more than just the value</a:t>
+            </a:r>
+            <a:endParaRPr lang="en-US" sz="4800" dirty="0">
+              <a:solidFill>
+                <a:prstClr val="black"/>
+              </a:solidFill>
+              <a:latin typeface="Segoe UI Light" panose="020B0502040204020203" pitchFamily="34" charset="0"/>
+              <a:cs typeface="Segoe UI Light" panose="020B0502040204020203" pitchFamily="34" charset="0"/>
+            </a:endParaRPr>
+          </a:p>
+          <a:p>
+            <a:endParaRPr lang="en-US" sz="4800" dirty="0"/>
+          </a:p>
+        </p:txBody>
+      </p:sp>
+    </p:spTree>
+    <p:extLst>
+      <p:ext uri="{BB962C8B-B14F-4D97-AF65-F5344CB8AC3E}">
+        <p14:creationId xmlns:p14="http://schemas.microsoft.com/office/powerpoint/2010/main" val="426074477"/>
+      </p:ext>
+    </p:extLst>
+  </p:cSld>
+  <p:clrMapOvr>
+    <a:masterClrMapping/>
+  </p:clrMapOvr>
+  <p:timing>
+    <p:tnLst>
+      <p:par>
+        <p:cTn id="1" dur="indefinite" restart="never" nodeType="tmRoot"/>
+      </p:par>
+    </p:tnLst>
+  </p:timing>
+</p:sld>
+</file>
+
+<file path=ppt/slides/slide17.xml><?xml version="1.0" encoding="utf-8"?>
+<p:sld xmlns:a="http://schemas.openxmlformats.org/drawingml/2006/main" xmlns:r="http://schemas.openxmlformats.org/officeDocument/2006/relationships" xmlns:p="http://schemas.openxmlformats.org/presentationml/2006/main">
+  <p:cSld>
+    <p:spTree>
+      <p:nvGrpSpPr>
+        <p:cNvPr id="1" name=""/>
+        <p:cNvGrpSpPr/>
+        <p:nvPr/>
+      </p:nvGrpSpPr>
+      <p:grpSpPr>
+        <a:xfrm>
+          <a:off x="0" y="0"/>
+          <a:ext cx="0" cy="0"/>
+          <a:chOff x="0" y="0"/>
+          <a:chExt cx="0" cy="0"/>
+        </a:xfrm>
+      </p:grpSpPr>
+      <p:sp>
+        <p:nvSpPr>
+          <p:cNvPr id="2" name="Title 1"/>
+          <p:cNvSpPr>
+            <a:spLocks noGrp="1"/>
+          </p:cNvSpPr>
+          <p:nvPr>
+            <p:ph type="title"/>
+          </p:nvPr>
+        </p:nvSpPr>
+        <p:spPr/>
+        <p:txBody>
+          <a:bodyPr/>
+          <a:lstStyle/>
+          <a:p>
+            <a:r>
+              <a:rPr lang="en-US" dirty="0"/>
               <a:t>What can we override? (views)</a:t>
             </a:r>
           </a:p>
@@ -20607,7 +21087,7 @@
 </p:sld>
 </file>
 
-<file path=ppt/slides/slide17.xml><?xml version="1.0" encoding="utf-8"?>
+<file path=ppt/slides/slide18.xml><?xml version="1.0" encoding="utf-8"?>
 <p:sld xmlns:a="http://schemas.openxmlformats.org/drawingml/2006/main" xmlns:r="http://schemas.openxmlformats.org/officeDocument/2006/relationships" xmlns:p="http://schemas.openxmlformats.org/presentationml/2006/main">
   <p:cSld>
     <p:bg>
@@ -20752,7 +21232,7 @@
 </p:sld>
 </file>
 
-<file path=ppt/slides/slide18.xml><?xml version="1.0" encoding="utf-8"?>
+<file path=ppt/slides/slide19.xml><?xml version="1.0" encoding="utf-8"?>
 <p:sld xmlns:a="http://schemas.openxmlformats.org/drawingml/2006/main" xmlns:r="http://schemas.openxmlformats.org/officeDocument/2006/relationships" xmlns:p="http://schemas.openxmlformats.org/presentationml/2006/main">
   <p:cSld>
     <p:spTree>
@@ -20863,7 +21343,368 @@
 </p:sld>
 </file>
 
-<file path=ppt/slides/slide19.xml><?xml version="1.0" encoding="utf-8"?>
+<file path=ppt/slides/slide2.xml><?xml version="1.0" encoding="utf-8"?>
+<p:sld xmlns:a="http://schemas.openxmlformats.org/drawingml/2006/main" xmlns:r="http://schemas.openxmlformats.org/officeDocument/2006/relationships" xmlns:p="http://schemas.openxmlformats.org/presentationml/2006/main">
+  <p:cSld>
+    <p:spTree>
+      <p:nvGrpSpPr>
+        <p:cNvPr id="1" name=""/>
+        <p:cNvGrpSpPr/>
+        <p:nvPr/>
+      </p:nvGrpSpPr>
+      <p:grpSpPr>
+        <a:xfrm>
+          <a:off x="0" y="0"/>
+          <a:ext cx="0" cy="0"/>
+          <a:chOff x="0" y="0"/>
+          <a:chExt cx="0" cy="0"/>
+        </a:xfrm>
+      </p:grpSpPr>
+      <p:sp>
+        <p:nvSpPr>
+          <p:cNvPr id="4" name="Title 3">
+            <a:extLst>
+              <a:ext uri="{FF2B5EF4-FFF2-40B4-BE49-F238E27FC236}">
+                <a16:creationId xmlns:a16="http://schemas.microsoft.com/office/drawing/2014/main" xmlns="" id="{FFC98630-93E6-481B-8573-D0BA6C3281D7}"/>
+              </a:ext>
+            </a:extLst>
+          </p:cNvPr>
+          <p:cNvSpPr>
+            <a:spLocks noGrp="1"/>
+          </p:cNvSpPr>
+          <p:nvPr>
+            <p:ph type="title"/>
+          </p:nvPr>
+        </p:nvSpPr>
+        <p:spPr/>
+        <p:txBody>
+          <a:bodyPr/>
+          <a:lstStyle/>
+          <a:p>
+            <a:pPr algn="ctr"/>
+            <a:r>
+              <a:rPr lang="en-US" dirty="0"/>
+              <a:t>SharePoint Saturday Kansas City 2017</a:t>
+            </a:r>
+            <a:br>
+              <a:rPr lang="en-US" dirty="0"/>
+            </a:br>
+            <a:r>
+              <a:rPr lang="en-US" dirty="0"/>
+              <a:t>Sponsors</a:t>
+            </a:r>
+          </a:p>
+        </p:txBody>
+      </p:sp>
+      <p:pic>
+        <p:nvPicPr>
+          <p:cNvPr id="7" name="Picture 6">
+            <a:extLst>
+              <a:ext uri="{FF2B5EF4-FFF2-40B4-BE49-F238E27FC236}">
+                <a16:creationId xmlns:a16="http://schemas.microsoft.com/office/drawing/2014/main" xmlns="" id="{8EEA0BBC-C3F4-4ACC-8ED8-7B83E68032EC}"/>
+              </a:ext>
+            </a:extLst>
+          </p:cNvPr>
+          <p:cNvPicPr>
+            <a:picLocks noChangeAspect="1"/>
+          </p:cNvPicPr>
+          <p:nvPr/>
+        </p:nvPicPr>
+        <p:blipFill>
+          <a:blip r:embed="rId2">
+            <a:extLst>
+              <a:ext uri="{28A0092B-C50C-407E-A947-70E740481C1C}">
+                <a14:useLocalDpi xmlns:a14="http://schemas.microsoft.com/office/drawing/2010/main" val="0"/>
+              </a:ext>
+            </a:extLst>
+          </a:blip>
+          <a:stretch>
+            <a:fillRect/>
+          </a:stretch>
+        </p:blipFill>
+        <p:spPr>
+          <a:xfrm>
+            <a:off x="573735" y="1690688"/>
+            <a:ext cx="1724871" cy="1724871"/>
+          </a:xfrm>
+          <a:prstGeom prst="rect">
+            <a:avLst/>
+          </a:prstGeom>
+        </p:spPr>
+      </p:pic>
+      <p:pic>
+        <p:nvPicPr>
+          <p:cNvPr id="9" name="Picture 8">
+            <a:extLst>
+              <a:ext uri="{FF2B5EF4-FFF2-40B4-BE49-F238E27FC236}">
+                <a16:creationId xmlns:a16="http://schemas.microsoft.com/office/drawing/2014/main" xmlns="" id="{94AA9EDF-BA70-4A0B-8AB1-ECAAEAD4B5C7}"/>
+              </a:ext>
+            </a:extLst>
+          </p:cNvPr>
+          <p:cNvPicPr>
+            <a:picLocks noChangeAspect="1"/>
+          </p:cNvPicPr>
+          <p:nvPr/>
+        </p:nvPicPr>
+        <p:blipFill>
+          <a:blip r:embed="rId3">
+            <a:extLst>
+              <a:ext uri="{28A0092B-C50C-407E-A947-70E740481C1C}">
+                <a14:useLocalDpi xmlns:a14="http://schemas.microsoft.com/office/drawing/2010/main" val="0"/>
+              </a:ext>
+            </a:extLst>
+          </a:blip>
+          <a:stretch>
+            <a:fillRect/>
+          </a:stretch>
+        </p:blipFill>
+        <p:spPr>
+          <a:xfrm>
+            <a:off x="2298606" y="1707192"/>
+            <a:ext cx="2910606" cy="1455303"/>
+          </a:xfrm>
+          <a:prstGeom prst="rect">
+            <a:avLst/>
+          </a:prstGeom>
+        </p:spPr>
+      </p:pic>
+      <p:pic>
+        <p:nvPicPr>
+          <p:cNvPr id="11" name="Picture 10">
+            <a:extLst>
+              <a:ext uri="{FF2B5EF4-FFF2-40B4-BE49-F238E27FC236}">
+                <a16:creationId xmlns:a16="http://schemas.microsoft.com/office/drawing/2014/main" xmlns="" id="{2E71E433-9D0F-4390-AC12-E2AD860ADFC7}"/>
+              </a:ext>
+            </a:extLst>
+          </p:cNvPr>
+          <p:cNvPicPr>
+            <a:picLocks noChangeAspect="1"/>
+          </p:cNvPicPr>
+          <p:nvPr/>
+        </p:nvPicPr>
+        <p:blipFill>
+          <a:blip r:embed="rId4">
+            <a:extLst>
+              <a:ext uri="{28A0092B-C50C-407E-A947-70E740481C1C}">
+                <a14:useLocalDpi xmlns:a14="http://schemas.microsoft.com/office/drawing/2010/main" val="0"/>
+              </a:ext>
+            </a:extLst>
+          </a:blip>
+          <a:stretch>
+            <a:fillRect/>
+          </a:stretch>
+        </p:blipFill>
+        <p:spPr>
+          <a:xfrm>
+            <a:off x="9010323" y="1467370"/>
+            <a:ext cx="2343477" cy="1190791"/>
+          </a:xfrm>
+          <a:prstGeom prst="rect">
+            <a:avLst/>
+          </a:prstGeom>
+        </p:spPr>
+      </p:pic>
+      <p:pic>
+        <p:nvPicPr>
+          <p:cNvPr id="13" name="Picture 12">
+            <a:extLst>
+              <a:ext uri="{FF2B5EF4-FFF2-40B4-BE49-F238E27FC236}">
+                <a16:creationId xmlns:a16="http://schemas.microsoft.com/office/drawing/2014/main" xmlns="" id="{C3791CBD-0778-400C-837D-CC78AA24186E}"/>
+              </a:ext>
+            </a:extLst>
+          </p:cNvPr>
+          <p:cNvPicPr>
+            <a:picLocks noChangeAspect="1"/>
+          </p:cNvPicPr>
+          <p:nvPr/>
+        </p:nvPicPr>
+        <p:blipFill>
+          <a:blip r:embed="rId5">
+            <a:extLst>
+              <a:ext uri="{28A0092B-C50C-407E-A947-70E740481C1C}">
+                <a14:useLocalDpi xmlns:a14="http://schemas.microsoft.com/office/drawing/2010/main" val="0"/>
+              </a:ext>
+            </a:extLst>
+          </a:blip>
+          <a:stretch>
+            <a:fillRect/>
+          </a:stretch>
+        </p:blipFill>
+        <p:spPr>
+          <a:xfrm>
+            <a:off x="8342206" y="4367002"/>
+            <a:ext cx="2924380" cy="1462190"/>
+          </a:xfrm>
+          <a:prstGeom prst="rect">
+            <a:avLst/>
+          </a:prstGeom>
+        </p:spPr>
+      </p:pic>
+      <p:pic>
+        <p:nvPicPr>
+          <p:cNvPr id="15" name="Picture 14">
+            <a:extLst>
+              <a:ext uri="{FF2B5EF4-FFF2-40B4-BE49-F238E27FC236}">
+                <a16:creationId xmlns:a16="http://schemas.microsoft.com/office/drawing/2014/main" xmlns="" id="{4B2923EA-DCC3-4622-84DA-117A80ECDB10}"/>
+              </a:ext>
+            </a:extLst>
+          </p:cNvPr>
+          <p:cNvPicPr>
+            <a:picLocks noChangeAspect="1"/>
+          </p:cNvPicPr>
+          <p:nvPr/>
+        </p:nvPicPr>
+        <p:blipFill>
+          <a:blip r:embed="rId6">
+            <a:extLst>
+              <a:ext uri="{28A0092B-C50C-407E-A947-70E740481C1C}">
+                <a14:useLocalDpi xmlns:a14="http://schemas.microsoft.com/office/drawing/2010/main" val="0"/>
+              </a:ext>
+            </a:extLst>
+          </a:blip>
+          <a:stretch>
+            <a:fillRect/>
+          </a:stretch>
+        </p:blipFill>
+        <p:spPr>
+          <a:xfrm>
+            <a:off x="6102921" y="5317780"/>
+            <a:ext cx="2211216" cy="1105608"/>
+          </a:xfrm>
+          <a:prstGeom prst="rect">
+            <a:avLst/>
+          </a:prstGeom>
+        </p:spPr>
+      </p:pic>
+      <p:pic>
+        <p:nvPicPr>
+          <p:cNvPr id="17" name="Picture 16">
+            <a:extLst>
+              <a:ext uri="{FF2B5EF4-FFF2-40B4-BE49-F238E27FC236}">
+                <a16:creationId xmlns:a16="http://schemas.microsoft.com/office/drawing/2014/main" xmlns="" id="{158AA7FC-D4C4-4178-9212-C4ABAE389A8B}"/>
+              </a:ext>
+            </a:extLst>
+          </p:cNvPr>
+          <p:cNvPicPr>
+            <a:picLocks noChangeAspect="1"/>
+          </p:cNvPicPr>
+          <p:nvPr/>
+        </p:nvPicPr>
+        <p:blipFill>
+          <a:blip r:embed="rId7">
+            <a:extLst>
+              <a:ext uri="{28A0092B-C50C-407E-A947-70E740481C1C}">
+                <a14:useLocalDpi xmlns:a14="http://schemas.microsoft.com/office/drawing/2010/main" val="0"/>
+              </a:ext>
+            </a:extLst>
+          </a:blip>
+          <a:stretch>
+            <a:fillRect/>
+          </a:stretch>
+        </p:blipFill>
+        <p:spPr>
+          <a:xfrm>
+            <a:off x="264172" y="4791222"/>
+            <a:ext cx="2762250" cy="1657350"/>
+          </a:xfrm>
+          <a:prstGeom prst="rect">
+            <a:avLst/>
+          </a:prstGeom>
+        </p:spPr>
+      </p:pic>
+      <p:pic>
+        <p:nvPicPr>
+          <p:cNvPr id="19" name="Picture 18">
+            <a:extLst>
+              <a:ext uri="{FF2B5EF4-FFF2-40B4-BE49-F238E27FC236}">
+                <a16:creationId xmlns:a16="http://schemas.microsoft.com/office/drawing/2014/main" xmlns="" id="{98FC5E31-7A0D-49A8-85D9-4AF3BA6C7D67}"/>
+              </a:ext>
+            </a:extLst>
+          </p:cNvPr>
+          <p:cNvPicPr>
+            <a:picLocks noChangeAspect="1"/>
+          </p:cNvPicPr>
+          <p:nvPr/>
+        </p:nvPicPr>
+        <p:blipFill>
+          <a:blip r:embed="rId8">
+            <a:extLst>
+              <a:ext uri="{28A0092B-C50C-407E-A947-70E740481C1C}">
+                <a14:useLocalDpi xmlns:a14="http://schemas.microsoft.com/office/drawing/2010/main" val="0"/>
+              </a:ext>
+            </a:extLst>
+          </a:blip>
+          <a:stretch>
+            <a:fillRect/>
+          </a:stretch>
+        </p:blipFill>
+        <p:spPr>
+          <a:xfrm>
+            <a:off x="5243793" y="2368391"/>
+            <a:ext cx="3098413" cy="1587302"/>
+          </a:xfrm>
+          <a:prstGeom prst="rect">
+            <a:avLst/>
+          </a:prstGeom>
+        </p:spPr>
+      </p:pic>
+      <p:pic>
+        <p:nvPicPr>
+          <p:cNvPr id="21" name="Picture 20">
+            <a:extLst>
+              <a:ext uri="{FF2B5EF4-FFF2-40B4-BE49-F238E27FC236}">
+                <a16:creationId xmlns:a16="http://schemas.microsoft.com/office/drawing/2014/main" xmlns="" id="{A4DAC38E-0A55-4E3B-97E7-7F23680F8E63}"/>
+              </a:ext>
+            </a:extLst>
+          </p:cNvPr>
+          <p:cNvPicPr>
+            <a:picLocks noChangeAspect="1"/>
+          </p:cNvPicPr>
+          <p:nvPr/>
+        </p:nvPicPr>
+        <p:blipFill>
+          <a:blip r:embed="rId9">
+            <a:extLst>
+              <a:ext uri="{28A0092B-C50C-407E-A947-70E740481C1C}">
+                <a14:useLocalDpi xmlns:a14="http://schemas.microsoft.com/office/drawing/2010/main" val="0"/>
+              </a:ext>
+            </a:extLst>
+          </a:blip>
+          <a:stretch>
+            <a:fillRect/>
+          </a:stretch>
+        </p:blipFill>
+        <p:spPr>
+          <a:xfrm>
+            <a:off x="3150472" y="4748891"/>
+            <a:ext cx="3174603" cy="698413"/>
+          </a:xfrm>
+          <a:prstGeom prst="rect">
+            <a:avLst/>
+          </a:prstGeom>
+        </p:spPr>
+      </p:pic>
+    </p:spTree>
+    <p:extLst>
+      <p:ext uri="{BB962C8B-B14F-4D97-AF65-F5344CB8AC3E}">
+        <p14:creationId xmlns:p14="http://schemas.microsoft.com/office/powerpoint/2010/main" val="1235345358"/>
+      </p:ext>
+    </p:extLst>
+  </p:cSld>
+  <p:clrMapOvr>
+    <a:masterClrMapping/>
+  </p:clrMapOvr>
+  <p:timing>
+    <p:tnLst>
+      <p:par>
+        <p:cTn id="1" dur="indefinite" restart="never" nodeType="tmRoot"/>
+      </p:par>
+    </p:tnLst>
+  </p:timing>
+</p:sld>
+</file>
+
+<file path=ppt/slides/slide20.xml><?xml version="1.0" encoding="utf-8"?>
 <p:sld xmlns:a="http://schemas.openxmlformats.org/drawingml/2006/main" xmlns:r="http://schemas.openxmlformats.org/officeDocument/2006/relationships" xmlns:p="http://schemas.openxmlformats.org/presentationml/2006/main">
   <p:cSld>
     <p:spTree>
@@ -21244,7 +22085,7 @@
 </p:sld>
 </file>
 
-<file path=ppt/slides/slide2.xml><?xml version="1.0" encoding="utf-8"?>
+<file path=ppt/slides/slide3.xml><?xml version="1.0" encoding="utf-8"?>
 <p:sld xmlns:a="http://schemas.openxmlformats.org/drawingml/2006/main" xmlns:r="http://schemas.openxmlformats.org/officeDocument/2006/relationships" xmlns:p="http://schemas.openxmlformats.org/presentationml/2006/main">
   <p:cSld>
     <p:bg>
@@ -21718,7 +22559,7 @@
 </p:sld>
 </file>
 
-<file path=ppt/slides/slide3.xml><?xml version="1.0" encoding="utf-8"?>
+<file path=ppt/slides/slide4.xml><?xml version="1.0" encoding="utf-8"?>
 <p:sld xmlns:a="http://schemas.openxmlformats.org/drawingml/2006/main" xmlns:r="http://schemas.openxmlformats.org/officeDocument/2006/relationships" xmlns:p="http://schemas.openxmlformats.org/presentationml/2006/main">
   <p:cSld>
     <p:spTree>
@@ -22099,7 +22940,7 @@
 </p:sld>
 </file>
 
-<file path=ppt/slides/slide4.xml><?xml version="1.0" encoding="utf-8"?>
+<file path=ppt/slides/slide5.xml><?xml version="1.0" encoding="utf-8"?>
 <p:sld xmlns:a="http://schemas.openxmlformats.org/drawingml/2006/main" xmlns:r="http://schemas.openxmlformats.org/officeDocument/2006/relationships" xmlns:p="http://schemas.openxmlformats.org/presentationml/2006/main">
   <p:cSld>
     <p:bg>
@@ -22400,7 +23241,7 @@
 </p:sld>
 </file>
 
-<file path=ppt/slides/slide5.xml><?xml version="1.0" encoding="utf-8"?>
+<file path=ppt/slides/slide6.xml><?xml version="1.0" encoding="utf-8"?>
 <p:sld xmlns:a="http://schemas.openxmlformats.org/drawingml/2006/main" xmlns:r="http://schemas.openxmlformats.org/officeDocument/2006/relationships" xmlns:p="http://schemas.openxmlformats.org/presentationml/2006/main">
   <p:cSld>
     <p:spTree>
@@ -22486,7 +23327,7 @@
 </p:sld>
 </file>
 
-<file path=ppt/slides/slide6.xml><?xml version="1.0" encoding="utf-8"?>
+<file path=ppt/slides/slide7.xml><?xml version="1.0" encoding="utf-8"?>
 <p:sld xmlns:a="http://schemas.openxmlformats.org/drawingml/2006/main" xmlns:r="http://schemas.openxmlformats.org/officeDocument/2006/relationships" xmlns:p="http://schemas.openxmlformats.org/presentationml/2006/main">
   <p:cSld>
     <p:spTree>
@@ -22570,180 +23411,6 @@
 </p:sld>
 </file>
 
-<file path=ppt/slides/slide7.xml><?xml version="1.0" encoding="utf-8"?>
-<p:sld xmlns:a="http://schemas.openxmlformats.org/drawingml/2006/main" xmlns:r="http://schemas.openxmlformats.org/officeDocument/2006/relationships" xmlns:p="http://schemas.openxmlformats.org/presentationml/2006/main">
-  <p:cSld>
-    <p:spTree>
-      <p:nvGrpSpPr>
-        <p:cNvPr id="1" name=""/>
-        <p:cNvGrpSpPr/>
-        <p:nvPr/>
-      </p:nvGrpSpPr>
-      <p:grpSpPr>
-        <a:xfrm>
-          <a:off x="0" y="0"/>
-          <a:ext cx="0" cy="0"/>
-          <a:chOff x="0" y="0"/>
-          <a:chExt cx="0" cy="0"/>
-        </a:xfrm>
-      </p:grpSpPr>
-      <p:sp>
-        <p:nvSpPr>
-          <p:cNvPr id="2" name="Title 1"/>
-          <p:cNvSpPr>
-            <a:spLocks noGrp="1"/>
-          </p:cNvSpPr>
-          <p:nvPr>
-            <p:ph type="title"/>
-          </p:nvPr>
-        </p:nvSpPr>
-        <p:spPr/>
-        <p:txBody>
-          <a:bodyPr/>
-          <a:lstStyle/>
-          <a:p>
-            <a:r>
-              <a:rPr lang="en-US" dirty="0"/>
-              <a:t>What is Client Side Rendering?</a:t>
-            </a:r>
-          </a:p>
-        </p:txBody>
-      </p:sp>
-      <p:sp>
-        <p:nvSpPr>
-          <p:cNvPr id="3" name="Content Placeholder 2"/>
-          <p:cNvSpPr>
-            <a:spLocks noGrp="1"/>
-          </p:cNvSpPr>
-          <p:nvPr>
-            <p:ph idx="1"/>
-          </p:nvPr>
-        </p:nvSpPr>
-        <p:spPr>
-          <a:xfrm>
-            <a:off x="838200" y="2043989"/>
-            <a:ext cx="10515600" cy="4351338"/>
-          </a:xfrm>
-        </p:spPr>
-        <p:txBody>
-          <a:bodyPr/>
-          <a:lstStyle/>
-          <a:p>
-            <a:pPr lvl="0"/>
-            <a:r>
-              <a:rPr lang="en-US" dirty="0">
-                <a:solidFill>
-                  <a:prstClr val="black"/>
-                </a:solidFill>
-                <a:latin typeface="Segoe UI Light" panose="020B0502040204020203" pitchFamily="34" charset="0"/>
-                <a:cs typeface="Segoe UI Light" panose="020B0502040204020203" pitchFamily="34" charset="0"/>
-              </a:rPr>
-              <a:t>An API implemented in SPClientTemplates, which is defined in clienttemplates.js</a:t>
-            </a:r>
-          </a:p>
-          <a:p>
-            <a:pPr lvl="0"/>
-            <a:r>
-              <a:rPr lang="en-US" dirty="0">
-                <a:solidFill>
-                  <a:prstClr val="black"/>
-                </a:solidFill>
-                <a:latin typeface="Segoe UI Light" panose="020B0502040204020203" pitchFamily="34" charset="0"/>
-                <a:cs typeface="Segoe UI Light" panose="020B0502040204020203" pitchFamily="34" charset="0"/>
-              </a:rPr>
-              <a:t>Override parts of the rendering by calling:</a:t>
-            </a:r>
-          </a:p>
-          <a:p>
-            <a:pPr marL="0" lvl="0" indent="0">
-              <a:buNone/>
-            </a:pPr>
-            <a:r>
-              <a:rPr lang="en-US" dirty="0">
-                <a:solidFill>
-                  <a:prstClr val="black"/>
-                </a:solidFill>
-                <a:latin typeface="Segoe UI Light" panose="020B0502040204020203" pitchFamily="34" charset="0"/>
-                <a:cs typeface="Segoe UI Light" panose="020B0502040204020203" pitchFamily="34" charset="0"/>
-              </a:rPr>
-              <a:t> </a:t>
-            </a:r>
-          </a:p>
-          <a:p>
-            <a:pPr marL="0" lvl="0" indent="0">
-              <a:buNone/>
-            </a:pPr>
-            <a:r>
-              <a:rPr lang="en-US" b="1" dirty="0">
-                <a:solidFill>
-                  <a:srgbClr val="44546A"/>
-                </a:solidFill>
-                <a:latin typeface="Segoe UI Light" panose="020B0502040204020203" pitchFamily="34" charset="0"/>
-                <a:cs typeface="Segoe UI Light" panose="020B0502040204020203" pitchFamily="34" charset="0"/>
-              </a:rPr>
-              <a:t>SPClientTemplates.TemplateManager.RegisterTemplateOverrides(obj)</a:t>
-            </a:r>
-          </a:p>
-          <a:p>
-            <a:pPr marL="0" lvl="0" indent="0">
-              <a:buNone/>
-            </a:pPr>
-            <a:endParaRPr lang="en-US" b="1" dirty="0">
-              <a:solidFill>
-                <a:srgbClr val="44546A"/>
-              </a:solidFill>
-              <a:latin typeface="Segoe UI Light" panose="020B0502040204020203" pitchFamily="34" charset="0"/>
-              <a:cs typeface="Segoe UI Light" panose="020B0502040204020203" pitchFamily="34" charset="0"/>
-            </a:endParaRPr>
-          </a:p>
-          <a:p>
-            <a:pPr lvl="0"/>
-            <a:r>
-              <a:rPr lang="en-US" dirty="0">
-                <a:solidFill>
-                  <a:prstClr val="black"/>
-                </a:solidFill>
-                <a:latin typeface="Segoe UI Light" panose="020B0502040204020203" pitchFamily="34" charset="0"/>
-                <a:cs typeface="Segoe UI Light" panose="020B0502040204020203" pitchFamily="34" charset="0"/>
-              </a:rPr>
-              <a:t>The object input to this function describes the parts of the rendering process that we would like to take over</a:t>
-            </a:r>
-          </a:p>
-          <a:p>
-            <a:pPr lvl="0"/>
-            <a:endParaRPr lang="en-US" dirty="0">
-              <a:solidFill>
-                <a:prstClr val="black"/>
-              </a:solidFill>
-              <a:latin typeface="Segoe UI Light" panose="020B0502040204020203" pitchFamily="34" charset="0"/>
-              <a:cs typeface="Segoe UI Light" panose="020B0502040204020203" pitchFamily="34" charset="0"/>
-            </a:endParaRPr>
-          </a:p>
-          <a:p>
-            <a:endParaRPr lang="en-US" dirty="0"/>
-          </a:p>
-        </p:txBody>
-      </p:sp>
-    </p:spTree>
-    <p:extLst>
-      <p:ext uri="{BB962C8B-B14F-4D97-AF65-F5344CB8AC3E}">
-        <p14:creationId xmlns:p14="http://schemas.microsoft.com/office/powerpoint/2010/main" val="3825240114"/>
-      </p:ext>
-    </p:extLst>
-  </p:cSld>
-  <p:clrMapOvr>
-    <a:masterClrMapping/>
-  </p:clrMapOvr>
-  <p:timing>
-    <p:tnLst>
-      <p:par>
-        <p:cTn id="1" dur="indefinite" restart="never" nodeType="tmRoot"/>
-      </p:par>
-    </p:tnLst>
-  </p:timing>
-</p:sld>
-</file>
-
 <file path=ppt/slides/slide8.xml><?xml version="1.0" encoding="utf-8"?>
 <p:sld xmlns:a="http://schemas.openxmlformats.org/drawingml/2006/main" xmlns:r="http://schemas.openxmlformats.org/officeDocument/2006/relationships" xmlns:p="http://schemas.openxmlformats.org/presentationml/2006/main">
   <p:cSld>
@@ -22778,7 +23445,7 @@
           <a:p>
             <a:r>
               <a:rPr lang="en-US" dirty="0"/>
-              <a:t>What can we override? (forms)</a:t>
+              <a:t>What is Client Side Rendering?</a:t>
             </a:r>
           </a:p>
         </p:txBody>
@@ -22795,676 +23462,97 @@
         </p:nvSpPr>
         <p:spPr>
           <a:xfrm>
-            <a:off x="838200" y="1825625"/>
-            <a:ext cx="10515600" cy="4950488"/>
+            <a:off x="838200" y="2043989"/>
+            <a:ext cx="10515600" cy="4351338"/>
           </a:xfrm>
         </p:spPr>
         <p:txBody>
-          <a:bodyPr>
-            <a:normAutofit/>
-          </a:bodyPr>
+          <a:bodyPr/>
           <a:lstStyle/>
           <a:p>
+            <a:pPr lvl="0"/>
+            <a:r>
+              <a:rPr lang="en-US" dirty="0">
+                <a:solidFill>
+                  <a:prstClr val="black"/>
+                </a:solidFill>
+                <a:latin typeface="Segoe UI Light" panose="020B0502040204020203" pitchFamily="34" charset="0"/>
+                <a:cs typeface="Segoe UI Light" panose="020B0502040204020203" pitchFamily="34" charset="0"/>
+              </a:rPr>
+              <a:t>An API implemented in SPClientTemplates, which is defined in clienttemplates.js</a:t>
+            </a:r>
+          </a:p>
+          <a:p>
+            <a:pPr lvl="0"/>
+            <a:r>
+              <a:rPr lang="en-US" dirty="0">
+                <a:solidFill>
+                  <a:prstClr val="black"/>
+                </a:solidFill>
+                <a:latin typeface="Segoe UI Light" panose="020B0502040204020203" pitchFamily="34" charset="0"/>
+                <a:cs typeface="Segoe UI Light" panose="020B0502040204020203" pitchFamily="34" charset="0"/>
+              </a:rPr>
+              <a:t>Override parts of the rendering by calling:</a:t>
+            </a:r>
+          </a:p>
+          <a:p>
             <a:pPr marL="0" lvl="0" indent="0">
-              <a:lnSpc>
-                <a:spcPct val="120000"/>
-              </a:lnSpc>
-              <a:spcBef>
-                <a:spcPts val="0"/>
-              </a:spcBef>
               <a:buNone/>
             </a:pPr>
             <a:r>
-              <a:rPr lang="en-US" sz="1300" dirty="0">
-                <a:solidFill>
-                  <a:srgbClr val="0000FF"/>
-                </a:solidFill>
-                <a:latin typeface="Consolas" panose="020B0609020204030204" pitchFamily="49" charset="0"/>
+              <a:rPr lang="en-US" dirty="0">
+                <a:solidFill>
+                  <a:prstClr val="black"/>
+                </a:solidFill>
+                <a:latin typeface="Segoe UI Light" panose="020B0502040204020203" pitchFamily="34" charset="0"/>
                 <a:cs typeface="Segoe UI Light" panose="020B0502040204020203" pitchFamily="34" charset="0"/>
               </a:rPr>
-              <a:t>var</a:t>
-            </a:r>
-            <a:r>
-              <a:rPr lang="en-US" sz="1300" dirty="0">
-                <a:solidFill>
-                  <a:srgbClr val="000000"/>
-                </a:solidFill>
-                <a:latin typeface="Consolas" panose="020B0609020204030204" pitchFamily="49" charset="0"/>
+              <a:t> </a:t>
+            </a:r>
+          </a:p>
+          <a:p>
+            <a:pPr marL="0" lvl="0" indent="0">
+              <a:buNone/>
+            </a:pPr>
+            <a:r>
+              <a:rPr lang="en-US" b="1" dirty="0">
+                <a:solidFill>
+                  <a:srgbClr val="44546A"/>
+                </a:solidFill>
+                <a:latin typeface="Segoe UI Light" panose="020B0502040204020203" pitchFamily="34" charset="0"/>
                 <a:cs typeface="Segoe UI Light" panose="020B0502040204020203" pitchFamily="34" charset="0"/>
               </a:rPr>
-              <a:t> overrides = {</a:t>
+              <a:t>SPClientTemplates.TemplateManager.RegisterTemplateOverrides(obj)</a:t>
             </a:r>
           </a:p>
           <a:p>
             <a:pPr marL="0" lvl="0" indent="0">
-              <a:lnSpc>
-                <a:spcPct val="120000"/>
-              </a:lnSpc>
-              <a:spcBef>
-                <a:spcPts val="0"/>
-              </a:spcBef>
               <a:buNone/>
             </a:pPr>
-            <a:r>
-              <a:rPr lang="en-US" sz="1300" dirty="0">
-                <a:solidFill>
-                  <a:srgbClr val="000000"/>
-                </a:solidFill>
-                <a:latin typeface="Consolas" panose="020B0609020204030204" pitchFamily="49" charset="0"/>
-                <a:cs typeface="Segoe UI Light" panose="020B0502040204020203" pitchFamily="34" charset="0"/>
-              </a:rPr>
-              <a:t>    OnPreRender: </a:t>
-            </a:r>
-            <a:r>
-              <a:rPr lang="en-US" sz="1300" dirty="0">
-                <a:solidFill>
-                  <a:srgbClr val="008000"/>
-                </a:solidFill>
-                <a:latin typeface="Consolas" panose="020B0609020204030204" pitchFamily="49" charset="0"/>
-                <a:cs typeface="Segoe UI Light" panose="020B0502040204020203" pitchFamily="34" charset="0"/>
-              </a:rPr>
-              <a:t>/* function or array of functions */</a:t>
-            </a:r>
-            <a:r>
-              <a:rPr lang="en-US" sz="1300" dirty="0">
-                <a:solidFill>
-                  <a:srgbClr val="000000"/>
-                </a:solidFill>
-                <a:latin typeface="Consolas" panose="020B0609020204030204" pitchFamily="49" charset="0"/>
-                <a:cs typeface="Segoe UI Light" panose="020B0502040204020203" pitchFamily="34" charset="0"/>
-              </a:rPr>
-              <a:t>,</a:t>
-            </a:r>
-          </a:p>
-          <a:p>
-            <a:pPr marL="0" lvl="0" indent="0">
-              <a:lnSpc>
-                <a:spcPct val="120000"/>
-              </a:lnSpc>
-              <a:spcBef>
-                <a:spcPts val="0"/>
-              </a:spcBef>
-              <a:buNone/>
-            </a:pPr>
-            <a:r>
-              <a:rPr lang="en-US" sz="1300" dirty="0">
-                <a:solidFill>
-                  <a:srgbClr val="000000"/>
-                </a:solidFill>
-                <a:latin typeface="Consolas" panose="020B0609020204030204" pitchFamily="49" charset="0"/>
-                <a:cs typeface="Segoe UI Light" panose="020B0502040204020203" pitchFamily="34" charset="0"/>
-              </a:rPr>
-              <a:t>    Templates: {</a:t>
-            </a:r>
-          </a:p>
-          <a:p>
-            <a:pPr marL="0" lvl="0" indent="0">
-              <a:lnSpc>
-                <a:spcPct val="120000"/>
-              </a:lnSpc>
-              <a:spcBef>
-                <a:spcPts val="0"/>
-              </a:spcBef>
-              <a:buNone/>
-            </a:pPr>
-            <a:r>
-              <a:rPr lang="en-US" sz="1300" dirty="0">
-                <a:solidFill>
-                  <a:srgbClr val="000000"/>
-                </a:solidFill>
-                <a:latin typeface="Consolas" panose="020B0609020204030204" pitchFamily="49" charset="0"/>
-                <a:cs typeface="Segoe UI Light" panose="020B0502040204020203" pitchFamily="34" charset="0"/>
-              </a:rPr>
-              <a:t>        Fields: {</a:t>
-            </a:r>
-          </a:p>
-          <a:p>
-            <a:pPr marL="0" lvl="0" indent="0">
-              <a:lnSpc>
-                <a:spcPct val="120000"/>
-              </a:lnSpc>
-              <a:spcBef>
-                <a:spcPts val="0"/>
-              </a:spcBef>
-              <a:buNone/>
-            </a:pPr>
-            <a:r>
-              <a:rPr lang="en-US" sz="1300" dirty="0">
-                <a:solidFill>
-                  <a:srgbClr val="000000"/>
-                </a:solidFill>
-                <a:latin typeface="Consolas" panose="020B0609020204030204" pitchFamily="49" charset="0"/>
-                <a:cs typeface="Segoe UI Light" panose="020B0502040204020203" pitchFamily="34" charset="0"/>
-              </a:rPr>
-              <a:t>            </a:t>
-            </a:r>
-            <a:r>
-              <a:rPr lang="en-US" sz="1300" dirty="0">
-                <a:solidFill>
-                  <a:srgbClr val="A31515"/>
-                </a:solidFill>
-                <a:latin typeface="Consolas" panose="020B0609020204030204" pitchFamily="49" charset="0"/>
-                <a:cs typeface="Segoe UI Light" panose="020B0502040204020203" pitchFamily="34" charset="0"/>
-              </a:rPr>
-              <a:t>'Field1 Internal Name'</a:t>
-            </a:r>
-            <a:r>
-              <a:rPr lang="en-US" sz="1300" dirty="0">
-                <a:solidFill>
-                  <a:srgbClr val="000000"/>
-                </a:solidFill>
-                <a:latin typeface="Consolas" panose="020B0609020204030204" pitchFamily="49" charset="0"/>
-                <a:cs typeface="Segoe UI Light" panose="020B0502040204020203" pitchFamily="34" charset="0"/>
-              </a:rPr>
-              <a:t>: {</a:t>
-            </a:r>
-          </a:p>
-          <a:p>
-            <a:pPr marL="0" lvl="0" indent="0">
-              <a:lnSpc>
-                <a:spcPct val="120000"/>
-              </a:lnSpc>
-              <a:spcBef>
-                <a:spcPts val="0"/>
-              </a:spcBef>
-              <a:buNone/>
-            </a:pPr>
-            <a:r>
-              <a:rPr lang="en-US" sz="1300" dirty="0">
-                <a:solidFill>
-                  <a:srgbClr val="000000"/>
-                </a:solidFill>
-                <a:latin typeface="Consolas" panose="020B0609020204030204" pitchFamily="49" charset="0"/>
-                <a:cs typeface="Segoe UI Light" panose="020B0502040204020203" pitchFamily="34" charset="0"/>
-              </a:rPr>
-              <a:t>                View: </a:t>
-            </a:r>
-            <a:r>
-              <a:rPr lang="en-US" sz="1300" dirty="0">
-                <a:solidFill>
-                  <a:srgbClr val="008000"/>
-                </a:solidFill>
-                <a:latin typeface="Consolas" panose="020B0609020204030204" pitchFamily="49" charset="0"/>
-                <a:cs typeface="Segoe UI Light" panose="020B0502040204020203" pitchFamily="34" charset="0"/>
-              </a:rPr>
-              <a:t>/* single function or string */</a:t>
-            </a:r>
-            <a:r>
-              <a:rPr lang="en-US" sz="1300" dirty="0">
-                <a:solidFill>
-                  <a:srgbClr val="000000"/>
-                </a:solidFill>
-                <a:latin typeface="Consolas" panose="020B0609020204030204" pitchFamily="49" charset="0"/>
-                <a:cs typeface="Segoe UI Light" panose="020B0502040204020203" pitchFamily="34" charset="0"/>
-              </a:rPr>
-              <a:t>,</a:t>
-            </a:r>
-          </a:p>
-          <a:p>
-            <a:pPr marL="0" lvl="0" indent="0">
-              <a:lnSpc>
-                <a:spcPct val="120000"/>
-              </a:lnSpc>
-              <a:spcBef>
-                <a:spcPts val="0"/>
-              </a:spcBef>
-              <a:buNone/>
-            </a:pPr>
-            <a:r>
-              <a:rPr lang="en-US" sz="1300" dirty="0">
-                <a:solidFill>
-                  <a:srgbClr val="000000"/>
-                </a:solidFill>
-                <a:latin typeface="Consolas" panose="020B0609020204030204" pitchFamily="49" charset="0"/>
-                <a:cs typeface="Segoe UI Light" panose="020B0502040204020203" pitchFamily="34" charset="0"/>
-              </a:rPr>
-              <a:t>                EditForm: </a:t>
-            </a:r>
-            <a:r>
-              <a:rPr lang="en-US" sz="1300" dirty="0">
-                <a:solidFill>
-                  <a:srgbClr val="008000"/>
-                </a:solidFill>
-                <a:latin typeface="Consolas" panose="020B0609020204030204" pitchFamily="49" charset="0"/>
-                <a:cs typeface="Segoe UI Light" panose="020B0502040204020203" pitchFamily="34" charset="0"/>
-              </a:rPr>
-              <a:t>/* single function or string */</a:t>
-            </a:r>
-            <a:r>
-              <a:rPr lang="en-US" sz="1300" dirty="0">
-                <a:solidFill>
-                  <a:srgbClr val="000000"/>
-                </a:solidFill>
-                <a:latin typeface="Consolas" panose="020B0609020204030204" pitchFamily="49" charset="0"/>
-                <a:cs typeface="Segoe UI Light" panose="020B0502040204020203" pitchFamily="34" charset="0"/>
-              </a:rPr>
-              <a:t>,</a:t>
-            </a:r>
-          </a:p>
-          <a:p>
-            <a:pPr marL="0" lvl="0" indent="0">
-              <a:lnSpc>
-                <a:spcPct val="120000"/>
-              </a:lnSpc>
-              <a:spcBef>
-                <a:spcPts val="0"/>
-              </a:spcBef>
-              <a:buNone/>
-            </a:pPr>
-            <a:r>
-              <a:rPr lang="en-US" sz="1300" dirty="0">
-                <a:solidFill>
-                  <a:srgbClr val="000000"/>
-                </a:solidFill>
-                <a:latin typeface="Consolas" panose="020B0609020204030204" pitchFamily="49" charset="0"/>
-                <a:cs typeface="Segoe UI Light" panose="020B0502040204020203" pitchFamily="34" charset="0"/>
-              </a:rPr>
-              <a:t>                DisplayForm: </a:t>
-            </a:r>
-            <a:r>
-              <a:rPr lang="en-US" sz="1300" dirty="0">
-                <a:solidFill>
-                  <a:srgbClr val="008000"/>
-                </a:solidFill>
-                <a:latin typeface="Consolas" panose="020B0609020204030204" pitchFamily="49" charset="0"/>
-                <a:cs typeface="Segoe UI Light" panose="020B0502040204020203" pitchFamily="34" charset="0"/>
-              </a:rPr>
-              <a:t>/* single function or string */</a:t>
-            </a:r>
-            <a:r>
-              <a:rPr lang="en-US" sz="1300" dirty="0">
-                <a:solidFill>
-                  <a:srgbClr val="000000"/>
-                </a:solidFill>
-                <a:latin typeface="Consolas" panose="020B0609020204030204" pitchFamily="49" charset="0"/>
-                <a:cs typeface="Segoe UI Light" panose="020B0502040204020203" pitchFamily="34" charset="0"/>
-              </a:rPr>
-              <a:t>,</a:t>
-            </a:r>
-          </a:p>
-          <a:p>
-            <a:pPr marL="0" lvl="0" indent="0">
-              <a:lnSpc>
-                <a:spcPct val="120000"/>
-              </a:lnSpc>
-              <a:spcBef>
-                <a:spcPts val="0"/>
-              </a:spcBef>
-              <a:buNone/>
-            </a:pPr>
-            <a:r>
-              <a:rPr lang="en-US" sz="1300" dirty="0">
-                <a:solidFill>
-                  <a:srgbClr val="000000"/>
-                </a:solidFill>
-                <a:latin typeface="Consolas" panose="020B0609020204030204" pitchFamily="49" charset="0"/>
-                <a:cs typeface="Segoe UI Light" panose="020B0502040204020203" pitchFamily="34" charset="0"/>
-              </a:rPr>
-              <a:t>                NewForm: </a:t>
-            </a:r>
-            <a:r>
-              <a:rPr lang="en-US" sz="1300" dirty="0">
-                <a:solidFill>
-                  <a:srgbClr val="008000"/>
-                </a:solidFill>
-                <a:latin typeface="Consolas" panose="020B0609020204030204" pitchFamily="49" charset="0"/>
-                <a:cs typeface="Segoe UI Light" panose="020B0502040204020203" pitchFamily="34" charset="0"/>
-              </a:rPr>
-              <a:t>/* single function or string */</a:t>
-            </a:r>
-            <a:endParaRPr lang="en-US" sz="1300" dirty="0">
+            <a:endParaRPr lang="en-US" b="1" dirty="0">
               <a:solidFill>
-                <a:srgbClr val="000000"/>
+                <a:srgbClr val="44546A"/>
               </a:solidFill>
-              <a:latin typeface="Consolas" panose="020B0609020204030204" pitchFamily="49" charset="0"/>
+              <a:latin typeface="Segoe UI Light" panose="020B0502040204020203" pitchFamily="34" charset="0"/>
               <a:cs typeface="Segoe UI Light" panose="020B0502040204020203" pitchFamily="34" charset="0"/>
             </a:endParaRPr>
           </a:p>
           <a:p>
-            <a:pPr marL="0" lvl="0" indent="0">
-              <a:lnSpc>
-                <a:spcPct val="120000"/>
-              </a:lnSpc>
-              <a:spcBef>
-                <a:spcPts val="0"/>
-              </a:spcBef>
-              <a:buNone/>
-            </a:pPr>
-            <a:r>
-              <a:rPr lang="en-US" sz="1300" dirty="0">
-                <a:solidFill>
-                  <a:srgbClr val="000000"/>
-                </a:solidFill>
-                <a:latin typeface="Consolas" panose="020B0609020204030204" pitchFamily="49" charset="0"/>
+            <a:pPr lvl="0"/>
+            <a:r>
+              <a:rPr lang="en-US" dirty="0">
+                <a:solidFill>
+                  <a:prstClr val="black"/>
+                </a:solidFill>
+                <a:latin typeface="Segoe UI Light" panose="020B0502040204020203" pitchFamily="34" charset="0"/>
                 <a:cs typeface="Segoe UI Light" panose="020B0502040204020203" pitchFamily="34" charset="0"/>
               </a:rPr>
-              <a:t>            },</a:t>
-            </a:r>
-          </a:p>
-          <a:p>
-            <a:pPr marL="0" lvl="0" indent="0">
-              <a:lnSpc>
-                <a:spcPct val="120000"/>
-              </a:lnSpc>
-              <a:spcBef>
-                <a:spcPts val="0"/>
-              </a:spcBef>
-              <a:buNone/>
-            </a:pPr>
-            <a:r>
-              <a:rPr lang="en-US" sz="1300" dirty="0">
-                <a:solidFill>
-                  <a:srgbClr val="000000"/>
-                </a:solidFill>
-                <a:latin typeface="Consolas" panose="020B0609020204030204" pitchFamily="49" charset="0"/>
-                <a:cs typeface="Segoe UI Light" panose="020B0502040204020203" pitchFamily="34" charset="0"/>
-              </a:rPr>
-              <a:t>            </a:t>
-            </a:r>
-            <a:r>
-              <a:rPr lang="en-US" sz="1300" dirty="0">
-                <a:solidFill>
-                  <a:srgbClr val="A31515"/>
-                </a:solidFill>
-                <a:latin typeface="Consolas" panose="020B0609020204030204" pitchFamily="49" charset="0"/>
-                <a:cs typeface="Segoe UI Light" panose="020B0502040204020203" pitchFamily="34" charset="0"/>
-              </a:rPr>
-              <a:t>'Field2 Internal Name'</a:t>
-            </a:r>
-            <a:r>
-              <a:rPr lang="en-US" sz="1300" dirty="0">
-                <a:solidFill>
-                  <a:srgbClr val="000000"/>
-                </a:solidFill>
-                <a:latin typeface="Consolas" panose="020B0609020204030204" pitchFamily="49" charset="0"/>
-                <a:cs typeface="Segoe UI Light" panose="020B0502040204020203" pitchFamily="34" charset="0"/>
-              </a:rPr>
-              <a:t>: {</a:t>
-            </a:r>
-          </a:p>
-          <a:p>
-            <a:pPr marL="0" lvl="0" indent="0">
-              <a:lnSpc>
-                <a:spcPct val="120000"/>
-              </a:lnSpc>
-              <a:spcBef>
-                <a:spcPts val="0"/>
-              </a:spcBef>
-              <a:buNone/>
-            </a:pPr>
-            <a:r>
-              <a:rPr lang="en-US" sz="1300" dirty="0">
-                <a:solidFill>
-                  <a:srgbClr val="000000"/>
-                </a:solidFill>
-                <a:latin typeface="Consolas" panose="020B0609020204030204" pitchFamily="49" charset="0"/>
-                <a:cs typeface="Segoe UI Light" panose="020B0502040204020203" pitchFamily="34" charset="0"/>
-              </a:rPr>
-              <a:t>                View: </a:t>
-            </a:r>
-            <a:r>
-              <a:rPr lang="en-US" sz="1300" dirty="0">
-                <a:solidFill>
-                  <a:srgbClr val="008000"/>
-                </a:solidFill>
-                <a:latin typeface="Consolas" panose="020B0609020204030204" pitchFamily="49" charset="0"/>
-                <a:cs typeface="Segoe UI Light" panose="020B0502040204020203" pitchFamily="34" charset="0"/>
-              </a:rPr>
-              <a:t>/* single function or string */</a:t>
-            </a:r>
-            <a:r>
-              <a:rPr lang="en-US" sz="1300" dirty="0">
-                <a:solidFill>
-                  <a:srgbClr val="000000"/>
-                </a:solidFill>
-                <a:latin typeface="Consolas" panose="020B0609020204030204" pitchFamily="49" charset="0"/>
-                <a:cs typeface="Segoe UI Light" panose="020B0502040204020203" pitchFamily="34" charset="0"/>
-              </a:rPr>
-              <a:t>,</a:t>
-            </a:r>
-          </a:p>
-          <a:p>
-            <a:pPr marL="0" lvl="0" indent="0">
-              <a:lnSpc>
-                <a:spcPct val="120000"/>
-              </a:lnSpc>
-              <a:spcBef>
-                <a:spcPts val="0"/>
-              </a:spcBef>
-              <a:buNone/>
-            </a:pPr>
-            <a:r>
-              <a:rPr lang="en-US" sz="1300" dirty="0">
-                <a:solidFill>
-                  <a:srgbClr val="000000"/>
-                </a:solidFill>
-                <a:latin typeface="Consolas" panose="020B0609020204030204" pitchFamily="49" charset="0"/>
-                <a:cs typeface="Segoe UI Light" panose="020B0502040204020203" pitchFamily="34" charset="0"/>
-              </a:rPr>
-              <a:t>                EditForm: </a:t>
-            </a:r>
-            <a:r>
-              <a:rPr lang="en-US" sz="1300" dirty="0">
-                <a:solidFill>
-                  <a:srgbClr val="008000"/>
-                </a:solidFill>
-                <a:latin typeface="Consolas" panose="020B0609020204030204" pitchFamily="49" charset="0"/>
-                <a:cs typeface="Segoe UI Light" panose="020B0502040204020203" pitchFamily="34" charset="0"/>
-              </a:rPr>
-              <a:t>/* single function or string */</a:t>
-            </a:r>
-            <a:r>
-              <a:rPr lang="en-US" sz="1300" dirty="0">
-                <a:solidFill>
-                  <a:srgbClr val="000000"/>
-                </a:solidFill>
-                <a:latin typeface="Consolas" panose="020B0609020204030204" pitchFamily="49" charset="0"/>
-                <a:cs typeface="Segoe UI Light" panose="020B0502040204020203" pitchFamily="34" charset="0"/>
-              </a:rPr>
-              <a:t>,</a:t>
-            </a:r>
-          </a:p>
-          <a:p>
-            <a:pPr marL="0" lvl="0" indent="0">
-              <a:lnSpc>
-                <a:spcPct val="120000"/>
-              </a:lnSpc>
-              <a:spcBef>
-                <a:spcPts val="0"/>
-              </a:spcBef>
-              <a:buNone/>
-            </a:pPr>
-            <a:r>
-              <a:rPr lang="en-US" sz="1300" dirty="0">
-                <a:solidFill>
-                  <a:srgbClr val="000000"/>
-                </a:solidFill>
-                <a:latin typeface="Consolas" panose="020B0609020204030204" pitchFamily="49" charset="0"/>
-                <a:cs typeface="Segoe UI Light" panose="020B0502040204020203" pitchFamily="34" charset="0"/>
-              </a:rPr>
-              <a:t>                DisplayForm: </a:t>
-            </a:r>
-            <a:r>
-              <a:rPr lang="en-US" sz="1300" dirty="0">
-                <a:solidFill>
-                  <a:srgbClr val="008000"/>
-                </a:solidFill>
-                <a:latin typeface="Consolas" panose="020B0609020204030204" pitchFamily="49" charset="0"/>
-                <a:cs typeface="Segoe UI Light" panose="020B0502040204020203" pitchFamily="34" charset="0"/>
-              </a:rPr>
-              <a:t>/* single function or string */</a:t>
-            </a:r>
-            <a:r>
-              <a:rPr lang="en-US" sz="1300" dirty="0">
-                <a:solidFill>
-                  <a:srgbClr val="000000"/>
-                </a:solidFill>
-                <a:latin typeface="Consolas" panose="020B0609020204030204" pitchFamily="49" charset="0"/>
-                <a:cs typeface="Segoe UI Light" panose="020B0502040204020203" pitchFamily="34" charset="0"/>
-              </a:rPr>
-              <a:t>,</a:t>
-            </a:r>
-          </a:p>
-          <a:p>
-            <a:pPr marL="0" lvl="0" indent="0">
-              <a:lnSpc>
-                <a:spcPct val="120000"/>
-              </a:lnSpc>
-              <a:spcBef>
-                <a:spcPts val="0"/>
-              </a:spcBef>
-              <a:buNone/>
-            </a:pPr>
-            <a:r>
-              <a:rPr lang="en-US" sz="1300" dirty="0">
-                <a:solidFill>
-                  <a:srgbClr val="000000"/>
-                </a:solidFill>
-                <a:latin typeface="Consolas" panose="020B0609020204030204" pitchFamily="49" charset="0"/>
-                <a:cs typeface="Segoe UI Light" panose="020B0502040204020203" pitchFamily="34" charset="0"/>
-              </a:rPr>
-              <a:t>                NewForm: </a:t>
-            </a:r>
-            <a:r>
-              <a:rPr lang="en-US" sz="1300" dirty="0">
-                <a:solidFill>
-                  <a:srgbClr val="008000"/>
-                </a:solidFill>
-                <a:latin typeface="Consolas" panose="020B0609020204030204" pitchFamily="49" charset="0"/>
-                <a:cs typeface="Segoe UI Light" panose="020B0502040204020203" pitchFamily="34" charset="0"/>
-              </a:rPr>
-              <a:t>/* single function or string */</a:t>
-            </a:r>
-            <a:endParaRPr lang="en-US" sz="1300" dirty="0">
-              <a:solidFill>
-                <a:srgbClr val="000000"/>
-              </a:solidFill>
-              <a:latin typeface="Consolas" panose="020B0609020204030204" pitchFamily="49" charset="0"/>
-              <a:cs typeface="Segoe UI Light" panose="020B0502040204020203" pitchFamily="34" charset="0"/>
-            </a:endParaRPr>
-          </a:p>
-          <a:p>
-            <a:pPr marL="0" lvl="0" indent="0">
-              <a:lnSpc>
-                <a:spcPct val="120000"/>
-              </a:lnSpc>
-              <a:spcBef>
-                <a:spcPts val="0"/>
-              </a:spcBef>
-              <a:buNone/>
-            </a:pPr>
-            <a:r>
-              <a:rPr lang="en-US" sz="1300" dirty="0">
-                <a:solidFill>
-                  <a:srgbClr val="000000"/>
-                </a:solidFill>
-                <a:latin typeface="Consolas" panose="020B0609020204030204" pitchFamily="49" charset="0"/>
-                <a:cs typeface="Segoe UI Light" panose="020B0502040204020203" pitchFamily="34" charset="0"/>
-              </a:rPr>
-              <a:t>            },</a:t>
-            </a:r>
-          </a:p>
-          <a:p>
-            <a:pPr marL="0" lvl="0" indent="0">
-              <a:lnSpc>
-                <a:spcPct val="120000"/>
-              </a:lnSpc>
-              <a:spcBef>
-                <a:spcPts val="0"/>
-              </a:spcBef>
-              <a:buNone/>
-            </a:pPr>
-            <a:r>
-              <a:rPr lang="en-US" sz="1300" dirty="0">
-                <a:solidFill>
-                  <a:srgbClr val="000000"/>
-                </a:solidFill>
-                <a:latin typeface="Consolas" panose="020B0609020204030204" pitchFamily="49" charset="0"/>
-                <a:cs typeface="Segoe UI Light" panose="020B0502040204020203" pitchFamily="34" charset="0"/>
-              </a:rPr>
-              <a:t>        },</a:t>
-            </a:r>
-          </a:p>
-          <a:p>
-            <a:pPr marL="0" lvl="0" indent="0">
-              <a:lnSpc>
-                <a:spcPct val="120000"/>
-              </a:lnSpc>
-              <a:spcBef>
-                <a:spcPts val="0"/>
-              </a:spcBef>
-              <a:buNone/>
-            </a:pPr>
-            <a:r>
-              <a:rPr lang="en-US" sz="1300" dirty="0">
-                <a:solidFill>
-                  <a:srgbClr val="000000"/>
-                </a:solidFill>
-                <a:latin typeface="Consolas" panose="020B0609020204030204" pitchFamily="49" charset="0"/>
-                <a:cs typeface="Segoe UI Light" panose="020B0502040204020203" pitchFamily="34" charset="0"/>
-              </a:rPr>
-              <a:t>    },</a:t>
-            </a:r>
-          </a:p>
-          <a:p>
-            <a:pPr marL="0" lvl="0" indent="0">
-              <a:lnSpc>
-                <a:spcPct val="120000"/>
-              </a:lnSpc>
-              <a:spcBef>
-                <a:spcPts val="0"/>
-              </a:spcBef>
-              <a:buNone/>
-            </a:pPr>
-            <a:r>
-              <a:rPr lang="en-US" sz="1300" dirty="0">
-                <a:solidFill>
-                  <a:srgbClr val="000000"/>
-                </a:solidFill>
-                <a:latin typeface="Consolas" panose="020B0609020204030204" pitchFamily="49" charset="0"/>
-                <a:cs typeface="Segoe UI Light" panose="020B0502040204020203" pitchFamily="34" charset="0"/>
-              </a:rPr>
-              <a:t>    OnPostRender: </a:t>
-            </a:r>
-            <a:r>
-              <a:rPr lang="en-US" sz="1300" dirty="0">
-                <a:solidFill>
-                  <a:srgbClr val="008000"/>
-                </a:solidFill>
-                <a:latin typeface="Consolas" panose="020B0609020204030204" pitchFamily="49" charset="0"/>
-                <a:cs typeface="Segoe UI Light" panose="020B0502040204020203" pitchFamily="34" charset="0"/>
-              </a:rPr>
-              <a:t>/* function or array of functions */</a:t>
-            </a:r>
-            <a:endParaRPr lang="en-US" sz="1300" dirty="0">
-              <a:solidFill>
-                <a:srgbClr val="000000"/>
-              </a:solidFill>
-              <a:latin typeface="Consolas" panose="020B0609020204030204" pitchFamily="49" charset="0"/>
-              <a:cs typeface="Segoe UI Light" panose="020B0502040204020203" pitchFamily="34" charset="0"/>
-            </a:endParaRPr>
-          </a:p>
-          <a:p>
-            <a:pPr marL="0" lvl="0" indent="0">
-              <a:lnSpc>
-                <a:spcPct val="120000"/>
-              </a:lnSpc>
-              <a:spcBef>
-                <a:spcPts val="0"/>
-              </a:spcBef>
-              <a:buNone/>
-            </a:pPr>
-            <a:r>
-              <a:rPr lang="en-US" sz="1300" dirty="0">
-                <a:solidFill>
-                  <a:srgbClr val="000000"/>
-                </a:solidFill>
-                <a:latin typeface="Consolas" panose="020B0609020204030204" pitchFamily="49" charset="0"/>
-                <a:cs typeface="Segoe UI Light" panose="020B0502040204020203" pitchFamily="34" charset="0"/>
-              </a:rPr>
-              <a:t>};</a:t>
-            </a:r>
-            <a:endParaRPr lang="en-US" sz="1300" dirty="0">
+              <a:t>The object input to this function describes the parts of the rendering process that we would like to take over</a:t>
+            </a:r>
+          </a:p>
+          <a:p>
+            <a:pPr lvl="0"/>
+            <a:endParaRPr lang="en-US" dirty="0">
               <a:solidFill>
                 <a:prstClr val="black"/>
               </a:solidFill>
@@ -23480,7 +23568,7 @@
     </p:spTree>
     <p:extLst>
       <p:ext uri="{BB962C8B-B14F-4D97-AF65-F5344CB8AC3E}">
-        <p14:creationId xmlns:p14="http://schemas.microsoft.com/office/powerpoint/2010/main" val="3172607446"/>
+        <p14:creationId xmlns:p14="http://schemas.microsoft.com/office/powerpoint/2010/main" val="3825240114"/>
       </p:ext>
     </p:extLst>
   </p:cSld>
@@ -23531,7 +23619,7 @@
           <a:p>
             <a:r>
               <a:rPr lang="en-US" dirty="0"/>
-              <a:t>Demo #1 – CSR Spy</a:t>
+              <a:t>What can we override? (forms)</a:t>
             </a:r>
           </a:p>
         </p:txBody>
@@ -23548,8 +23636,8 @@
         </p:nvSpPr>
         <p:spPr>
           <a:xfrm>
-            <a:off x="838200" y="2506662"/>
-            <a:ext cx="10515600" cy="4351338"/>
+            <a:off x="838200" y="1825625"/>
+            <a:ext cx="10515600" cy="4950488"/>
           </a:xfrm>
         </p:spPr>
         <p:txBody>
@@ -23558,67 +23646,666 @@
           </a:bodyPr>
           <a:lstStyle/>
           <a:p>
-            <a:pPr lvl="0"/>
-            <a:r>
-              <a:rPr lang="en-US" sz="3600" dirty="0">
-                <a:solidFill>
-                  <a:prstClr val="black"/>
-                </a:solidFill>
-                <a:latin typeface="Segoe UI Light" panose="020B0502040204020203" pitchFamily="34" charset="0"/>
+            <a:pPr marL="0" lvl="0" indent="0">
+              <a:lnSpc>
+                <a:spcPct val="120000"/>
+              </a:lnSpc>
+              <a:spcBef>
+                <a:spcPts val="0"/>
+              </a:spcBef>
+              <a:buNone/>
+            </a:pPr>
+            <a:r>
+              <a:rPr lang="en-US" sz="1300" dirty="0">
+                <a:solidFill>
+                  <a:srgbClr val="0000FF"/>
+                </a:solidFill>
+                <a:latin typeface="Consolas" panose="020B0609020204030204" pitchFamily="49" charset="0"/>
                 <a:cs typeface="Segoe UI Light" panose="020B0502040204020203" pitchFamily="34" charset="0"/>
               </a:rPr>
-              <a:t>Show the basic structure of CSR for a field</a:t>
-            </a:r>
-          </a:p>
-          <a:p>
-            <a:pPr lvl="0"/>
-            <a:r>
-              <a:rPr lang="en-US" sz="3600" dirty="0">
-                <a:solidFill>
-                  <a:prstClr val="black"/>
-                </a:solidFill>
-                <a:latin typeface="Segoe UI Light" panose="020B0502040204020203" pitchFamily="34" charset="0"/>
+              <a:t>var</a:t>
+            </a:r>
+            <a:r>
+              <a:rPr lang="en-US" sz="1300" dirty="0">
+                <a:solidFill>
+                  <a:srgbClr val="000000"/>
+                </a:solidFill>
+                <a:latin typeface="Consolas" panose="020B0609020204030204" pitchFamily="49" charset="0"/>
                 <a:cs typeface="Segoe UI Light" panose="020B0502040204020203" pitchFamily="34" charset="0"/>
               </a:rPr>
-              <a:t>Briefly look at form context</a:t>
-            </a:r>
-          </a:p>
-          <a:p>
-            <a:pPr lvl="0"/>
-            <a:r>
-              <a:rPr lang="en-US" sz="3600" dirty="0">
-                <a:solidFill>
-                  <a:prstClr val="black"/>
-                </a:solidFill>
-                <a:latin typeface="Segoe UI Light" panose="020B0502040204020203" pitchFamily="34" charset="0"/>
+              <a:t> overrides = {</a:t>
+            </a:r>
+          </a:p>
+          <a:p>
+            <a:pPr marL="0" lvl="0" indent="0">
+              <a:lnSpc>
+                <a:spcPct val="120000"/>
+              </a:lnSpc>
+              <a:spcBef>
+                <a:spcPts val="0"/>
+              </a:spcBef>
+              <a:buNone/>
+            </a:pPr>
+            <a:r>
+              <a:rPr lang="en-US" sz="1300" dirty="0">
+                <a:solidFill>
+                  <a:srgbClr val="000000"/>
+                </a:solidFill>
+                <a:latin typeface="Consolas" panose="020B0609020204030204" pitchFamily="49" charset="0"/>
                 <a:cs typeface="Segoe UI Light" panose="020B0502040204020203" pitchFamily="34" charset="0"/>
               </a:rPr>
-              <a:t>Show how to look at some OOB rendering to see how MS does it</a:t>
-            </a:r>
-          </a:p>
-          <a:p>
-            <a:pPr lvl="0"/>
-            <a:r>
-              <a:rPr lang="en-US" sz="3600" dirty="0">
-                <a:solidFill>
-                  <a:prstClr val="black"/>
-                </a:solidFill>
-                <a:latin typeface="Segoe UI Light" panose="020B0502040204020203" pitchFamily="34" charset="0"/>
+              <a:t>    OnPreRender: </a:t>
+            </a:r>
+            <a:r>
+              <a:rPr lang="en-US" sz="1300" dirty="0">
+                <a:solidFill>
+                  <a:srgbClr val="008000"/>
+                </a:solidFill>
+                <a:latin typeface="Consolas" panose="020B0609020204030204" pitchFamily="49" charset="0"/>
                 <a:cs typeface="Segoe UI Light" panose="020B0502040204020203" pitchFamily="34" charset="0"/>
               </a:rPr>
-              <a:t>window[ctx.FormUniqueId + "FormCtx"].</a:t>
-            </a:r>
-            <a:r>
-              <a:rPr lang="en-US" sz="3600" dirty="0" smtClean="0">
-                <a:solidFill>
-                  <a:prstClr val="black"/>
-                </a:solidFill>
-                <a:latin typeface="Segoe UI Light" panose="020B0502040204020203" pitchFamily="34" charset="0"/>
+              <a:t>/* function or array of functions */</a:t>
+            </a:r>
+            <a:r>
+              <a:rPr lang="en-US" sz="1300" dirty="0">
+                <a:solidFill>
+                  <a:srgbClr val="000000"/>
+                </a:solidFill>
+                <a:latin typeface="Consolas" panose="020B0609020204030204" pitchFamily="49" charset="0"/>
                 <a:cs typeface="Segoe UI Light" panose="020B0502040204020203" pitchFamily="34" charset="0"/>
               </a:rPr>
-              <a:t>ListSchema</a:t>
-            </a:r>
-            <a:endParaRPr lang="en-US" sz="3600" dirty="0">
+              <a:t>,</a:t>
+            </a:r>
+          </a:p>
+          <a:p>
+            <a:pPr marL="0" lvl="0" indent="0">
+              <a:lnSpc>
+                <a:spcPct val="120000"/>
+              </a:lnSpc>
+              <a:spcBef>
+                <a:spcPts val="0"/>
+              </a:spcBef>
+              <a:buNone/>
+            </a:pPr>
+            <a:r>
+              <a:rPr lang="en-US" sz="1300" dirty="0">
+                <a:solidFill>
+                  <a:srgbClr val="000000"/>
+                </a:solidFill>
+                <a:latin typeface="Consolas" panose="020B0609020204030204" pitchFamily="49" charset="0"/>
+                <a:cs typeface="Segoe UI Light" panose="020B0502040204020203" pitchFamily="34" charset="0"/>
+              </a:rPr>
+              <a:t>    Templates: {</a:t>
+            </a:r>
+          </a:p>
+          <a:p>
+            <a:pPr marL="0" lvl="0" indent="0">
+              <a:lnSpc>
+                <a:spcPct val="120000"/>
+              </a:lnSpc>
+              <a:spcBef>
+                <a:spcPts val="0"/>
+              </a:spcBef>
+              <a:buNone/>
+            </a:pPr>
+            <a:r>
+              <a:rPr lang="en-US" sz="1300" dirty="0">
+                <a:solidFill>
+                  <a:srgbClr val="000000"/>
+                </a:solidFill>
+                <a:latin typeface="Consolas" panose="020B0609020204030204" pitchFamily="49" charset="0"/>
+                <a:cs typeface="Segoe UI Light" panose="020B0502040204020203" pitchFamily="34" charset="0"/>
+              </a:rPr>
+              <a:t>        Fields: {</a:t>
+            </a:r>
+          </a:p>
+          <a:p>
+            <a:pPr marL="0" lvl="0" indent="0">
+              <a:lnSpc>
+                <a:spcPct val="120000"/>
+              </a:lnSpc>
+              <a:spcBef>
+                <a:spcPts val="0"/>
+              </a:spcBef>
+              <a:buNone/>
+            </a:pPr>
+            <a:r>
+              <a:rPr lang="en-US" sz="1300" dirty="0">
+                <a:solidFill>
+                  <a:srgbClr val="000000"/>
+                </a:solidFill>
+                <a:latin typeface="Consolas" panose="020B0609020204030204" pitchFamily="49" charset="0"/>
+                <a:cs typeface="Segoe UI Light" panose="020B0502040204020203" pitchFamily="34" charset="0"/>
+              </a:rPr>
+              <a:t>            </a:t>
+            </a:r>
+            <a:r>
+              <a:rPr lang="en-US" sz="1300" dirty="0">
+                <a:solidFill>
+                  <a:srgbClr val="A31515"/>
+                </a:solidFill>
+                <a:latin typeface="Consolas" panose="020B0609020204030204" pitchFamily="49" charset="0"/>
+                <a:cs typeface="Segoe UI Light" panose="020B0502040204020203" pitchFamily="34" charset="0"/>
+              </a:rPr>
+              <a:t>'Field1 Internal Name'</a:t>
+            </a:r>
+            <a:r>
+              <a:rPr lang="en-US" sz="1300" dirty="0">
+                <a:solidFill>
+                  <a:srgbClr val="000000"/>
+                </a:solidFill>
+                <a:latin typeface="Consolas" panose="020B0609020204030204" pitchFamily="49" charset="0"/>
+                <a:cs typeface="Segoe UI Light" panose="020B0502040204020203" pitchFamily="34" charset="0"/>
+              </a:rPr>
+              <a:t>: {</a:t>
+            </a:r>
+          </a:p>
+          <a:p>
+            <a:pPr marL="0" lvl="0" indent="0">
+              <a:lnSpc>
+                <a:spcPct val="120000"/>
+              </a:lnSpc>
+              <a:spcBef>
+                <a:spcPts val="0"/>
+              </a:spcBef>
+              <a:buNone/>
+            </a:pPr>
+            <a:r>
+              <a:rPr lang="en-US" sz="1300" dirty="0">
+                <a:solidFill>
+                  <a:srgbClr val="000000"/>
+                </a:solidFill>
+                <a:latin typeface="Consolas" panose="020B0609020204030204" pitchFamily="49" charset="0"/>
+                <a:cs typeface="Segoe UI Light" panose="020B0502040204020203" pitchFamily="34" charset="0"/>
+              </a:rPr>
+              <a:t>                View: </a:t>
+            </a:r>
+            <a:r>
+              <a:rPr lang="en-US" sz="1300" dirty="0">
+                <a:solidFill>
+                  <a:srgbClr val="008000"/>
+                </a:solidFill>
+                <a:latin typeface="Consolas" panose="020B0609020204030204" pitchFamily="49" charset="0"/>
+                <a:cs typeface="Segoe UI Light" panose="020B0502040204020203" pitchFamily="34" charset="0"/>
+              </a:rPr>
+              <a:t>/* single function or string */</a:t>
+            </a:r>
+            <a:r>
+              <a:rPr lang="en-US" sz="1300" dirty="0">
+                <a:solidFill>
+                  <a:srgbClr val="000000"/>
+                </a:solidFill>
+                <a:latin typeface="Consolas" panose="020B0609020204030204" pitchFamily="49" charset="0"/>
+                <a:cs typeface="Segoe UI Light" panose="020B0502040204020203" pitchFamily="34" charset="0"/>
+              </a:rPr>
+              <a:t>,</a:t>
+            </a:r>
+          </a:p>
+          <a:p>
+            <a:pPr marL="0" lvl="0" indent="0">
+              <a:lnSpc>
+                <a:spcPct val="120000"/>
+              </a:lnSpc>
+              <a:spcBef>
+                <a:spcPts val="0"/>
+              </a:spcBef>
+              <a:buNone/>
+            </a:pPr>
+            <a:r>
+              <a:rPr lang="en-US" sz="1300" dirty="0">
+                <a:solidFill>
+                  <a:srgbClr val="000000"/>
+                </a:solidFill>
+                <a:latin typeface="Consolas" panose="020B0609020204030204" pitchFamily="49" charset="0"/>
+                <a:cs typeface="Segoe UI Light" panose="020B0502040204020203" pitchFamily="34" charset="0"/>
+              </a:rPr>
+              <a:t>                EditForm: </a:t>
+            </a:r>
+            <a:r>
+              <a:rPr lang="en-US" sz="1300" dirty="0">
+                <a:solidFill>
+                  <a:srgbClr val="008000"/>
+                </a:solidFill>
+                <a:latin typeface="Consolas" panose="020B0609020204030204" pitchFamily="49" charset="0"/>
+                <a:cs typeface="Segoe UI Light" panose="020B0502040204020203" pitchFamily="34" charset="0"/>
+              </a:rPr>
+              <a:t>/* single function or string */</a:t>
+            </a:r>
+            <a:r>
+              <a:rPr lang="en-US" sz="1300" dirty="0">
+                <a:solidFill>
+                  <a:srgbClr val="000000"/>
+                </a:solidFill>
+                <a:latin typeface="Consolas" panose="020B0609020204030204" pitchFamily="49" charset="0"/>
+                <a:cs typeface="Segoe UI Light" panose="020B0502040204020203" pitchFamily="34" charset="0"/>
+              </a:rPr>
+              <a:t>,</a:t>
+            </a:r>
+          </a:p>
+          <a:p>
+            <a:pPr marL="0" lvl="0" indent="0">
+              <a:lnSpc>
+                <a:spcPct val="120000"/>
+              </a:lnSpc>
+              <a:spcBef>
+                <a:spcPts val="0"/>
+              </a:spcBef>
+              <a:buNone/>
+            </a:pPr>
+            <a:r>
+              <a:rPr lang="en-US" sz="1300" dirty="0">
+                <a:solidFill>
+                  <a:srgbClr val="000000"/>
+                </a:solidFill>
+                <a:latin typeface="Consolas" panose="020B0609020204030204" pitchFamily="49" charset="0"/>
+                <a:cs typeface="Segoe UI Light" panose="020B0502040204020203" pitchFamily="34" charset="0"/>
+              </a:rPr>
+              <a:t>                DisplayForm: </a:t>
+            </a:r>
+            <a:r>
+              <a:rPr lang="en-US" sz="1300" dirty="0">
+                <a:solidFill>
+                  <a:srgbClr val="008000"/>
+                </a:solidFill>
+                <a:latin typeface="Consolas" panose="020B0609020204030204" pitchFamily="49" charset="0"/>
+                <a:cs typeface="Segoe UI Light" panose="020B0502040204020203" pitchFamily="34" charset="0"/>
+              </a:rPr>
+              <a:t>/* single function or string */</a:t>
+            </a:r>
+            <a:r>
+              <a:rPr lang="en-US" sz="1300" dirty="0">
+                <a:solidFill>
+                  <a:srgbClr val="000000"/>
+                </a:solidFill>
+                <a:latin typeface="Consolas" panose="020B0609020204030204" pitchFamily="49" charset="0"/>
+                <a:cs typeface="Segoe UI Light" panose="020B0502040204020203" pitchFamily="34" charset="0"/>
+              </a:rPr>
+              <a:t>,</a:t>
+            </a:r>
+          </a:p>
+          <a:p>
+            <a:pPr marL="0" lvl="0" indent="0">
+              <a:lnSpc>
+                <a:spcPct val="120000"/>
+              </a:lnSpc>
+              <a:spcBef>
+                <a:spcPts val="0"/>
+              </a:spcBef>
+              <a:buNone/>
+            </a:pPr>
+            <a:r>
+              <a:rPr lang="en-US" sz="1300" dirty="0">
+                <a:solidFill>
+                  <a:srgbClr val="000000"/>
+                </a:solidFill>
+                <a:latin typeface="Consolas" panose="020B0609020204030204" pitchFamily="49" charset="0"/>
+                <a:cs typeface="Segoe UI Light" panose="020B0502040204020203" pitchFamily="34" charset="0"/>
+              </a:rPr>
+              <a:t>                NewForm: </a:t>
+            </a:r>
+            <a:r>
+              <a:rPr lang="en-US" sz="1300" dirty="0">
+                <a:solidFill>
+                  <a:srgbClr val="008000"/>
+                </a:solidFill>
+                <a:latin typeface="Consolas" panose="020B0609020204030204" pitchFamily="49" charset="0"/>
+                <a:cs typeface="Segoe UI Light" panose="020B0502040204020203" pitchFamily="34" charset="0"/>
+              </a:rPr>
+              <a:t>/* single function or string */</a:t>
+            </a:r>
+            <a:endParaRPr lang="en-US" sz="1300" dirty="0">
+              <a:solidFill>
+                <a:srgbClr val="000000"/>
+              </a:solidFill>
+              <a:latin typeface="Consolas" panose="020B0609020204030204" pitchFamily="49" charset="0"/>
+              <a:cs typeface="Segoe UI Light" panose="020B0502040204020203" pitchFamily="34" charset="0"/>
+            </a:endParaRPr>
+          </a:p>
+          <a:p>
+            <a:pPr marL="0" lvl="0" indent="0">
+              <a:lnSpc>
+                <a:spcPct val="120000"/>
+              </a:lnSpc>
+              <a:spcBef>
+                <a:spcPts val="0"/>
+              </a:spcBef>
+              <a:buNone/>
+            </a:pPr>
+            <a:r>
+              <a:rPr lang="en-US" sz="1300" dirty="0">
+                <a:solidFill>
+                  <a:srgbClr val="000000"/>
+                </a:solidFill>
+                <a:latin typeface="Consolas" panose="020B0609020204030204" pitchFamily="49" charset="0"/>
+                <a:cs typeface="Segoe UI Light" panose="020B0502040204020203" pitchFamily="34" charset="0"/>
+              </a:rPr>
+              <a:t>            },</a:t>
+            </a:r>
+          </a:p>
+          <a:p>
+            <a:pPr marL="0" lvl="0" indent="0">
+              <a:lnSpc>
+                <a:spcPct val="120000"/>
+              </a:lnSpc>
+              <a:spcBef>
+                <a:spcPts val="0"/>
+              </a:spcBef>
+              <a:buNone/>
+            </a:pPr>
+            <a:r>
+              <a:rPr lang="en-US" sz="1300" dirty="0">
+                <a:solidFill>
+                  <a:srgbClr val="000000"/>
+                </a:solidFill>
+                <a:latin typeface="Consolas" panose="020B0609020204030204" pitchFamily="49" charset="0"/>
+                <a:cs typeface="Segoe UI Light" panose="020B0502040204020203" pitchFamily="34" charset="0"/>
+              </a:rPr>
+              <a:t>            </a:t>
+            </a:r>
+            <a:r>
+              <a:rPr lang="en-US" sz="1300" dirty="0">
+                <a:solidFill>
+                  <a:srgbClr val="A31515"/>
+                </a:solidFill>
+                <a:latin typeface="Consolas" panose="020B0609020204030204" pitchFamily="49" charset="0"/>
+                <a:cs typeface="Segoe UI Light" panose="020B0502040204020203" pitchFamily="34" charset="0"/>
+              </a:rPr>
+              <a:t>'Field2 Internal Name'</a:t>
+            </a:r>
+            <a:r>
+              <a:rPr lang="en-US" sz="1300" dirty="0">
+                <a:solidFill>
+                  <a:srgbClr val="000000"/>
+                </a:solidFill>
+                <a:latin typeface="Consolas" panose="020B0609020204030204" pitchFamily="49" charset="0"/>
+                <a:cs typeface="Segoe UI Light" panose="020B0502040204020203" pitchFamily="34" charset="0"/>
+              </a:rPr>
+              <a:t>: {</a:t>
+            </a:r>
+          </a:p>
+          <a:p>
+            <a:pPr marL="0" lvl="0" indent="0">
+              <a:lnSpc>
+                <a:spcPct val="120000"/>
+              </a:lnSpc>
+              <a:spcBef>
+                <a:spcPts val="0"/>
+              </a:spcBef>
+              <a:buNone/>
+            </a:pPr>
+            <a:r>
+              <a:rPr lang="en-US" sz="1300" dirty="0">
+                <a:solidFill>
+                  <a:srgbClr val="000000"/>
+                </a:solidFill>
+                <a:latin typeface="Consolas" panose="020B0609020204030204" pitchFamily="49" charset="0"/>
+                <a:cs typeface="Segoe UI Light" panose="020B0502040204020203" pitchFamily="34" charset="0"/>
+              </a:rPr>
+              <a:t>                View: </a:t>
+            </a:r>
+            <a:r>
+              <a:rPr lang="en-US" sz="1300" dirty="0">
+                <a:solidFill>
+                  <a:srgbClr val="008000"/>
+                </a:solidFill>
+                <a:latin typeface="Consolas" panose="020B0609020204030204" pitchFamily="49" charset="0"/>
+                <a:cs typeface="Segoe UI Light" panose="020B0502040204020203" pitchFamily="34" charset="0"/>
+              </a:rPr>
+              <a:t>/* single function or string */</a:t>
+            </a:r>
+            <a:r>
+              <a:rPr lang="en-US" sz="1300" dirty="0">
+                <a:solidFill>
+                  <a:srgbClr val="000000"/>
+                </a:solidFill>
+                <a:latin typeface="Consolas" panose="020B0609020204030204" pitchFamily="49" charset="0"/>
+                <a:cs typeface="Segoe UI Light" panose="020B0502040204020203" pitchFamily="34" charset="0"/>
+              </a:rPr>
+              <a:t>,</a:t>
+            </a:r>
+          </a:p>
+          <a:p>
+            <a:pPr marL="0" lvl="0" indent="0">
+              <a:lnSpc>
+                <a:spcPct val="120000"/>
+              </a:lnSpc>
+              <a:spcBef>
+                <a:spcPts val="0"/>
+              </a:spcBef>
+              <a:buNone/>
+            </a:pPr>
+            <a:r>
+              <a:rPr lang="en-US" sz="1300" dirty="0">
+                <a:solidFill>
+                  <a:srgbClr val="000000"/>
+                </a:solidFill>
+                <a:latin typeface="Consolas" panose="020B0609020204030204" pitchFamily="49" charset="0"/>
+                <a:cs typeface="Segoe UI Light" panose="020B0502040204020203" pitchFamily="34" charset="0"/>
+              </a:rPr>
+              <a:t>                EditForm: </a:t>
+            </a:r>
+            <a:r>
+              <a:rPr lang="en-US" sz="1300" dirty="0">
+                <a:solidFill>
+                  <a:srgbClr val="008000"/>
+                </a:solidFill>
+                <a:latin typeface="Consolas" panose="020B0609020204030204" pitchFamily="49" charset="0"/>
+                <a:cs typeface="Segoe UI Light" panose="020B0502040204020203" pitchFamily="34" charset="0"/>
+              </a:rPr>
+              <a:t>/* single function or string */</a:t>
+            </a:r>
+            <a:r>
+              <a:rPr lang="en-US" sz="1300" dirty="0">
+                <a:solidFill>
+                  <a:srgbClr val="000000"/>
+                </a:solidFill>
+                <a:latin typeface="Consolas" panose="020B0609020204030204" pitchFamily="49" charset="0"/>
+                <a:cs typeface="Segoe UI Light" panose="020B0502040204020203" pitchFamily="34" charset="0"/>
+              </a:rPr>
+              <a:t>,</a:t>
+            </a:r>
+          </a:p>
+          <a:p>
+            <a:pPr marL="0" lvl="0" indent="0">
+              <a:lnSpc>
+                <a:spcPct val="120000"/>
+              </a:lnSpc>
+              <a:spcBef>
+                <a:spcPts val="0"/>
+              </a:spcBef>
+              <a:buNone/>
+            </a:pPr>
+            <a:r>
+              <a:rPr lang="en-US" sz="1300" dirty="0">
+                <a:solidFill>
+                  <a:srgbClr val="000000"/>
+                </a:solidFill>
+                <a:latin typeface="Consolas" panose="020B0609020204030204" pitchFamily="49" charset="0"/>
+                <a:cs typeface="Segoe UI Light" panose="020B0502040204020203" pitchFamily="34" charset="0"/>
+              </a:rPr>
+              <a:t>                DisplayForm: </a:t>
+            </a:r>
+            <a:r>
+              <a:rPr lang="en-US" sz="1300" dirty="0">
+                <a:solidFill>
+                  <a:srgbClr val="008000"/>
+                </a:solidFill>
+                <a:latin typeface="Consolas" panose="020B0609020204030204" pitchFamily="49" charset="0"/>
+                <a:cs typeface="Segoe UI Light" panose="020B0502040204020203" pitchFamily="34" charset="0"/>
+              </a:rPr>
+              <a:t>/* single function or string */</a:t>
+            </a:r>
+            <a:r>
+              <a:rPr lang="en-US" sz="1300" dirty="0">
+                <a:solidFill>
+                  <a:srgbClr val="000000"/>
+                </a:solidFill>
+                <a:latin typeface="Consolas" panose="020B0609020204030204" pitchFamily="49" charset="0"/>
+                <a:cs typeface="Segoe UI Light" panose="020B0502040204020203" pitchFamily="34" charset="0"/>
+              </a:rPr>
+              <a:t>,</a:t>
+            </a:r>
+          </a:p>
+          <a:p>
+            <a:pPr marL="0" lvl="0" indent="0">
+              <a:lnSpc>
+                <a:spcPct val="120000"/>
+              </a:lnSpc>
+              <a:spcBef>
+                <a:spcPts val="0"/>
+              </a:spcBef>
+              <a:buNone/>
+            </a:pPr>
+            <a:r>
+              <a:rPr lang="en-US" sz="1300" dirty="0">
+                <a:solidFill>
+                  <a:srgbClr val="000000"/>
+                </a:solidFill>
+                <a:latin typeface="Consolas" panose="020B0609020204030204" pitchFamily="49" charset="0"/>
+                <a:cs typeface="Segoe UI Light" panose="020B0502040204020203" pitchFamily="34" charset="0"/>
+              </a:rPr>
+              <a:t>                NewForm: </a:t>
+            </a:r>
+            <a:r>
+              <a:rPr lang="en-US" sz="1300" dirty="0">
+                <a:solidFill>
+                  <a:srgbClr val="008000"/>
+                </a:solidFill>
+                <a:latin typeface="Consolas" panose="020B0609020204030204" pitchFamily="49" charset="0"/>
+                <a:cs typeface="Segoe UI Light" panose="020B0502040204020203" pitchFamily="34" charset="0"/>
+              </a:rPr>
+              <a:t>/* single function or string */</a:t>
+            </a:r>
+            <a:endParaRPr lang="en-US" sz="1300" dirty="0">
+              <a:solidFill>
+                <a:srgbClr val="000000"/>
+              </a:solidFill>
+              <a:latin typeface="Consolas" panose="020B0609020204030204" pitchFamily="49" charset="0"/>
+              <a:cs typeface="Segoe UI Light" panose="020B0502040204020203" pitchFamily="34" charset="0"/>
+            </a:endParaRPr>
+          </a:p>
+          <a:p>
+            <a:pPr marL="0" lvl="0" indent="0">
+              <a:lnSpc>
+                <a:spcPct val="120000"/>
+              </a:lnSpc>
+              <a:spcBef>
+                <a:spcPts val="0"/>
+              </a:spcBef>
+              <a:buNone/>
+            </a:pPr>
+            <a:r>
+              <a:rPr lang="en-US" sz="1300" dirty="0">
+                <a:solidFill>
+                  <a:srgbClr val="000000"/>
+                </a:solidFill>
+                <a:latin typeface="Consolas" panose="020B0609020204030204" pitchFamily="49" charset="0"/>
+                <a:cs typeface="Segoe UI Light" panose="020B0502040204020203" pitchFamily="34" charset="0"/>
+              </a:rPr>
+              <a:t>            },</a:t>
+            </a:r>
+          </a:p>
+          <a:p>
+            <a:pPr marL="0" lvl="0" indent="0">
+              <a:lnSpc>
+                <a:spcPct val="120000"/>
+              </a:lnSpc>
+              <a:spcBef>
+                <a:spcPts val="0"/>
+              </a:spcBef>
+              <a:buNone/>
+            </a:pPr>
+            <a:r>
+              <a:rPr lang="en-US" sz="1300" dirty="0">
+                <a:solidFill>
+                  <a:srgbClr val="000000"/>
+                </a:solidFill>
+                <a:latin typeface="Consolas" panose="020B0609020204030204" pitchFamily="49" charset="0"/>
+                <a:cs typeface="Segoe UI Light" panose="020B0502040204020203" pitchFamily="34" charset="0"/>
+              </a:rPr>
+              <a:t>        },</a:t>
+            </a:r>
+          </a:p>
+          <a:p>
+            <a:pPr marL="0" lvl="0" indent="0">
+              <a:lnSpc>
+                <a:spcPct val="120000"/>
+              </a:lnSpc>
+              <a:spcBef>
+                <a:spcPts val="0"/>
+              </a:spcBef>
+              <a:buNone/>
+            </a:pPr>
+            <a:r>
+              <a:rPr lang="en-US" sz="1300" dirty="0">
+                <a:solidFill>
+                  <a:srgbClr val="000000"/>
+                </a:solidFill>
+                <a:latin typeface="Consolas" panose="020B0609020204030204" pitchFamily="49" charset="0"/>
+                <a:cs typeface="Segoe UI Light" panose="020B0502040204020203" pitchFamily="34" charset="0"/>
+              </a:rPr>
+              <a:t>    },</a:t>
+            </a:r>
+          </a:p>
+          <a:p>
+            <a:pPr marL="0" lvl="0" indent="0">
+              <a:lnSpc>
+                <a:spcPct val="120000"/>
+              </a:lnSpc>
+              <a:spcBef>
+                <a:spcPts val="0"/>
+              </a:spcBef>
+              <a:buNone/>
+            </a:pPr>
+            <a:r>
+              <a:rPr lang="en-US" sz="1300" dirty="0">
+                <a:solidFill>
+                  <a:srgbClr val="000000"/>
+                </a:solidFill>
+                <a:latin typeface="Consolas" panose="020B0609020204030204" pitchFamily="49" charset="0"/>
+                <a:cs typeface="Segoe UI Light" panose="020B0502040204020203" pitchFamily="34" charset="0"/>
+              </a:rPr>
+              <a:t>    OnPostRender: </a:t>
+            </a:r>
+            <a:r>
+              <a:rPr lang="en-US" sz="1300" dirty="0">
+                <a:solidFill>
+                  <a:srgbClr val="008000"/>
+                </a:solidFill>
+                <a:latin typeface="Consolas" panose="020B0609020204030204" pitchFamily="49" charset="0"/>
+                <a:cs typeface="Segoe UI Light" panose="020B0502040204020203" pitchFamily="34" charset="0"/>
+              </a:rPr>
+              <a:t>/* function or array of functions */</a:t>
+            </a:r>
+            <a:endParaRPr lang="en-US" sz="1300" dirty="0">
+              <a:solidFill>
+                <a:srgbClr val="000000"/>
+              </a:solidFill>
+              <a:latin typeface="Consolas" panose="020B0609020204030204" pitchFamily="49" charset="0"/>
+              <a:cs typeface="Segoe UI Light" panose="020B0502040204020203" pitchFamily="34" charset="0"/>
+            </a:endParaRPr>
+          </a:p>
+          <a:p>
+            <a:pPr marL="0" lvl="0" indent="0">
+              <a:lnSpc>
+                <a:spcPct val="120000"/>
+              </a:lnSpc>
+              <a:spcBef>
+                <a:spcPts val="0"/>
+              </a:spcBef>
+              <a:buNone/>
+            </a:pPr>
+            <a:r>
+              <a:rPr lang="en-US" sz="1300" dirty="0">
+                <a:solidFill>
+                  <a:srgbClr val="000000"/>
+                </a:solidFill>
+                <a:latin typeface="Consolas" panose="020B0609020204030204" pitchFamily="49" charset="0"/>
+                <a:cs typeface="Segoe UI Light" panose="020B0502040204020203" pitchFamily="34" charset="0"/>
+              </a:rPr>
+              <a:t>};</a:t>
+            </a:r>
+            <a:endParaRPr lang="en-US" sz="1300" dirty="0">
               <a:solidFill>
                 <a:prstClr val="black"/>
               </a:solidFill>
@@ -23626,12 +24313,15 @@
               <a:cs typeface="Segoe UI Light" panose="020B0502040204020203" pitchFamily="34" charset="0"/>
             </a:endParaRPr>
           </a:p>
+          <a:p>
+            <a:endParaRPr lang="en-US" dirty="0"/>
+          </a:p>
         </p:txBody>
       </p:sp>
     </p:spTree>
     <p:extLst>
       <p:ext uri="{BB962C8B-B14F-4D97-AF65-F5344CB8AC3E}">
-        <p14:creationId xmlns:p14="http://schemas.microsoft.com/office/powerpoint/2010/main" val="3599726420"/>
+        <p14:creationId xmlns:p14="http://schemas.microsoft.com/office/powerpoint/2010/main" val="3172607446"/>
       </p:ext>
     </p:extLst>
   </p:cSld>
@@ -24727,15 +25417,6 @@
 </file>
 
 <file path=customXml/item1.xml><?xml version="1.0" encoding="utf-8"?>
-<?mso-contentType ?>
-<FormTemplates xmlns="http://schemas.microsoft.com/sharepoint/v3/contenttype/forms">
-  <Display>DocumentLibraryForm</Display>
-  <Edit>DocumentLibraryForm</Edit>
-  <New>DocumentLibraryForm</New>
-</FormTemplates>
-</file>
-
-<file path=customXml/item2.xml><?xml version="1.0" encoding="utf-8"?>
 <ct:contentTypeSchema xmlns:ct="http://schemas.microsoft.com/office/2006/metadata/contentType" xmlns:ma="http://schemas.microsoft.com/office/2006/metadata/properties/metaAttributes" ct:_="" ma:_="" ma:contentTypeName="Unknown Document Type" ma:contentTypeID="0x010104" ma:contentTypeVersion="0" ma:contentTypeDescription="" ma:contentTypeScope="" ma:versionID="05d83ceaa0bbd2e3bc716e6e66bd857a">
   <xsd:schema xmlns:xsd="http://www.w3.org/2001/XMLSchema" xmlns:xs="http://www.w3.org/2001/XMLSchema" xmlns:p="http://schemas.microsoft.com/office/2006/metadata/properties" targetNamespace="http://schemas.microsoft.com/office/2006/metadata/properties" ma:root="true" ma:fieldsID="b3d69fe45253d5ff147bb69036b756a7">
     <xsd:element name="properties">
@@ -24849,6 +25530,15 @@
 </ct:contentTypeSchema>
 </file>
 
+<file path=customXml/item2.xml><?xml version="1.0" encoding="utf-8"?>
+<?mso-contentType ?>
+<FormTemplates xmlns="http://schemas.microsoft.com/sharepoint/v3/contenttype/forms">
+  <Display>DocumentLibraryForm</Display>
+  <Edit>DocumentLibraryForm</Edit>
+  <New>DocumentLibraryForm</New>
+</FormTemplates>
+</file>
+
 <file path=customXml/item3.xml><?xml version="1.0" encoding="utf-8"?>
 <p:properties xmlns:p="http://schemas.microsoft.com/office/2006/metadata/properties" xmlns:xsi="http://www.w3.org/2001/XMLSchema-instance" xmlns:pc="http://schemas.microsoft.com/office/infopath/2007/PartnerControls">
   <documentManagement/>
@@ -24856,14 +25546,6 @@
 </file>
 
 <file path=customXml/itemProps1.xml><?xml version="1.0" encoding="utf-8"?>
-<ds:datastoreItem xmlns:ds="http://schemas.openxmlformats.org/officeDocument/2006/customXml" ds:itemID="{BD3838D6-D387-47DB-98DE-E6AD820770DE}">
-  <ds:schemaRefs>
-    <ds:schemaRef ds:uri="http://schemas.microsoft.com/sharepoint/v3/contenttype/forms"/>
-  </ds:schemaRefs>
-</ds:datastoreItem>
-</file>
-
-<file path=customXml/itemProps2.xml><?xml version="1.0" encoding="utf-8"?>
 <ds:datastoreItem xmlns:ds="http://schemas.openxmlformats.org/officeDocument/2006/customXml" ds:itemID="{25DF74AC-AFCB-44E7-907E-698D70C63A06}">
   <ds:schemaRefs>
     <ds:schemaRef ds:uri="http://schemas.microsoft.com/office/2006/metadata/contentType"/>
@@ -24875,6 +25557,14 @@
     <ds:schemaRef ds:uri="http://purl.org/dc/terms/"/>
     <ds:schemaRef ds:uri="http://schemas.microsoft.com/internal/obd"/>
     <ds:schemaRef ds:uri="http://schemas.microsoft.com/office/infopath/2007/PartnerControls"/>
+  </ds:schemaRefs>
+</ds:datastoreItem>
+</file>
+
+<file path=customXml/itemProps2.xml><?xml version="1.0" encoding="utf-8"?>
+<ds:datastoreItem xmlns:ds="http://schemas.openxmlformats.org/officeDocument/2006/customXml" ds:itemID="{BD3838D6-D387-47DB-98DE-E6AD820770DE}">
+  <ds:schemaRefs>
+    <ds:schemaRef ds:uri="http://schemas.microsoft.com/sharepoint/v3/contenttype/forms"/>
   </ds:schemaRefs>
 </ds:datastoreItem>
 </file>
